--- a/slide/GUI & Usability testing group 20.pptx
+++ b/slide/GUI & Usability testing group 20.pptx
@@ -18,7 +18,14 @@
     <p:sldId id="266" r:id="rId12"/>
     <p:sldId id="267" r:id="rId13"/>
     <p:sldId id="269" r:id="rId14"/>
-    <p:sldId id="268" r:id="rId15"/>
+    <p:sldId id="270" r:id="rId15"/>
+    <p:sldId id="271" r:id="rId16"/>
+    <p:sldId id="272" r:id="rId17"/>
+    <p:sldId id="273" r:id="rId18"/>
+    <p:sldId id="274" r:id="rId19"/>
+    <p:sldId id="275" r:id="rId20"/>
+    <p:sldId id="268" r:id="rId21"/>
+    <p:sldId id="276" r:id="rId22"/>
   </p:sldIdLst>
   <p:sldSz cx="12192000" cy="6858000"/>
   <p:notesSz cx="6858000" cy="9144000"/>
@@ -296,7 +303,7 @@
           <a:p>
             <a:fld id="{48A87A34-81AB-432B-8DAE-1953F412C126}" type="datetimeFigureOut">
               <a:rPr lang="en-US" dirty="0"/>
-              <a:t>11/23/2015</a:t>
+              <a:t>11/28/2015</a:t>
             </a:fld>
             <a:endParaRPr lang="en-US" dirty="0"/>
           </a:p>
@@ -603,7 +610,7 @@
           <a:p>
             <a:fld id="{48A87A34-81AB-432B-8DAE-1953F412C126}" type="datetimeFigureOut">
               <a:rPr lang="en-US" dirty="0"/>
-              <a:t>11/23/2015</a:t>
+              <a:t>11/28/2015</a:t>
             </a:fld>
             <a:endParaRPr lang="en-US" dirty="0"/>
           </a:p>
@@ -820,7 +827,7 @@
           <a:p>
             <a:fld id="{48A87A34-81AB-432B-8DAE-1953F412C126}" type="datetimeFigureOut">
               <a:rPr lang="en-US" dirty="0"/>
-              <a:t>11/23/2015</a:t>
+              <a:t>11/28/2015</a:t>
             </a:fld>
             <a:endParaRPr lang="en-US" dirty="0"/>
           </a:p>
@@ -1106,7 +1113,7 @@
           <a:p>
             <a:fld id="{48A87A34-81AB-432B-8DAE-1953F412C126}" type="datetimeFigureOut">
               <a:rPr lang="en-US" dirty="0"/>
-              <a:t>11/23/2015</a:t>
+              <a:t>11/28/2015</a:t>
             </a:fld>
             <a:endParaRPr lang="en-US" dirty="0"/>
           </a:p>
@@ -1555,7 +1562,7 @@
           <a:p>
             <a:fld id="{48A87A34-81AB-432B-8DAE-1953F412C126}" type="datetimeFigureOut">
               <a:rPr lang="en-US" dirty="0"/>
-              <a:t>11/23/2015</a:t>
+              <a:t>11/28/2015</a:t>
             </a:fld>
             <a:endParaRPr lang="en-US" dirty="0"/>
           </a:p>
@@ -2126,7 +2133,7 @@
           <a:p>
             <a:fld id="{48A87A34-81AB-432B-8DAE-1953F412C126}" type="datetimeFigureOut">
               <a:rPr lang="en-US" dirty="0"/>
-              <a:t>11/23/2015</a:t>
+              <a:t>11/28/2015</a:t>
             </a:fld>
             <a:endParaRPr lang="en-US" dirty="0"/>
           </a:p>
@@ -2973,7 +2980,7 @@
           <a:p>
             <a:fld id="{48A87A34-81AB-432B-8DAE-1953F412C126}" type="datetimeFigureOut">
               <a:rPr lang="en-US" dirty="0"/>
-              <a:t>11/23/2015</a:t>
+              <a:t>11/28/2015</a:t>
             </a:fld>
             <a:endParaRPr lang="en-US" dirty="0"/>
           </a:p>
@@ -3173,7 +3180,7 @@
           <a:p>
             <a:fld id="{48A87A34-81AB-432B-8DAE-1953F412C126}" type="datetimeFigureOut">
               <a:rPr lang="en-US" dirty="0"/>
-              <a:t>11/23/2015</a:t>
+              <a:t>11/28/2015</a:t>
             </a:fld>
             <a:endParaRPr lang="en-US" dirty="0"/>
           </a:p>
@@ -3382,7 +3389,7 @@
           <a:p>
             <a:fld id="{48A87A34-81AB-432B-8DAE-1953F412C126}" type="datetimeFigureOut">
               <a:rPr lang="en-US" dirty="0"/>
-              <a:t>11/23/2015</a:t>
+              <a:t>11/28/2015</a:t>
             </a:fld>
             <a:endParaRPr lang="en-US" dirty="0"/>
           </a:p>
@@ -3582,7 +3589,7 @@
           <a:p>
             <a:fld id="{48A87A34-81AB-432B-8DAE-1953F412C126}" type="datetimeFigureOut">
               <a:rPr lang="en-US" dirty="0"/>
-              <a:t>11/23/2015</a:t>
+              <a:t>11/28/2015</a:t>
             </a:fld>
             <a:endParaRPr lang="en-US" dirty="0"/>
           </a:p>
@@ -3857,7 +3864,7 @@
           <a:p>
             <a:fld id="{48A87A34-81AB-432B-8DAE-1953F412C126}" type="datetimeFigureOut">
               <a:rPr lang="en-US" dirty="0"/>
-              <a:t>11/23/2015</a:t>
+              <a:t>11/28/2015</a:t>
             </a:fld>
             <a:endParaRPr lang="en-US" dirty="0"/>
           </a:p>
@@ -4119,7 +4126,7 @@
           <a:p>
             <a:fld id="{48A87A34-81AB-432B-8DAE-1953F412C126}" type="datetimeFigureOut">
               <a:rPr lang="en-US" dirty="0"/>
-              <a:t>11/23/2015</a:t>
+              <a:t>11/28/2015</a:t>
             </a:fld>
             <a:endParaRPr lang="en-US" dirty="0"/>
           </a:p>
@@ -4529,7 +4536,7 @@
           <a:p>
             <a:fld id="{48A87A34-81AB-432B-8DAE-1953F412C126}" type="datetimeFigureOut">
               <a:rPr lang="en-US" dirty="0"/>
-              <a:t>11/23/2015</a:t>
+              <a:t>11/28/2015</a:t>
             </a:fld>
             <a:endParaRPr lang="en-US" dirty="0"/>
           </a:p>
@@ -4672,7 +4679,7 @@
           <a:p>
             <a:fld id="{48A87A34-81AB-432B-8DAE-1953F412C126}" type="datetimeFigureOut">
               <a:rPr lang="en-US" dirty="0"/>
-              <a:t>11/23/2015</a:t>
+              <a:t>11/28/2015</a:t>
             </a:fld>
             <a:endParaRPr lang="en-US" dirty="0"/>
           </a:p>
@@ -4792,7 +4799,7 @@
           <a:p>
             <a:fld id="{48A87A34-81AB-432B-8DAE-1953F412C126}" type="datetimeFigureOut">
               <a:rPr lang="en-US" dirty="0"/>
-              <a:t>11/23/2015</a:t>
+              <a:t>11/28/2015</a:t>
             </a:fld>
             <a:endParaRPr lang="en-US" dirty="0"/>
           </a:p>
@@ -5066,7 +5073,7 @@
           <a:p>
             <a:fld id="{48A87A34-81AB-432B-8DAE-1953F412C126}" type="datetimeFigureOut">
               <a:rPr lang="en-US" dirty="0"/>
-              <a:t>11/23/2015</a:t>
+              <a:t>11/28/2015</a:t>
             </a:fld>
             <a:endParaRPr lang="en-US" dirty="0"/>
           </a:p>
@@ -5373,7 +5380,7 @@
           <a:p>
             <a:fld id="{48A87A34-81AB-432B-8DAE-1953F412C126}" type="datetimeFigureOut">
               <a:rPr lang="en-US" dirty="0"/>
-              <a:t>11/23/2015</a:t>
+              <a:t>11/28/2015</a:t>
             </a:fld>
             <a:endParaRPr lang="en-US" dirty="0"/>
           </a:p>
@@ -5622,7 +5629,7 @@
             <a:fld id="{48A87A34-81AB-432B-8DAE-1953F412C126}" type="datetimeFigureOut">
               <a:rPr lang="en-US" dirty="0"/>
               <a:pPr/>
-              <a:t>11/23/2015</a:t>
+              <a:t>11/28/2015</a:t>
             </a:fld>
             <a:endParaRPr lang="en-US" dirty="0"/>
           </a:p>
@@ -7668,18 +7675,493 @@
           <a:bodyPr/>
           <a:lstStyle/>
           <a:p>
-            <a:endParaRPr lang="en-US"/>
-          </a:p>
-        </p:txBody>
-      </p:sp>
-      <p:sp>
-        <p:nvSpPr>
-          <p:cNvPr id="3" name="Chỗ dành sẵn cho Nội dung 2"/>
+            <a:r>
+              <a:rPr lang="en-US" dirty="0" smtClean="0">
+                <a:latin typeface="Times New Roman" panose="02020603050405020304" pitchFamily="18" charset="0"/>
+                <a:cs typeface="Times New Roman" panose="02020603050405020304" pitchFamily="18" charset="0"/>
+              </a:rPr>
+              <a:t>Test </a:t>
+            </a:r>
+            <a:r>
+              <a:rPr lang="en-US" dirty="0" err="1" smtClean="0">
+                <a:latin typeface="Times New Roman" panose="02020603050405020304" pitchFamily="18" charset="0"/>
+                <a:cs typeface="Times New Roman" panose="02020603050405020304" pitchFamily="18" charset="0"/>
+              </a:rPr>
+              <a:t>gui</a:t>
+            </a:r>
+            <a:r>
+              <a:rPr lang="en-US" dirty="0" smtClean="0">
+                <a:latin typeface="Times New Roman" panose="02020603050405020304" pitchFamily="18" charset="0"/>
+                <a:cs typeface="Times New Roman" panose="02020603050405020304" pitchFamily="18" charset="0"/>
+              </a:rPr>
+              <a:t> </a:t>
+            </a:r>
+            <a:r>
+              <a:rPr lang="en-US" dirty="0" err="1" smtClean="0">
+                <a:latin typeface="Times New Roman" panose="02020603050405020304" pitchFamily="18" charset="0"/>
+                <a:cs typeface="Times New Roman" panose="02020603050405020304" pitchFamily="18" charset="0"/>
+              </a:rPr>
+              <a:t>như</a:t>
+            </a:r>
+            <a:r>
+              <a:rPr lang="en-US" dirty="0" smtClean="0">
+                <a:latin typeface="Times New Roman" panose="02020603050405020304" pitchFamily="18" charset="0"/>
+                <a:cs typeface="Times New Roman" panose="02020603050405020304" pitchFamily="18" charset="0"/>
+              </a:rPr>
+              <a:t> </a:t>
+            </a:r>
+            <a:r>
+              <a:rPr lang="en-US" dirty="0" err="1" smtClean="0">
+                <a:latin typeface="Times New Roman" panose="02020603050405020304" pitchFamily="18" charset="0"/>
+                <a:cs typeface="Times New Roman" panose="02020603050405020304" pitchFamily="18" charset="0"/>
+              </a:rPr>
+              <a:t>thế</a:t>
+            </a:r>
+            <a:r>
+              <a:rPr lang="en-US" dirty="0" smtClean="0">
+                <a:latin typeface="Times New Roman" panose="02020603050405020304" pitchFamily="18" charset="0"/>
+                <a:cs typeface="Times New Roman" panose="02020603050405020304" pitchFamily="18" charset="0"/>
+              </a:rPr>
+              <a:t> </a:t>
+            </a:r>
+            <a:r>
+              <a:rPr lang="en-US" dirty="0" err="1" smtClean="0">
+                <a:latin typeface="Times New Roman" panose="02020603050405020304" pitchFamily="18" charset="0"/>
+                <a:cs typeface="Times New Roman" panose="02020603050405020304" pitchFamily="18" charset="0"/>
+              </a:rPr>
+              <a:t>nào</a:t>
+            </a:r>
+            <a:r>
+              <a:rPr lang="en-US" dirty="0" smtClean="0">
+                <a:latin typeface="Times New Roman" panose="02020603050405020304" pitchFamily="18" charset="0"/>
+                <a:cs typeface="Times New Roman" panose="02020603050405020304" pitchFamily="18" charset="0"/>
+              </a:rPr>
+              <a:t> ?</a:t>
+            </a:r>
+            <a:endParaRPr lang="en-US" dirty="0">
+              <a:latin typeface="Times New Roman" panose="02020603050405020304" pitchFamily="18" charset="0"/>
+              <a:cs typeface="Times New Roman" panose="02020603050405020304" pitchFamily="18" charset="0"/>
+            </a:endParaRPr>
+          </a:p>
+        </p:txBody>
+      </p:sp>
+      <p:sp>
+        <p:nvSpPr>
+          <p:cNvPr id="5" name="Hộp Văn bản 4"/>
+          <p:cNvSpPr txBox="1"/>
+          <p:nvPr/>
+        </p:nvSpPr>
+        <p:spPr>
+          <a:xfrm>
+            <a:off x="631065" y="1867437"/>
+            <a:ext cx="10959921" cy="523220"/>
+          </a:xfrm>
+          <a:prstGeom prst="rect">
+            <a:avLst/>
+          </a:prstGeom>
+          <a:noFill/>
+        </p:spPr>
+        <p:txBody>
+          <a:bodyPr wrap="square" rtlCol="0">
+            <a:spAutoFit/>
+          </a:bodyPr>
+          <a:lstStyle/>
+          <a:p>
+            <a:r>
+              <a:rPr lang="en-US" sz="2800" dirty="0" smtClean="0">
+                <a:latin typeface="Times New Roman" panose="02020603050405020304" pitchFamily="18" charset="0"/>
+                <a:cs typeface="Times New Roman" panose="02020603050405020304" pitchFamily="18" charset="0"/>
+              </a:rPr>
+              <a:t>Application testing</a:t>
+            </a:r>
+            <a:endParaRPr lang="en-US" sz="2800" dirty="0">
+              <a:latin typeface="Times New Roman" panose="02020603050405020304" pitchFamily="18" charset="0"/>
+              <a:cs typeface="Times New Roman" panose="02020603050405020304" pitchFamily="18" charset="0"/>
+            </a:endParaRPr>
+          </a:p>
+        </p:txBody>
+      </p:sp>
+      <p:sp>
+        <p:nvSpPr>
+          <p:cNvPr id="4" name="Hộp Văn bản 3"/>
+          <p:cNvSpPr txBox="1"/>
+          <p:nvPr/>
+        </p:nvSpPr>
+        <p:spPr>
+          <a:xfrm>
+            <a:off x="721217" y="2575775"/>
+            <a:ext cx="10779617" cy="400110"/>
+          </a:xfrm>
+          <a:prstGeom prst="rect">
+            <a:avLst/>
+          </a:prstGeom>
+          <a:noFill/>
+        </p:spPr>
+        <p:txBody>
+          <a:bodyPr wrap="square" rtlCol="0">
+            <a:spAutoFit/>
+          </a:bodyPr>
+          <a:lstStyle/>
+          <a:p>
+            <a:endParaRPr lang="fr-FR" sz="2000" dirty="0" smtClean="0">
+              <a:latin typeface="Times New Roman" panose="02020603050405020304" pitchFamily="18" charset="0"/>
+              <a:cs typeface="Times New Roman" panose="02020603050405020304" pitchFamily="18" charset="0"/>
+            </a:endParaRPr>
+          </a:p>
+        </p:txBody>
+      </p:sp>
+      <p:graphicFrame>
+        <p:nvGraphicFramePr>
+          <p:cNvPr id="3" name="Bảng 2"/>
+          <p:cNvGraphicFramePr>
+            <a:graphicFrameLocks noGrp="1"/>
+          </p:cNvGraphicFramePr>
+          <p:nvPr>
+            <p:extLst>
+              <p:ext uri="{D42A27DB-BD31-4B8C-83A1-F6EECF244321}">
+                <p14:modId xmlns:p14="http://schemas.microsoft.com/office/powerpoint/2010/main" val="1532201003"/>
+              </p:ext>
+            </p:extLst>
+          </p:nvPr>
+        </p:nvGraphicFramePr>
+        <p:xfrm>
+          <a:off x="721217" y="2701635"/>
+          <a:ext cx="10557008" cy="3449783"/>
+        </p:xfrm>
+        <a:graphic>
+          <a:graphicData uri="http://schemas.openxmlformats.org/drawingml/2006/table">
+            <a:tbl>
+              <a:tblPr firstRow="1" bandRow="1">
+                <a:tableStyleId>{21E4AEA4-8DFA-4A89-87EB-49C32662AFE0}</a:tableStyleId>
+              </a:tblPr>
+              <a:tblGrid>
+                <a:gridCol w="5278504"/>
+                <a:gridCol w="5278504"/>
+              </a:tblGrid>
+              <a:tr h="495980">
+                <a:tc>
+                  <a:txBody>
+                    <a:bodyPr/>
+                    <a:lstStyle/>
+                    <a:p>
+                      <a:pPr algn="ctr"/>
+                      <a:r>
+                        <a:rPr lang="en-US" sz="2000" dirty="0" smtClean="0">
+                          <a:solidFill>
+                            <a:sysClr val="windowText" lastClr="000000"/>
+                          </a:solidFill>
+                        </a:rPr>
+                        <a:t>Technique</a:t>
+                      </a:r>
+                      <a:endParaRPr lang="en-US" sz="2000" dirty="0">
+                        <a:solidFill>
+                          <a:sysClr val="windowText" lastClr="000000"/>
+                        </a:solidFill>
+                      </a:endParaRPr>
+                    </a:p>
+                  </a:txBody>
+                  <a:tcPr/>
+                </a:tc>
+                <a:tc>
+                  <a:txBody>
+                    <a:bodyPr/>
+                    <a:lstStyle/>
+                    <a:p>
+                      <a:pPr marL="0" marR="0" indent="0" algn="ctr" defTabSz="914400" rtl="0" eaLnBrk="1" fontAlgn="auto" latinLnBrk="0" hangingPunct="1">
+                        <a:lnSpc>
+                          <a:spcPct val="100000"/>
+                        </a:lnSpc>
+                        <a:spcBef>
+                          <a:spcPts val="0"/>
+                        </a:spcBef>
+                        <a:spcAft>
+                          <a:spcPts val="0"/>
+                        </a:spcAft>
+                        <a:buClrTx/>
+                        <a:buSzTx/>
+                        <a:buFontTx/>
+                        <a:buNone/>
+                        <a:tabLst/>
+                        <a:defRPr/>
+                      </a:pPr>
+                      <a:r>
+                        <a:rPr lang="en-US" sz="2000" dirty="0" smtClean="0">
+                          <a:solidFill>
+                            <a:sysClr val="windowText" lastClr="000000"/>
+                          </a:solidFill>
+                        </a:rPr>
+                        <a:t>Used</a:t>
+                      </a:r>
+                      <a:r>
+                        <a:rPr lang="en-US" sz="2000" baseline="0" dirty="0" smtClean="0">
+                          <a:solidFill>
+                            <a:sysClr val="windowText" lastClr="000000"/>
+                          </a:solidFill>
+                        </a:rPr>
+                        <a:t> to test</a:t>
+                      </a:r>
+                      <a:endParaRPr lang="en-US" sz="2000" dirty="0">
+                        <a:solidFill>
+                          <a:schemeClr val="tx1">
+                            <a:lumMod val="95000"/>
+                            <a:lumOff val="5000"/>
+                          </a:schemeClr>
+                        </a:solidFill>
+                      </a:endParaRPr>
+                    </a:p>
+                  </a:txBody>
+                  <a:tcPr/>
+                </a:tc>
+              </a:tr>
+              <a:tr h="860238">
+                <a:tc>
+                  <a:txBody>
+                    <a:bodyPr/>
+                    <a:lstStyle/>
+                    <a:p>
+                      <a:r>
+                        <a:rPr lang="en-US" sz="2000" b="0" i="0" u="none" strike="noStrike" kern="1200" baseline="0" dirty="0" smtClean="0">
+                          <a:solidFill>
+                            <a:schemeClr val="dk1"/>
+                          </a:solidFill>
+                          <a:latin typeface="+mn-lt"/>
+                          <a:ea typeface="+mn-ea"/>
+                          <a:cs typeface="+mn-cs"/>
+                        </a:rPr>
+                        <a:t>Equivalence Partitions and Boundary Value Analysis</a:t>
+                      </a:r>
+                      <a:endParaRPr lang="en-US" sz="2000" dirty="0"/>
+                    </a:p>
+                  </a:txBody>
+                  <a:tcPr/>
+                </a:tc>
+                <a:tc>
+                  <a:txBody>
+                    <a:bodyPr/>
+                    <a:lstStyle/>
+                    <a:p>
+                      <a:pPr marL="285750" indent="-285750">
+                        <a:buFont typeface="Arial" panose="020B0604020202020204" pitchFamily="34" charset="0"/>
+                        <a:buChar char="•"/>
+                      </a:pPr>
+                      <a:r>
+                        <a:rPr lang="en-US" sz="2000" b="0" i="0" u="none" strike="noStrike" kern="1200" baseline="0" dirty="0" smtClean="0">
+                          <a:solidFill>
+                            <a:schemeClr val="dk1"/>
+                          </a:solidFill>
+                          <a:latin typeface="+mn-lt"/>
+                          <a:ea typeface="+mn-ea"/>
+                          <a:cs typeface="+mn-cs"/>
+                        </a:rPr>
+                        <a:t>Input validation</a:t>
+                      </a:r>
+                    </a:p>
+                    <a:p>
+                      <a:pPr marL="285750" indent="-285750">
+                        <a:buFont typeface="Arial" panose="020B0604020202020204" pitchFamily="34" charset="0"/>
+                        <a:buChar char="•"/>
+                      </a:pPr>
+                      <a:r>
+                        <a:rPr lang="en-US" sz="2000" b="0" i="0" u="none" strike="noStrike" kern="1200" baseline="0" dirty="0" smtClean="0">
+                          <a:solidFill>
+                            <a:schemeClr val="dk1"/>
+                          </a:solidFill>
+                          <a:latin typeface="+mn-lt"/>
+                          <a:ea typeface="+mn-ea"/>
+                          <a:cs typeface="+mn-cs"/>
+                        </a:rPr>
+                        <a:t>Simple rule-based processing</a:t>
+                      </a:r>
+                      <a:endParaRPr lang="en-US" sz="2000" dirty="0"/>
+                    </a:p>
+                  </a:txBody>
+                  <a:tcPr/>
+                </a:tc>
+              </a:tr>
+              <a:tr h="495980">
+                <a:tc>
+                  <a:txBody>
+                    <a:bodyPr/>
+                    <a:lstStyle/>
+                    <a:p>
+                      <a:r>
+                        <a:rPr lang="en-US" sz="2000" b="0" i="0" u="none" strike="noStrike" kern="1200" baseline="0" dirty="0" smtClean="0">
+                          <a:solidFill>
+                            <a:schemeClr val="dk1"/>
+                          </a:solidFill>
+                          <a:latin typeface="+mn-lt"/>
+                          <a:ea typeface="+mn-ea"/>
+                          <a:cs typeface="+mn-cs"/>
+                        </a:rPr>
+                        <a:t>Decision Tables</a:t>
+                      </a:r>
+                      <a:endParaRPr lang="en-US" sz="2000" dirty="0"/>
+                    </a:p>
+                  </a:txBody>
+                  <a:tcPr/>
+                </a:tc>
+                <a:tc>
+                  <a:txBody>
+                    <a:bodyPr/>
+                    <a:lstStyle/>
+                    <a:p>
+                      <a:pPr marL="285750" indent="-285750">
+                        <a:buFont typeface="Arial" panose="020B0604020202020204" pitchFamily="34" charset="0"/>
+                        <a:buChar char="•"/>
+                      </a:pPr>
+                      <a:r>
+                        <a:rPr lang="en-US" sz="2000" b="0" i="0" u="none" strike="noStrike" kern="1200" baseline="0" dirty="0" smtClean="0">
+                          <a:solidFill>
+                            <a:schemeClr val="dk1"/>
+                          </a:solidFill>
+                          <a:latin typeface="+mn-lt"/>
+                          <a:ea typeface="+mn-ea"/>
+                          <a:cs typeface="+mn-cs"/>
+                        </a:rPr>
+                        <a:t>Complex logic or rule-based processing</a:t>
+                      </a:r>
+                      <a:endParaRPr lang="en-US" sz="2000" dirty="0"/>
+                    </a:p>
+                  </a:txBody>
+                  <a:tcPr/>
+                </a:tc>
+              </a:tr>
+              <a:tr h="1597585">
+                <a:tc>
+                  <a:txBody>
+                    <a:bodyPr/>
+                    <a:lstStyle/>
+                    <a:p>
+                      <a:r>
+                        <a:rPr lang="en-US" sz="2000" b="0" i="0" u="none" strike="noStrike" kern="1200" baseline="0" dirty="0" smtClean="0">
+                          <a:solidFill>
+                            <a:schemeClr val="dk1"/>
+                          </a:solidFill>
+                          <a:latin typeface="+mn-lt"/>
+                          <a:ea typeface="+mn-ea"/>
+                          <a:cs typeface="+mn-cs"/>
+                        </a:rPr>
+                        <a:t>State-transition testing</a:t>
+                      </a:r>
+                      <a:endParaRPr lang="en-US" sz="2000" dirty="0"/>
+                    </a:p>
+                  </a:txBody>
+                  <a:tcPr/>
+                </a:tc>
+                <a:tc>
+                  <a:txBody>
+                    <a:bodyPr/>
+                    <a:lstStyle/>
+                    <a:p>
+                      <a:pPr marL="285750" indent="-285750">
+                        <a:buFont typeface="Arial" panose="020B0604020202020204" pitchFamily="34" charset="0"/>
+                        <a:buChar char="•"/>
+                      </a:pPr>
+                      <a:r>
+                        <a:rPr lang="en-US" sz="2000" b="0" i="0" u="none" strike="noStrike" kern="1200" baseline="0" dirty="0" smtClean="0">
+                          <a:solidFill>
+                            <a:schemeClr val="dk1"/>
+                          </a:solidFill>
+                          <a:latin typeface="+mn-lt"/>
+                          <a:ea typeface="+mn-ea"/>
+                          <a:cs typeface="+mn-cs"/>
+                        </a:rPr>
+                        <a:t>Applications with modes or states where processing </a:t>
+                      </a:r>
+                      <a:r>
+                        <a:rPr lang="en-US" sz="2000" b="0" i="0" u="none" strike="noStrike" kern="1200" baseline="0" dirty="0" err="1" smtClean="0">
+                          <a:solidFill>
+                            <a:schemeClr val="dk1"/>
+                          </a:solidFill>
+                          <a:latin typeface="+mn-lt"/>
+                          <a:ea typeface="+mn-ea"/>
+                          <a:cs typeface="+mn-cs"/>
+                        </a:rPr>
+                        <a:t>behaviour</a:t>
+                      </a:r>
+                      <a:r>
+                        <a:rPr lang="en-US" sz="2000" b="0" i="0" u="none" strike="noStrike" kern="1200" baseline="0" dirty="0" smtClean="0">
+                          <a:solidFill>
+                            <a:schemeClr val="dk1"/>
+                          </a:solidFill>
+                          <a:latin typeface="+mn-lt"/>
+                          <a:ea typeface="+mn-ea"/>
+                          <a:cs typeface="+mn-cs"/>
+                        </a:rPr>
+                        <a:t> is affected</a:t>
+                      </a:r>
+                    </a:p>
+                    <a:p>
+                      <a:pPr marL="285750" indent="-285750">
+                        <a:buFont typeface="Arial" panose="020B0604020202020204" pitchFamily="34" charset="0"/>
+                        <a:buChar char="•"/>
+                      </a:pPr>
+                      <a:r>
+                        <a:rPr lang="en-US" sz="2000" b="0" i="0" u="none" strike="noStrike" kern="1200" baseline="0" dirty="0" smtClean="0">
+                          <a:solidFill>
+                            <a:schemeClr val="dk1"/>
+                          </a:solidFill>
+                          <a:latin typeface="+mn-lt"/>
+                          <a:ea typeface="+mn-ea"/>
+                          <a:cs typeface="+mn-cs"/>
+                        </a:rPr>
+                        <a:t>Windows where there are dependencies between objects in the window</a:t>
+                      </a:r>
+                      <a:endParaRPr lang="en-US" sz="2000" dirty="0"/>
+                    </a:p>
+                  </a:txBody>
+                  <a:tcPr/>
+                </a:tc>
+              </a:tr>
+            </a:tbl>
+          </a:graphicData>
+        </a:graphic>
+      </p:graphicFrame>
+    </p:spTree>
+    <p:extLst>
+      <p:ext uri="{BB962C8B-B14F-4D97-AF65-F5344CB8AC3E}">
+        <p14:creationId xmlns:p14="http://schemas.microsoft.com/office/powerpoint/2010/main" val="1463830152"/>
+      </p:ext>
+    </p:extLst>
+  </p:cSld>
+  <p:clrMapOvr>
+    <a:masterClrMapping/>
+  </p:clrMapOvr>
+  <p:timing>
+    <p:tnLst>
+      <p:par>
+        <p:cTn id="1" dur="indefinite" restart="never" nodeType="tmRoot"/>
+      </p:par>
+    </p:tnLst>
+  </p:timing>
+</p:sld>
+</file>
+
+<file path=ppt/slides/slide15.xml><?xml version="1.0" encoding="utf-8"?>
+<p:sld xmlns:a="http://schemas.openxmlformats.org/drawingml/2006/main" xmlns:r="http://schemas.openxmlformats.org/officeDocument/2006/relationships" xmlns:p="http://schemas.openxmlformats.org/presentationml/2006/main">
+  <p:cSld>
+    <p:spTree>
+      <p:nvGrpSpPr>
+        <p:cNvPr id="1" name=""/>
+        <p:cNvGrpSpPr/>
+        <p:nvPr/>
+      </p:nvGrpSpPr>
+      <p:grpSpPr>
+        <a:xfrm>
+          <a:off x="0" y="0"/>
+          <a:ext cx="0" cy="0"/>
+          <a:chOff x="0" y="0"/>
+          <a:chExt cx="0" cy="0"/>
+        </a:xfrm>
+      </p:grpSpPr>
+      <p:sp>
+        <p:nvSpPr>
+          <p:cNvPr id="2" name="Tiêu đề 1"/>
           <p:cNvSpPr>
             <a:spLocks noGrp="1"/>
           </p:cNvSpPr>
           <p:nvPr>
-            <p:ph sz="quarter" idx="13"/>
+            <p:ph type="title"/>
           </p:nvPr>
         </p:nvSpPr>
         <p:spPr/>
@@ -7687,14 +8169,1156 @@
           <a:bodyPr/>
           <a:lstStyle/>
           <a:p>
-            <a:endParaRPr lang="en-US"/>
+            <a:r>
+              <a:rPr lang="en-US" dirty="0" smtClean="0">
+                <a:latin typeface="Times New Roman" panose="02020603050405020304" pitchFamily="18" charset="0"/>
+                <a:cs typeface="Times New Roman" panose="02020603050405020304" pitchFamily="18" charset="0"/>
+              </a:rPr>
+              <a:t>Test </a:t>
+            </a:r>
+            <a:r>
+              <a:rPr lang="en-US" dirty="0" err="1" smtClean="0">
+                <a:latin typeface="Times New Roman" panose="02020603050405020304" pitchFamily="18" charset="0"/>
+                <a:cs typeface="Times New Roman" panose="02020603050405020304" pitchFamily="18" charset="0"/>
+              </a:rPr>
+              <a:t>gui</a:t>
+            </a:r>
+            <a:r>
+              <a:rPr lang="en-US" dirty="0" smtClean="0">
+                <a:latin typeface="Times New Roman" panose="02020603050405020304" pitchFamily="18" charset="0"/>
+                <a:cs typeface="Times New Roman" panose="02020603050405020304" pitchFamily="18" charset="0"/>
+              </a:rPr>
+              <a:t> </a:t>
+            </a:r>
+            <a:r>
+              <a:rPr lang="en-US" dirty="0" err="1" smtClean="0">
+                <a:latin typeface="Times New Roman" panose="02020603050405020304" pitchFamily="18" charset="0"/>
+                <a:cs typeface="Times New Roman" panose="02020603050405020304" pitchFamily="18" charset="0"/>
+              </a:rPr>
+              <a:t>như</a:t>
+            </a:r>
+            <a:r>
+              <a:rPr lang="en-US" dirty="0" smtClean="0">
+                <a:latin typeface="Times New Roman" panose="02020603050405020304" pitchFamily="18" charset="0"/>
+                <a:cs typeface="Times New Roman" panose="02020603050405020304" pitchFamily="18" charset="0"/>
+              </a:rPr>
+              <a:t> </a:t>
+            </a:r>
+            <a:r>
+              <a:rPr lang="en-US" dirty="0" err="1" smtClean="0">
+                <a:latin typeface="Times New Roman" panose="02020603050405020304" pitchFamily="18" charset="0"/>
+                <a:cs typeface="Times New Roman" panose="02020603050405020304" pitchFamily="18" charset="0"/>
+              </a:rPr>
+              <a:t>thế</a:t>
+            </a:r>
+            <a:r>
+              <a:rPr lang="en-US" dirty="0" smtClean="0">
+                <a:latin typeface="Times New Roman" panose="02020603050405020304" pitchFamily="18" charset="0"/>
+                <a:cs typeface="Times New Roman" panose="02020603050405020304" pitchFamily="18" charset="0"/>
+              </a:rPr>
+              <a:t> </a:t>
+            </a:r>
+            <a:r>
+              <a:rPr lang="en-US" dirty="0" err="1" smtClean="0">
+                <a:latin typeface="Times New Roman" panose="02020603050405020304" pitchFamily="18" charset="0"/>
+                <a:cs typeface="Times New Roman" panose="02020603050405020304" pitchFamily="18" charset="0"/>
+              </a:rPr>
+              <a:t>nào</a:t>
+            </a:r>
+            <a:r>
+              <a:rPr lang="en-US" dirty="0" smtClean="0">
+                <a:latin typeface="Times New Roman" panose="02020603050405020304" pitchFamily="18" charset="0"/>
+                <a:cs typeface="Times New Roman" panose="02020603050405020304" pitchFamily="18" charset="0"/>
+              </a:rPr>
+              <a:t> ?</a:t>
+            </a:r>
+            <a:endParaRPr lang="en-US" dirty="0">
+              <a:latin typeface="Times New Roman" panose="02020603050405020304" pitchFamily="18" charset="0"/>
+              <a:cs typeface="Times New Roman" panose="02020603050405020304" pitchFamily="18" charset="0"/>
+            </a:endParaRPr>
+          </a:p>
+        </p:txBody>
+      </p:sp>
+      <p:sp>
+        <p:nvSpPr>
+          <p:cNvPr id="5" name="Hộp Văn bản 4"/>
+          <p:cNvSpPr txBox="1"/>
+          <p:nvPr/>
+        </p:nvSpPr>
+        <p:spPr>
+          <a:xfrm>
+            <a:off x="631065" y="1867437"/>
+            <a:ext cx="10959921" cy="523220"/>
+          </a:xfrm>
+          <a:prstGeom prst="rect">
+            <a:avLst/>
+          </a:prstGeom>
+          <a:noFill/>
+        </p:spPr>
+        <p:txBody>
+          <a:bodyPr wrap="square" rtlCol="0">
+            <a:spAutoFit/>
+          </a:bodyPr>
+          <a:lstStyle/>
+          <a:p>
+            <a:r>
+              <a:rPr lang="en-US" sz="2800" dirty="0">
+                <a:latin typeface="Times New Roman" panose="02020603050405020304" pitchFamily="18" charset="0"/>
+                <a:cs typeface="Times New Roman" panose="02020603050405020304" pitchFamily="18" charset="0"/>
+              </a:rPr>
+              <a:t>Desktop </a:t>
+            </a:r>
+            <a:r>
+              <a:rPr lang="en-US" sz="2800" dirty="0" smtClean="0">
+                <a:latin typeface="Times New Roman" panose="02020603050405020304" pitchFamily="18" charset="0"/>
+                <a:cs typeface="Times New Roman" panose="02020603050405020304" pitchFamily="18" charset="0"/>
+              </a:rPr>
+              <a:t>integration testing</a:t>
+            </a:r>
+            <a:endParaRPr lang="en-US" sz="2800" dirty="0">
+              <a:latin typeface="Times New Roman" panose="02020603050405020304" pitchFamily="18" charset="0"/>
+              <a:cs typeface="Times New Roman" panose="02020603050405020304" pitchFamily="18" charset="0"/>
+            </a:endParaRPr>
+          </a:p>
+        </p:txBody>
+      </p:sp>
+      <p:sp>
+        <p:nvSpPr>
+          <p:cNvPr id="4" name="Hộp Văn bản 3"/>
+          <p:cNvSpPr txBox="1"/>
+          <p:nvPr/>
+        </p:nvSpPr>
+        <p:spPr>
+          <a:xfrm>
+            <a:off x="721217" y="2575775"/>
+            <a:ext cx="10779617" cy="400110"/>
+          </a:xfrm>
+          <a:prstGeom prst="rect">
+            <a:avLst/>
+          </a:prstGeom>
+          <a:noFill/>
+        </p:spPr>
+        <p:txBody>
+          <a:bodyPr wrap="square" rtlCol="0">
+            <a:spAutoFit/>
+          </a:bodyPr>
+          <a:lstStyle/>
+          <a:p>
+            <a:endParaRPr lang="fr-FR" sz="2000" dirty="0" smtClean="0">
+              <a:latin typeface="Times New Roman" panose="02020603050405020304" pitchFamily="18" charset="0"/>
+              <a:cs typeface="Times New Roman" panose="02020603050405020304" pitchFamily="18" charset="0"/>
+            </a:endParaRPr>
           </a:p>
         </p:txBody>
       </p:sp>
     </p:spTree>
     <p:extLst>
       <p:ext uri="{BB962C8B-B14F-4D97-AF65-F5344CB8AC3E}">
-        <p14:creationId xmlns:p14="http://schemas.microsoft.com/office/powerpoint/2010/main" val="330852248"/>
+        <p14:creationId xmlns:p14="http://schemas.microsoft.com/office/powerpoint/2010/main" val="274647824"/>
+      </p:ext>
+    </p:extLst>
+  </p:cSld>
+  <p:clrMapOvr>
+    <a:masterClrMapping/>
+  </p:clrMapOvr>
+  <p:timing>
+    <p:tnLst>
+      <p:par>
+        <p:cTn id="1" dur="indefinite" restart="never" nodeType="tmRoot"/>
+      </p:par>
+    </p:tnLst>
+  </p:timing>
+</p:sld>
+</file>
+
+<file path=ppt/slides/slide16.xml><?xml version="1.0" encoding="utf-8"?>
+<p:sld xmlns:a="http://schemas.openxmlformats.org/drawingml/2006/main" xmlns:r="http://schemas.openxmlformats.org/officeDocument/2006/relationships" xmlns:p="http://schemas.openxmlformats.org/presentationml/2006/main">
+  <p:cSld>
+    <p:spTree>
+      <p:nvGrpSpPr>
+        <p:cNvPr id="1" name=""/>
+        <p:cNvGrpSpPr/>
+        <p:nvPr/>
+      </p:nvGrpSpPr>
+      <p:grpSpPr>
+        <a:xfrm>
+          <a:off x="0" y="0"/>
+          <a:ext cx="0" cy="0"/>
+          <a:chOff x="0" y="0"/>
+          <a:chExt cx="0" cy="0"/>
+        </a:xfrm>
+      </p:grpSpPr>
+      <p:sp>
+        <p:nvSpPr>
+          <p:cNvPr id="2" name="Tiêu đề 1"/>
+          <p:cNvSpPr>
+            <a:spLocks noGrp="1"/>
+          </p:cNvSpPr>
+          <p:nvPr>
+            <p:ph type="title"/>
+          </p:nvPr>
+        </p:nvSpPr>
+        <p:spPr/>
+        <p:txBody>
+          <a:bodyPr/>
+          <a:lstStyle/>
+          <a:p>
+            <a:r>
+              <a:rPr lang="en-US" dirty="0" smtClean="0">
+                <a:latin typeface="Times New Roman" panose="02020603050405020304" pitchFamily="18" charset="0"/>
+                <a:cs typeface="Times New Roman" panose="02020603050405020304" pitchFamily="18" charset="0"/>
+              </a:rPr>
+              <a:t>Test </a:t>
+            </a:r>
+            <a:r>
+              <a:rPr lang="en-US" dirty="0" err="1" smtClean="0">
+                <a:latin typeface="Times New Roman" panose="02020603050405020304" pitchFamily="18" charset="0"/>
+                <a:cs typeface="Times New Roman" panose="02020603050405020304" pitchFamily="18" charset="0"/>
+              </a:rPr>
+              <a:t>gui</a:t>
+            </a:r>
+            <a:r>
+              <a:rPr lang="en-US" dirty="0" smtClean="0">
+                <a:latin typeface="Times New Roman" panose="02020603050405020304" pitchFamily="18" charset="0"/>
+                <a:cs typeface="Times New Roman" panose="02020603050405020304" pitchFamily="18" charset="0"/>
+              </a:rPr>
+              <a:t> </a:t>
+            </a:r>
+            <a:r>
+              <a:rPr lang="en-US" dirty="0" err="1" smtClean="0">
+                <a:latin typeface="Times New Roman" panose="02020603050405020304" pitchFamily="18" charset="0"/>
+                <a:cs typeface="Times New Roman" panose="02020603050405020304" pitchFamily="18" charset="0"/>
+              </a:rPr>
+              <a:t>như</a:t>
+            </a:r>
+            <a:r>
+              <a:rPr lang="en-US" dirty="0" smtClean="0">
+                <a:latin typeface="Times New Roman" panose="02020603050405020304" pitchFamily="18" charset="0"/>
+                <a:cs typeface="Times New Roman" panose="02020603050405020304" pitchFamily="18" charset="0"/>
+              </a:rPr>
+              <a:t> </a:t>
+            </a:r>
+            <a:r>
+              <a:rPr lang="en-US" dirty="0" err="1" smtClean="0">
+                <a:latin typeface="Times New Roman" panose="02020603050405020304" pitchFamily="18" charset="0"/>
+                <a:cs typeface="Times New Roman" panose="02020603050405020304" pitchFamily="18" charset="0"/>
+              </a:rPr>
+              <a:t>thế</a:t>
+            </a:r>
+            <a:r>
+              <a:rPr lang="en-US" dirty="0" smtClean="0">
+                <a:latin typeface="Times New Roman" panose="02020603050405020304" pitchFamily="18" charset="0"/>
+                <a:cs typeface="Times New Roman" panose="02020603050405020304" pitchFamily="18" charset="0"/>
+              </a:rPr>
+              <a:t> </a:t>
+            </a:r>
+            <a:r>
+              <a:rPr lang="en-US" dirty="0" err="1" smtClean="0">
+                <a:latin typeface="Times New Roman" panose="02020603050405020304" pitchFamily="18" charset="0"/>
+                <a:cs typeface="Times New Roman" panose="02020603050405020304" pitchFamily="18" charset="0"/>
+              </a:rPr>
+              <a:t>nào</a:t>
+            </a:r>
+            <a:r>
+              <a:rPr lang="en-US" dirty="0" smtClean="0">
+                <a:latin typeface="Times New Roman" panose="02020603050405020304" pitchFamily="18" charset="0"/>
+                <a:cs typeface="Times New Roman" panose="02020603050405020304" pitchFamily="18" charset="0"/>
+              </a:rPr>
+              <a:t> ?</a:t>
+            </a:r>
+            <a:endParaRPr lang="en-US" dirty="0">
+              <a:latin typeface="Times New Roman" panose="02020603050405020304" pitchFamily="18" charset="0"/>
+              <a:cs typeface="Times New Roman" panose="02020603050405020304" pitchFamily="18" charset="0"/>
+            </a:endParaRPr>
+          </a:p>
+        </p:txBody>
+      </p:sp>
+      <p:sp>
+        <p:nvSpPr>
+          <p:cNvPr id="5" name="Hộp Văn bản 4"/>
+          <p:cNvSpPr txBox="1"/>
+          <p:nvPr/>
+        </p:nvSpPr>
+        <p:spPr>
+          <a:xfrm>
+            <a:off x="631065" y="1867437"/>
+            <a:ext cx="10959921" cy="523220"/>
+          </a:xfrm>
+          <a:prstGeom prst="rect">
+            <a:avLst/>
+          </a:prstGeom>
+          <a:noFill/>
+        </p:spPr>
+        <p:txBody>
+          <a:bodyPr wrap="square" rtlCol="0">
+            <a:spAutoFit/>
+          </a:bodyPr>
+          <a:lstStyle/>
+          <a:p>
+            <a:r>
+              <a:rPr lang="en-US" sz="2800" dirty="0" smtClean="0">
+                <a:latin typeface="Times New Roman" panose="02020603050405020304" pitchFamily="18" charset="0"/>
+                <a:cs typeface="Times New Roman" panose="02020603050405020304" pitchFamily="18" charset="0"/>
+              </a:rPr>
+              <a:t>Client/Server Communication testing</a:t>
+            </a:r>
+            <a:endParaRPr lang="en-US" sz="2800" dirty="0">
+              <a:latin typeface="Times New Roman" panose="02020603050405020304" pitchFamily="18" charset="0"/>
+              <a:cs typeface="Times New Roman" panose="02020603050405020304" pitchFamily="18" charset="0"/>
+            </a:endParaRPr>
+          </a:p>
+        </p:txBody>
+      </p:sp>
+      <p:sp>
+        <p:nvSpPr>
+          <p:cNvPr id="4" name="Hộp Văn bản 3"/>
+          <p:cNvSpPr txBox="1"/>
+          <p:nvPr/>
+        </p:nvSpPr>
+        <p:spPr>
+          <a:xfrm>
+            <a:off x="721217" y="2575775"/>
+            <a:ext cx="10779617" cy="400110"/>
+          </a:xfrm>
+          <a:prstGeom prst="rect">
+            <a:avLst/>
+          </a:prstGeom>
+          <a:noFill/>
+        </p:spPr>
+        <p:txBody>
+          <a:bodyPr wrap="square" rtlCol="0">
+            <a:spAutoFit/>
+          </a:bodyPr>
+          <a:lstStyle/>
+          <a:p>
+            <a:endParaRPr lang="fr-FR" sz="2000" dirty="0" smtClean="0">
+              <a:latin typeface="Times New Roman" panose="02020603050405020304" pitchFamily="18" charset="0"/>
+              <a:cs typeface="Times New Roman" panose="02020603050405020304" pitchFamily="18" charset="0"/>
+            </a:endParaRPr>
+          </a:p>
+        </p:txBody>
+      </p:sp>
+    </p:spTree>
+    <p:extLst>
+      <p:ext uri="{BB962C8B-B14F-4D97-AF65-F5344CB8AC3E}">
+        <p14:creationId xmlns:p14="http://schemas.microsoft.com/office/powerpoint/2010/main" val="2336419721"/>
+      </p:ext>
+    </p:extLst>
+  </p:cSld>
+  <p:clrMapOvr>
+    <a:masterClrMapping/>
+  </p:clrMapOvr>
+  <p:timing>
+    <p:tnLst>
+      <p:par>
+        <p:cTn id="1" dur="indefinite" restart="never" nodeType="tmRoot"/>
+      </p:par>
+    </p:tnLst>
+  </p:timing>
+</p:sld>
+</file>
+
+<file path=ppt/slides/slide17.xml><?xml version="1.0" encoding="utf-8"?>
+<p:sld xmlns:a="http://schemas.openxmlformats.org/drawingml/2006/main" xmlns:r="http://schemas.openxmlformats.org/officeDocument/2006/relationships" xmlns:p="http://schemas.openxmlformats.org/presentationml/2006/main">
+  <p:cSld>
+    <p:spTree>
+      <p:nvGrpSpPr>
+        <p:cNvPr id="1" name=""/>
+        <p:cNvGrpSpPr/>
+        <p:nvPr/>
+      </p:nvGrpSpPr>
+      <p:grpSpPr>
+        <a:xfrm>
+          <a:off x="0" y="0"/>
+          <a:ext cx="0" cy="0"/>
+          <a:chOff x="0" y="0"/>
+          <a:chExt cx="0" cy="0"/>
+        </a:xfrm>
+      </p:grpSpPr>
+      <p:sp>
+        <p:nvSpPr>
+          <p:cNvPr id="2" name="Tiêu đề 1"/>
+          <p:cNvSpPr>
+            <a:spLocks noGrp="1"/>
+          </p:cNvSpPr>
+          <p:nvPr>
+            <p:ph type="title"/>
+          </p:nvPr>
+        </p:nvSpPr>
+        <p:spPr/>
+        <p:txBody>
+          <a:bodyPr/>
+          <a:lstStyle/>
+          <a:p>
+            <a:r>
+              <a:rPr lang="en-US" dirty="0" smtClean="0">
+                <a:latin typeface="Times New Roman" panose="02020603050405020304" pitchFamily="18" charset="0"/>
+                <a:cs typeface="Times New Roman" panose="02020603050405020304" pitchFamily="18" charset="0"/>
+              </a:rPr>
+              <a:t>Test </a:t>
+            </a:r>
+            <a:r>
+              <a:rPr lang="en-US" dirty="0" err="1" smtClean="0">
+                <a:latin typeface="Times New Roman" panose="02020603050405020304" pitchFamily="18" charset="0"/>
+                <a:cs typeface="Times New Roman" panose="02020603050405020304" pitchFamily="18" charset="0"/>
+              </a:rPr>
+              <a:t>gui</a:t>
+            </a:r>
+            <a:r>
+              <a:rPr lang="en-US" dirty="0" smtClean="0">
+                <a:latin typeface="Times New Roman" panose="02020603050405020304" pitchFamily="18" charset="0"/>
+                <a:cs typeface="Times New Roman" panose="02020603050405020304" pitchFamily="18" charset="0"/>
+              </a:rPr>
+              <a:t> </a:t>
+            </a:r>
+            <a:r>
+              <a:rPr lang="en-US" dirty="0" err="1" smtClean="0">
+                <a:latin typeface="Times New Roman" panose="02020603050405020304" pitchFamily="18" charset="0"/>
+                <a:cs typeface="Times New Roman" panose="02020603050405020304" pitchFamily="18" charset="0"/>
+              </a:rPr>
+              <a:t>như</a:t>
+            </a:r>
+            <a:r>
+              <a:rPr lang="en-US" dirty="0" smtClean="0">
+                <a:latin typeface="Times New Roman" panose="02020603050405020304" pitchFamily="18" charset="0"/>
+                <a:cs typeface="Times New Roman" panose="02020603050405020304" pitchFamily="18" charset="0"/>
+              </a:rPr>
+              <a:t> </a:t>
+            </a:r>
+            <a:r>
+              <a:rPr lang="en-US" dirty="0" err="1" smtClean="0">
+                <a:latin typeface="Times New Roman" panose="02020603050405020304" pitchFamily="18" charset="0"/>
+                <a:cs typeface="Times New Roman" panose="02020603050405020304" pitchFamily="18" charset="0"/>
+              </a:rPr>
+              <a:t>thế</a:t>
+            </a:r>
+            <a:r>
+              <a:rPr lang="en-US" dirty="0" smtClean="0">
+                <a:latin typeface="Times New Roman" panose="02020603050405020304" pitchFamily="18" charset="0"/>
+                <a:cs typeface="Times New Roman" panose="02020603050405020304" pitchFamily="18" charset="0"/>
+              </a:rPr>
+              <a:t> </a:t>
+            </a:r>
+            <a:r>
+              <a:rPr lang="en-US" dirty="0" err="1" smtClean="0">
+                <a:latin typeface="Times New Roman" panose="02020603050405020304" pitchFamily="18" charset="0"/>
+                <a:cs typeface="Times New Roman" panose="02020603050405020304" pitchFamily="18" charset="0"/>
+              </a:rPr>
+              <a:t>nào</a:t>
+            </a:r>
+            <a:r>
+              <a:rPr lang="en-US" dirty="0" smtClean="0">
+                <a:latin typeface="Times New Roman" panose="02020603050405020304" pitchFamily="18" charset="0"/>
+                <a:cs typeface="Times New Roman" panose="02020603050405020304" pitchFamily="18" charset="0"/>
+              </a:rPr>
+              <a:t> ?</a:t>
+            </a:r>
+            <a:endParaRPr lang="en-US" dirty="0">
+              <a:latin typeface="Times New Roman" panose="02020603050405020304" pitchFamily="18" charset="0"/>
+              <a:cs typeface="Times New Roman" panose="02020603050405020304" pitchFamily="18" charset="0"/>
+            </a:endParaRPr>
+          </a:p>
+        </p:txBody>
+      </p:sp>
+      <p:sp>
+        <p:nvSpPr>
+          <p:cNvPr id="5" name="Hộp Văn bản 4"/>
+          <p:cNvSpPr txBox="1"/>
+          <p:nvPr/>
+        </p:nvSpPr>
+        <p:spPr>
+          <a:xfrm>
+            <a:off x="631065" y="1867437"/>
+            <a:ext cx="10959921" cy="523220"/>
+          </a:xfrm>
+          <a:prstGeom prst="rect">
+            <a:avLst/>
+          </a:prstGeom>
+          <a:noFill/>
+        </p:spPr>
+        <p:txBody>
+          <a:bodyPr wrap="square" rtlCol="0">
+            <a:spAutoFit/>
+          </a:bodyPr>
+          <a:lstStyle/>
+          <a:p>
+            <a:r>
+              <a:rPr lang="en-US" sz="2800" dirty="0" smtClean="0">
+                <a:latin typeface="Times New Roman" panose="02020603050405020304" pitchFamily="18" charset="0"/>
+                <a:cs typeface="Times New Roman" panose="02020603050405020304" pitchFamily="18" charset="0"/>
+              </a:rPr>
+              <a:t>Synchronization testing</a:t>
+            </a:r>
+            <a:endParaRPr lang="en-US" sz="2800" dirty="0">
+              <a:latin typeface="Times New Roman" panose="02020603050405020304" pitchFamily="18" charset="0"/>
+              <a:cs typeface="Times New Roman" panose="02020603050405020304" pitchFamily="18" charset="0"/>
+            </a:endParaRPr>
+          </a:p>
+        </p:txBody>
+      </p:sp>
+      <p:sp>
+        <p:nvSpPr>
+          <p:cNvPr id="4" name="Hộp Văn bản 3"/>
+          <p:cNvSpPr txBox="1"/>
+          <p:nvPr/>
+        </p:nvSpPr>
+        <p:spPr>
+          <a:xfrm>
+            <a:off x="721217" y="2575775"/>
+            <a:ext cx="10779617" cy="400110"/>
+          </a:xfrm>
+          <a:prstGeom prst="rect">
+            <a:avLst/>
+          </a:prstGeom>
+          <a:noFill/>
+        </p:spPr>
+        <p:txBody>
+          <a:bodyPr wrap="square" rtlCol="0">
+            <a:spAutoFit/>
+          </a:bodyPr>
+          <a:lstStyle/>
+          <a:p>
+            <a:endParaRPr lang="fr-FR" sz="2000" dirty="0" smtClean="0">
+              <a:latin typeface="Times New Roman" panose="02020603050405020304" pitchFamily="18" charset="0"/>
+              <a:cs typeface="Times New Roman" panose="02020603050405020304" pitchFamily="18" charset="0"/>
+            </a:endParaRPr>
+          </a:p>
+        </p:txBody>
+      </p:sp>
+      <p:sp>
+        <p:nvSpPr>
+          <p:cNvPr id="3" name="Hộp Văn bản 2"/>
+          <p:cNvSpPr txBox="1"/>
+          <p:nvPr/>
+        </p:nvSpPr>
+        <p:spPr>
+          <a:xfrm>
+            <a:off x="721217" y="2770909"/>
+            <a:ext cx="10223874" cy="1569660"/>
+          </a:xfrm>
+          <a:prstGeom prst="rect">
+            <a:avLst/>
+          </a:prstGeom>
+          <a:noFill/>
+        </p:spPr>
+        <p:txBody>
+          <a:bodyPr wrap="square" rtlCol="0">
+            <a:spAutoFit/>
+          </a:bodyPr>
+          <a:lstStyle/>
+          <a:p>
+            <a:pPr marL="342900" indent="-342900">
+              <a:buFont typeface="Arial" panose="020B0604020202020204" pitchFamily="34" charset="0"/>
+              <a:buChar char="•"/>
+            </a:pPr>
+            <a:r>
+              <a:rPr lang="en-US" sz="2400" dirty="0">
+                <a:latin typeface="Times New Roman" panose="02020603050405020304" pitchFamily="18" charset="0"/>
+                <a:cs typeface="Times New Roman" panose="02020603050405020304" pitchFamily="18" charset="0"/>
+              </a:rPr>
+              <a:t>Prepare one test case for every window object affected by a change or unsolicited </a:t>
+            </a:r>
+            <a:r>
+              <a:rPr lang="en-US" sz="2400" dirty="0" smtClean="0">
+                <a:latin typeface="Times New Roman" panose="02020603050405020304" pitchFamily="18" charset="0"/>
+                <a:cs typeface="Times New Roman" panose="02020603050405020304" pitchFamily="18" charset="0"/>
+              </a:rPr>
+              <a:t>event and </a:t>
+            </a:r>
+            <a:r>
+              <a:rPr lang="en-US" sz="2400" dirty="0">
+                <a:latin typeface="Times New Roman" panose="02020603050405020304" pitchFamily="18" charset="0"/>
+                <a:cs typeface="Times New Roman" panose="02020603050405020304" pitchFamily="18" charset="0"/>
+              </a:rPr>
+              <a:t>one test case for reciprocal situations.</a:t>
+            </a:r>
+          </a:p>
+          <a:p>
+            <a:pPr marL="342900" indent="-342900">
+              <a:buFont typeface="Arial" panose="020B0604020202020204" pitchFamily="34" charset="0"/>
+              <a:buChar char="•"/>
+            </a:pPr>
+            <a:r>
+              <a:rPr lang="en-US" sz="2400" dirty="0" smtClean="0">
+                <a:latin typeface="Times New Roman" panose="02020603050405020304" pitchFamily="18" charset="0"/>
+                <a:cs typeface="Times New Roman" panose="02020603050405020304" pitchFamily="18" charset="0"/>
+              </a:rPr>
+              <a:t>Prepare </a:t>
+            </a:r>
+            <a:r>
+              <a:rPr lang="en-US" sz="2400" dirty="0">
+                <a:latin typeface="Times New Roman" panose="02020603050405020304" pitchFamily="18" charset="0"/>
+                <a:cs typeface="Times New Roman" panose="02020603050405020304" pitchFamily="18" charset="0"/>
+              </a:rPr>
+              <a:t>one test case for every window object that must not be affected - but might be.</a:t>
+            </a:r>
+          </a:p>
+        </p:txBody>
+      </p:sp>
+    </p:spTree>
+    <p:extLst>
+      <p:ext uri="{BB962C8B-B14F-4D97-AF65-F5344CB8AC3E}">
+        <p14:creationId xmlns:p14="http://schemas.microsoft.com/office/powerpoint/2010/main" val="3858402293"/>
+      </p:ext>
+    </p:extLst>
+  </p:cSld>
+  <p:clrMapOvr>
+    <a:masterClrMapping/>
+  </p:clrMapOvr>
+  <p:timing>
+    <p:tnLst>
+      <p:par>
+        <p:cTn id="1" dur="indefinite" restart="never" nodeType="tmRoot"/>
+      </p:par>
+    </p:tnLst>
+  </p:timing>
+</p:sld>
+</file>
+
+<file path=ppt/slides/slide18.xml><?xml version="1.0" encoding="utf-8"?>
+<p:sld xmlns:a="http://schemas.openxmlformats.org/drawingml/2006/main" xmlns:r="http://schemas.openxmlformats.org/officeDocument/2006/relationships" xmlns:p="http://schemas.openxmlformats.org/presentationml/2006/main">
+  <p:cSld>
+    <p:spTree>
+      <p:nvGrpSpPr>
+        <p:cNvPr id="1" name=""/>
+        <p:cNvGrpSpPr/>
+        <p:nvPr/>
+      </p:nvGrpSpPr>
+      <p:grpSpPr>
+        <a:xfrm>
+          <a:off x="0" y="0"/>
+          <a:ext cx="0" cy="0"/>
+          <a:chOff x="0" y="0"/>
+          <a:chExt cx="0" cy="0"/>
+        </a:xfrm>
+      </p:grpSpPr>
+      <p:sp>
+        <p:nvSpPr>
+          <p:cNvPr id="2" name="Tiêu đề 1"/>
+          <p:cNvSpPr>
+            <a:spLocks noGrp="1"/>
+          </p:cNvSpPr>
+          <p:nvPr>
+            <p:ph type="title"/>
+          </p:nvPr>
+        </p:nvSpPr>
+        <p:spPr/>
+        <p:txBody>
+          <a:bodyPr/>
+          <a:lstStyle/>
+          <a:p>
+            <a:r>
+              <a:rPr lang="en-US" dirty="0" err="1" smtClean="0">
+                <a:latin typeface="Times New Roman" panose="02020603050405020304" pitchFamily="18" charset="0"/>
+                <a:cs typeface="Times New Roman" panose="02020603050405020304" pitchFamily="18" charset="0"/>
+              </a:rPr>
+              <a:t>Kiểm</a:t>
+            </a:r>
+            <a:r>
+              <a:rPr lang="en-US" dirty="0" smtClean="0">
+                <a:latin typeface="Times New Roman" panose="02020603050405020304" pitchFamily="18" charset="0"/>
+                <a:cs typeface="Times New Roman" panose="02020603050405020304" pitchFamily="18" charset="0"/>
+              </a:rPr>
+              <a:t> </a:t>
+            </a:r>
+            <a:r>
+              <a:rPr lang="en-US" dirty="0" err="1" smtClean="0">
+                <a:latin typeface="Times New Roman" panose="02020603050405020304" pitchFamily="18" charset="0"/>
+                <a:cs typeface="Times New Roman" panose="02020603050405020304" pitchFamily="18" charset="0"/>
+              </a:rPr>
+              <a:t>thử</a:t>
+            </a:r>
+            <a:r>
+              <a:rPr lang="en-US" dirty="0" smtClean="0">
+                <a:latin typeface="Times New Roman" panose="02020603050405020304" pitchFamily="18" charset="0"/>
+                <a:cs typeface="Times New Roman" panose="02020603050405020304" pitchFamily="18" charset="0"/>
+              </a:rPr>
+              <a:t> </a:t>
+            </a:r>
+            <a:r>
+              <a:rPr lang="en-US" dirty="0" err="1" smtClean="0">
+                <a:latin typeface="Times New Roman" panose="02020603050405020304" pitchFamily="18" charset="0"/>
+                <a:cs typeface="Times New Roman" panose="02020603050405020304" pitchFamily="18" charset="0"/>
+              </a:rPr>
+              <a:t>giao</a:t>
+            </a:r>
+            <a:r>
+              <a:rPr lang="en-US" dirty="0" smtClean="0">
+                <a:latin typeface="Times New Roman" panose="02020603050405020304" pitchFamily="18" charset="0"/>
+                <a:cs typeface="Times New Roman" panose="02020603050405020304" pitchFamily="18" charset="0"/>
+              </a:rPr>
+              <a:t> </a:t>
+            </a:r>
+            <a:r>
+              <a:rPr lang="en-US" dirty="0" err="1" smtClean="0">
+                <a:latin typeface="Times New Roman" panose="02020603050405020304" pitchFamily="18" charset="0"/>
+                <a:cs typeface="Times New Roman" panose="02020603050405020304" pitchFamily="18" charset="0"/>
+              </a:rPr>
+              <a:t>diện</a:t>
+            </a:r>
+            <a:r>
+              <a:rPr lang="en-US" dirty="0" smtClean="0">
+                <a:latin typeface="Times New Roman" panose="02020603050405020304" pitchFamily="18" charset="0"/>
+                <a:cs typeface="Times New Roman" panose="02020603050405020304" pitchFamily="18" charset="0"/>
+              </a:rPr>
+              <a:t> </a:t>
+            </a:r>
+            <a:r>
+              <a:rPr lang="en-US" dirty="0" err="1" smtClean="0">
+                <a:latin typeface="Times New Roman" panose="02020603050405020304" pitchFamily="18" charset="0"/>
+                <a:cs typeface="Times New Roman" panose="02020603050405020304" pitchFamily="18" charset="0"/>
+              </a:rPr>
+              <a:t>như</a:t>
+            </a:r>
+            <a:r>
+              <a:rPr lang="en-US" dirty="0" smtClean="0">
+                <a:latin typeface="Times New Roman" panose="02020603050405020304" pitchFamily="18" charset="0"/>
+                <a:cs typeface="Times New Roman" panose="02020603050405020304" pitchFamily="18" charset="0"/>
+              </a:rPr>
+              <a:t> </a:t>
+            </a:r>
+            <a:r>
+              <a:rPr lang="en-US" dirty="0" err="1" smtClean="0">
+                <a:latin typeface="Times New Roman" panose="02020603050405020304" pitchFamily="18" charset="0"/>
+                <a:cs typeface="Times New Roman" panose="02020603050405020304" pitchFamily="18" charset="0"/>
+              </a:rPr>
+              <a:t>thế</a:t>
+            </a:r>
+            <a:r>
+              <a:rPr lang="en-US" dirty="0" smtClean="0">
+                <a:latin typeface="Times New Roman" panose="02020603050405020304" pitchFamily="18" charset="0"/>
+                <a:cs typeface="Times New Roman" panose="02020603050405020304" pitchFamily="18" charset="0"/>
+              </a:rPr>
+              <a:t> </a:t>
+            </a:r>
+            <a:r>
+              <a:rPr lang="en-US" dirty="0" err="1" smtClean="0">
+                <a:latin typeface="Times New Roman" panose="02020603050405020304" pitchFamily="18" charset="0"/>
+                <a:cs typeface="Times New Roman" panose="02020603050405020304" pitchFamily="18" charset="0"/>
+              </a:rPr>
+              <a:t>nào</a:t>
+            </a:r>
+            <a:r>
+              <a:rPr lang="en-US" dirty="0" smtClean="0">
+                <a:latin typeface="Times New Roman" panose="02020603050405020304" pitchFamily="18" charset="0"/>
+                <a:cs typeface="Times New Roman" panose="02020603050405020304" pitchFamily="18" charset="0"/>
+              </a:rPr>
+              <a:t> ?</a:t>
+            </a:r>
+            <a:endParaRPr lang="en-US" dirty="0">
+              <a:latin typeface="Times New Roman" panose="02020603050405020304" pitchFamily="18" charset="0"/>
+              <a:cs typeface="Times New Roman" panose="02020603050405020304" pitchFamily="18" charset="0"/>
+            </a:endParaRPr>
+          </a:p>
+        </p:txBody>
+      </p:sp>
+      <p:sp>
+        <p:nvSpPr>
+          <p:cNvPr id="5" name="Hộp Văn bản 4"/>
+          <p:cNvSpPr txBox="1"/>
+          <p:nvPr/>
+        </p:nvSpPr>
+        <p:spPr>
+          <a:xfrm>
+            <a:off x="631065" y="1867437"/>
+            <a:ext cx="10959921" cy="523220"/>
+          </a:xfrm>
+          <a:prstGeom prst="rect">
+            <a:avLst/>
+          </a:prstGeom>
+          <a:noFill/>
+        </p:spPr>
+        <p:txBody>
+          <a:bodyPr wrap="square" rtlCol="0">
+            <a:spAutoFit/>
+          </a:bodyPr>
+          <a:lstStyle/>
+          <a:p>
+            <a:r>
+              <a:rPr lang="en-US" sz="2800" dirty="0" smtClean="0">
+                <a:latin typeface="Times New Roman" panose="02020603050405020304" pitchFamily="18" charset="0"/>
+                <a:cs typeface="Times New Roman" panose="02020603050405020304" pitchFamily="18" charset="0"/>
+              </a:rPr>
+              <a:t>Non-functional testing</a:t>
+            </a:r>
+            <a:endParaRPr lang="en-US" sz="2800" dirty="0">
+              <a:latin typeface="Times New Roman" panose="02020603050405020304" pitchFamily="18" charset="0"/>
+              <a:cs typeface="Times New Roman" panose="02020603050405020304" pitchFamily="18" charset="0"/>
+            </a:endParaRPr>
+          </a:p>
+        </p:txBody>
+      </p:sp>
+      <p:sp>
+        <p:nvSpPr>
+          <p:cNvPr id="4" name="Hộp Văn bản 3"/>
+          <p:cNvSpPr txBox="1"/>
+          <p:nvPr/>
+        </p:nvSpPr>
+        <p:spPr>
+          <a:xfrm>
+            <a:off x="721217" y="2575775"/>
+            <a:ext cx="10779617" cy="400110"/>
+          </a:xfrm>
+          <a:prstGeom prst="rect">
+            <a:avLst/>
+          </a:prstGeom>
+          <a:noFill/>
+        </p:spPr>
+        <p:txBody>
+          <a:bodyPr wrap="square" rtlCol="0">
+            <a:spAutoFit/>
+          </a:bodyPr>
+          <a:lstStyle/>
+          <a:p>
+            <a:endParaRPr lang="fr-FR" sz="2000" dirty="0" smtClean="0">
+              <a:latin typeface="Times New Roman" panose="02020603050405020304" pitchFamily="18" charset="0"/>
+              <a:cs typeface="Times New Roman" panose="02020603050405020304" pitchFamily="18" charset="0"/>
+            </a:endParaRPr>
+          </a:p>
+        </p:txBody>
+      </p:sp>
+      <p:sp>
+        <p:nvSpPr>
+          <p:cNvPr id="3" name="Hộp Văn bản 2"/>
+          <p:cNvSpPr txBox="1"/>
+          <p:nvPr/>
+        </p:nvSpPr>
+        <p:spPr>
+          <a:xfrm>
+            <a:off x="721217" y="2770909"/>
+            <a:ext cx="10223874" cy="1200329"/>
+          </a:xfrm>
+          <a:prstGeom prst="rect">
+            <a:avLst/>
+          </a:prstGeom>
+          <a:noFill/>
+        </p:spPr>
+        <p:txBody>
+          <a:bodyPr wrap="square" rtlCol="0">
+            <a:spAutoFit/>
+          </a:bodyPr>
+          <a:lstStyle/>
+          <a:p>
+            <a:pPr marL="342900" indent="-342900">
+              <a:buFont typeface="Arial" panose="020B0604020202020204" pitchFamily="34" charset="0"/>
+              <a:buChar char="•"/>
+            </a:pPr>
+            <a:r>
+              <a:rPr lang="en-US" sz="2400" dirty="0" smtClean="0">
+                <a:latin typeface="Times New Roman" panose="02020603050405020304" pitchFamily="18" charset="0"/>
+                <a:cs typeface="Times New Roman" panose="02020603050405020304" pitchFamily="18" charset="0"/>
+              </a:rPr>
+              <a:t>Soak testing</a:t>
+            </a:r>
+          </a:p>
+          <a:p>
+            <a:pPr marL="342900" indent="-342900">
+              <a:buFont typeface="Arial" panose="020B0604020202020204" pitchFamily="34" charset="0"/>
+              <a:buChar char="•"/>
+            </a:pPr>
+            <a:r>
+              <a:rPr lang="en-US" sz="2400" dirty="0" smtClean="0">
+                <a:latin typeface="Times New Roman" panose="02020603050405020304" pitchFamily="18" charset="0"/>
+                <a:cs typeface="Times New Roman" panose="02020603050405020304" pitchFamily="18" charset="0"/>
+              </a:rPr>
+              <a:t>Compatibility testing</a:t>
+            </a:r>
+          </a:p>
+          <a:p>
+            <a:pPr marL="342900" indent="-342900">
+              <a:buFont typeface="Arial" panose="020B0604020202020204" pitchFamily="34" charset="0"/>
+              <a:buChar char="•"/>
+            </a:pPr>
+            <a:r>
+              <a:rPr lang="en-US" sz="2400" dirty="0" smtClean="0">
+                <a:latin typeface="Times New Roman" panose="02020603050405020304" pitchFamily="18" charset="0"/>
+                <a:cs typeface="Times New Roman" panose="02020603050405020304" pitchFamily="18" charset="0"/>
+              </a:rPr>
+              <a:t>Platform/ environment testing</a:t>
+            </a:r>
+            <a:endParaRPr lang="en-US" sz="2400" dirty="0">
+              <a:latin typeface="Times New Roman" panose="02020603050405020304" pitchFamily="18" charset="0"/>
+              <a:cs typeface="Times New Roman" panose="02020603050405020304" pitchFamily="18" charset="0"/>
+            </a:endParaRPr>
+          </a:p>
+        </p:txBody>
+      </p:sp>
+    </p:spTree>
+    <p:extLst>
+      <p:ext uri="{BB962C8B-B14F-4D97-AF65-F5344CB8AC3E}">
+        <p14:creationId xmlns:p14="http://schemas.microsoft.com/office/powerpoint/2010/main" val="588943320"/>
+      </p:ext>
+    </p:extLst>
+  </p:cSld>
+  <p:clrMapOvr>
+    <a:masterClrMapping/>
+  </p:clrMapOvr>
+  <p:timing>
+    <p:tnLst>
+      <p:par>
+        <p:cTn id="1" dur="indefinite" restart="never" nodeType="tmRoot"/>
+      </p:par>
+    </p:tnLst>
+  </p:timing>
+</p:sld>
+</file>
+
+<file path=ppt/slides/slide19.xml><?xml version="1.0" encoding="utf-8"?>
+<p:sld xmlns:a="http://schemas.openxmlformats.org/drawingml/2006/main" xmlns:r="http://schemas.openxmlformats.org/officeDocument/2006/relationships" xmlns:p="http://schemas.openxmlformats.org/presentationml/2006/main">
+  <p:cSld>
+    <p:spTree>
+      <p:nvGrpSpPr>
+        <p:cNvPr id="1" name=""/>
+        <p:cNvGrpSpPr/>
+        <p:nvPr/>
+      </p:nvGrpSpPr>
+      <p:grpSpPr>
+        <a:xfrm>
+          <a:off x="0" y="0"/>
+          <a:ext cx="0" cy="0"/>
+          <a:chOff x="0" y="0"/>
+          <a:chExt cx="0" cy="0"/>
+        </a:xfrm>
+      </p:grpSpPr>
+      <p:sp>
+        <p:nvSpPr>
+          <p:cNvPr id="2" name="Tiêu đề 1"/>
+          <p:cNvSpPr>
+            <a:spLocks noGrp="1"/>
+          </p:cNvSpPr>
+          <p:nvPr>
+            <p:ph type="title"/>
+          </p:nvPr>
+        </p:nvSpPr>
+        <p:spPr/>
+        <p:txBody>
+          <a:bodyPr/>
+          <a:lstStyle/>
+          <a:p>
+            <a:r>
+              <a:rPr lang="en-US" dirty="0" err="1" smtClean="0">
+                <a:latin typeface="Times New Roman" panose="02020603050405020304" pitchFamily="18" charset="0"/>
+                <a:cs typeface="Times New Roman" panose="02020603050405020304" pitchFamily="18" charset="0"/>
+              </a:rPr>
+              <a:t>Một</a:t>
+            </a:r>
+            <a:r>
+              <a:rPr lang="en-US" dirty="0" smtClean="0">
+                <a:latin typeface="Times New Roman" panose="02020603050405020304" pitchFamily="18" charset="0"/>
+                <a:cs typeface="Times New Roman" panose="02020603050405020304" pitchFamily="18" charset="0"/>
+              </a:rPr>
+              <a:t> </a:t>
+            </a:r>
+            <a:r>
+              <a:rPr lang="en-US" dirty="0" err="1" smtClean="0">
+                <a:latin typeface="Times New Roman" panose="02020603050405020304" pitchFamily="18" charset="0"/>
+                <a:cs typeface="Times New Roman" panose="02020603050405020304" pitchFamily="18" charset="0"/>
+              </a:rPr>
+              <a:t>số</a:t>
+            </a:r>
+            <a:r>
+              <a:rPr lang="en-US" dirty="0" smtClean="0">
+                <a:latin typeface="Times New Roman" panose="02020603050405020304" pitchFamily="18" charset="0"/>
+                <a:cs typeface="Times New Roman" panose="02020603050405020304" pitchFamily="18" charset="0"/>
+              </a:rPr>
+              <a:t> </a:t>
+            </a:r>
+            <a:r>
+              <a:rPr lang="en-US" dirty="0" err="1" smtClean="0">
+                <a:latin typeface="Times New Roman" panose="02020603050405020304" pitchFamily="18" charset="0"/>
+                <a:cs typeface="Times New Roman" panose="02020603050405020304" pitchFamily="18" charset="0"/>
+              </a:rPr>
+              <a:t>công</a:t>
+            </a:r>
+            <a:r>
+              <a:rPr lang="en-US" dirty="0" smtClean="0">
+                <a:latin typeface="Times New Roman" panose="02020603050405020304" pitchFamily="18" charset="0"/>
+                <a:cs typeface="Times New Roman" panose="02020603050405020304" pitchFamily="18" charset="0"/>
+              </a:rPr>
+              <a:t> </a:t>
+            </a:r>
+            <a:r>
+              <a:rPr lang="en-US" dirty="0" err="1" smtClean="0">
+                <a:latin typeface="Times New Roman" panose="02020603050405020304" pitchFamily="18" charset="0"/>
+                <a:cs typeface="Times New Roman" panose="02020603050405020304" pitchFamily="18" charset="0"/>
+              </a:rPr>
+              <a:t>cụ</a:t>
+            </a:r>
+            <a:r>
+              <a:rPr lang="en-US" dirty="0" smtClean="0">
+                <a:latin typeface="Times New Roman" panose="02020603050405020304" pitchFamily="18" charset="0"/>
+                <a:cs typeface="Times New Roman" panose="02020603050405020304" pitchFamily="18" charset="0"/>
+              </a:rPr>
+              <a:t> </a:t>
+            </a:r>
+            <a:r>
+              <a:rPr lang="en-US" dirty="0" err="1" smtClean="0">
+                <a:latin typeface="Times New Roman" panose="02020603050405020304" pitchFamily="18" charset="0"/>
+                <a:cs typeface="Times New Roman" panose="02020603050405020304" pitchFamily="18" charset="0"/>
+              </a:rPr>
+              <a:t>kiểm</a:t>
+            </a:r>
+            <a:r>
+              <a:rPr lang="en-US" dirty="0" smtClean="0">
+                <a:latin typeface="Times New Roman" panose="02020603050405020304" pitchFamily="18" charset="0"/>
+                <a:cs typeface="Times New Roman" panose="02020603050405020304" pitchFamily="18" charset="0"/>
+              </a:rPr>
+              <a:t> </a:t>
+            </a:r>
+            <a:r>
+              <a:rPr lang="en-US" dirty="0" err="1" smtClean="0">
+                <a:latin typeface="Times New Roman" panose="02020603050405020304" pitchFamily="18" charset="0"/>
+                <a:cs typeface="Times New Roman" panose="02020603050405020304" pitchFamily="18" charset="0"/>
+              </a:rPr>
+              <a:t>thử</a:t>
+            </a:r>
+            <a:r>
+              <a:rPr lang="en-US" dirty="0" smtClean="0">
+                <a:latin typeface="Times New Roman" panose="02020603050405020304" pitchFamily="18" charset="0"/>
+                <a:cs typeface="Times New Roman" panose="02020603050405020304" pitchFamily="18" charset="0"/>
+              </a:rPr>
+              <a:t> </a:t>
+            </a:r>
+            <a:r>
+              <a:rPr lang="en-US" dirty="0" err="1" smtClean="0">
+                <a:latin typeface="Times New Roman" panose="02020603050405020304" pitchFamily="18" charset="0"/>
+                <a:cs typeface="Times New Roman" panose="02020603050405020304" pitchFamily="18" charset="0"/>
+              </a:rPr>
+              <a:t>giao</a:t>
+            </a:r>
+            <a:r>
+              <a:rPr lang="en-US" dirty="0" smtClean="0">
+                <a:latin typeface="Times New Roman" panose="02020603050405020304" pitchFamily="18" charset="0"/>
+                <a:cs typeface="Times New Roman" panose="02020603050405020304" pitchFamily="18" charset="0"/>
+              </a:rPr>
+              <a:t> </a:t>
+            </a:r>
+            <a:r>
+              <a:rPr lang="en-US" dirty="0" err="1" smtClean="0">
+                <a:latin typeface="Times New Roman" panose="02020603050405020304" pitchFamily="18" charset="0"/>
+                <a:cs typeface="Times New Roman" panose="02020603050405020304" pitchFamily="18" charset="0"/>
+              </a:rPr>
+              <a:t>diện</a:t>
+            </a:r>
+            <a:endParaRPr lang="en-US" dirty="0">
+              <a:latin typeface="Times New Roman" panose="02020603050405020304" pitchFamily="18" charset="0"/>
+              <a:cs typeface="Times New Roman" panose="02020603050405020304" pitchFamily="18" charset="0"/>
+            </a:endParaRPr>
+          </a:p>
+        </p:txBody>
+      </p:sp>
+      <p:sp>
+        <p:nvSpPr>
+          <p:cNvPr id="5" name="Hộp Văn bản 4"/>
+          <p:cNvSpPr txBox="1"/>
+          <p:nvPr/>
+        </p:nvSpPr>
+        <p:spPr>
+          <a:xfrm>
+            <a:off x="721217" y="2644468"/>
+            <a:ext cx="10959921" cy="1815882"/>
+          </a:xfrm>
+          <a:prstGeom prst="rect">
+            <a:avLst/>
+          </a:prstGeom>
+          <a:noFill/>
+        </p:spPr>
+        <p:txBody>
+          <a:bodyPr wrap="square" rtlCol="0">
+            <a:spAutoFit/>
+          </a:bodyPr>
+          <a:lstStyle/>
+          <a:p>
+            <a:pPr marL="457200" indent="-457200">
+              <a:buFont typeface="Arial" panose="020B0604020202020204" pitchFamily="34" charset="0"/>
+              <a:buChar char="•"/>
+            </a:pPr>
+            <a:r>
+              <a:rPr lang="en-US" sz="2800" dirty="0" smtClean="0">
+                <a:latin typeface="Times New Roman" panose="02020603050405020304" pitchFamily="18" charset="0"/>
+                <a:cs typeface="Times New Roman" panose="02020603050405020304" pitchFamily="18" charset="0"/>
+              </a:rPr>
+              <a:t>GUI checklist</a:t>
+            </a:r>
+          </a:p>
+          <a:p>
+            <a:pPr marL="457200" indent="-457200">
+              <a:buFont typeface="Arial" panose="020B0604020202020204" pitchFamily="34" charset="0"/>
+              <a:buChar char="•"/>
+            </a:pPr>
+            <a:r>
+              <a:rPr lang="en-US" sz="2800" dirty="0" smtClean="0">
+                <a:latin typeface="Times New Roman" panose="02020603050405020304" pitchFamily="18" charset="0"/>
+                <a:cs typeface="Times New Roman" panose="02020603050405020304" pitchFamily="18" charset="0"/>
+              </a:rPr>
+              <a:t>Cross browser tools testing</a:t>
+            </a:r>
+          </a:p>
+          <a:p>
+            <a:pPr marL="457200" indent="-457200">
+              <a:buFont typeface="Arial" panose="020B0604020202020204" pitchFamily="34" charset="0"/>
+              <a:buChar char="•"/>
+            </a:pPr>
+            <a:r>
+              <a:rPr lang="en-US" sz="2800" dirty="0" smtClean="0">
+                <a:latin typeface="Times New Roman" panose="02020603050405020304" pitchFamily="18" charset="0"/>
+                <a:cs typeface="Times New Roman" panose="02020603050405020304" pitchFamily="18" charset="0"/>
+              </a:rPr>
+              <a:t>Link checker</a:t>
+            </a:r>
+          </a:p>
+          <a:p>
+            <a:pPr marL="457200" indent="-457200">
+              <a:buFont typeface="Arial" panose="020B0604020202020204" pitchFamily="34" charset="0"/>
+              <a:buChar char="•"/>
+            </a:pPr>
+            <a:r>
+              <a:rPr lang="en-US" sz="2800" dirty="0" smtClean="0">
+                <a:latin typeface="Times New Roman" panose="02020603050405020304" pitchFamily="18" charset="0"/>
+                <a:cs typeface="Times New Roman" panose="02020603050405020304" pitchFamily="18" charset="0"/>
+              </a:rPr>
+              <a:t>Color blindness simulator</a:t>
+            </a:r>
+            <a:endParaRPr lang="en-US" sz="2800" dirty="0">
+              <a:latin typeface="Times New Roman" panose="02020603050405020304" pitchFamily="18" charset="0"/>
+              <a:cs typeface="Times New Roman" panose="02020603050405020304" pitchFamily="18" charset="0"/>
+            </a:endParaRPr>
+          </a:p>
+        </p:txBody>
+      </p:sp>
+      <p:sp>
+        <p:nvSpPr>
+          <p:cNvPr id="4" name="Hộp Văn bản 3"/>
+          <p:cNvSpPr txBox="1"/>
+          <p:nvPr/>
+        </p:nvSpPr>
+        <p:spPr>
+          <a:xfrm>
+            <a:off x="721217" y="2575775"/>
+            <a:ext cx="10779617" cy="400110"/>
+          </a:xfrm>
+          <a:prstGeom prst="rect">
+            <a:avLst/>
+          </a:prstGeom>
+          <a:noFill/>
+        </p:spPr>
+        <p:txBody>
+          <a:bodyPr wrap="square" rtlCol="0">
+            <a:spAutoFit/>
+          </a:bodyPr>
+          <a:lstStyle/>
+          <a:p>
+            <a:endParaRPr lang="fr-FR" sz="2000" dirty="0" smtClean="0">
+              <a:latin typeface="Times New Roman" panose="02020603050405020304" pitchFamily="18" charset="0"/>
+              <a:cs typeface="Times New Roman" panose="02020603050405020304" pitchFamily="18" charset="0"/>
+            </a:endParaRPr>
+          </a:p>
+        </p:txBody>
+      </p:sp>
+    </p:spTree>
+    <p:extLst>
+      <p:ext uri="{BB962C8B-B14F-4D97-AF65-F5344CB8AC3E}">
+        <p14:creationId xmlns:p14="http://schemas.microsoft.com/office/powerpoint/2010/main" val="4047337695"/>
       </p:ext>
     </p:extLst>
   </p:cSld>
@@ -7797,7 +9421,9 @@
         </p:nvSpPr>
         <p:spPr/>
         <p:txBody>
-          <a:bodyPr/>
+          <a:bodyPr>
+            <a:normAutofit/>
+          </a:bodyPr>
           <a:lstStyle/>
           <a:p>
             <a:r>
@@ -7856,18 +9482,39 @@
           <a:p>
             <a:pPr lvl="1"/>
             <a:r>
+              <a:rPr lang="en-US" dirty="0" err="1" smtClean="0">
+                <a:latin typeface="Times New Roman" panose="02020603050405020304" pitchFamily="18" charset="0"/>
+                <a:cs typeface="Times New Roman" panose="02020603050405020304" pitchFamily="18" charset="0"/>
+              </a:rPr>
+              <a:t>Làm</a:t>
+            </a:r>
+            <a:r>
+              <a:rPr lang="en-US" dirty="0">
+                <a:latin typeface="Times New Roman" panose="02020603050405020304" pitchFamily="18" charset="0"/>
+                <a:cs typeface="Times New Roman" panose="02020603050405020304" pitchFamily="18" charset="0"/>
+              </a:rPr>
+              <a:t> </a:t>
+            </a:r>
+            <a:r>
+              <a:rPr lang="en-US" dirty="0" err="1" smtClean="0">
+                <a:latin typeface="Times New Roman" panose="02020603050405020304" pitchFamily="18" charset="0"/>
+                <a:cs typeface="Times New Roman" panose="02020603050405020304" pitchFamily="18" charset="0"/>
+              </a:rPr>
+              <a:t>sao</a:t>
+            </a:r>
+            <a:r>
               <a:rPr lang="en-US" dirty="0" smtClean="0">
                 <a:latin typeface="Times New Roman" panose="02020603050405020304" pitchFamily="18" charset="0"/>
                 <a:cs typeface="Times New Roman" panose="02020603050405020304" pitchFamily="18" charset="0"/>
               </a:rPr>
-              <a:t>Test </a:t>
+              <a:t> </a:t>
             </a:r>
             <a:r>
               <a:rPr lang="en-US" dirty="0" err="1" smtClean="0">
                 <a:latin typeface="Times New Roman" panose="02020603050405020304" pitchFamily="18" charset="0"/>
                 <a:cs typeface="Times New Roman" panose="02020603050405020304" pitchFamily="18" charset="0"/>
               </a:rPr>
-              <a:t>gui</a:t>
+              <a:t>để</a:t>
             </a:r>
             <a:r>
               <a:rPr lang="en-US" dirty="0" smtClean="0">
@@ -7881,7 +9528,7 @@
                 <a:latin typeface="Times New Roman" panose="02020603050405020304" pitchFamily="18" charset="0"/>
                 <a:cs typeface="Times New Roman" panose="02020603050405020304" pitchFamily="18" charset="0"/>
               </a:rPr>
-              <a:t>như</a:t>
+              <a:t>kiểm</a:t>
             </a:r>
             <a:r>
               <a:rPr lang="en-US" dirty="0" smtClean="0">
@@ -7895,7 +9542,7 @@
                 <a:latin typeface="Times New Roman" panose="02020603050405020304" pitchFamily="18" charset="0"/>
                 <a:cs typeface="Times New Roman" panose="02020603050405020304" pitchFamily="18" charset="0"/>
               </a:rPr>
-              <a:t>thế</a:t>
+              <a:t>thử</a:t>
             </a:r>
             <a:r>
               <a:rPr lang="en-US" dirty="0" smtClean="0">
@@ -7909,52 +9556,28 @@
                 <a:latin typeface="Times New Roman" panose="02020603050405020304" pitchFamily="18" charset="0"/>
                 <a:cs typeface="Times New Roman" panose="02020603050405020304" pitchFamily="18" charset="0"/>
               </a:rPr>
-              <a:t>nào</a:t>
+              <a:t>giao</a:t>
             </a:r>
             <a:r>
               <a:rPr lang="en-US" dirty="0" smtClean="0">
                 <a:latin typeface="Times New Roman" panose="02020603050405020304" pitchFamily="18" charset="0"/>
                 <a:cs typeface="Times New Roman" panose="02020603050405020304" pitchFamily="18" charset="0"/>
               </a:rPr>
+              <a:t> </a:t>
+            </a:r>
+            <a:r>
+              <a:rPr lang="en-US" dirty="0" err="1" smtClean="0">
+                <a:latin typeface="Times New Roman" panose="02020603050405020304" pitchFamily="18" charset="0"/>
+                <a:cs typeface="Times New Roman" panose="02020603050405020304" pitchFamily="18" charset="0"/>
+              </a:rPr>
+              <a:t>diện</a:t>
+            </a:r>
+            <a:r>
+              <a:rPr lang="en-US" dirty="0" smtClean="0">
+                <a:latin typeface="Times New Roman" panose="02020603050405020304" pitchFamily="18" charset="0"/>
+                <a:cs typeface="Times New Roman" panose="02020603050405020304" pitchFamily="18" charset="0"/>
+              </a:rPr>
               <a:t> ?</a:t>
-            </a:r>
-          </a:p>
-          <a:p>
-            <a:pPr lvl="1"/>
-            <a:r>
-              <a:rPr lang="en-US" dirty="0" err="1" smtClean="0">
-                <a:latin typeface="Times New Roman" panose="02020603050405020304" pitchFamily="18" charset="0"/>
-                <a:cs typeface="Times New Roman" panose="02020603050405020304" pitchFamily="18" charset="0"/>
-              </a:rPr>
-              <a:t>Một</a:t>
-            </a:r>
-            <a:r>
-              <a:rPr lang="en-US" dirty="0" smtClean="0">
-                <a:latin typeface="Times New Roman" panose="02020603050405020304" pitchFamily="18" charset="0"/>
-                <a:cs typeface="Times New Roman" panose="02020603050405020304" pitchFamily="18" charset="0"/>
-              </a:rPr>
-              <a:t> </a:t>
-            </a:r>
-            <a:r>
-              <a:rPr lang="en-US" dirty="0" err="1" smtClean="0">
-                <a:latin typeface="Times New Roman" panose="02020603050405020304" pitchFamily="18" charset="0"/>
-                <a:cs typeface="Times New Roman" panose="02020603050405020304" pitchFamily="18" charset="0"/>
-              </a:rPr>
-              <a:t>số</a:t>
-            </a:r>
-            <a:r>
-              <a:rPr lang="en-US" dirty="0" smtClean="0">
-                <a:latin typeface="Times New Roman" panose="02020603050405020304" pitchFamily="18" charset="0"/>
-                <a:cs typeface="Times New Roman" panose="02020603050405020304" pitchFamily="18" charset="0"/>
-              </a:rPr>
-              <a:t> tool test </a:t>
-            </a:r>
-            <a:r>
-              <a:rPr lang="en-US" dirty="0" err="1" smtClean="0">
-                <a:latin typeface="Times New Roman" panose="02020603050405020304" pitchFamily="18" charset="0"/>
-                <a:cs typeface="Times New Roman" panose="02020603050405020304" pitchFamily="18" charset="0"/>
-              </a:rPr>
-              <a:t>gui</a:t>
             </a:r>
             <a:endParaRPr lang="en-US" dirty="0" smtClean="0">
               <a:latin typeface="Times New Roman" panose="02020603050405020304" pitchFamily="18" charset="0"/>
@@ -7962,12 +9585,480 @@
             </a:endParaRPr>
           </a:p>
           <a:p>
+            <a:pPr lvl="1"/>
+            <a:r>
+              <a:rPr lang="en-US" dirty="0" err="1" smtClean="0">
+                <a:latin typeface="Times New Roman" panose="02020603050405020304" pitchFamily="18" charset="0"/>
+                <a:cs typeface="Times New Roman" panose="02020603050405020304" pitchFamily="18" charset="0"/>
+              </a:rPr>
+              <a:t>Một</a:t>
+            </a:r>
             <a:r>
               <a:rPr lang="en-US" dirty="0" smtClean="0">
                 <a:latin typeface="Times New Roman" panose="02020603050405020304" pitchFamily="18" charset="0"/>
                 <a:cs typeface="Times New Roman" panose="02020603050405020304" pitchFamily="18" charset="0"/>
               </a:rPr>
+              <a:t> </a:t>
+            </a:r>
+            <a:r>
+              <a:rPr lang="en-US" dirty="0" err="1" smtClean="0">
+                <a:latin typeface="Times New Roman" panose="02020603050405020304" pitchFamily="18" charset="0"/>
+                <a:cs typeface="Times New Roman" panose="02020603050405020304" pitchFamily="18" charset="0"/>
+              </a:rPr>
+              <a:t>số</a:t>
+            </a:r>
+            <a:r>
+              <a:rPr lang="en-US" dirty="0" smtClean="0">
+                <a:latin typeface="Times New Roman" panose="02020603050405020304" pitchFamily="18" charset="0"/>
+                <a:cs typeface="Times New Roman" panose="02020603050405020304" pitchFamily="18" charset="0"/>
+              </a:rPr>
+              <a:t> </a:t>
+            </a:r>
+            <a:r>
+              <a:rPr lang="en-US" dirty="0" err="1" smtClean="0">
+                <a:latin typeface="Times New Roman" panose="02020603050405020304" pitchFamily="18" charset="0"/>
+                <a:cs typeface="Times New Roman" panose="02020603050405020304" pitchFamily="18" charset="0"/>
+              </a:rPr>
+              <a:t>công</a:t>
+            </a:r>
+            <a:r>
+              <a:rPr lang="en-US" dirty="0" smtClean="0">
+                <a:latin typeface="Times New Roman" panose="02020603050405020304" pitchFamily="18" charset="0"/>
+                <a:cs typeface="Times New Roman" panose="02020603050405020304" pitchFamily="18" charset="0"/>
+              </a:rPr>
+              <a:t> </a:t>
+            </a:r>
+            <a:r>
+              <a:rPr lang="en-US" dirty="0" err="1" smtClean="0">
+                <a:latin typeface="Times New Roman" panose="02020603050405020304" pitchFamily="18" charset="0"/>
+                <a:cs typeface="Times New Roman" panose="02020603050405020304" pitchFamily="18" charset="0"/>
+              </a:rPr>
+              <a:t>cụ</a:t>
+            </a:r>
+            <a:r>
+              <a:rPr lang="en-US" dirty="0" smtClean="0">
+                <a:latin typeface="Times New Roman" panose="02020603050405020304" pitchFamily="18" charset="0"/>
+                <a:cs typeface="Times New Roman" panose="02020603050405020304" pitchFamily="18" charset="0"/>
+              </a:rPr>
+              <a:t> </a:t>
+            </a:r>
+            <a:r>
+              <a:rPr lang="en-US" dirty="0" err="1" smtClean="0">
+                <a:latin typeface="Times New Roman" panose="02020603050405020304" pitchFamily="18" charset="0"/>
+                <a:cs typeface="Times New Roman" panose="02020603050405020304" pitchFamily="18" charset="0"/>
+              </a:rPr>
+              <a:t>kiểm</a:t>
+            </a:r>
+            <a:r>
+              <a:rPr lang="en-US" dirty="0" smtClean="0">
+                <a:latin typeface="Times New Roman" panose="02020603050405020304" pitchFamily="18" charset="0"/>
+                <a:cs typeface="Times New Roman" panose="02020603050405020304" pitchFamily="18" charset="0"/>
+              </a:rPr>
+              <a:t> </a:t>
+            </a:r>
+            <a:r>
+              <a:rPr lang="en-US" dirty="0" err="1" smtClean="0">
+                <a:latin typeface="Times New Roman" panose="02020603050405020304" pitchFamily="18" charset="0"/>
+                <a:cs typeface="Times New Roman" panose="02020603050405020304" pitchFamily="18" charset="0"/>
+              </a:rPr>
+              <a:t>thử</a:t>
+            </a:r>
+            <a:r>
+              <a:rPr lang="en-US" dirty="0" smtClean="0">
+                <a:latin typeface="Times New Roman" panose="02020603050405020304" pitchFamily="18" charset="0"/>
+                <a:cs typeface="Times New Roman" panose="02020603050405020304" pitchFamily="18" charset="0"/>
+              </a:rPr>
+              <a:t> </a:t>
+            </a:r>
+            <a:r>
+              <a:rPr lang="en-US" dirty="0" err="1" smtClean="0">
+                <a:latin typeface="Times New Roman" panose="02020603050405020304" pitchFamily="18" charset="0"/>
+                <a:cs typeface="Times New Roman" panose="02020603050405020304" pitchFamily="18" charset="0"/>
+              </a:rPr>
+              <a:t>giao</a:t>
+            </a:r>
+            <a:r>
+              <a:rPr lang="en-US" dirty="0" smtClean="0">
+                <a:latin typeface="Times New Roman" panose="02020603050405020304" pitchFamily="18" charset="0"/>
+                <a:cs typeface="Times New Roman" panose="02020603050405020304" pitchFamily="18" charset="0"/>
+              </a:rPr>
+              <a:t> </a:t>
+            </a:r>
+            <a:r>
+              <a:rPr lang="en-US" dirty="0" err="1" smtClean="0">
+                <a:latin typeface="Times New Roman" panose="02020603050405020304" pitchFamily="18" charset="0"/>
+                <a:cs typeface="Times New Roman" panose="02020603050405020304" pitchFamily="18" charset="0"/>
+              </a:rPr>
+              <a:t>diện</a:t>
+            </a:r>
+            <a:endParaRPr lang="en-US" dirty="0" smtClean="0">
+              <a:latin typeface="Times New Roman" panose="02020603050405020304" pitchFamily="18" charset="0"/>
+              <a:cs typeface="Times New Roman" panose="02020603050405020304" pitchFamily="18" charset="0"/>
+            </a:endParaRPr>
+          </a:p>
+          <a:p>
+            <a:r>
+              <a:rPr lang="en-US" dirty="0" smtClean="0">
+                <a:latin typeface="Times New Roman" panose="02020603050405020304" pitchFamily="18" charset="0"/>
+                <a:cs typeface="Times New Roman" panose="02020603050405020304" pitchFamily="18" charset="0"/>
+              </a:rPr>
               <a:t>Usability testing </a:t>
+            </a:r>
+            <a:endParaRPr lang="en-US" dirty="0" smtClean="0">
+              <a:latin typeface="Times New Roman" panose="02020603050405020304" pitchFamily="18" charset="0"/>
+              <a:cs typeface="Times New Roman" panose="02020603050405020304" pitchFamily="18" charset="0"/>
+            </a:endParaRPr>
+          </a:p>
+          <a:p>
+            <a:pPr lvl="1"/>
+            <a:r>
+              <a:rPr lang="en-US" sz="1700" dirty="0">
+                <a:latin typeface="Times New Roman" panose="02020603050405020304" pitchFamily="18" charset="0"/>
+                <a:cs typeface="Times New Roman" panose="02020603050405020304" pitchFamily="18" charset="0"/>
+              </a:rPr>
+              <a:t>Usability testing </a:t>
+            </a:r>
+            <a:r>
+              <a:rPr lang="en-US" sz="1700" dirty="0" err="1">
+                <a:latin typeface="Times New Roman" panose="02020603050405020304" pitchFamily="18" charset="0"/>
+                <a:cs typeface="Times New Roman" panose="02020603050405020304" pitchFamily="18" charset="0"/>
+              </a:rPr>
+              <a:t>là</a:t>
+            </a:r>
+            <a:r>
+              <a:rPr lang="en-US" sz="1700" dirty="0">
+                <a:latin typeface="Times New Roman" panose="02020603050405020304" pitchFamily="18" charset="0"/>
+                <a:cs typeface="Times New Roman" panose="02020603050405020304" pitchFamily="18" charset="0"/>
+              </a:rPr>
+              <a:t> </a:t>
+            </a:r>
+            <a:r>
+              <a:rPr lang="en-US" sz="1700" dirty="0" err="1">
+                <a:latin typeface="Times New Roman" panose="02020603050405020304" pitchFamily="18" charset="0"/>
+                <a:cs typeface="Times New Roman" panose="02020603050405020304" pitchFamily="18" charset="0"/>
+              </a:rPr>
+              <a:t>gì</a:t>
+            </a:r>
+            <a:r>
+              <a:rPr lang="en-US" sz="1700" dirty="0">
+                <a:latin typeface="Times New Roman" panose="02020603050405020304" pitchFamily="18" charset="0"/>
+                <a:cs typeface="Times New Roman" panose="02020603050405020304" pitchFamily="18" charset="0"/>
+              </a:rPr>
+              <a:t> ?</a:t>
+            </a:r>
+          </a:p>
+          <a:p>
+            <a:pPr lvl="1"/>
+            <a:r>
+              <a:rPr lang="en-US" sz="1700" dirty="0" err="1">
+                <a:latin typeface="Times New Roman" panose="02020603050405020304" pitchFamily="18" charset="0"/>
+                <a:cs typeface="Times New Roman" panose="02020603050405020304" pitchFamily="18" charset="0"/>
+              </a:rPr>
+              <a:t>Kiểm</a:t>
+            </a:r>
+            <a:r>
+              <a:rPr lang="en-US" sz="1700" dirty="0">
+                <a:latin typeface="Times New Roman" panose="02020603050405020304" pitchFamily="18" charset="0"/>
+                <a:cs typeface="Times New Roman" panose="02020603050405020304" pitchFamily="18" charset="0"/>
+              </a:rPr>
+              <a:t> </a:t>
+            </a:r>
+            <a:r>
+              <a:rPr lang="en-US" sz="1700" dirty="0" err="1">
+                <a:latin typeface="Times New Roman" panose="02020603050405020304" pitchFamily="18" charset="0"/>
+                <a:cs typeface="Times New Roman" panose="02020603050405020304" pitchFamily="18" charset="0"/>
+              </a:rPr>
+              <a:t>thử</a:t>
+            </a:r>
+            <a:r>
+              <a:rPr lang="en-US" sz="1700" dirty="0">
+                <a:latin typeface="Times New Roman" panose="02020603050405020304" pitchFamily="18" charset="0"/>
+                <a:cs typeface="Times New Roman" panose="02020603050405020304" pitchFamily="18" charset="0"/>
+              </a:rPr>
+              <a:t> </a:t>
+            </a:r>
+            <a:r>
+              <a:rPr lang="en-US" sz="1700" dirty="0" err="1">
+                <a:latin typeface="Times New Roman" panose="02020603050405020304" pitchFamily="18" charset="0"/>
+                <a:cs typeface="Times New Roman" panose="02020603050405020304" pitchFamily="18" charset="0"/>
+              </a:rPr>
+              <a:t>tính</a:t>
+            </a:r>
+            <a:r>
+              <a:rPr lang="en-US" sz="1700" dirty="0">
+                <a:latin typeface="Times New Roman" panose="02020603050405020304" pitchFamily="18" charset="0"/>
+                <a:cs typeface="Times New Roman" panose="02020603050405020304" pitchFamily="18" charset="0"/>
+              </a:rPr>
+              <a:t> </a:t>
+            </a:r>
+            <a:r>
+              <a:rPr lang="en-US" sz="1700" dirty="0" err="1">
+                <a:latin typeface="Times New Roman" panose="02020603050405020304" pitchFamily="18" charset="0"/>
+                <a:cs typeface="Times New Roman" panose="02020603050405020304" pitchFamily="18" charset="0"/>
+              </a:rPr>
+              <a:t>tiện</a:t>
+            </a:r>
+            <a:r>
+              <a:rPr lang="en-US" sz="1700" dirty="0">
+                <a:latin typeface="Times New Roman" panose="02020603050405020304" pitchFamily="18" charset="0"/>
+                <a:cs typeface="Times New Roman" panose="02020603050405020304" pitchFamily="18" charset="0"/>
+              </a:rPr>
+              <a:t> </a:t>
+            </a:r>
+            <a:r>
+              <a:rPr lang="en-US" sz="1700" dirty="0" err="1">
+                <a:latin typeface="Times New Roman" panose="02020603050405020304" pitchFamily="18" charset="0"/>
+                <a:cs typeface="Times New Roman" panose="02020603050405020304" pitchFamily="18" charset="0"/>
+              </a:rPr>
+              <a:t>dụng</a:t>
+            </a:r>
+            <a:r>
+              <a:rPr lang="en-US" sz="1700" dirty="0">
+                <a:latin typeface="Times New Roman" panose="02020603050405020304" pitchFamily="18" charset="0"/>
+                <a:cs typeface="Times New Roman" panose="02020603050405020304" pitchFamily="18" charset="0"/>
+              </a:rPr>
+              <a:t> </a:t>
+            </a:r>
+            <a:r>
+              <a:rPr lang="en-US" sz="1700" dirty="0" err="1">
+                <a:latin typeface="Times New Roman" panose="02020603050405020304" pitchFamily="18" charset="0"/>
+                <a:cs typeface="Times New Roman" panose="02020603050405020304" pitchFamily="18" charset="0"/>
+              </a:rPr>
+              <a:t>như</a:t>
+            </a:r>
+            <a:r>
+              <a:rPr lang="en-US" sz="1700" dirty="0">
+                <a:latin typeface="Times New Roman" panose="02020603050405020304" pitchFamily="18" charset="0"/>
+                <a:cs typeface="Times New Roman" panose="02020603050405020304" pitchFamily="18" charset="0"/>
+              </a:rPr>
+              <a:t> </a:t>
+            </a:r>
+            <a:r>
+              <a:rPr lang="en-US" sz="1700" dirty="0" err="1">
+                <a:latin typeface="Times New Roman" panose="02020603050405020304" pitchFamily="18" charset="0"/>
+                <a:cs typeface="Times New Roman" panose="02020603050405020304" pitchFamily="18" charset="0"/>
+              </a:rPr>
+              <a:t>thế</a:t>
+            </a:r>
+            <a:r>
+              <a:rPr lang="en-US" sz="1700" dirty="0">
+                <a:latin typeface="Times New Roman" panose="02020603050405020304" pitchFamily="18" charset="0"/>
+                <a:cs typeface="Times New Roman" panose="02020603050405020304" pitchFamily="18" charset="0"/>
+              </a:rPr>
+              <a:t> </a:t>
+            </a:r>
+            <a:r>
+              <a:rPr lang="en-US" sz="1700" dirty="0" err="1">
+                <a:latin typeface="Times New Roman" panose="02020603050405020304" pitchFamily="18" charset="0"/>
+                <a:cs typeface="Times New Roman" panose="02020603050405020304" pitchFamily="18" charset="0"/>
+              </a:rPr>
+              <a:t>nào</a:t>
+            </a:r>
+            <a:r>
+              <a:rPr lang="en-US" sz="1700" dirty="0">
+                <a:latin typeface="Times New Roman" panose="02020603050405020304" pitchFamily="18" charset="0"/>
+                <a:cs typeface="Times New Roman" panose="02020603050405020304" pitchFamily="18" charset="0"/>
+              </a:rPr>
+              <a:t> </a:t>
+            </a:r>
+            <a:r>
+              <a:rPr lang="en-US" sz="1700" dirty="0" smtClean="0">
+                <a:latin typeface="Times New Roman" panose="02020603050405020304" pitchFamily="18" charset="0"/>
+                <a:cs typeface="Times New Roman" panose="02020603050405020304" pitchFamily="18" charset="0"/>
+              </a:rPr>
+              <a:t>?	</a:t>
+            </a:r>
+            <a:endParaRPr lang="en-US" sz="1700" dirty="0">
+              <a:latin typeface="Times New Roman" panose="02020603050405020304" pitchFamily="18" charset="0"/>
+              <a:cs typeface="Times New Roman" panose="02020603050405020304" pitchFamily="18" charset="0"/>
+            </a:endParaRPr>
+          </a:p>
+          <a:p>
+            <a:pPr lvl="1"/>
+            <a:r>
+              <a:rPr lang="en-US" sz="1700" dirty="0" err="1">
+                <a:latin typeface="Times New Roman" panose="02020603050405020304" pitchFamily="18" charset="0"/>
+                <a:cs typeface="Times New Roman" panose="02020603050405020304" pitchFamily="18" charset="0"/>
+              </a:rPr>
+              <a:t>Một</a:t>
+            </a:r>
+            <a:r>
+              <a:rPr lang="en-US" sz="1700" dirty="0">
+                <a:latin typeface="Times New Roman" panose="02020603050405020304" pitchFamily="18" charset="0"/>
+                <a:cs typeface="Times New Roman" panose="02020603050405020304" pitchFamily="18" charset="0"/>
+              </a:rPr>
+              <a:t> </a:t>
+            </a:r>
+            <a:r>
+              <a:rPr lang="en-US" sz="1700" dirty="0" err="1">
+                <a:latin typeface="Times New Roman" panose="02020603050405020304" pitchFamily="18" charset="0"/>
+                <a:cs typeface="Times New Roman" panose="02020603050405020304" pitchFamily="18" charset="0"/>
+              </a:rPr>
+              <a:t>số</a:t>
+            </a:r>
+            <a:r>
+              <a:rPr lang="en-US" sz="1700" dirty="0">
+                <a:latin typeface="Times New Roman" panose="02020603050405020304" pitchFamily="18" charset="0"/>
+                <a:cs typeface="Times New Roman" panose="02020603050405020304" pitchFamily="18" charset="0"/>
+              </a:rPr>
+              <a:t> </a:t>
+            </a:r>
+            <a:r>
+              <a:rPr lang="en-US" sz="1700" dirty="0" err="1">
+                <a:latin typeface="Times New Roman" panose="02020603050405020304" pitchFamily="18" charset="0"/>
+                <a:cs typeface="Times New Roman" panose="02020603050405020304" pitchFamily="18" charset="0"/>
+              </a:rPr>
+              <a:t>công</a:t>
+            </a:r>
+            <a:r>
+              <a:rPr lang="en-US" sz="1700" dirty="0">
+                <a:latin typeface="Times New Roman" panose="02020603050405020304" pitchFamily="18" charset="0"/>
+                <a:cs typeface="Times New Roman" panose="02020603050405020304" pitchFamily="18" charset="0"/>
+              </a:rPr>
+              <a:t> </a:t>
+            </a:r>
+            <a:r>
+              <a:rPr lang="en-US" sz="1700" dirty="0" err="1">
+                <a:latin typeface="Times New Roman" panose="02020603050405020304" pitchFamily="18" charset="0"/>
+                <a:cs typeface="Times New Roman" panose="02020603050405020304" pitchFamily="18" charset="0"/>
+              </a:rPr>
+              <a:t>cụ</a:t>
+            </a:r>
+            <a:r>
+              <a:rPr lang="en-US" sz="1700" dirty="0">
+                <a:latin typeface="Times New Roman" panose="02020603050405020304" pitchFamily="18" charset="0"/>
+                <a:cs typeface="Times New Roman" panose="02020603050405020304" pitchFamily="18" charset="0"/>
+              </a:rPr>
+              <a:t> </a:t>
+            </a:r>
+            <a:r>
+              <a:rPr lang="en-US" sz="1700" dirty="0" err="1">
+                <a:latin typeface="Times New Roman" panose="02020603050405020304" pitchFamily="18" charset="0"/>
+                <a:cs typeface="Times New Roman" panose="02020603050405020304" pitchFamily="18" charset="0"/>
+              </a:rPr>
+              <a:t>kiểm</a:t>
+            </a:r>
+            <a:r>
+              <a:rPr lang="en-US" sz="1700" dirty="0">
+                <a:latin typeface="Times New Roman" panose="02020603050405020304" pitchFamily="18" charset="0"/>
+                <a:cs typeface="Times New Roman" panose="02020603050405020304" pitchFamily="18" charset="0"/>
+              </a:rPr>
+              <a:t> </a:t>
+            </a:r>
+            <a:r>
+              <a:rPr lang="en-US" sz="1700" dirty="0" err="1">
+                <a:latin typeface="Times New Roman" panose="02020603050405020304" pitchFamily="18" charset="0"/>
+                <a:cs typeface="Times New Roman" panose="02020603050405020304" pitchFamily="18" charset="0"/>
+              </a:rPr>
+              <a:t>thử</a:t>
+            </a:r>
+            <a:r>
+              <a:rPr lang="en-US" sz="1700" dirty="0">
+                <a:latin typeface="Times New Roman" panose="02020603050405020304" pitchFamily="18" charset="0"/>
+                <a:cs typeface="Times New Roman" panose="02020603050405020304" pitchFamily="18" charset="0"/>
+              </a:rPr>
+              <a:t> </a:t>
+            </a:r>
+            <a:r>
+              <a:rPr lang="en-US" sz="1700" dirty="0" err="1">
+                <a:latin typeface="Times New Roman" panose="02020603050405020304" pitchFamily="18" charset="0"/>
+                <a:cs typeface="Times New Roman" panose="02020603050405020304" pitchFamily="18" charset="0"/>
+              </a:rPr>
+              <a:t>tính</a:t>
+            </a:r>
+            <a:r>
+              <a:rPr lang="en-US" sz="1700" dirty="0">
+                <a:latin typeface="Times New Roman" panose="02020603050405020304" pitchFamily="18" charset="0"/>
+                <a:cs typeface="Times New Roman" panose="02020603050405020304" pitchFamily="18" charset="0"/>
+              </a:rPr>
+              <a:t> </a:t>
+            </a:r>
+            <a:r>
+              <a:rPr lang="en-US" sz="1700" dirty="0" err="1">
+                <a:latin typeface="Times New Roman" panose="02020603050405020304" pitchFamily="18" charset="0"/>
+                <a:cs typeface="Times New Roman" panose="02020603050405020304" pitchFamily="18" charset="0"/>
+              </a:rPr>
+              <a:t>tiện</a:t>
+            </a:r>
+            <a:r>
+              <a:rPr lang="en-US" sz="1700" dirty="0">
+                <a:latin typeface="Times New Roman" panose="02020603050405020304" pitchFamily="18" charset="0"/>
+                <a:cs typeface="Times New Roman" panose="02020603050405020304" pitchFamily="18" charset="0"/>
+              </a:rPr>
+              <a:t> </a:t>
+            </a:r>
+            <a:r>
+              <a:rPr lang="en-US" sz="1700" dirty="0" err="1">
+                <a:latin typeface="Times New Roman" panose="02020603050405020304" pitchFamily="18" charset="0"/>
+                <a:cs typeface="Times New Roman" panose="02020603050405020304" pitchFamily="18" charset="0"/>
+              </a:rPr>
+              <a:t>dụng</a:t>
+            </a:r>
+            <a:endParaRPr lang="en-US" sz="1700" dirty="0">
+              <a:latin typeface="Times New Roman" panose="02020603050405020304" pitchFamily="18" charset="0"/>
+              <a:cs typeface="Times New Roman" panose="02020603050405020304" pitchFamily="18" charset="0"/>
+            </a:endParaRPr>
+          </a:p>
+        </p:txBody>
+      </p:sp>
+    </p:spTree>
+    <p:extLst>
+      <p:ext uri="{BB962C8B-B14F-4D97-AF65-F5344CB8AC3E}">
+        <p14:creationId xmlns:p14="http://schemas.microsoft.com/office/powerpoint/2010/main" val="1770755792"/>
+      </p:ext>
+    </p:extLst>
+  </p:cSld>
+  <p:clrMapOvr>
+    <a:masterClrMapping/>
+  </p:clrMapOvr>
+  <p:timing>
+    <p:tnLst>
+      <p:par>
+        <p:cTn id="1" dur="indefinite" restart="never" nodeType="tmRoot"/>
+      </p:par>
+    </p:tnLst>
+  </p:timing>
+</p:sld>
+</file>
+
+<file path=ppt/slides/slide20.xml><?xml version="1.0" encoding="utf-8"?>
+<p:sld xmlns:a="http://schemas.openxmlformats.org/drawingml/2006/main" xmlns:r="http://schemas.openxmlformats.org/officeDocument/2006/relationships" xmlns:p="http://schemas.openxmlformats.org/presentationml/2006/main">
+  <p:cSld>
+    <p:spTree>
+      <p:nvGrpSpPr>
+        <p:cNvPr id="1" name=""/>
+        <p:cNvGrpSpPr/>
+        <p:nvPr/>
+      </p:nvGrpSpPr>
+      <p:grpSpPr>
+        <a:xfrm>
+          <a:off x="0" y="0"/>
+          <a:ext cx="0" cy="0"/>
+          <a:chOff x="0" y="0"/>
+          <a:chExt cx="0" cy="0"/>
+        </a:xfrm>
+      </p:grpSpPr>
+      <p:sp>
+        <p:nvSpPr>
+          <p:cNvPr id="2" name="Tiêu đề 1"/>
+          <p:cNvSpPr>
+            <a:spLocks noGrp="1"/>
+          </p:cNvSpPr>
+          <p:nvPr>
+            <p:ph type="title"/>
+          </p:nvPr>
+        </p:nvSpPr>
+        <p:spPr/>
+        <p:txBody>
+          <a:bodyPr/>
+          <a:lstStyle/>
+          <a:p>
+            <a:r>
+              <a:rPr lang="en-US" dirty="0" smtClean="0">
+                <a:latin typeface="Times New Roman" panose="02020603050405020304" pitchFamily="18" charset="0"/>
+                <a:cs typeface="Times New Roman" panose="02020603050405020304" pitchFamily="18" charset="0"/>
+              </a:rPr>
+              <a:t>Usability testing</a:t>
             </a:r>
             <a:endParaRPr lang="en-US" dirty="0">
               <a:latin typeface="Times New Roman" panose="02020603050405020304" pitchFamily="18" charset="0"/>
@@ -7976,10 +10067,448 @@
           </a:p>
         </p:txBody>
       </p:sp>
+      <p:sp>
+        <p:nvSpPr>
+          <p:cNvPr id="4" name="Hộp Văn bản 3"/>
+          <p:cNvSpPr txBox="1"/>
+          <p:nvPr/>
+        </p:nvSpPr>
+        <p:spPr>
+          <a:xfrm>
+            <a:off x="913775" y="2358598"/>
+            <a:ext cx="10850880" cy="1384995"/>
+          </a:xfrm>
+          <a:prstGeom prst="rect">
+            <a:avLst/>
+          </a:prstGeom>
+          <a:noFill/>
+        </p:spPr>
+        <p:txBody>
+          <a:bodyPr wrap="square" rtlCol="0">
+            <a:spAutoFit/>
+          </a:bodyPr>
+          <a:lstStyle/>
+          <a:p>
+            <a:pPr marL="514350" indent="-514350">
+              <a:buFont typeface="+mj-lt"/>
+              <a:buAutoNum type="arabicPeriod"/>
+            </a:pPr>
+            <a:r>
+              <a:rPr lang="en-US" sz="2800" dirty="0" smtClean="0">
+                <a:latin typeface="Times New Roman" panose="02020603050405020304" pitchFamily="18" charset="0"/>
+                <a:cs typeface="Times New Roman" panose="02020603050405020304" pitchFamily="18" charset="0"/>
+              </a:rPr>
+              <a:t>Usability testing </a:t>
+            </a:r>
+            <a:r>
+              <a:rPr lang="en-US" sz="2800" dirty="0" err="1" smtClean="0">
+                <a:latin typeface="Times New Roman" panose="02020603050405020304" pitchFamily="18" charset="0"/>
+                <a:cs typeface="Times New Roman" panose="02020603050405020304" pitchFamily="18" charset="0"/>
+              </a:rPr>
+              <a:t>là</a:t>
+            </a:r>
+            <a:r>
+              <a:rPr lang="en-US" sz="2800" dirty="0" smtClean="0">
+                <a:latin typeface="Times New Roman" panose="02020603050405020304" pitchFamily="18" charset="0"/>
+                <a:cs typeface="Times New Roman" panose="02020603050405020304" pitchFamily="18" charset="0"/>
+              </a:rPr>
+              <a:t> </a:t>
+            </a:r>
+            <a:r>
+              <a:rPr lang="en-US" sz="2800" dirty="0" err="1" smtClean="0">
+                <a:latin typeface="Times New Roman" panose="02020603050405020304" pitchFamily="18" charset="0"/>
+                <a:cs typeface="Times New Roman" panose="02020603050405020304" pitchFamily="18" charset="0"/>
+              </a:rPr>
+              <a:t>gì</a:t>
+            </a:r>
+            <a:r>
+              <a:rPr lang="en-US" sz="2800" dirty="0" smtClean="0">
+                <a:latin typeface="Times New Roman" panose="02020603050405020304" pitchFamily="18" charset="0"/>
+                <a:cs typeface="Times New Roman" panose="02020603050405020304" pitchFamily="18" charset="0"/>
+              </a:rPr>
+              <a:t> ?</a:t>
+            </a:r>
+          </a:p>
+          <a:p>
+            <a:pPr marL="514350" indent="-514350">
+              <a:buFont typeface="+mj-lt"/>
+              <a:buAutoNum type="arabicPeriod"/>
+            </a:pPr>
+            <a:r>
+              <a:rPr lang="en-US" sz="2800" dirty="0" err="1" smtClean="0">
+                <a:latin typeface="Times New Roman" panose="02020603050405020304" pitchFamily="18" charset="0"/>
+                <a:cs typeface="Times New Roman" panose="02020603050405020304" pitchFamily="18" charset="0"/>
+              </a:rPr>
+              <a:t>Kiểm</a:t>
+            </a:r>
+            <a:r>
+              <a:rPr lang="en-US" sz="2800" dirty="0" smtClean="0">
+                <a:latin typeface="Times New Roman" panose="02020603050405020304" pitchFamily="18" charset="0"/>
+                <a:cs typeface="Times New Roman" panose="02020603050405020304" pitchFamily="18" charset="0"/>
+              </a:rPr>
+              <a:t> </a:t>
+            </a:r>
+            <a:r>
+              <a:rPr lang="en-US" sz="2800" dirty="0" err="1" smtClean="0">
+                <a:latin typeface="Times New Roman" panose="02020603050405020304" pitchFamily="18" charset="0"/>
+                <a:cs typeface="Times New Roman" panose="02020603050405020304" pitchFamily="18" charset="0"/>
+              </a:rPr>
+              <a:t>thử</a:t>
+            </a:r>
+            <a:r>
+              <a:rPr lang="en-US" sz="2800" dirty="0" smtClean="0">
+                <a:latin typeface="Times New Roman" panose="02020603050405020304" pitchFamily="18" charset="0"/>
+                <a:cs typeface="Times New Roman" panose="02020603050405020304" pitchFamily="18" charset="0"/>
+              </a:rPr>
+              <a:t> </a:t>
+            </a:r>
+            <a:r>
+              <a:rPr lang="en-US" sz="2800" dirty="0" err="1" smtClean="0">
+                <a:latin typeface="Times New Roman" panose="02020603050405020304" pitchFamily="18" charset="0"/>
+                <a:cs typeface="Times New Roman" panose="02020603050405020304" pitchFamily="18" charset="0"/>
+              </a:rPr>
+              <a:t>tính</a:t>
+            </a:r>
+            <a:r>
+              <a:rPr lang="en-US" sz="2800" dirty="0" smtClean="0">
+                <a:latin typeface="Times New Roman" panose="02020603050405020304" pitchFamily="18" charset="0"/>
+                <a:cs typeface="Times New Roman" panose="02020603050405020304" pitchFamily="18" charset="0"/>
+              </a:rPr>
+              <a:t> </a:t>
+            </a:r>
+            <a:r>
+              <a:rPr lang="en-US" sz="2800" dirty="0" err="1" smtClean="0">
+                <a:latin typeface="Times New Roman" panose="02020603050405020304" pitchFamily="18" charset="0"/>
+                <a:cs typeface="Times New Roman" panose="02020603050405020304" pitchFamily="18" charset="0"/>
+              </a:rPr>
+              <a:t>tiện</a:t>
+            </a:r>
+            <a:r>
+              <a:rPr lang="en-US" sz="2800" dirty="0" smtClean="0">
+                <a:latin typeface="Times New Roman" panose="02020603050405020304" pitchFamily="18" charset="0"/>
+                <a:cs typeface="Times New Roman" panose="02020603050405020304" pitchFamily="18" charset="0"/>
+              </a:rPr>
+              <a:t> </a:t>
+            </a:r>
+            <a:r>
+              <a:rPr lang="en-US" sz="2800" dirty="0" err="1" smtClean="0">
+                <a:latin typeface="Times New Roman" panose="02020603050405020304" pitchFamily="18" charset="0"/>
+                <a:cs typeface="Times New Roman" panose="02020603050405020304" pitchFamily="18" charset="0"/>
+              </a:rPr>
+              <a:t>dụng</a:t>
+            </a:r>
+            <a:r>
+              <a:rPr lang="en-US" sz="2800" dirty="0" smtClean="0">
+                <a:latin typeface="Times New Roman" panose="02020603050405020304" pitchFamily="18" charset="0"/>
+                <a:cs typeface="Times New Roman" panose="02020603050405020304" pitchFamily="18" charset="0"/>
+              </a:rPr>
+              <a:t> </a:t>
+            </a:r>
+            <a:r>
+              <a:rPr lang="en-US" sz="2800" dirty="0" err="1" smtClean="0">
+                <a:latin typeface="Times New Roman" panose="02020603050405020304" pitchFamily="18" charset="0"/>
+                <a:cs typeface="Times New Roman" panose="02020603050405020304" pitchFamily="18" charset="0"/>
+              </a:rPr>
+              <a:t>như</a:t>
+            </a:r>
+            <a:r>
+              <a:rPr lang="en-US" sz="2800" dirty="0" smtClean="0">
+                <a:latin typeface="Times New Roman" panose="02020603050405020304" pitchFamily="18" charset="0"/>
+                <a:cs typeface="Times New Roman" panose="02020603050405020304" pitchFamily="18" charset="0"/>
+              </a:rPr>
+              <a:t> </a:t>
+            </a:r>
+            <a:r>
+              <a:rPr lang="en-US" sz="2800" dirty="0" err="1" smtClean="0">
+                <a:latin typeface="Times New Roman" panose="02020603050405020304" pitchFamily="18" charset="0"/>
+                <a:cs typeface="Times New Roman" panose="02020603050405020304" pitchFamily="18" charset="0"/>
+              </a:rPr>
+              <a:t>thế</a:t>
+            </a:r>
+            <a:r>
+              <a:rPr lang="en-US" sz="2800" dirty="0" smtClean="0">
+                <a:latin typeface="Times New Roman" panose="02020603050405020304" pitchFamily="18" charset="0"/>
+                <a:cs typeface="Times New Roman" panose="02020603050405020304" pitchFamily="18" charset="0"/>
+              </a:rPr>
+              <a:t> </a:t>
+            </a:r>
+            <a:r>
+              <a:rPr lang="en-US" sz="2800" dirty="0" err="1" smtClean="0">
+                <a:latin typeface="Times New Roman" panose="02020603050405020304" pitchFamily="18" charset="0"/>
+                <a:cs typeface="Times New Roman" panose="02020603050405020304" pitchFamily="18" charset="0"/>
+              </a:rPr>
+              <a:t>nào</a:t>
+            </a:r>
+            <a:r>
+              <a:rPr lang="en-US" sz="2800" dirty="0" smtClean="0">
+                <a:latin typeface="Times New Roman" panose="02020603050405020304" pitchFamily="18" charset="0"/>
+                <a:cs typeface="Times New Roman" panose="02020603050405020304" pitchFamily="18" charset="0"/>
+              </a:rPr>
+              <a:t> ?</a:t>
+            </a:r>
+            <a:endParaRPr lang="en-US" sz="2800" dirty="0">
+              <a:latin typeface="Times New Roman" panose="02020603050405020304" pitchFamily="18" charset="0"/>
+              <a:cs typeface="Times New Roman" panose="02020603050405020304" pitchFamily="18" charset="0"/>
+            </a:endParaRPr>
+          </a:p>
+          <a:p>
+            <a:pPr marL="514350" indent="-514350">
+              <a:buFont typeface="+mj-lt"/>
+              <a:buAutoNum type="arabicPeriod"/>
+            </a:pPr>
+            <a:r>
+              <a:rPr lang="en-US" sz="2800" dirty="0" err="1" smtClean="0">
+                <a:latin typeface="Times New Roman" panose="02020603050405020304" pitchFamily="18" charset="0"/>
+                <a:cs typeface="Times New Roman" panose="02020603050405020304" pitchFamily="18" charset="0"/>
+              </a:rPr>
+              <a:t>Một</a:t>
+            </a:r>
+            <a:r>
+              <a:rPr lang="en-US" sz="2800" dirty="0" smtClean="0">
+                <a:latin typeface="Times New Roman" panose="02020603050405020304" pitchFamily="18" charset="0"/>
+                <a:cs typeface="Times New Roman" panose="02020603050405020304" pitchFamily="18" charset="0"/>
+              </a:rPr>
+              <a:t> </a:t>
+            </a:r>
+            <a:r>
+              <a:rPr lang="en-US" sz="2800" dirty="0" err="1" smtClean="0">
+                <a:latin typeface="Times New Roman" panose="02020603050405020304" pitchFamily="18" charset="0"/>
+                <a:cs typeface="Times New Roman" panose="02020603050405020304" pitchFamily="18" charset="0"/>
+              </a:rPr>
+              <a:t>số</a:t>
+            </a:r>
+            <a:r>
+              <a:rPr lang="en-US" sz="2800" dirty="0" smtClean="0">
+                <a:latin typeface="Times New Roman" panose="02020603050405020304" pitchFamily="18" charset="0"/>
+                <a:cs typeface="Times New Roman" panose="02020603050405020304" pitchFamily="18" charset="0"/>
+              </a:rPr>
+              <a:t> </a:t>
+            </a:r>
+            <a:r>
+              <a:rPr lang="en-US" sz="2800" dirty="0" err="1" smtClean="0">
+                <a:latin typeface="Times New Roman" panose="02020603050405020304" pitchFamily="18" charset="0"/>
+                <a:cs typeface="Times New Roman" panose="02020603050405020304" pitchFamily="18" charset="0"/>
+              </a:rPr>
+              <a:t>công</a:t>
+            </a:r>
+            <a:r>
+              <a:rPr lang="en-US" sz="2800" dirty="0" smtClean="0">
+                <a:latin typeface="Times New Roman" panose="02020603050405020304" pitchFamily="18" charset="0"/>
+                <a:cs typeface="Times New Roman" panose="02020603050405020304" pitchFamily="18" charset="0"/>
+              </a:rPr>
+              <a:t> </a:t>
+            </a:r>
+            <a:r>
+              <a:rPr lang="en-US" sz="2800" dirty="0" err="1" smtClean="0">
+                <a:latin typeface="Times New Roman" panose="02020603050405020304" pitchFamily="18" charset="0"/>
+                <a:cs typeface="Times New Roman" panose="02020603050405020304" pitchFamily="18" charset="0"/>
+              </a:rPr>
+              <a:t>cụ</a:t>
+            </a:r>
+            <a:r>
+              <a:rPr lang="en-US" sz="2800" dirty="0" smtClean="0">
+                <a:latin typeface="Times New Roman" panose="02020603050405020304" pitchFamily="18" charset="0"/>
+                <a:cs typeface="Times New Roman" panose="02020603050405020304" pitchFamily="18" charset="0"/>
+              </a:rPr>
+              <a:t> </a:t>
+            </a:r>
+            <a:r>
+              <a:rPr lang="en-US" sz="2800" dirty="0" err="1" smtClean="0">
+                <a:latin typeface="Times New Roman" panose="02020603050405020304" pitchFamily="18" charset="0"/>
+                <a:cs typeface="Times New Roman" panose="02020603050405020304" pitchFamily="18" charset="0"/>
+              </a:rPr>
+              <a:t>kiểm</a:t>
+            </a:r>
+            <a:r>
+              <a:rPr lang="en-US" sz="2800" dirty="0" smtClean="0">
+                <a:latin typeface="Times New Roman" panose="02020603050405020304" pitchFamily="18" charset="0"/>
+                <a:cs typeface="Times New Roman" panose="02020603050405020304" pitchFamily="18" charset="0"/>
+              </a:rPr>
+              <a:t> </a:t>
+            </a:r>
+            <a:r>
+              <a:rPr lang="en-US" sz="2800" dirty="0" err="1" smtClean="0">
+                <a:latin typeface="Times New Roman" panose="02020603050405020304" pitchFamily="18" charset="0"/>
+                <a:cs typeface="Times New Roman" panose="02020603050405020304" pitchFamily="18" charset="0"/>
+              </a:rPr>
+              <a:t>thử</a:t>
+            </a:r>
+            <a:r>
+              <a:rPr lang="en-US" sz="2800" dirty="0" smtClean="0">
+                <a:latin typeface="Times New Roman" panose="02020603050405020304" pitchFamily="18" charset="0"/>
+                <a:cs typeface="Times New Roman" panose="02020603050405020304" pitchFamily="18" charset="0"/>
+              </a:rPr>
+              <a:t> </a:t>
+            </a:r>
+            <a:r>
+              <a:rPr lang="en-US" sz="2800" dirty="0" err="1" smtClean="0">
+                <a:latin typeface="Times New Roman" panose="02020603050405020304" pitchFamily="18" charset="0"/>
+                <a:cs typeface="Times New Roman" panose="02020603050405020304" pitchFamily="18" charset="0"/>
+              </a:rPr>
+              <a:t>tính</a:t>
+            </a:r>
+            <a:r>
+              <a:rPr lang="en-US" sz="2800" dirty="0" smtClean="0">
+                <a:latin typeface="Times New Roman" panose="02020603050405020304" pitchFamily="18" charset="0"/>
+                <a:cs typeface="Times New Roman" panose="02020603050405020304" pitchFamily="18" charset="0"/>
+              </a:rPr>
+              <a:t> </a:t>
+            </a:r>
+            <a:r>
+              <a:rPr lang="en-US" sz="2800" dirty="0" err="1" smtClean="0">
+                <a:latin typeface="Times New Roman" panose="02020603050405020304" pitchFamily="18" charset="0"/>
+                <a:cs typeface="Times New Roman" panose="02020603050405020304" pitchFamily="18" charset="0"/>
+              </a:rPr>
+              <a:t>tiện</a:t>
+            </a:r>
+            <a:r>
+              <a:rPr lang="en-US" sz="2800" dirty="0" smtClean="0">
+                <a:latin typeface="Times New Roman" panose="02020603050405020304" pitchFamily="18" charset="0"/>
+                <a:cs typeface="Times New Roman" panose="02020603050405020304" pitchFamily="18" charset="0"/>
+              </a:rPr>
+              <a:t> </a:t>
+            </a:r>
+            <a:r>
+              <a:rPr lang="en-US" sz="2800" dirty="0" err="1" smtClean="0">
+                <a:latin typeface="Times New Roman" panose="02020603050405020304" pitchFamily="18" charset="0"/>
+                <a:cs typeface="Times New Roman" panose="02020603050405020304" pitchFamily="18" charset="0"/>
+              </a:rPr>
+              <a:t>dụng</a:t>
+            </a:r>
+            <a:endParaRPr lang="en-US" sz="2800" dirty="0">
+              <a:latin typeface="Times New Roman" panose="02020603050405020304" pitchFamily="18" charset="0"/>
+              <a:cs typeface="Times New Roman" panose="02020603050405020304" pitchFamily="18" charset="0"/>
+            </a:endParaRPr>
+          </a:p>
+        </p:txBody>
+      </p:sp>
     </p:spTree>
     <p:extLst>
       <p:ext uri="{BB962C8B-B14F-4D97-AF65-F5344CB8AC3E}">
-        <p14:creationId xmlns:p14="http://schemas.microsoft.com/office/powerpoint/2010/main" val="1770755792"/>
+        <p14:creationId xmlns:p14="http://schemas.microsoft.com/office/powerpoint/2010/main" val="330852248"/>
+      </p:ext>
+    </p:extLst>
+  </p:cSld>
+  <p:clrMapOvr>
+    <a:masterClrMapping/>
+  </p:clrMapOvr>
+  <p:timing>
+    <p:tnLst>
+      <p:par>
+        <p:cTn id="1" dur="indefinite" restart="never" nodeType="tmRoot"/>
+      </p:par>
+    </p:tnLst>
+  </p:timing>
+</p:sld>
+</file>
+
+<file path=ppt/slides/slide21.xml><?xml version="1.0" encoding="utf-8"?>
+<p:sld xmlns:a="http://schemas.openxmlformats.org/drawingml/2006/main" xmlns:r="http://schemas.openxmlformats.org/officeDocument/2006/relationships" xmlns:p="http://schemas.openxmlformats.org/presentationml/2006/main">
+  <p:cSld>
+    <p:spTree>
+      <p:nvGrpSpPr>
+        <p:cNvPr id="1" name=""/>
+        <p:cNvGrpSpPr/>
+        <p:nvPr/>
+      </p:nvGrpSpPr>
+      <p:grpSpPr>
+        <a:xfrm>
+          <a:off x="0" y="0"/>
+          <a:ext cx="0" cy="0"/>
+          <a:chOff x="0" y="0"/>
+          <a:chExt cx="0" cy="0"/>
+        </a:xfrm>
+      </p:grpSpPr>
+      <p:sp>
+        <p:nvSpPr>
+          <p:cNvPr id="2" name="Tiêu đề 1"/>
+          <p:cNvSpPr>
+            <a:spLocks noGrp="1"/>
+          </p:cNvSpPr>
+          <p:nvPr>
+            <p:ph type="title"/>
+          </p:nvPr>
+        </p:nvSpPr>
+        <p:spPr/>
+        <p:txBody>
+          <a:bodyPr/>
+          <a:lstStyle/>
+          <a:p>
+            <a:r>
+              <a:rPr lang="en-US" dirty="0" smtClean="0">
+                <a:latin typeface="Times New Roman" panose="02020603050405020304" pitchFamily="18" charset="0"/>
+                <a:cs typeface="Times New Roman" panose="02020603050405020304" pitchFamily="18" charset="0"/>
+              </a:rPr>
+              <a:t>Usability testing </a:t>
+            </a:r>
+            <a:r>
+              <a:rPr lang="en-US" dirty="0" err="1" smtClean="0">
+                <a:latin typeface="Times New Roman" panose="02020603050405020304" pitchFamily="18" charset="0"/>
+                <a:cs typeface="Times New Roman" panose="02020603050405020304" pitchFamily="18" charset="0"/>
+              </a:rPr>
+              <a:t>là</a:t>
+            </a:r>
+            <a:r>
+              <a:rPr lang="en-US" dirty="0" smtClean="0">
+                <a:latin typeface="Times New Roman" panose="02020603050405020304" pitchFamily="18" charset="0"/>
+                <a:cs typeface="Times New Roman" panose="02020603050405020304" pitchFamily="18" charset="0"/>
+              </a:rPr>
+              <a:t> </a:t>
+            </a:r>
+            <a:r>
+              <a:rPr lang="en-US" dirty="0" err="1" smtClean="0">
+                <a:latin typeface="Times New Roman" panose="02020603050405020304" pitchFamily="18" charset="0"/>
+                <a:cs typeface="Times New Roman" panose="02020603050405020304" pitchFamily="18" charset="0"/>
+              </a:rPr>
+              <a:t>gì</a:t>
+            </a:r>
+            <a:r>
+              <a:rPr lang="en-US" dirty="0" smtClean="0">
+                <a:latin typeface="Times New Roman" panose="02020603050405020304" pitchFamily="18" charset="0"/>
+                <a:cs typeface="Times New Roman" panose="02020603050405020304" pitchFamily="18" charset="0"/>
+              </a:rPr>
+              <a:t> ?</a:t>
+            </a:r>
+            <a:endParaRPr lang="en-US" dirty="0">
+              <a:latin typeface="Times New Roman" panose="02020603050405020304" pitchFamily="18" charset="0"/>
+              <a:cs typeface="Times New Roman" panose="02020603050405020304" pitchFamily="18" charset="0"/>
+            </a:endParaRPr>
+          </a:p>
+        </p:txBody>
+      </p:sp>
+      <p:sp>
+        <p:nvSpPr>
+          <p:cNvPr id="4" name="Hộp Văn bản 3"/>
+          <p:cNvSpPr txBox="1"/>
+          <p:nvPr/>
+        </p:nvSpPr>
+        <p:spPr>
+          <a:xfrm>
+            <a:off x="721217" y="2575775"/>
+            <a:ext cx="10779617" cy="400110"/>
+          </a:xfrm>
+          <a:prstGeom prst="rect">
+            <a:avLst/>
+          </a:prstGeom>
+          <a:noFill/>
+        </p:spPr>
+        <p:txBody>
+          <a:bodyPr wrap="square" rtlCol="0">
+            <a:spAutoFit/>
+          </a:bodyPr>
+          <a:lstStyle/>
+          <a:p>
+            <a:endParaRPr lang="fr-FR" sz="2000" dirty="0" smtClean="0">
+              <a:latin typeface="Times New Roman" panose="02020603050405020304" pitchFamily="18" charset="0"/>
+              <a:cs typeface="Times New Roman" panose="02020603050405020304" pitchFamily="18" charset="0"/>
+            </a:endParaRPr>
+          </a:p>
+        </p:txBody>
+      </p:sp>
+    </p:spTree>
+    <p:extLst>
+      <p:ext uri="{BB962C8B-B14F-4D97-AF65-F5344CB8AC3E}">
+        <p14:creationId xmlns:p14="http://schemas.microsoft.com/office/powerpoint/2010/main" val="2795365637"/>
       </p:ext>
     </p:extLst>
   </p:cSld>
@@ -8058,7 +10587,7 @@
         <p:spPr>
           <a:xfrm>
             <a:off x="913775" y="2214694"/>
-            <a:ext cx="10677211" cy="2492990"/>
+            <a:ext cx="10677211" cy="2185214"/>
           </a:xfrm>
           <a:prstGeom prst="rect">
             <a:avLst/>
@@ -8231,20 +10760,7 @@
                 <a:latin typeface="Times New Roman" panose="02020603050405020304" pitchFamily="18" charset="0"/>
                 <a:cs typeface="Times New Roman" panose="02020603050405020304" pitchFamily="18" charset="0"/>
               </a:rPr>
-              <a:t>Form-base Application</a:t>
-            </a:r>
-          </a:p>
-          <a:p>
-            <a:pPr marL="342900" indent="-342900">
-              <a:buFont typeface="Arial" panose="020B0604020202020204" pitchFamily="34" charset="0"/>
-              <a:buChar char="•"/>
-            </a:pPr>
-            <a:r>
-              <a:rPr lang="en-US" sz="2000" dirty="0" smtClean="0">
-                <a:latin typeface="Times New Roman" panose="02020603050405020304" pitchFamily="18" charset="0"/>
-                <a:cs typeface="Times New Roman" panose="02020603050405020304" pitchFamily="18" charset="0"/>
-              </a:rPr>
-              <a:t>Console application</a:t>
+              <a:t>Command Line Interface</a:t>
             </a:r>
           </a:p>
           <a:p>
@@ -8468,7 +10984,7 @@
       </p:pic>
       <p:pic>
         <p:nvPicPr>
-          <p:cNvPr id="4" name="Ảnh 3"/>
+          <p:cNvPr id="6" name="Ảnh 5"/>
           <p:cNvPicPr>
             <a:picLocks noChangeAspect="1"/>
           </p:cNvPicPr>
@@ -8488,8 +11004,8 @@
         </p:blipFill>
         <p:spPr>
           <a:xfrm>
-            <a:off x="7237927" y="3026535"/>
-            <a:ext cx="3794344" cy="2845758"/>
+            <a:off x="6096000" y="3026535"/>
+            <a:ext cx="5564088" cy="2782044"/>
           </a:xfrm>
           <a:prstGeom prst="rect">
             <a:avLst/>
@@ -8890,11 +11406,53 @@
               <a:t> </a:t>
             </a:r>
             <a:r>
+              <a:rPr lang="en-US" sz="2000" dirty="0" err="1" smtClean="0">
+                <a:latin typeface="Times New Roman" panose="02020603050405020304" pitchFamily="18" charset="0"/>
+                <a:cs typeface="Times New Roman" panose="02020603050405020304" pitchFamily="18" charset="0"/>
+              </a:rPr>
+              <a:t>kiểm</a:t>
+            </a:r>
+            <a:r>
+              <a:rPr lang="en-US" sz="2000" dirty="0" smtClean="0">
+                <a:latin typeface="Times New Roman" panose="02020603050405020304" pitchFamily="18" charset="0"/>
+                <a:cs typeface="Times New Roman" panose="02020603050405020304" pitchFamily="18" charset="0"/>
+              </a:rPr>
+              <a:t> </a:t>
+            </a:r>
+            <a:r>
+              <a:rPr lang="en-US" sz="2000" dirty="0" err="1" smtClean="0">
+                <a:latin typeface="Times New Roman" panose="02020603050405020304" pitchFamily="18" charset="0"/>
+                <a:cs typeface="Times New Roman" panose="02020603050405020304" pitchFamily="18" charset="0"/>
+              </a:rPr>
+              <a:t>tra</a:t>
+            </a:r>
+            <a:r>
+              <a:rPr lang="en-US" sz="2000" dirty="0" smtClean="0">
+                <a:latin typeface="Times New Roman" panose="02020603050405020304" pitchFamily="18" charset="0"/>
+                <a:cs typeface="Times New Roman" panose="02020603050405020304" pitchFamily="18" charset="0"/>
+              </a:rPr>
+              <a:t> </a:t>
+            </a:r>
+            <a:r>
+              <a:rPr lang="en-US" sz="2000" dirty="0" err="1" smtClean="0">
+                <a:latin typeface="Times New Roman" panose="02020603050405020304" pitchFamily="18" charset="0"/>
+                <a:cs typeface="Times New Roman" panose="02020603050405020304" pitchFamily="18" charset="0"/>
+              </a:rPr>
+              <a:t>ứng</a:t>
+            </a:r>
+            <a:r>
+              <a:rPr lang="en-US" sz="2000" dirty="0" smtClean="0">
+                <a:latin typeface="Times New Roman" panose="02020603050405020304" pitchFamily="18" charset="0"/>
+                <a:cs typeface="Times New Roman" panose="02020603050405020304" pitchFamily="18" charset="0"/>
+              </a:rPr>
+              <a:t> </a:t>
+            </a:r>
+            <a:r>
               <a:rPr lang="en-US" sz="2000" dirty="0" err="1">
                 <a:latin typeface="Times New Roman" panose="02020603050405020304" pitchFamily="18" charset="0"/>
                 <a:cs typeface="Times New Roman" panose="02020603050405020304" pitchFamily="18" charset="0"/>
               </a:rPr>
-              <a:t>làm</a:t>
+              <a:t>dụng</a:t>
             </a:r>
             <a:r>
               <a:rPr lang="en-US" sz="2000" dirty="0">
@@ -8908,9 +11466,191 @@
                 <a:latin typeface="Times New Roman" panose="02020603050405020304" pitchFamily="18" charset="0"/>
                 <a:cs typeface="Times New Roman" panose="02020603050405020304" pitchFamily="18" charset="0"/>
               </a:rPr>
+              <a:t>xử</a:t>
+            </a:r>
+            <a:r>
+              <a:rPr lang="en-US" sz="2000" dirty="0">
+                <a:latin typeface="Times New Roman" panose="02020603050405020304" pitchFamily="18" charset="0"/>
+                <a:cs typeface="Times New Roman" panose="02020603050405020304" pitchFamily="18" charset="0"/>
+              </a:rPr>
+              <a:t> </a:t>
+            </a:r>
+            <a:r>
+              <a:rPr lang="en-US" sz="2000" dirty="0" err="1">
+                <a:latin typeface="Times New Roman" panose="02020603050405020304" pitchFamily="18" charset="0"/>
+                <a:cs typeface="Times New Roman" panose="02020603050405020304" pitchFamily="18" charset="0"/>
+              </a:rPr>
+              <a:t>lý</a:t>
+            </a:r>
+            <a:r>
+              <a:rPr lang="en-US" sz="2000" dirty="0">
+                <a:latin typeface="Times New Roman" panose="02020603050405020304" pitchFamily="18" charset="0"/>
+                <a:cs typeface="Times New Roman" panose="02020603050405020304" pitchFamily="18" charset="0"/>
+              </a:rPr>
+              <a:t> </a:t>
+            </a:r>
+            <a:r>
+              <a:rPr lang="en-US" sz="2000" dirty="0" err="1">
+                <a:latin typeface="Times New Roman" panose="02020603050405020304" pitchFamily="18" charset="0"/>
+                <a:cs typeface="Times New Roman" panose="02020603050405020304" pitchFamily="18" charset="0"/>
+              </a:rPr>
+              <a:t>thông</a:t>
+            </a:r>
+            <a:r>
+              <a:rPr lang="en-US" sz="2000" dirty="0">
+                <a:latin typeface="Times New Roman" panose="02020603050405020304" pitchFamily="18" charset="0"/>
+                <a:cs typeface="Times New Roman" panose="02020603050405020304" pitchFamily="18" charset="0"/>
+              </a:rPr>
+              <a:t> tin </a:t>
+            </a:r>
+            <a:r>
+              <a:rPr lang="en-US" sz="2000" dirty="0" err="1">
+                <a:latin typeface="Times New Roman" panose="02020603050405020304" pitchFamily="18" charset="0"/>
+                <a:cs typeface="Times New Roman" panose="02020603050405020304" pitchFamily="18" charset="0"/>
+              </a:rPr>
+              <a:t>đầu</a:t>
+            </a:r>
+            <a:r>
+              <a:rPr lang="en-US" sz="2000" dirty="0">
+                <a:latin typeface="Times New Roman" panose="02020603050405020304" pitchFamily="18" charset="0"/>
+                <a:cs typeface="Times New Roman" panose="02020603050405020304" pitchFamily="18" charset="0"/>
+              </a:rPr>
+              <a:t> </a:t>
+            </a:r>
+            <a:r>
+              <a:rPr lang="en-US" sz="2000" dirty="0" err="1">
+                <a:latin typeface="Times New Roman" panose="02020603050405020304" pitchFamily="18" charset="0"/>
+                <a:cs typeface="Times New Roman" panose="02020603050405020304" pitchFamily="18" charset="0"/>
+              </a:rPr>
+              <a:t>vào</a:t>
+            </a:r>
+            <a:r>
+              <a:rPr lang="en-US" sz="2000" dirty="0">
+                <a:latin typeface="Times New Roman" panose="02020603050405020304" pitchFamily="18" charset="0"/>
+                <a:cs typeface="Times New Roman" panose="02020603050405020304" pitchFamily="18" charset="0"/>
+              </a:rPr>
+              <a:t> </a:t>
+            </a:r>
+            <a:r>
+              <a:rPr lang="en-US" sz="2000" dirty="0" err="1">
+                <a:latin typeface="Times New Roman" panose="02020603050405020304" pitchFamily="18" charset="0"/>
+                <a:cs typeface="Times New Roman" panose="02020603050405020304" pitchFamily="18" charset="0"/>
+              </a:rPr>
+              <a:t>từ</a:t>
+            </a:r>
+            <a:r>
+              <a:rPr lang="en-US" sz="2000" dirty="0">
+                <a:latin typeface="Times New Roman" panose="02020603050405020304" pitchFamily="18" charset="0"/>
+                <a:cs typeface="Times New Roman" panose="02020603050405020304" pitchFamily="18" charset="0"/>
+              </a:rPr>
+              <a:t> </a:t>
+            </a:r>
+            <a:r>
+              <a:rPr lang="en-US" sz="2000" dirty="0" err="1">
+                <a:latin typeface="Times New Roman" panose="02020603050405020304" pitchFamily="18" charset="0"/>
+                <a:cs typeface="Times New Roman" panose="02020603050405020304" pitchFamily="18" charset="0"/>
+              </a:rPr>
+              <a:t>chuột</a:t>
+            </a:r>
+            <a:r>
+              <a:rPr lang="en-US" sz="2000" dirty="0">
+                <a:latin typeface="Times New Roman" panose="02020603050405020304" pitchFamily="18" charset="0"/>
+                <a:cs typeface="Times New Roman" panose="02020603050405020304" pitchFamily="18" charset="0"/>
+              </a:rPr>
+              <a:t> </a:t>
+            </a:r>
+            <a:r>
+              <a:rPr lang="en-US" sz="2000" dirty="0" err="1">
+                <a:latin typeface="Times New Roman" panose="02020603050405020304" pitchFamily="18" charset="0"/>
+                <a:cs typeface="Times New Roman" panose="02020603050405020304" pitchFamily="18" charset="0"/>
+              </a:rPr>
+              <a:t>và</a:t>
+            </a:r>
+            <a:r>
+              <a:rPr lang="en-US" sz="2000" dirty="0">
+                <a:latin typeface="Times New Roman" panose="02020603050405020304" pitchFamily="18" charset="0"/>
+                <a:cs typeface="Times New Roman" panose="02020603050405020304" pitchFamily="18" charset="0"/>
+              </a:rPr>
+              <a:t> </a:t>
+            </a:r>
+            <a:r>
+              <a:rPr lang="en-US" sz="2000" dirty="0" err="1">
+                <a:latin typeface="Times New Roman" panose="02020603050405020304" pitchFamily="18" charset="0"/>
+                <a:cs typeface="Times New Roman" panose="02020603050405020304" pitchFamily="18" charset="0"/>
+              </a:rPr>
+              <a:t>bàn</a:t>
+            </a:r>
+            <a:r>
+              <a:rPr lang="en-US" sz="2000" dirty="0">
+                <a:latin typeface="Times New Roman" panose="02020603050405020304" pitchFamily="18" charset="0"/>
+                <a:cs typeface="Times New Roman" panose="02020603050405020304" pitchFamily="18" charset="0"/>
+              </a:rPr>
+              <a:t> </a:t>
+            </a:r>
+            <a:r>
+              <a:rPr lang="en-US" sz="2000" dirty="0" err="1" smtClean="0">
+                <a:latin typeface="Times New Roman" panose="02020603050405020304" pitchFamily="18" charset="0"/>
+                <a:cs typeface="Times New Roman" panose="02020603050405020304" pitchFamily="18" charset="0"/>
+              </a:rPr>
+              <a:t>phím</a:t>
+            </a:r>
+            <a:r>
+              <a:rPr lang="en-US" sz="2000" dirty="0" smtClean="0">
+                <a:latin typeface="Times New Roman" panose="02020603050405020304" pitchFamily="18" charset="0"/>
+                <a:cs typeface="Times New Roman" panose="02020603050405020304" pitchFamily="18" charset="0"/>
+              </a:rPr>
+              <a:t> </a:t>
+            </a:r>
+            <a:r>
+              <a:rPr lang="en-US" sz="2000" dirty="0" err="1" smtClean="0">
+                <a:latin typeface="Times New Roman" panose="02020603050405020304" pitchFamily="18" charset="0"/>
+                <a:cs typeface="Times New Roman" panose="02020603050405020304" pitchFamily="18" charset="0"/>
+              </a:rPr>
+              <a:t>như</a:t>
+            </a:r>
+            <a:r>
+              <a:rPr lang="en-US" sz="2000" dirty="0" smtClean="0">
+                <a:latin typeface="Times New Roman" panose="02020603050405020304" pitchFamily="18" charset="0"/>
+                <a:cs typeface="Times New Roman" panose="02020603050405020304" pitchFamily="18" charset="0"/>
+              </a:rPr>
+              <a:t> </a:t>
+            </a:r>
+            <a:r>
+              <a:rPr lang="en-US" sz="2000" dirty="0" err="1" smtClean="0">
+                <a:latin typeface="Times New Roman" panose="02020603050405020304" pitchFamily="18" charset="0"/>
+                <a:cs typeface="Times New Roman" panose="02020603050405020304" pitchFamily="18" charset="0"/>
+              </a:rPr>
               <a:t>thế</a:t>
             </a:r>
             <a:r>
+              <a:rPr lang="en-US" sz="2000" dirty="0" smtClean="0">
+                <a:latin typeface="Times New Roman" panose="02020603050405020304" pitchFamily="18" charset="0"/>
+                <a:cs typeface="Times New Roman" panose="02020603050405020304" pitchFamily="18" charset="0"/>
+              </a:rPr>
+              <a:t> </a:t>
+            </a:r>
+            <a:r>
+              <a:rPr lang="en-US" sz="2000" dirty="0" err="1" smtClean="0">
+                <a:latin typeface="Times New Roman" panose="02020603050405020304" pitchFamily="18" charset="0"/>
+                <a:cs typeface="Times New Roman" panose="02020603050405020304" pitchFamily="18" charset="0"/>
+              </a:rPr>
+              <a:t>nào</a:t>
+            </a:r>
+            <a:r>
+              <a:rPr lang="en-US" sz="2000" dirty="0" smtClean="0">
+                <a:latin typeface="Times New Roman" panose="02020603050405020304" pitchFamily="18" charset="0"/>
+                <a:cs typeface="Times New Roman" panose="02020603050405020304" pitchFamily="18" charset="0"/>
+              </a:rPr>
+              <a:t> </a:t>
+            </a:r>
+            <a:r>
+              <a:rPr lang="en-US" sz="2000" dirty="0" err="1">
+                <a:latin typeface="Times New Roman" panose="02020603050405020304" pitchFamily="18" charset="0"/>
+                <a:cs typeface="Times New Roman" panose="02020603050405020304" pitchFamily="18" charset="0"/>
+              </a:rPr>
+              <a:t>và</a:t>
+            </a:r>
+            <a:r>
               <a:rPr lang="en-US" sz="2000" dirty="0">
                 <a:latin typeface="Times New Roman" panose="02020603050405020304" pitchFamily="18" charset="0"/>
                 <a:cs typeface="Times New Roman" panose="02020603050405020304" pitchFamily="18" charset="0"/>
@@ -8918,11 +11658,39 @@
               <a:t> </a:t>
             </a:r>
             <a:r>
+              <a:rPr lang="en-US" sz="2000" dirty="0" err="1" smtClean="0">
+                <a:latin typeface="Times New Roman" panose="02020603050405020304" pitchFamily="18" charset="0"/>
+                <a:cs typeface="Times New Roman" panose="02020603050405020304" pitchFamily="18" charset="0"/>
+              </a:rPr>
+              <a:t>ứng</a:t>
+            </a:r>
+            <a:r>
+              <a:rPr lang="en-US" sz="2000" dirty="0" smtClean="0">
+                <a:latin typeface="Times New Roman" panose="02020603050405020304" pitchFamily="18" charset="0"/>
+                <a:cs typeface="Times New Roman" panose="02020603050405020304" pitchFamily="18" charset="0"/>
+              </a:rPr>
+              <a:t> </a:t>
+            </a:r>
+            <a:r>
+              <a:rPr lang="en-US" sz="2000" dirty="0" err="1" smtClean="0">
+                <a:latin typeface="Times New Roman" panose="02020603050405020304" pitchFamily="18" charset="0"/>
+                <a:cs typeface="Times New Roman" panose="02020603050405020304" pitchFamily="18" charset="0"/>
+              </a:rPr>
+              <a:t>dụng</a:t>
+            </a:r>
+            <a:r>
+              <a:rPr lang="en-US" sz="2000" dirty="0" smtClean="0">
+                <a:latin typeface="Times New Roman" panose="02020603050405020304" pitchFamily="18" charset="0"/>
+                <a:cs typeface="Times New Roman" panose="02020603050405020304" pitchFamily="18" charset="0"/>
+              </a:rPr>
+              <a:t> </a:t>
+            </a:r>
+            <a:r>
               <a:rPr lang="en-US" sz="2000" dirty="0" err="1">
                 <a:latin typeface="Times New Roman" panose="02020603050405020304" pitchFamily="18" charset="0"/>
                 <a:cs typeface="Times New Roman" panose="02020603050405020304" pitchFamily="18" charset="0"/>
               </a:rPr>
-              <a:t>nào</a:t>
+              <a:t>hiển</a:t>
             </a:r>
             <a:r>
               <a:rPr lang="en-US" sz="2000" dirty="0">
@@ -8936,7 +11704,7 @@
                 <a:latin typeface="Times New Roman" panose="02020603050405020304" pitchFamily="18" charset="0"/>
                 <a:cs typeface="Times New Roman" panose="02020603050405020304" pitchFamily="18" charset="0"/>
               </a:rPr>
-              <a:t>để</a:t>
+              <a:t>thị</a:t>
             </a:r>
             <a:r>
               <a:rPr lang="en-US" sz="2000" dirty="0">
@@ -8950,7 +11718,7 @@
                 <a:latin typeface="Times New Roman" panose="02020603050405020304" pitchFamily="18" charset="0"/>
                 <a:cs typeface="Times New Roman" panose="02020603050405020304" pitchFamily="18" charset="0"/>
               </a:rPr>
-              <a:t>ứng</a:t>
+              <a:t>các</a:t>
             </a:r>
             <a:r>
               <a:rPr lang="en-US" sz="2000" dirty="0">
@@ -8964,21 +11732,21 @@
                 <a:latin typeface="Times New Roman" panose="02020603050405020304" pitchFamily="18" charset="0"/>
                 <a:cs typeface="Times New Roman" panose="02020603050405020304" pitchFamily="18" charset="0"/>
               </a:rPr>
-              <a:t>dụng</a:t>
+              <a:t>đoạn</a:t>
             </a:r>
             <a:r>
               <a:rPr lang="en-US" sz="2000" dirty="0">
                 <a:latin typeface="Times New Roman" panose="02020603050405020304" pitchFamily="18" charset="0"/>
                 <a:cs typeface="Times New Roman" panose="02020603050405020304" pitchFamily="18" charset="0"/>
               </a:rPr>
-              <a:t> </a:t>
+              <a:t> text, </a:t>
             </a:r>
             <a:r>
               <a:rPr lang="en-US" sz="2000" dirty="0" err="1">
                 <a:latin typeface="Times New Roman" panose="02020603050405020304" pitchFamily="18" charset="0"/>
                 <a:cs typeface="Times New Roman" panose="02020603050405020304" pitchFamily="18" charset="0"/>
               </a:rPr>
-              <a:t>xử</a:t>
+              <a:t>hình</a:t>
             </a:r>
             <a:r>
               <a:rPr lang="en-US" sz="2000" dirty="0">
@@ -8992,35 +11760,35 @@
                 <a:latin typeface="Times New Roman" panose="02020603050405020304" pitchFamily="18" charset="0"/>
                 <a:cs typeface="Times New Roman" panose="02020603050405020304" pitchFamily="18" charset="0"/>
               </a:rPr>
-              <a:t>lý</a:t>
+              <a:t>ảnh</a:t>
             </a:r>
             <a:r>
               <a:rPr lang="en-US" sz="2000" dirty="0">
                 <a:latin typeface="Times New Roman" panose="02020603050405020304" pitchFamily="18" charset="0"/>
                 <a:cs typeface="Times New Roman" panose="02020603050405020304" pitchFamily="18" charset="0"/>
               </a:rPr>
-              <a:t> </a:t>
+              <a:t>, menu, buttons, </a:t>
             </a:r>
             <a:r>
               <a:rPr lang="en-US" sz="2000" dirty="0" err="1">
                 <a:latin typeface="Times New Roman" panose="02020603050405020304" pitchFamily="18" charset="0"/>
                 <a:cs typeface="Times New Roman" panose="02020603050405020304" pitchFamily="18" charset="0"/>
               </a:rPr>
-              <a:t>thông</a:t>
+              <a:t>các</a:t>
             </a:r>
             <a:r>
               <a:rPr lang="en-US" sz="2000" dirty="0">
                 <a:latin typeface="Times New Roman" panose="02020603050405020304" pitchFamily="18" charset="0"/>
                 <a:cs typeface="Times New Roman" panose="02020603050405020304" pitchFamily="18" charset="0"/>
               </a:rPr>
-              <a:t> tin </a:t>
+              <a:t> </a:t>
             </a:r>
             <a:r>
               <a:rPr lang="en-US" sz="2000" dirty="0" err="1">
                 <a:latin typeface="Times New Roman" panose="02020603050405020304" pitchFamily="18" charset="0"/>
                 <a:cs typeface="Times New Roman" panose="02020603050405020304" pitchFamily="18" charset="0"/>
               </a:rPr>
-              <a:t>đầu</a:t>
+              <a:t>hộp</a:t>
             </a:r>
             <a:r>
               <a:rPr lang="en-US" sz="2000" dirty="0">
@@ -9034,266 +11802,42 @@
                 <a:latin typeface="Times New Roman" panose="02020603050405020304" pitchFamily="18" charset="0"/>
                 <a:cs typeface="Times New Roman" panose="02020603050405020304" pitchFamily="18" charset="0"/>
               </a:rPr>
-              <a:t>vào</a:t>
+              <a:t>thoại</a:t>
             </a:r>
             <a:r>
               <a:rPr lang="en-US" sz="2000" dirty="0">
                 <a:latin typeface="Times New Roman" panose="02020603050405020304" pitchFamily="18" charset="0"/>
                 <a:cs typeface="Times New Roman" panose="02020603050405020304" pitchFamily="18" charset="0"/>
               </a:rPr>
-              <a:t> </a:t>
-            </a:r>
-            <a:r>
-              <a:rPr lang="en-US" sz="2000" dirty="0" err="1">
-                <a:latin typeface="Times New Roman" panose="02020603050405020304" pitchFamily="18" charset="0"/>
-                <a:cs typeface="Times New Roman" panose="02020603050405020304" pitchFamily="18" charset="0"/>
-              </a:rPr>
-              <a:t>từ</a:t>
-            </a:r>
-            <a:r>
-              <a:rPr lang="en-US" sz="2000" dirty="0">
-                <a:latin typeface="Times New Roman" panose="02020603050405020304" pitchFamily="18" charset="0"/>
-                <a:cs typeface="Times New Roman" panose="02020603050405020304" pitchFamily="18" charset="0"/>
-              </a:rPr>
-              <a:t> </a:t>
-            </a:r>
-            <a:r>
-              <a:rPr lang="en-US" sz="2000" dirty="0" err="1">
-                <a:latin typeface="Times New Roman" panose="02020603050405020304" pitchFamily="18" charset="0"/>
-                <a:cs typeface="Times New Roman" panose="02020603050405020304" pitchFamily="18" charset="0"/>
-              </a:rPr>
-              <a:t>chuột</a:t>
-            </a:r>
-            <a:r>
-              <a:rPr lang="en-US" sz="2000" dirty="0">
-                <a:latin typeface="Times New Roman" panose="02020603050405020304" pitchFamily="18" charset="0"/>
-                <a:cs typeface="Times New Roman" panose="02020603050405020304" pitchFamily="18" charset="0"/>
-              </a:rPr>
-              <a:t> </a:t>
-            </a:r>
-            <a:r>
-              <a:rPr lang="en-US" sz="2000" dirty="0" err="1">
-                <a:latin typeface="Times New Roman" panose="02020603050405020304" pitchFamily="18" charset="0"/>
-                <a:cs typeface="Times New Roman" panose="02020603050405020304" pitchFamily="18" charset="0"/>
-              </a:rPr>
-              <a:t>và</a:t>
-            </a:r>
-            <a:r>
-              <a:rPr lang="en-US" sz="2000" dirty="0">
-                <a:latin typeface="Times New Roman" panose="02020603050405020304" pitchFamily="18" charset="0"/>
-                <a:cs typeface="Times New Roman" panose="02020603050405020304" pitchFamily="18" charset="0"/>
-              </a:rPr>
-              <a:t> </a:t>
-            </a:r>
-            <a:r>
-              <a:rPr lang="en-US" sz="2000" dirty="0" err="1">
-                <a:latin typeface="Times New Roman" panose="02020603050405020304" pitchFamily="18" charset="0"/>
-                <a:cs typeface="Times New Roman" panose="02020603050405020304" pitchFamily="18" charset="0"/>
-              </a:rPr>
-              <a:t>bàn</a:t>
-            </a:r>
-            <a:r>
-              <a:rPr lang="en-US" sz="2000" dirty="0">
-                <a:latin typeface="Times New Roman" panose="02020603050405020304" pitchFamily="18" charset="0"/>
-                <a:cs typeface="Times New Roman" panose="02020603050405020304" pitchFamily="18" charset="0"/>
-              </a:rPr>
-              <a:t> </a:t>
-            </a:r>
-            <a:r>
-              <a:rPr lang="en-US" sz="2000" dirty="0" err="1">
-                <a:latin typeface="Times New Roman" panose="02020603050405020304" pitchFamily="18" charset="0"/>
-                <a:cs typeface="Times New Roman" panose="02020603050405020304" pitchFamily="18" charset="0"/>
-              </a:rPr>
-              <a:t>phím</a:t>
-            </a:r>
-            <a:r>
-              <a:rPr lang="en-US" sz="2000" dirty="0">
-                <a:latin typeface="Times New Roman" panose="02020603050405020304" pitchFamily="18" charset="0"/>
-                <a:cs typeface="Times New Roman" panose="02020603050405020304" pitchFamily="18" charset="0"/>
-              </a:rPr>
-              <a:t> </a:t>
-            </a:r>
-            <a:r>
-              <a:rPr lang="en-US" sz="2000" dirty="0" err="1">
-                <a:latin typeface="Times New Roman" panose="02020603050405020304" pitchFamily="18" charset="0"/>
-                <a:cs typeface="Times New Roman" panose="02020603050405020304" pitchFamily="18" charset="0"/>
-              </a:rPr>
-              <a:t>và</a:t>
-            </a:r>
-            <a:r>
-              <a:rPr lang="en-US" sz="2000" dirty="0">
-                <a:latin typeface="Times New Roman" panose="02020603050405020304" pitchFamily="18" charset="0"/>
-                <a:cs typeface="Times New Roman" panose="02020603050405020304" pitchFamily="18" charset="0"/>
-              </a:rPr>
-              <a:t> </a:t>
-            </a:r>
-            <a:r>
-              <a:rPr lang="en-US" sz="2000" dirty="0" err="1">
-                <a:latin typeface="Times New Roman" panose="02020603050405020304" pitchFamily="18" charset="0"/>
-                <a:cs typeface="Times New Roman" panose="02020603050405020304" pitchFamily="18" charset="0"/>
-              </a:rPr>
-              <a:t>làm</a:t>
-            </a:r>
-            <a:r>
-              <a:rPr lang="en-US" sz="2000" dirty="0">
-                <a:latin typeface="Times New Roman" panose="02020603050405020304" pitchFamily="18" charset="0"/>
-                <a:cs typeface="Times New Roman" panose="02020603050405020304" pitchFamily="18" charset="0"/>
-              </a:rPr>
-              <a:t> </a:t>
-            </a:r>
-            <a:r>
-              <a:rPr lang="en-US" sz="2000" dirty="0" err="1">
-                <a:latin typeface="Times New Roman" panose="02020603050405020304" pitchFamily="18" charset="0"/>
-                <a:cs typeface="Times New Roman" panose="02020603050405020304" pitchFamily="18" charset="0"/>
-              </a:rPr>
-              <a:t>thế</a:t>
-            </a:r>
-            <a:r>
-              <a:rPr lang="en-US" sz="2000" dirty="0">
-                <a:latin typeface="Times New Roman" panose="02020603050405020304" pitchFamily="18" charset="0"/>
-                <a:cs typeface="Times New Roman" panose="02020603050405020304" pitchFamily="18" charset="0"/>
-              </a:rPr>
-              <a:t> </a:t>
-            </a:r>
-            <a:r>
-              <a:rPr lang="en-US" sz="2000" dirty="0" err="1">
-                <a:latin typeface="Times New Roman" panose="02020603050405020304" pitchFamily="18" charset="0"/>
-                <a:cs typeface="Times New Roman" panose="02020603050405020304" pitchFamily="18" charset="0"/>
-              </a:rPr>
-              <a:t>nào</a:t>
-            </a:r>
-            <a:r>
-              <a:rPr lang="en-US" sz="2000" dirty="0">
-                <a:latin typeface="Times New Roman" panose="02020603050405020304" pitchFamily="18" charset="0"/>
-                <a:cs typeface="Times New Roman" panose="02020603050405020304" pitchFamily="18" charset="0"/>
-              </a:rPr>
-              <a:t> </a:t>
-            </a:r>
-            <a:r>
-              <a:rPr lang="en-US" sz="2000" dirty="0" err="1">
-                <a:latin typeface="Times New Roman" panose="02020603050405020304" pitchFamily="18" charset="0"/>
-                <a:cs typeface="Times New Roman" panose="02020603050405020304" pitchFamily="18" charset="0"/>
-              </a:rPr>
-              <a:t>hiển</a:t>
-            </a:r>
-            <a:r>
-              <a:rPr lang="en-US" sz="2000" dirty="0">
-                <a:latin typeface="Times New Roman" panose="02020603050405020304" pitchFamily="18" charset="0"/>
-                <a:cs typeface="Times New Roman" panose="02020603050405020304" pitchFamily="18" charset="0"/>
-              </a:rPr>
-              <a:t> </a:t>
-            </a:r>
-            <a:r>
-              <a:rPr lang="en-US" sz="2000" dirty="0" err="1">
-                <a:latin typeface="Times New Roman" panose="02020603050405020304" pitchFamily="18" charset="0"/>
-                <a:cs typeface="Times New Roman" panose="02020603050405020304" pitchFamily="18" charset="0"/>
-              </a:rPr>
-              <a:t>thị</a:t>
-            </a:r>
-            <a:r>
-              <a:rPr lang="en-US" sz="2000" dirty="0">
-                <a:latin typeface="Times New Roman" panose="02020603050405020304" pitchFamily="18" charset="0"/>
-                <a:cs typeface="Times New Roman" panose="02020603050405020304" pitchFamily="18" charset="0"/>
-              </a:rPr>
-              <a:t> </a:t>
-            </a:r>
-            <a:r>
-              <a:rPr lang="en-US" sz="2000" dirty="0" err="1">
-                <a:latin typeface="Times New Roman" panose="02020603050405020304" pitchFamily="18" charset="0"/>
-                <a:cs typeface="Times New Roman" panose="02020603050405020304" pitchFamily="18" charset="0"/>
-              </a:rPr>
-              <a:t>các</a:t>
-            </a:r>
-            <a:r>
-              <a:rPr lang="en-US" sz="2000" dirty="0">
-                <a:latin typeface="Times New Roman" panose="02020603050405020304" pitchFamily="18" charset="0"/>
-                <a:cs typeface="Times New Roman" panose="02020603050405020304" pitchFamily="18" charset="0"/>
-              </a:rPr>
-              <a:t> </a:t>
-            </a:r>
-            <a:r>
-              <a:rPr lang="en-US" sz="2000" dirty="0" err="1">
-                <a:latin typeface="Times New Roman" panose="02020603050405020304" pitchFamily="18" charset="0"/>
-                <a:cs typeface="Times New Roman" panose="02020603050405020304" pitchFamily="18" charset="0"/>
-              </a:rPr>
-              <a:t>đoạn</a:t>
-            </a:r>
-            <a:r>
-              <a:rPr lang="en-US" sz="2000" dirty="0">
-                <a:latin typeface="Times New Roman" panose="02020603050405020304" pitchFamily="18" charset="0"/>
-                <a:cs typeface="Times New Roman" panose="02020603050405020304" pitchFamily="18" charset="0"/>
-              </a:rPr>
-              <a:t> text, </a:t>
-            </a:r>
-            <a:r>
-              <a:rPr lang="en-US" sz="2000" dirty="0" err="1">
-                <a:latin typeface="Times New Roman" panose="02020603050405020304" pitchFamily="18" charset="0"/>
-                <a:cs typeface="Times New Roman" panose="02020603050405020304" pitchFamily="18" charset="0"/>
-              </a:rPr>
-              <a:t>hình</a:t>
-            </a:r>
-            <a:r>
-              <a:rPr lang="en-US" sz="2000" dirty="0">
-                <a:latin typeface="Times New Roman" panose="02020603050405020304" pitchFamily="18" charset="0"/>
-                <a:cs typeface="Times New Roman" panose="02020603050405020304" pitchFamily="18" charset="0"/>
-              </a:rPr>
-              <a:t> </a:t>
-            </a:r>
-            <a:r>
-              <a:rPr lang="en-US" sz="2000" dirty="0" err="1">
-                <a:latin typeface="Times New Roman" panose="02020603050405020304" pitchFamily="18" charset="0"/>
-                <a:cs typeface="Times New Roman" panose="02020603050405020304" pitchFamily="18" charset="0"/>
-              </a:rPr>
-              <a:t>ảnh</a:t>
-            </a:r>
-            <a:r>
-              <a:rPr lang="en-US" sz="2000" dirty="0">
-                <a:latin typeface="Times New Roman" panose="02020603050405020304" pitchFamily="18" charset="0"/>
-                <a:cs typeface="Times New Roman" panose="02020603050405020304" pitchFamily="18" charset="0"/>
-              </a:rPr>
-              <a:t>, menu, buttons, </a:t>
-            </a:r>
-            <a:r>
-              <a:rPr lang="en-US" sz="2000" dirty="0" err="1">
-                <a:latin typeface="Times New Roman" panose="02020603050405020304" pitchFamily="18" charset="0"/>
-                <a:cs typeface="Times New Roman" panose="02020603050405020304" pitchFamily="18" charset="0"/>
-              </a:rPr>
-              <a:t>các</a:t>
-            </a:r>
-            <a:r>
-              <a:rPr lang="en-US" sz="2000" dirty="0">
-                <a:latin typeface="Times New Roman" panose="02020603050405020304" pitchFamily="18" charset="0"/>
-                <a:cs typeface="Times New Roman" panose="02020603050405020304" pitchFamily="18" charset="0"/>
-              </a:rPr>
-              <a:t> </a:t>
-            </a:r>
-            <a:r>
-              <a:rPr lang="en-US" sz="2000" dirty="0" err="1">
-                <a:latin typeface="Times New Roman" panose="02020603050405020304" pitchFamily="18" charset="0"/>
-                <a:cs typeface="Times New Roman" panose="02020603050405020304" pitchFamily="18" charset="0"/>
-              </a:rPr>
-              <a:t>hộp</a:t>
-            </a:r>
-            <a:r>
-              <a:rPr lang="en-US" sz="2000" dirty="0">
-                <a:latin typeface="Times New Roman" panose="02020603050405020304" pitchFamily="18" charset="0"/>
-                <a:cs typeface="Times New Roman" panose="02020603050405020304" pitchFamily="18" charset="0"/>
-              </a:rPr>
-              <a:t> </a:t>
-            </a:r>
-            <a:r>
-              <a:rPr lang="en-US" sz="2000" dirty="0" err="1">
-                <a:latin typeface="Times New Roman" panose="02020603050405020304" pitchFamily="18" charset="0"/>
-                <a:cs typeface="Times New Roman" panose="02020603050405020304" pitchFamily="18" charset="0"/>
-              </a:rPr>
-              <a:t>thoại</a:t>
-            </a:r>
-            <a:r>
-              <a:rPr lang="en-US" sz="2000" dirty="0">
-                <a:latin typeface="Times New Roman" panose="02020603050405020304" pitchFamily="18" charset="0"/>
-                <a:cs typeface="Times New Roman" panose="02020603050405020304" pitchFamily="18" charset="0"/>
-              </a:rPr>
-              <a:t>, icon, toolbar…</a:t>
+              <a:t>, icon, toolbar</a:t>
+            </a:r>
+            <a:r>
+              <a:rPr lang="en-US" sz="2000" dirty="0" smtClean="0">
+                <a:latin typeface="Times New Roman" panose="02020603050405020304" pitchFamily="18" charset="0"/>
+                <a:cs typeface="Times New Roman" panose="02020603050405020304" pitchFamily="18" charset="0"/>
+              </a:rPr>
+              <a:t>… </a:t>
+            </a:r>
+            <a:r>
+              <a:rPr lang="en-US" sz="2000" dirty="0" err="1" smtClean="0">
+                <a:latin typeface="Times New Roman" panose="02020603050405020304" pitchFamily="18" charset="0"/>
+                <a:cs typeface="Times New Roman" panose="02020603050405020304" pitchFamily="18" charset="0"/>
+              </a:rPr>
+              <a:t>ra</a:t>
+            </a:r>
+            <a:r>
+              <a:rPr lang="en-US" sz="2000" dirty="0" smtClean="0">
+                <a:latin typeface="Times New Roman" panose="02020603050405020304" pitchFamily="18" charset="0"/>
+                <a:cs typeface="Times New Roman" panose="02020603050405020304" pitchFamily="18" charset="0"/>
+              </a:rPr>
+              <a:t> </a:t>
+            </a:r>
+            <a:r>
+              <a:rPr lang="en-US" sz="2000" dirty="0" err="1" smtClean="0">
+                <a:latin typeface="Times New Roman" panose="02020603050405020304" pitchFamily="18" charset="0"/>
+                <a:cs typeface="Times New Roman" panose="02020603050405020304" pitchFamily="18" charset="0"/>
+              </a:rPr>
+              <a:t>sao</a:t>
             </a:r>
             <a:endParaRPr lang="en-US" sz="2000" dirty="0" smtClean="0">
               <a:latin typeface="Times New Roman" panose="02020603050405020304" pitchFamily="18" charset="0"/>

--- a/slide/GUI & Usability testing group 20.pptx
+++ b/slide/GUI & Usability testing group 20.pptx
@@ -7,25 +7,22 @@
   <p:sldIdLst>
     <p:sldId id="256" r:id="rId2"/>
     <p:sldId id="257" r:id="rId3"/>
-    <p:sldId id="258" r:id="rId4"/>
-    <p:sldId id="260" r:id="rId5"/>
-    <p:sldId id="259" r:id="rId6"/>
-    <p:sldId id="262" r:id="rId7"/>
-    <p:sldId id="263" r:id="rId8"/>
-    <p:sldId id="264" r:id="rId9"/>
-    <p:sldId id="265" r:id="rId10"/>
-    <p:sldId id="261" r:id="rId11"/>
-    <p:sldId id="266" r:id="rId12"/>
-    <p:sldId id="267" r:id="rId13"/>
-    <p:sldId id="269" r:id="rId14"/>
-    <p:sldId id="270" r:id="rId15"/>
-    <p:sldId id="271" r:id="rId16"/>
-    <p:sldId id="272" r:id="rId17"/>
-    <p:sldId id="273" r:id="rId18"/>
-    <p:sldId id="274" r:id="rId19"/>
-    <p:sldId id="275" r:id="rId20"/>
-    <p:sldId id="268" r:id="rId21"/>
-    <p:sldId id="276" r:id="rId22"/>
+    <p:sldId id="280" r:id="rId4"/>
+    <p:sldId id="258" r:id="rId5"/>
+    <p:sldId id="260" r:id="rId6"/>
+    <p:sldId id="259" r:id="rId7"/>
+    <p:sldId id="262" r:id="rId8"/>
+    <p:sldId id="263" r:id="rId9"/>
+    <p:sldId id="264" r:id="rId10"/>
+    <p:sldId id="265" r:id="rId11"/>
+    <p:sldId id="261" r:id="rId12"/>
+    <p:sldId id="266" r:id="rId13"/>
+    <p:sldId id="268" r:id="rId14"/>
+    <p:sldId id="276" r:id="rId15"/>
+    <p:sldId id="277" r:id="rId16"/>
+    <p:sldId id="278" r:id="rId17"/>
+    <p:sldId id="279" r:id="rId18"/>
+    <p:sldId id="281" r:id="rId19"/>
   </p:sldIdLst>
   <p:sldSz cx="12192000" cy="6858000"/>
   <p:notesSz cx="6858000" cy="9144000"/>
@@ -303,7 +300,7 @@
           <a:p>
             <a:fld id="{48A87A34-81AB-432B-8DAE-1953F412C126}" type="datetimeFigureOut">
               <a:rPr lang="en-US" dirty="0"/>
-              <a:t>11/28/2015</a:t>
+              <a:t>11/30/2015</a:t>
             </a:fld>
             <a:endParaRPr lang="en-US" dirty="0"/>
           </a:p>
@@ -610,7 +607,7 @@
           <a:p>
             <a:fld id="{48A87A34-81AB-432B-8DAE-1953F412C126}" type="datetimeFigureOut">
               <a:rPr lang="en-US" dirty="0"/>
-              <a:t>11/28/2015</a:t>
+              <a:t>11/30/2015</a:t>
             </a:fld>
             <a:endParaRPr lang="en-US" dirty="0"/>
           </a:p>
@@ -827,7 +824,7 @@
           <a:p>
             <a:fld id="{48A87A34-81AB-432B-8DAE-1953F412C126}" type="datetimeFigureOut">
               <a:rPr lang="en-US" dirty="0"/>
-              <a:t>11/28/2015</a:t>
+              <a:t>11/30/2015</a:t>
             </a:fld>
             <a:endParaRPr lang="en-US" dirty="0"/>
           </a:p>
@@ -1113,7 +1110,7 @@
           <a:p>
             <a:fld id="{48A87A34-81AB-432B-8DAE-1953F412C126}" type="datetimeFigureOut">
               <a:rPr lang="en-US" dirty="0"/>
-              <a:t>11/28/2015</a:t>
+              <a:t>11/30/2015</a:t>
             </a:fld>
             <a:endParaRPr lang="en-US" dirty="0"/>
           </a:p>
@@ -1562,7 +1559,7 @@
           <a:p>
             <a:fld id="{48A87A34-81AB-432B-8DAE-1953F412C126}" type="datetimeFigureOut">
               <a:rPr lang="en-US" dirty="0"/>
-              <a:t>11/28/2015</a:t>
+              <a:t>11/30/2015</a:t>
             </a:fld>
             <a:endParaRPr lang="en-US" dirty="0"/>
           </a:p>
@@ -2133,7 +2130,7 @@
           <a:p>
             <a:fld id="{48A87A34-81AB-432B-8DAE-1953F412C126}" type="datetimeFigureOut">
               <a:rPr lang="en-US" dirty="0"/>
-              <a:t>11/28/2015</a:t>
+              <a:t>11/30/2015</a:t>
             </a:fld>
             <a:endParaRPr lang="en-US" dirty="0"/>
           </a:p>
@@ -2980,7 +2977,7 @@
           <a:p>
             <a:fld id="{48A87A34-81AB-432B-8DAE-1953F412C126}" type="datetimeFigureOut">
               <a:rPr lang="en-US" dirty="0"/>
-              <a:t>11/28/2015</a:t>
+              <a:t>11/30/2015</a:t>
             </a:fld>
             <a:endParaRPr lang="en-US" dirty="0"/>
           </a:p>
@@ -3180,7 +3177,7 @@
           <a:p>
             <a:fld id="{48A87A34-81AB-432B-8DAE-1953F412C126}" type="datetimeFigureOut">
               <a:rPr lang="en-US" dirty="0"/>
-              <a:t>11/28/2015</a:t>
+              <a:t>11/30/2015</a:t>
             </a:fld>
             <a:endParaRPr lang="en-US" dirty="0"/>
           </a:p>
@@ -3389,7 +3386,7 @@
           <a:p>
             <a:fld id="{48A87A34-81AB-432B-8DAE-1953F412C126}" type="datetimeFigureOut">
               <a:rPr lang="en-US" dirty="0"/>
-              <a:t>11/28/2015</a:t>
+              <a:t>11/30/2015</a:t>
             </a:fld>
             <a:endParaRPr lang="en-US" dirty="0"/>
           </a:p>
@@ -3589,7 +3586,7 @@
           <a:p>
             <a:fld id="{48A87A34-81AB-432B-8DAE-1953F412C126}" type="datetimeFigureOut">
               <a:rPr lang="en-US" dirty="0"/>
-              <a:t>11/28/2015</a:t>
+              <a:t>11/30/2015</a:t>
             </a:fld>
             <a:endParaRPr lang="en-US" dirty="0"/>
           </a:p>
@@ -3864,7 +3861,7 @@
           <a:p>
             <a:fld id="{48A87A34-81AB-432B-8DAE-1953F412C126}" type="datetimeFigureOut">
               <a:rPr lang="en-US" dirty="0"/>
-              <a:t>11/28/2015</a:t>
+              <a:t>11/30/2015</a:t>
             </a:fld>
             <a:endParaRPr lang="en-US" dirty="0"/>
           </a:p>
@@ -4126,7 +4123,7 @@
           <a:p>
             <a:fld id="{48A87A34-81AB-432B-8DAE-1953F412C126}" type="datetimeFigureOut">
               <a:rPr lang="en-US" dirty="0"/>
-              <a:t>11/28/2015</a:t>
+              <a:t>11/30/2015</a:t>
             </a:fld>
             <a:endParaRPr lang="en-US" dirty="0"/>
           </a:p>
@@ -4536,7 +4533,7 @@
           <a:p>
             <a:fld id="{48A87A34-81AB-432B-8DAE-1953F412C126}" type="datetimeFigureOut">
               <a:rPr lang="en-US" dirty="0"/>
-              <a:t>11/28/2015</a:t>
+              <a:t>11/30/2015</a:t>
             </a:fld>
             <a:endParaRPr lang="en-US" dirty="0"/>
           </a:p>
@@ -4679,7 +4676,7 @@
           <a:p>
             <a:fld id="{48A87A34-81AB-432B-8DAE-1953F412C126}" type="datetimeFigureOut">
               <a:rPr lang="en-US" dirty="0"/>
-              <a:t>11/28/2015</a:t>
+              <a:t>11/30/2015</a:t>
             </a:fld>
             <a:endParaRPr lang="en-US" dirty="0"/>
           </a:p>
@@ -4799,7 +4796,7 @@
           <a:p>
             <a:fld id="{48A87A34-81AB-432B-8DAE-1953F412C126}" type="datetimeFigureOut">
               <a:rPr lang="en-US" dirty="0"/>
-              <a:t>11/28/2015</a:t>
+              <a:t>11/30/2015</a:t>
             </a:fld>
             <a:endParaRPr lang="en-US" dirty="0"/>
           </a:p>
@@ -5073,7 +5070,7 @@
           <a:p>
             <a:fld id="{48A87A34-81AB-432B-8DAE-1953F412C126}" type="datetimeFigureOut">
               <a:rPr lang="en-US" dirty="0"/>
-              <a:t>11/28/2015</a:t>
+              <a:t>11/30/2015</a:t>
             </a:fld>
             <a:endParaRPr lang="en-US" dirty="0"/>
           </a:p>
@@ -5380,7 +5377,7 @@
           <a:p>
             <a:fld id="{48A87A34-81AB-432B-8DAE-1953F412C126}" type="datetimeFigureOut">
               <a:rPr lang="en-US" dirty="0"/>
-              <a:t>11/28/2015</a:t>
+              <a:t>11/30/2015</a:t>
             </a:fld>
             <a:endParaRPr lang="en-US" dirty="0"/>
           </a:p>
@@ -5629,7 +5626,7 @@
             <a:fld id="{48A87A34-81AB-432B-8DAE-1953F412C126}" type="datetimeFigureOut">
               <a:rPr lang="en-US" dirty="0"/>
               <a:pPr/>
-              <a:t>11/28/2015</a:t>
+              <a:t>11/30/2015</a:t>
             </a:fld>
             <a:endParaRPr lang="en-US" dirty="0"/>
           </a:p>
@@ -6170,6 +6167,256 @@
           <a:lstStyle/>
           <a:p>
             <a:r>
+              <a:rPr lang="en-US" dirty="0" err="1" smtClean="0">
+                <a:latin typeface="Times New Roman" panose="02020603050405020304" pitchFamily="18" charset="0"/>
+                <a:cs typeface="Times New Roman" panose="02020603050405020304" pitchFamily="18" charset="0"/>
+              </a:rPr>
+              <a:t>Gui</a:t>
+            </a:r>
+            <a:r>
+              <a:rPr lang="en-US" dirty="0" smtClean="0">
+                <a:latin typeface="Times New Roman" panose="02020603050405020304" pitchFamily="18" charset="0"/>
+                <a:cs typeface="Times New Roman" panose="02020603050405020304" pitchFamily="18" charset="0"/>
+              </a:rPr>
+              <a:t> testing ?</a:t>
+            </a:r>
+            <a:endParaRPr lang="en-US" dirty="0">
+              <a:latin typeface="Times New Roman" panose="02020603050405020304" pitchFamily="18" charset="0"/>
+              <a:cs typeface="Times New Roman" panose="02020603050405020304" pitchFamily="18" charset="0"/>
+            </a:endParaRPr>
+          </a:p>
+        </p:txBody>
+      </p:sp>
+      <p:sp>
+        <p:nvSpPr>
+          <p:cNvPr id="5" name="Hộp Văn bản 4"/>
+          <p:cNvSpPr txBox="1"/>
+          <p:nvPr/>
+        </p:nvSpPr>
+        <p:spPr>
+          <a:xfrm>
+            <a:off x="682580" y="2214694"/>
+            <a:ext cx="10895527" cy="1446550"/>
+          </a:xfrm>
+          <a:prstGeom prst="rect">
+            <a:avLst/>
+          </a:prstGeom>
+          <a:noFill/>
+        </p:spPr>
+        <p:txBody>
+          <a:bodyPr wrap="square" rtlCol="0">
+            <a:spAutoFit/>
+          </a:bodyPr>
+          <a:lstStyle/>
+          <a:p>
+            <a:r>
+              <a:rPr lang="en-US" sz="2800" dirty="0" smtClean="0">
+                <a:latin typeface="Times New Roman" panose="02020603050405020304" pitchFamily="18" charset="0"/>
+                <a:cs typeface="Times New Roman" panose="02020603050405020304" pitchFamily="18" charset="0"/>
+              </a:rPr>
+              <a:t>GUI Testing examples:</a:t>
+            </a:r>
+          </a:p>
+          <a:p>
+            <a:pPr marL="457200" indent="-457200">
+              <a:buFont typeface="Arial" panose="020B0604020202020204" pitchFamily="34" charset="0"/>
+              <a:buChar char="•"/>
+            </a:pPr>
+            <a:endParaRPr lang="en-US" sz="2000" dirty="0" smtClean="0">
+              <a:latin typeface="Times New Roman" panose="02020603050405020304" pitchFamily="18" charset="0"/>
+              <a:cs typeface="Times New Roman" panose="02020603050405020304" pitchFamily="18" charset="0"/>
+            </a:endParaRPr>
+          </a:p>
+          <a:p>
+            <a:r>
+              <a:rPr lang="en-US" sz="2000" dirty="0" smtClean="0">
+                <a:latin typeface="Times New Roman" panose="02020603050405020304" pitchFamily="18" charset="0"/>
+                <a:cs typeface="Times New Roman" panose="02020603050405020304" pitchFamily="18" charset="0"/>
+              </a:rPr>
+              <a:t>Example 2:</a:t>
+            </a:r>
+            <a:endParaRPr lang="en-US" sz="2000" dirty="0">
+              <a:latin typeface="Times New Roman" panose="02020603050405020304" pitchFamily="18" charset="0"/>
+              <a:cs typeface="Times New Roman" panose="02020603050405020304" pitchFamily="18" charset="0"/>
+            </a:endParaRPr>
+          </a:p>
+          <a:p>
+            <a:pPr lvl="0"/>
+            <a:r>
+              <a:rPr lang="en-US" sz="2000" dirty="0" smtClean="0">
+                <a:latin typeface="Times New Roman" panose="02020603050405020304" pitchFamily="18" charset="0"/>
+                <a:cs typeface="Times New Roman" panose="02020603050405020304" pitchFamily="18" charset="0"/>
+              </a:rPr>
+              <a:t>	</a:t>
+            </a:r>
+            <a:endParaRPr lang="en-US" sz="2000" dirty="0">
+              <a:latin typeface="Times New Roman" panose="02020603050405020304" pitchFamily="18" charset="0"/>
+              <a:cs typeface="Times New Roman" panose="02020603050405020304" pitchFamily="18" charset="0"/>
+            </a:endParaRPr>
+          </a:p>
+        </p:txBody>
+      </p:sp>
+      <p:sp>
+        <p:nvSpPr>
+          <p:cNvPr id="9" name="Mũi tên Phải 8"/>
+          <p:cNvSpPr/>
+          <p:nvPr/>
+        </p:nvSpPr>
+        <p:spPr>
+          <a:xfrm>
+            <a:off x="6194739" y="3661244"/>
+            <a:ext cx="1390919" cy="588784"/>
+          </a:xfrm>
+          <a:prstGeom prst="rightArrow">
+            <a:avLst/>
+          </a:prstGeom>
+          <a:solidFill>
+            <a:srgbClr val="FF0000"/>
+          </a:solidFill>
+          <a:ln>
+            <a:solidFill>
+              <a:srgbClr val="FF0000"/>
+            </a:solidFill>
+          </a:ln>
+        </p:spPr>
+        <p:style>
+          <a:lnRef idx="2">
+            <a:schemeClr val="accent1">
+              <a:shade val="50000"/>
+            </a:schemeClr>
+          </a:lnRef>
+          <a:fillRef idx="1">
+            <a:schemeClr val="accent1"/>
+          </a:fillRef>
+          <a:effectRef idx="0">
+            <a:schemeClr val="accent1"/>
+          </a:effectRef>
+          <a:fontRef idx="minor">
+            <a:schemeClr val="lt1"/>
+          </a:fontRef>
+        </p:style>
+        <p:txBody>
+          <a:bodyPr rtlCol="0" anchor="ctr"/>
+          <a:lstStyle/>
+          <a:p>
+            <a:pPr algn="ctr"/>
+            <a:endParaRPr lang="en-US"/>
+          </a:p>
+        </p:txBody>
+      </p:sp>
+      <p:pic>
+        <p:nvPicPr>
+          <p:cNvPr id="10" name="Ảnh 9"/>
+          <p:cNvPicPr>
+            <a:picLocks noChangeAspect="1"/>
+          </p:cNvPicPr>
+          <p:nvPr/>
+        </p:nvPicPr>
+        <p:blipFill>
+          <a:blip r:embed="rId2">
+            <a:extLst>
+              <a:ext uri="{28A0092B-C50C-407E-A947-70E740481C1C}">
+                <a14:useLocalDpi xmlns:a14="http://schemas.microsoft.com/office/drawing/2010/main" val="0"/>
+              </a:ext>
+            </a:extLst>
+          </a:blip>
+          <a:stretch>
+            <a:fillRect/>
+          </a:stretch>
+        </p:blipFill>
+        <p:spPr>
+          <a:xfrm>
+            <a:off x="2278914" y="2648184"/>
+            <a:ext cx="3625654" cy="2464729"/>
+          </a:xfrm>
+          <a:prstGeom prst="rect">
+            <a:avLst/>
+          </a:prstGeom>
+        </p:spPr>
+      </p:pic>
+      <p:pic>
+        <p:nvPicPr>
+          <p:cNvPr id="11" name="Ảnh 10"/>
+          <p:cNvPicPr>
+            <a:picLocks noChangeAspect="1"/>
+          </p:cNvPicPr>
+          <p:nvPr/>
+        </p:nvPicPr>
+        <p:blipFill>
+          <a:blip r:embed="rId3">
+            <a:extLst>
+              <a:ext uri="{28A0092B-C50C-407E-A947-70E740481C1C}">
+                <a14:useLocalDpi xmlns:a14="http://schemas.microsoft.com/office/drawing/2010/main" val="0"/>
+              </a:ext>
+            </a:extLst>
+          </a:blip>
+          <a:stretch>
+            <a:fillRect/>
+          </a:stretch>
+        </p:blipFill>
+        <p:spPr>
+          <a:xfrm>
+            <a:off x="8076745" y="2648183"/>
+            <a:ext cx="3177235" cy="2609237"/>
+          </a:xfrm>
+          <a:prstGeom prst="rect">
+            <a:avLst/>
+          </a:prstGeom>
+        </p:spPr>
+      </p:pic>
+    </p:spTree>
+    <p:extLst>
+      <p:ext uri="{BB962C8B-B14F-4D97-AF65-F5344CB8AC3E}">
+        <p14:creationId xmlns:p14="http://schemas.microsoft.com/office/powerpoint/2010/main" val="1720466913"/>
+      </p:ext>
+    </p:extLst>
+  </p:cSld>
+  <p:clrMapOvr>
+    <a:masterClrMapping/>
+  </p:clrMapOvr>
+  <p:timing>
+    <p:tnLst>
+      <p:par>
+        <p:cTn id="1" dur="indefinite" restart="never" nodeType="tmRoot"/>
+      </p:par>
+    </p:tnLst>
+  </p:timing>
+</p:sld>
+</file>
+
+<file path=ppt/slides/slide11.xml><?xml version="1.0" encoding="utf-8"?>
+<p:sld xmlns:a="http://schemas.openxmlformats.org/drawingml/2006/main" xmlns:r="http://schemas.openxmlformats.org/officeDocument/2006/relationships" xmlns:p="http://schemas.openxmlformats.org/presentationml/2006/main">
+  <p:cSld>
+    <p:spTree>
+      <p:nvGrpSpPr>
+        <p:cNvPr id="1" name=""/>
+        <p:cNvGrpSpPr/>
+        <p:nvPr/>
+      </p:nvGrpSpPr>
+      <p:grpSpPr>
+        <a:xfrm>
+          <a:off x="0" y="0"/>
+          <a:ext cx="0" cy="0"/>
+          <a:chOff x="0" y="0"/>
+          <a:chExt cx="0" cy="0"/>
+        </a:xfrm>
+      </p:grpSpPr>
+      <p:sp>
+        <p:nvSpPr>
+          <p:cNvPr id="2" name="Tiêu đề 1"/>
+          <p:cNvSpPr>
+            <a:spLocks noGrp="1"/>
+          </p:cNvSpPr>
+          <p:nvPr>
+            <p:ph type="title"/>
+          </p:nvPr>
+        </p:nvSpPr>
+        <p:spPr/>
+        <p:txBody>
+          <a:bodyPr/>
+          <a:lstStyle/>
+          <a:p>
+            <a:r>
               <a:rPr lang="en-US" dirty="0" smtClean="0">
                 <a:latin typeface="Times New Roman" panose="02020603050405020304" pitchFamily="18" charset="0"/>
                 <a:cs typeface="Times New Roman" panose="02020603050405020304" pitchFamily="18" charset="0"/>
@@ -6389,7 +6636,7 @@
 </p:sld>
 </file>
 
-<file path=ppt/slides/slide11.xml><?xml version="1.0" encoding="utf-8"?>
+<file path=ppt/slides/slide12.xml><?xml version="1.0" encoding="utf-8"?>
 <p:sld xmlns:a="http://schemas.openxmlformats.org/drawingml/2006/main" xmlns:r="http://schemas.openxmlformats.org/officeDocument/2006/relationships" xmlns:p="http://schemas.openxmlformats.org/presentationml/2006/main">
   <p:cSld>
     <p:spTree>
@@ -6655,527 +6902,6 @@
 </p:sld>
 </file>
 
-<file path=ppt/slides/slide12.xml><?xml version="1.0" encoding="utf-8"?>
-<p:sld xmlns:a="http://schemas.openxmlformats.org/drawingml/2006/main" xmlns:r="http://schemas.openxmlformats.org/officeDocument/2006/relationships" xmlns:p="http://schemas.openxmlformats.org/presentationml/2006/main">
-  <p:cSld>
-    <p:spTree>
-      <p:nvGrpSpPr>
-        <p:cNvPr id="1" name=""/>
-        <p:cNvGrpSpPr/>
-        <p:nvPr/>
-      </p:nvGrpSpPr>
-      <p:grpSpPr>
-        <a:xfrm>
-          <a:off x="0" y="0"/>
-          <a:ext cx="0" cy="0"/>
-          <a:chOff x="0" y="0"/>
-          <a:chExt cx="0" cy="0"/>
-        </a:xfrm>
-      </p:grpSpPr>
-      <p:sp>
-        <p:nvSpPr>
-          <p:cNvPr id="2" name="Tiêu đề 1"/>
-          <p:cNvSpPr>
-            <a:spLocks noGrp="1"/>
-          </p:cNvSpPr>
-          <p:nvPr>
-            <p:ph type="title"/>
-          </p:nvPr>
-        </p:nvSpPr>
-        <p:spPr/>
-        <p:txBody>
-          <a:bodyPr/>
-          <a:lstStyle/>
-          <a:p>
-            <a:r>
-              <a:rPr lang="en-US" dirty="0" smtClean="0">
-                <a:latin typeface="Times New Roman" panose="02020603050405020304" pitchFamily="18" charset="0"/>
-                <a:cs typeface="Times New Roman" panose="02020603050405020304" pitchFamily="18" charset="0"/>
-              </a:rPr>
-              <a:t>Test </a:t>
-            </a:r>
-            <a:r>
-              <a:rPr lang="en-US" dirty="0" err="1" smtClean="0">
-                <a:latin typeface="Times New Roman" panose="02020603050405020304" pitchFamily="18" charset="0"/>
-                <a:cs typeface="Times New Roman" panose="02020603050405020304" pitchFamily="18" charset="0"/>
-              </a:rPr>
-              <a:t>gui</a:t>
-            </a:r>
-            <a:r>
-              <a:rPr lang="en-US" dirty="0" smtClean="0">
-                <a:latin typeface="Times New Roman" panose="02020603050405020304" pitchFamily="18" charset="0"/>
-                <a:cs typeface="Times New Roman" panose="02020603050405020304" pitchFamily="18" charset="0"/>
-              </a:rPr>
-              <a:t> </a:t>
-            </a:r>
-            <a:r>
-              <a:rPr lang="en-US" dirty="0" err="1" smtClean="0">
-                <a:latin typeface="Times New Roman" panose="02020603050405020304" pitchFamily="18" charset="0"/>
-                <a:cs typeface="Times New Roman" panose="02020603050405020304" pitchFamily="18" charset="0"/>
-              </a:rPr>
-              <a:t>như</a:t>
-            </a:r>
-            <a:r>
-              <a:rPr lang="en-US" dirty="0" smtClean="0">
-                <a:latin typeface="Times New Roman" panose="02020603050405020304" pitchFamily="18" charset="0"/>
-                <a:cs typeface="Times New Roman" panose="02020603050405020304" pitchFamily="18" charset="0"/>
-              </a:rPr>
-              <a:t> </a:t>
-            </a:r>
-            <a:r>
-              <a:rPr lang="en-US" dirty="0" err="1" smtClean="0">
-                <a:latin typeface="Times New Roman" panose="02020603050405020304" pitchFamily="18" charset="0"/>
-                <a:cs typeface="Times New Roman" panose="02020603050405020304" pitchFamily="18" charset="0"/>
-              </a:rPr>
-              <a:t>thế</a:t>
-            </a:r>
-            <a:r>
-              <a:rPr lang="en-US" dirty="0" smtClean="0">
-                <a:latin typeface="Times New Roman" panose="02020603050405020304" pitchFamily="18" charset="0"/>
-                <a:cs typeface="Times New Roman" panose="02020603050405020304" pitchFamily="18" charset="0"/>
-              </a:rPr>
-              <a:t> </a:t>
-            </a:r>
-            <a:r>
-              <a:rPr lang="en-US" dirty="0" err="1" smtClean="0">
-                <a:latin typeface="Times New Roman" panose="02020603050405020304" pitchFamily="18" charset="0"/>
-                <a:cs typeface="Times New Roman" panose="02020603050405020304" pitchFamily="18" charset="0"/>
-              </a:rPr>
-              <a:t>nào</a:t>
-            </a:r>
-            <a:r>
-              <a:rPr lang="en-US" dirty="0" smtClean="0">
-                <a:latin typeface="Times New Roman" panose="02020603050405020304" pitchFamily="18" charset="0"/>
-                <a:cs typeface="Times New Roman" panose="02020603050405020304" pitchFamily="18" charset="0"/>
-              </a:rPr>
-              <a:t> ?</a:t>
-            </a:r>
-            <a:endParaRPr lang="en-US" dirty="0">
-              <a:latin typeface="Times New Roman" panose="02020603050405020304" pitchFamily="18" charset="0"/>
-              <a:cs typeface="Times New Roman" panose="02020603050405020304" pitchFamily="18" charset="0"/>
-            </a:endParaRPr>
-          </a:p>
-        </p:txBody>
-      </p:sp>
-      <p:sp>
-        <p:nvSpPr>
-          <p:cNvPr id="5" name="Hộp Văn bản 4"/>
-          <p:cNvSpPr txBox="1"/>
-          <p:nvPr/>
-        </p:nvSpPr>
-        <p:spPr>
-          <a:xfrm>
-            <a:off x="631065" y="1867437"/>
-            <a:ext cx="10959921" cy="523220"/>
-          </a:xfrm>
-          <a:prstGeom prst="rect">
-            <a:avLst/>
-          </a:prstGeom>
-          <a:noFill/>
-        </p:spPr>
-        <p:txBody>
-          <a:bodyPr wrap="square" rtlCol="0">
-            <a:spAutoFit/>
-          </a:bodyPr>
-          <a:lstStyle/>
-          <a:p>
-            <a:r>
-              <a:rPr lang="en-US" sz="2800" dirty="0" smtClean="0">
-                <a:latin typeface="Times New Roman" panose="02020603050405020304" pitchFamily="18" charset="0"/>
-                <a:cs typeface="Times New Roman" panose="02020603050405020304" pitchFamily="18" charset="0"/>
-              </a:rPr>
-              <a:t>Checklist testing</a:t>
-            </a:r>
-            <a:endParaRPr lang="en-US" sz="2800" dirty="0">
-              <a:latin typeface="Times New Roman" panose="02020603050405020304" pitchFamily="18" charset="0"/>
-              <a:cs typeface="Times New Roman" panose="02020603050405020304" pitchFamily="18" charset="0"/>
-            </a:endParaRPr>
-          </a:p>
-        </p:txBody>
-      </p:sp>
-      <p:sp>
-        <p:nvSpPr>
-          <p:cNvPr id="4" name="Hộp Văn bản 3"/>
-          <p:cNvSpPr txBox="1"/>
-          <p:nvPr/>
-        </p:nvSpPr>
-        <p:spPr>
-          <a:xfrm>
-            <a:off x="721217" y="2575775"/>
-            <a:ext cx="10779617" cy="2554545"/>
-          </a:xfrm>
-          <a:prstGeom prst="rect">
-            <a:avLst/>
-          </a:prstGeom>
-          <a:noFill/>
-        </p:spPr>
-        <p:txBody>
-          <a:bodyPr wrap="square" rtlCol="0">
-            <a:spAutoFit/>
-          </a:bodyPr>
-          <a:lstStyle/>
-          <a:p>
-            <a:pPr marL="342900" indent="-342900">
-              <a:buFont typeface="Arial" panose="020B0604020202020204" pitchFamily="34" charset="0"/>
-              <a:buChar char="•"/>
-            </a:pPr>
-            <a:r>
-              <a:rPr lang="en-US" sz="2000" dirty="0" err="1" smtClean="0">
-                <a:latin typeface="Times New Roman" panose="02020603050405020304" pitchFamily="18" charset="0"/>
-                <a:cs typeface="Times New Roman" panose="02020603050405020304" pitchFamily="18" charset="0"/>
-              </a:rPr>
-              <a:t>Tái</a:t>
-            </a:r>
-            <a:r>
-              <a:rPr lang="en-US" sz="2000" dirty="0" smtClean="0">
-                <a:latin typeface="Times New Roman" panose="02020603050405020304" pitchFamily="18" charset="0"/>
-                <a:cs typeface="Times New Roman" panose="02020603050405020304" pitchFamily="18" charset="0"/>
-              </a:rPr>
-              <a:t> </a:t>
-            </a:r>
-            <a:r>
-              <a:rPr lang="en-US" sz="2000" dirty="0" err="1" smtClean="0">
-                <a:latin typeface="Times New Roman" panose="02020603050405020304" pitchFamily="18" charset="0"/>
-                <a:cs typeface="Times New Roman" panose="02020603050405020304" pitchFamily="18" charset="0"/>
-              </a:rPr>
-              <a:t>sử</a:t>
-            </a:r>
-            <a:r>
-              <a:rPr lang="en-US" sz="2000" dirty="0" smtClean="0">
-                <a:latin typeface="Times New Roman" panose="02020603050405020304" pitchFamily="18" charset="0"/>
-                <a:cs typeface="Times New Roman" panose="02020603050405020304" pitchFamily="18" charset="0"/>
-              </a:rPr>
-              <a:t> </a:t>
-            </a:r>
-            <a:r>
-              <a:rPr lang="en-US" sz="2000" dirty="0" err="1" smtClean="0">
-                <a:latin typeface="Times New Roman" panose="02020603050405020304" pitchFamily="18" charset="0"/>
-                <a:cs typeface="Times New Roman" panose="02020603050405020304" pitchFamily="18" charset="0"/>
-              </a:rPr>
-              <a:t>dụng</a:t>
-            </a:r>
-            <a:r>
-              <a:rPr lang="en-US" sz="2000" dirty="0" smtClean="0">
-                <a:latin typeface="Times New Roman" panose="02020603050405020304" pitchFamily="18" charset="0"/>
-                <a:cs typeface="Times New Roman" panose="02020603050405020304" pitchFamily="18" charset="0"/>
-              </a:rPr>
-              <a:t> </a:t>
-            </a:r>
-            <a:r>
-              <a:rPr lang="en-US" sz="2000" dirty="0" err="1" smtClean="0">
-                <a:latin typeface="Times New Roman" panose="02020603050405020304" pitchFamily="18" charset="0"/>
-                <a:cs typeface="Times New Roman" panose="02020603050405020304" pitchFamily="18" charset="0"/>
-              </a:rPr>
-              <a:t>các</a:t>
-            </a:r>
-            <a:r>
-              <a:rPr lang="en-US" sz="2000" dirty="0" smtClean="0">
-                <a:latin typeface="Times New Roman" panose="02020603050405020304" pitchFamily="18" charset="0"/>
-                <a:cs typeface="Times New Roman" panose="02020603050405020304" pitchFamily="18" charset="0"/>
-              </a:rPr>
-              <a:t> test case </a:t>
-            </a:r>
-          </a:p>
-          <a:p>
-            <a:pPr marL="342900" indent="-342900">
-              <a:buFont typeface="Arial" panose="020B0604020202020204" pitchFamily="34" charset="0"/>
-              <a:buChar char="•"/>
-            </a:pPr>
-            <a:r>
-              <a:rPr lang="en-US" sz="2000" dirty="0" smtClean="0">
-                <a:latin typeface="Times New Roman" panose="02020603050405020304" pitchFamily="18" charset="0"/>
-                <a:cs typeface="Times New Roman" panose="02020603050405020304" pitchFamily="18" charset="0"/>
-              </a:rPr>
-              <a:t>Checklist </a:t>
-            </a:r>
-            <a:r>
-              <a:rPr lang="en-US" sz="2000" dirty="0" err="1" smtClean="0">
-                <a:latin typeface="Times New Roman" panose="02020603050405020304" pitchFamily="18" charset="0"/>
-                <a:cs typeface="Times New Roman" panose="02020603050405020304" pitchFamily="18" charset="0"/>
-              </a:rPr>
-              <a:t>thường</a:t>
-            </a:r>
-            <a:r>
-              <a:rPr lang="en-US" sz="2000" dirty="0" smtClean="0">
-                <a:latin typeface="Times New Roman" panose="02020603050405020304" pitchFamily="18" charset="0"/>
-                <a:cs typeface="Times New Roman" panose="02020603050405020304" pitchFamily="18" charset="0"/>
-              </a:rPr>
-              <a:t> </a:t>
-            </a:r>
-            <a:r>
-              <a:rPr lang="en-US" sz="2000" dirty="0" err="1" smtClean="0">
-                <a:latin typeface="Times New Roman" panose="02020603050405020304" pitchFamily="18" charset="0"/>
-                <a:cs typeface="Times New Roman" panose="02020603050405020304" pitchFamily="18" charset="0"/>
-              </a:rPr>
-              <a:t>kiểm</a:t>
-            </a:r>
-            <a:r>
-              <a:rPr lang="en-US" sz="2000" dirty="0" smtClean="0">
-                <a:latin typeface="Times New Roman" panose="02020603050405020304" pitchFamily="18" charset="0"/>
-                <a:cs typeface="Times New Roman" panose="02020603050405020304" pitchFamily="18" charset="0"/>
-              </a:rPr>
-              <a:t> </a:t>
-            </a:r>
-            <a:r>
-              <a:rPr lang="en-US" sz="2000" dirty="0" err="1" smtClean="0">
-                <a:latin typeface="Times New Roman" panose="02020603050405020304" pitchFamily="18" charset="0"/>
-                <a:cs typeface="Times New Roman" panose="02020603050405020304" pitchFamily="18" charset="0"/>
-              </a:rPr>
-              <a:t>tra</a:t>
-            </a:r>
-            <a:r>
-              <a:rPr lang="en-US" sz="2000" dirty="0" smtClean="0">
-                <a:latin typeface="Times New Roman" panose="02020603050405020304" pitchFamily="18" charset="0"/>
-                <a:cs typeface="Times New Roman" panose="02020603050405020304" pitchFamily="18" charset="0"/>
-              </a:rPr>
-              <a:t>:</a:t>
-            </a:r>
-          </a:p>
-          <a:p>
-            <a:pPr marL="800100" lvl="1" indent="-342900">
-              <a:buFont typeface="Arial" panose="020B0604020202020204" pitchFamily="34" charset="0"/>
-              <a:buChar char="•"/>
-            </a:pPr>
-            <a:r>
-              <a:rPr lang="en-US" sz="2000" dirty="0" err="1" smtClean="0">
-                <a:latin typeface="Times New Roman" panose="02020603050405020304" pitchFamily="18" charset="0"/>
-                <a:cs typeface="Times New Roman" panose="02020603050405020304" pitchFamily="18" charset="0"/>
-              </a:rPr>
-              <a:t>Các</a:t>
-            </a:r>
-            <a:r>
-              <a:rPr lang="en-US" sz="2000" dirty="0" smtClean="0">
-                <a:latin typeface="Times New Roman" panose="02020603050405020304" pitchFamily="18" charset="0"/>
-                <a:cs typeface="Times New Roman" panose="02020603050405020304" pitchFamily="18" charset="0"/>
-              </a:rPr>
-              <a:t> </a:t>
-            </a:r>
-            <a:r>
-              <a:rPr lang="en-US" sz="2000" dirty="0" err="1" smtClean="0">
-                <a:latin typeface="Times New Roman" panose="02020603050405020304" pitchFamily="18" charset="0"/>
-                <a:cs typeface="Times New Roman" panose="02020603050405020304" pitchFamily="18" charset="0"/>
-              </a:rPr>
-              <a:t>tính</a:t>
-            </a:r>
-            <a:r>
-              <a:rPr lang="en-US" sz="2000" dirty="0" smtClean="0">
-                <a:latin typeface="Times New Roman" panose="02020603050405020304" pitchFamily="18" charset="0"/>
-                <a:cs typeface="Times New Roman" panose="02020603050405020304" pitchFamily="18" charset="0"/>
-              </a:rPr>
-              <a:t> </a:t>
-            </a:r>
-            <a:r>
-              <a:rPr lang="en-US" sz="2000" dirty="0" err="1" smtClean="0">
-                <a:latin typeface="Times New Roman" panose="02020603050405020304" pitchFamily="18" charset="0"/>
-                <a:cs typeface="Times New Roman" panose="02020603050405020304" pitchFamily="18" charset="0"/>
-              </a:rPr>
-              <a:t>năng</a:t>
-            </a:r>
-            <a:r>
-              <a:rPr lang="en-US" sz="2000" dirty="0" smtClean="0">
-                <a:latin typeface="Times New Roman" panose="02020603050405020304" pitchFamily="18" charset="0"/>
-                <a:cs typeface="Times New Roman" panose="02020603050405020304" pitchFamily="18" charset="0"/>
-              </a:rPr>
-              <a:t> </a:t>
-            </a:r>
-            <a:r>
-              <a:rPr lang="en-US" sz="2000" dirty="0" err="1" smtClean="0">
-                <a:latin typeface="Times New Roman" panose="02020603050405020304" pitchFamily="18" charset="0"/>
-                <a:cs typeface="Times New Roman" panose="02020603050405020304" pitchFamily="18" charset="0"/>
-              </a:rPr>
-              <a:t>tiêu</a:t>
-            </a:r>
-            <a:r>
-              <a:rPr lang="en-US" sz="2000" dirty="0" smtClean="0">
-                <a:latin typeface="Times New Roman" panose="02020603050405020304" pitchFamily="18" charset="0"/>
-                <a:cs typeface="Times New Roman" panose="02020603050405020304" pitchFamily="18" charset="0"/>
-              </a:rPr>
-              <a:t> </a:t>
-            </a:r>
-            <a:r>
-              <a:rPr lang="en-US" sz="2000" dirty="0" err="1" smtClean="0">
-                <a:latin typeface="Times New Roman" panose="02020603050405020304" pitchFamily="18" charset="0"/>
-                <a:cs typeface="Times New Roman" panose="02020603050405020304" pitchFamily="18" charset="0"/>
-              </a:rPr>
-              <a:t>chuẩn</a:t>
-            </a:r>
-            <a:r>
-              <a:rPr lang="en-US" sz="2000" dirty="0" smtClean="0">
-                <a:latin typeface="Times New Roman" panose="02020603050405020304" pitchFamily="18" charset="0"/>
-                <a:cs typeface="Times New Roman" panose="02020603050405020304" pitchFamily="18" charset="0"/>
-              </a:rPr>
-              <a:t> </a:t>
-            </a:r>
-            <a:r>
-              <a:rPr lang="en-US" sz="2000" dirty="0" err="1" smtClean="0">
-                <a:latin typeface="Times New Roman" panose="02020603050405020304" pitchFamily="18" charset="0"/>
-                <a:cs typeface="Times New Roman" panose="02020603050405020304" pitchFamily="18" charset="0"/>
-              </a:rPr>
-              <a:t>của</a:t>
-            </a:r>
-            <a:r>
-              <a:rPr lang="en-US" sz="2000" dirty="0" smtClean="0">
-                <a:latin typeface="Times New Roman" panose="02020603050405020304" pitchFamily="18" charset="0"/>
-                <a:cs typeface="Times New Roman" panose="02020603050405020304" pitchFamily="18" charset="0"/>
-              </a:rPr>
-              <a:t> GUI:</a:t>
-            </a:r>
-          </a:p>
-          <a:p>
-            <a:pPr marL="1257300" lvl="2" indent="-342900">
-              <a:buFont typeface="Arial" panose="020B0604020202020204" pitchFamily="34" charset="0"/>
-              <a:buChar char="•"/>
-            </a:pPr>
-            <a:r>
-              <a:rPr lang="en-US" sz="2000" dirty="0" smtClean="0">
-                <a:latin typeface="Times New Roman" panose="02020603050405020304" pitchFamily="18" charset="0"/>
-                <a:cs typeface="Times New Roman" panose="02020603050405020304" pitchFamily="18" charset="0"/>
-              </a:rPr>
-              <a:t>Windows size, position</a:t>
-            </a:r>
-          </a:p>
-          <a:p>
-            <a:pPr marL="1257300" lvl="2" indent="-342900">
-              <a:buFont typeface="Arial" panose="020B0604020202020204" pitchFamily="34" charset="0"/>
-              <a:buChar char="•"/>
-            </a:pPr>
-            <a:r>
-              <a:rPr lang="fr-FR" sz="2000" dirty="0" smtClean="0">
-                <a:latin typeface="Times New Roman" panose="02020603050405020304" pitchFamily="18" charset="0"/>
-                <a:cs typeface="Times New Roman" panose="02020603050405020304" pitchFamily="18" charset="0"/>
-              </a:rPr>
-              <a:t>Standard </a:t>
-            </a:r>
-            <a:r>
-              <a:rPr lang="fr-FR" sz="2000" dirty="0">
-                <a:latin typeface="Times New Roman" panose="02020603050405020304" pitchFamily="18" charset="0"/>
-                <a:cs typeface="Times New Roman" panose="02020603050405020304" pitchFamily="18" charset="0"/>
-              </a:rPr>
-              <a:t>system </a:t>
-            </a:r>
-            <a:r>
-              <a:rPr lang="fr-FR" sz="2000" dirty="0" err="1">
-                <a:latin typeface="Times New Roman" panose="02020603050405020304" pitchFamily="18" charset="0"/>
-                <a:cs typeface="Times New Roman" panose="02020603050405020304" pitchFamily="18" charset="0"/>
-              </a:rPr>
-              <a:t>commands</a:t>
-            </a:r>
-            <a:r>
-              <a:rPr lang="fr-FR" sz="2000" dirty="0">
-                <a:latin typeface="Times New Roman" panose="02020603050405020304" pitchFamily="18" charset="0"/>
-                <a:cs typeface="Times New Roman" panose="02020603050405020304" pitchFamily="18" charset="0"/>
-              </a:rPr>
-              <a:t>/buttons (close, minimise, maximise etc</a:t>
-            </a:r>
-            <a:r>
-              <a:rPr lang="fr-FR" sz="2000" dirty="0" smtClean="0">
-                <a:latin typeface="Times New Roman" panose="02020603050405020304" pitchFamily="18" charset="0"/>
-                <a:cs typeface="Times New Roman" panose="02020603050405020304" pitchFamily="18" charset="0"/>
-              </a:rPr>
-              <a:t>.)</a:t>
-            </a:r>
-            <a:endParaRPr lang="en-US" sz="2000" dirty="0" smtClean="0">
-              <a:latin typeface="Times New Roman" panose="02020603050405020304" pitchFamily="18" charset="0"/>
-              <a:cs typeface="Times New Roman" panose="02020603050405020304" pitchFamily="18" charset="0"/>
-            </a:endParaRPr>
-          </a:p>
-          <a:p>
-            <a:pPr marL="800100" lvl="1" indent="-342900">
-              <a:buFont typeface="Arial" panose="020B0604020202020204" pitchFamily="34" charset="0"/>
-              <a:buChar char="•"/>
-            </a:pPr>
-            <a:r>
-              <a:rPr lang="en-US" sz="2000" dirty="0">
-                <a:latin typeface="Times New Roman" panose="02020603050405020304" pitchFamily="18" charset="0"/>
-                <a:cs typeface="Times New Roman" panose="02020603050405020304" pitchFamily="18" charset="0"/>
-              </a:rPr>
-              <a:t>Application standards or </a:t>
-            </a:r>
-            <a:r>
-              <a:rPr lang="en-US" sz="2000" dirty="0" smtClean="0">
-                <a:latin typeface="Times New Roman" panose="02020603050405020304" pitchFamily="18" charset="0"/>
-                <a:cs typeface="Times New Roman" panose="02020603050405020304" pitchFamily="18" charset="0"/>
-              </a:rPr>
-              <a:t>conventions:</a:t>
-            </a:r>
-            <a:endParaRPr lang="fr-FR" sz="2000" dirty="0" smtClean="0">
-              <a:latin typeface="Times New Roman" panose="02020603050405020304" pitchFamily="18" charset="0"/>
-              <a:cs typeface="Times New Roman" panose="02020603050405020304" pitchFamily="18" charset="0"/>
-            </a:endParaRPr>
-          </a:p>
-          <a:p>
-            <a:pPr marL="1257300" lvl="2" indent="-342900">
-              <a:buFont typeface="Arial" panose="020B0604020202020204" pitchFamily="34" charset="0"/>
-              <a:buChar char="•"/>
-            </a:pPr>
-            <a:r>
-              <a:rPr lang="en-US" sz="2000" dirty="0" smtClean="0">
-                <a:latin typeface="Times New Roman" panose="02020603050405020304" pitchFamily="18" charset="0"/>
-                <a:cs typeface="Times New Roman" panose="02020603050405020304" pitchFamily="18" charset="0"/>
-              </a:rPr>
-              <a:t>Standard </a:t>
-            </a:r>
-            <a:r>
-              <a:rPr lang="en-US" sz="2000" dirty="0">
-                <a:latin typeface="Times New Roman" panose="02020603050405020304" pitchFamily="18" charset="0"/>
-                <a:cs typeface="Times New Roman" panose="02020603050405020304" pitchFamily="18" charset="0"/>
-              </a:rPr>
-              <a:t>OK, cancel, continue </a:t>
-            </a:r>
-            <a:r>
-              <a:rPr lang="en-US" sz="2000" dirty="0" smtClean="0">
-                <a:latin typeface="Times New Roman" panose="02020603050405020304" pitchFamily="18" charset="0"/>
-                <a:cs typeface="Times New Roman" panose="02020603050405020304" pitchFamily="18" charset="0"/>
-              </a:rPr>
-              <a:t>buttons</a:t>
-            </a:r>
-          </a:p>
-          <a:p>
-            <a:pPr marL="1257300" lvl="2" indent="-342900">
-              <a:buFont typeface="Arial" panose="020B0604020202020204" pitchFamily="34" charset="0"/>
-              <a:buChar char="•"/>
-            </a:pPr>
-            <a:r>
-              <a:rPr lang="en-US" sz="2000" dirty="0" smtClean="0">
-                <a:latin typeface="Times New Roman" panose="02020603050405020304" pitchFamily="18" charset="0"/>
-                <a:cs typeface="Times New Roman" panose="02020603050405020304" pitchFamily="18" charset="0"/>
-              </a:rPr>
-              <a:t>Object/field </a:t>
-            </a:r>
-            <a:r>
-              <a:rPr lang="en-US" sz="2000" dirty="0">
-                <a:latin typeface="Times New Roman" panose="02020603050405020304" pitchFamily="18" charset="0"/>
-                <a:cs typeface="Times New Roman" panose="02020603050405020304" pitchFamily="18" charset="0"/>
-              </a:rPr>
-              <a:t>labelling to use standard/consistent text</a:t>
-            </a:r>
-            <a:endParaRPr lang="fr-FR" sz="2000" dirty="0" smtClean="0">
-              <a:latin typeface="Times New Roman" panose="02020603050405020304" pitchFamily="18" charset="0"/>
-              <a:cs typeface="Times New Roman" panose="02020603050405020304" pitchFamily="18" charset="0"/>
-            </a:endParaRPr>
-          </a:p>
-        </p:txBody>
-      </p:sp>
-    </p:spTree>
-    <p:extLst>
-      <p:ext uri="{BB962C8B-B14F-4D97-AF65-F5344CB8AC3E}">
-        <p14:creationId xmlns:p14="http://schemas.microsoft.com/office/powerpoint/2010/main" val="941477020"/>
-      </p:ext>
-    </p:extLst>
-  </p:cSld>
-  <p:clrMapOvr>
-    <a:masterClrMapping/>
-  </p:clrMapOvr>
-  <p:timing>
-    <p:tnLst>
-      <p:par>
-        <p:cTn id="1" dur="indefinite" restart="never" nodeType="tmRoot"/>
-      </p:par>
-    </p:tnLst>
-  </p:timing>
-</p:sld>
-</file>
-
 <file path=ppt/slides/slide13.xml><?xml version="1.0" encoding="utf-8"?>
 <p:sld xmlns:a="http://schemas.openxmlformats.org/drawingml/2006/main" xmlns:r="http://schemas.openxmlformats.org/officeDocument/2006/relationships" xmlns:p="http://schemas.openxmlformats.org/presentationml/2006/main">
   <p:cSld>
@@ -7213,63 +6939,7 @@
                 <a:latin typeface="Times New Roman" panose="02020603050405020304" pitchFamily="18" charset="0"/>
                 <a:cs typeface="Times New Roman" panose="02020603050405020304" pitchFamily="18" charset="0"/>
               </a:rPr>
-              <a:t>Test </a:t>
-            </a:r>
-            <a:r>
-              <a:rPr lang="en-US" dirty="0" err="1" smtClean="0">
-                <a:latin typeface="Times New Roman" panose="02020603050405020304" pitchFamily="18" charset="0"/>
-                <a:cs typeface="Times New Roman" panose="02020603050405020304" pitchFamily="18" charset="0"/>
-              </a:rPr>
-              <a:t>gui</a:t>
-            </a:r>
-            <a:r>
-              <a:rPr lang="en-US" dirty="0" smtClean="0">
-                <a:latin typeface="Times New Roman" panose="02020603050405020304" pitchFamily="18" charset="0"/>
-                <a:cs typeface="Times New Roman" panose="02020603050405020304" pitchFamily="18" charset="0"/>
-              </a:rPr>
-              <a:t> </a:t>
-            </a:r>
-            <a:r>
-              <a:rPr lang="en-US" dirty="0" err="1" smtClean="0">
-                <a:latin typeface="Times New Roman" panose="02020603050405020304" pitchFamily="18" charset="0"/>
-                <a:cs typeface="Times New Roman" panose="02020603050405020304" pitchFamily="18" charset="0"/>
-              </a:rPr>
-              <a:t>như</a:t>
-            </a:r>
-            <a:r>
-              <a:rPr lang="en-US" dirty="0" smtClean="0">
-                <a:latin typeface="Times New Roman" panose="02020603050405020304" pitchFamily="18" charset="0"/>
-                <a:cs typeface="Times New Roman" panose="02020603050405020304" pitchFamily="18" charset="0"/>
-              </a:rPr>
-              <a:t> </a:t>
-            </a:r>
-            <a:r>
-              <a:rPr lang="en-US" dirty="0" err="1" smtClean="0">
-                <a:latin typeface="Times New Roman" panose="02020603050405020304" pitchFamily="18" charset="0"/>
-                <a:cs typeface="Times New Roman" panose="02020603050405020304" pitchFamily="18" charset="0"/>
-              </a:rPr>
-              <a:t>thế</a:t>
-            </a:r>
-            <a:r>
-              <a:rPr lang="en-US" dirty="0" smtClean="0">
-                <a:latin typeface="Times New Roman" panose="02020603050405020304" pitchFamily="18" charset="0"/>
-                <a:cs typeface="Times New Roman" panose="02020603050405020304" pitchFamily="18" charset="0"/>
-              </a:rPr>
-              <a:t> </a:t>
-            </a:r>
-            <a:r>
-              <a:rPr lang="en-US" dirty="0" err="1" smtClean="0">
-                <a:latin typeface="Times New Roman" panose="02020603050405020304" pitchFamily="18" charset="0"/>
-                <a:cs typeface="Times New Roman" panose="02020603050405020304" pitchFamily="18" charset="0"/>
-              </a:rPr>
-              <a:t>nào</a:t>
-            </a:r>
-            <a:r>
-              <a:rPr lang="en-US" dirty="0" smtClean="0">
-                <a:latin typeface="Times New Roman" panose="02020603050405020304" pitchFamily="18" charset="0"/>
-                <a:cs typeface="Times New Roman" panose="02020603050405020304" pitchFamily="18" charset="0"/>
-              </a:rPr>
-              <a:t> ?</a:t>
+              <a:t>Usability testing</a:t>
             </a:r>
             <a:endParaRPr lang="en-US" dirty="0">
               <a:latin typeface="Times New Roman" panose="02020603050405020304" pitchFamily="18" charset="0"/>
@@ -7280,14 +6950,14 @@
       </p:sp>
       <p:sp>
         <p:nvSpPr>
-          <p:cNvPr id="5" name="Hộp Văn bản 4"/>
+          <p:cNvPr id="4" name="Hộp Văn bản 3"/>
           <p:cNvSpPr txBox="1"/>
           <p:nvPr/>
         </p:nvSpPr>
         <p:spPr>
           <a:xfrm>
-            <a:off x="631065" y="1867437"/>
-            <a:ext cx="10959921" cy="523220"/>
+            <a:off x="913775" y="2358598"/>
+            <a:ext cx="10850880" cy="954107"/>
           </a:xfrm>
           <a:prstGeom prst="rect">
             <a:avLst/>
@@ -7300,12 +6970,169 @@
           </a:bodyPr>
           <a:lstStyle/>
           <a:p>
+            <a:pPr marL="514350" indent="-514350">
+              <a:buFont typeface="+mj-lt"/>
+              <a:buAutoNum type="arabicPeriod"/>
+            </a:pPr>
             <a:r>
               <a:rPr lang="en-US" sz="2800" dirty="0" smtClean="0">
                 <a:latin typeface="Times New Roman" panose="02020603050405020304" pitchFamily="18" charset="0"/>
                 <a:cs typeface="Times New Roman" panose="02020603050405020304" pitchFamily="18" charset="0"/>
               </a:rPr>
-              <a:t>Navigation testing</a:t>
+              <a:t>Usability testing </a:t>
+            </a:r>
+            <a:r>
+              <a:rPr lang="en-US" sz="2800" dirty="0" err="1" smtClean="0">
+                <a:latin typeface="Times New Roman" panose="02020603050405020304" pitchFamily="18" charset="0"/>
+                <a:cs typeface="Times New Roman" panose="02020603050405020304" pitchFamily="18" charset="0"/>
+              </a:rPr>
+              <a:t>là</a:t>
+            </a:r>
+            <a:r>
+              <a:rPr lang="en-US" sz="2800" dirty="0" smtClean="0">
+                <a:latin typeface="Times New Roman" panose="02020603050405020304" pitchFamily="18" charset="0"/>
+                <a:cs typeface="Times New Roman" panose="02020603050405020304" pitchFamily="18" charset="0"/>
+              </a:rPr>
+              <a:t> </a:t>
+            </a:r>
+            <a:r>
+              <a:rPr lang="en-US" sz="2800" dirty="0" err="1" smtClean="0">
+                <a:latin typeface="Times New Roman" panose="02020603050405020304" pitchFamily="18" charset="0"/>
+                <a:cs typeface="Times New Roman" panose="02020603050405020304" pitchFamily="18" charset="0"/>
+              </a:rPr>
+              <a:t>gì</a:t>
+            </a:r>
+            <a:r>
+              <a:rPr lang="en-US" sz="2800" dirty="0" smtClean="0">
+                <a:latin typeface="Times New Roman" panose="02020603050405020304" pitchFamily="18" charset="0"/>
+                <a:cs typeface="Times New Roman" panose="02020603050405020304" pitchFamily="18" charset="0"/>
+              </a:rPr>
+              <a:t> ?</a:t>
+            </a:r>
+          </a:p>
+          <a:p>
+            <a:pPr marL="514350" indent="-514350">
+              <a:buFont typeface="+mj-lt"/>
+              <a:buAutoNum type="arabicPeriod"/>
+            </a:pPr>
+            <a:r>
+              <a:rPr lang="en-US" sz="2800" dirty="0" err="1" smtClean="0">
+                <a:latin typeface="Times New Roman" panose="02020603050405020304" pitchFamily="18" charset="0"/>
+                <a:cs typeface="Times New Roman" panose="02020603050405020304" pitchFamily="18" charset="0"/>
+              </a:rPr>
+              <a:t>Kiểm</a:t>
+            </a:r>
+            <a:r>
+              <a:rPr lang="en-US" sz="2800" dirty="0" smtClean="0">
+                <a:latin typeface="Times New Roman" panose="02020603050405020304" pitchFamily="18" charset="0"/>
+                <a:cs typeface="Times New Roman" panose="02020603050405020304" pitchFamily="18" charset="0"/>
+              </a:rPr>
+              <a:t> </a:t>
+            </a:r>
+            <a:r>
+              <a:rPr lang="en-US" sz="2800" dirty="0" err="1" smtClean="0">
+                <a:latin typeface="Times New Roman" panose="02020603050405020304" pitchFamily="18" charset="0"/>
+                <a:cs typeface="Times New Roman" panose="02020603050405020304" pitchFamily="18" charset="0"/>
+              </a:rPr>
+              <a:t>thử</a:t>
+            </a:r>
+            <a:r>
+              <a:rPr lang="en-US" sz="2800" dirty="0" smtClean="0">
+                <a:latin typeface="Times New Roman" panose="02020603050405020304" pitchFamily="18" charset="0"/>
+                <a:cs typeface="Times New Roman" panose="02020603050405020304" pitchFamily="18" charset="0"/>
+              </a:rPr>
+              <a:t> </a:t>
+            </a:r>
+            <a:r>
+              <a:rPr lang="en-US" sz="2800" dirty="0" err="1" smtClean="0">
+                <a:latin typeface="Times New Roman" panose="02020603050405020304" pitchFamily="18" charset="0"/>
+                <a:cs typeface="Times New Roman" panose="02020603050405020304" pitchFamily="18" charset="0"/>
+              </a:rPr>
+              <a:t>tính</a:t>
+            </a:r>
+            <a:r>
+              <a:rPr lang="en-US" sz="2800" dirty="0" smtClean="0">
+                <a:latin typeface="Times New Roman" panose="02020603050405020304" pitchFamily="18" charset="0"/>
+                <a:cs typeface="Times New Roman" panose="02020603050405020304" pitchFamily="18" charset="0"/>
+              </a:rPr>
+              <a:t> </a:t>
+            </a:r>
+            <a:r>
+              <a:rPr lang="en-US" sz="2800" dirty="0" err="1" smtClean="0">
+                <a:latin typeface="Times New Roman" panose="02020603050405020304" pitchFamily="18" charset="0"/>
+                <a:cs typeface="Times New Roman" panose="02020603050405020304" pitchFamily="18" charset="0"/>
+              </a:rPr>
+              <a:t>tiện</a:t>
+            </a:r>
+            <a:r>
+              <a:rPr lang="en-US" sz="2800" dirty="0" smtClean="0">
+                <a:latin typeface="Times New Roman" panose="02020603050405020304" pitchFamily="18" charset="0"/>
+                <a:cs typeface="Times New Roman" panose="02020603050405020304" pitchFamily="18" charset="0"/>
+              </a:rPr>
+              <a:t> </a:t>
+            </a:r>
+            <a:r>
+              <a:rPr lang="en-US" sz="2800" dirty="0" err="1" smtClean="0">
+                <a:latin typeface="Times New Roman" panose="02020603050405020304" pitchFamily="18" charset="0"/>
+                <a:cs typeface="Times New Roman" panose="02020603050405020304" pitchFamily="18" charset="0"/>
+              </a:rPr>
+              <a:t>dụng</a:t>
+            </a:r>
+            <a:r>
+              <a:rPr lang="en-US" sz="2800" dirty="0" smtClean="0">
+                <a:latin typeface="Times New Roman" panose="02020603050405020304" pitchFamily="18" charset="0"/>
+                <a:cs typeface="Times New Roman" panose="02020603050405020304" pitchFamily="18" charset="0"/>
+              </a:rPr>
+              <a:t> </a:t>
+            </a:r>
+            <a:r>
+              <a:rPr lang="en-US" sz="2800" dirty="0" err="1" smtClean="0">
+                <a:latin typeface="Times New Roman" panose="02020603050405020304" pitchFamily="18" charset="0"/>
+                <a:cs typeface="Times New Roman" panose="02020603050405020304" pitchFamily="18" charset="0"/>
+              </a:rPr>
+              <a:t>như</a:t>
+            </a:r>
+            <a:r>
+              <a:rPr lang="en-US" sz="2800" dirty="0" smtClean="0">
+                <a:latin typeface="Times New Roman" panose="02020603050405020304" pitchFamily="18" charset="0"/>
+                <a:cs typeface="Times New Roman" panose="02020603050405020304" pitchFamily="18" charset="0"/>
+              </a:rPr>
+              <a:t> </a:t>
+            </a:r>
+            <a:r>
+              <a:rPr lang="en-US" sz="2800" dirty="0" err="1" smtClean="0">
+                <a:latin typeface="Times New Roman" panose="02020603050405020304" pitchFamily="18" charset="0"/>
+                <a:cs typeface="Times New Roman" panose="02020603050405020304" pitchFamily="18" charset="0"/>
+              </a:rPr>
+              <a:t>thế</a:t>
+            </a:r>
+            <a:r>
+              <a:rPr lang="en-US" sz="2800" dirty="0" smtClean="0">
+                <a:latin typeface="Times New Roman" panose="02020603050405020304" pitchFamily="18" charset="0"/>
+                <a:cs typeface="Times New Roman" panose="02020603050405020304" pitchFamily="18" charset="0"/>
+              </a:rPr>
+              <a:t> </a:t>
+            </a:r>
+            <a:r>
+              <a:rPr lang="en-US" sz="2800" dirty="0" err="1" smtClean="0">
+                <a:latin typeface="Times New Roman" panose="02020603050405020304" pitchFamily="18" charset="0"/>
+                <a:cs typeface="Times New Roman" panose="02020603050405020304" pitchFamily="18" charset="0"/>
+              </a:rPr>
+              <a:t>nào</a:t>
+            </a:r>
+            <a:r>
+              <a:rPr lang="en-US" sz="2800" dirty="0" smtClean="0">
+                <a:latin typeface="Times New Roman" panose="02020603050405020304" pitchFamily="18" charset="0"/>
+                <a:cs typeface="Times New Roman" panose="02020603050405020304" pitchFamily="18" charset="0"/>
+              </a:rPr>
+              <a:t> </a:t>
+            </a:r>
+            <a:r>
+              <a:rPr lang="en-US" sz="2800" dirty="0" smtClean="0">
+                <a:latin typeface="Times New Roman" panose="02020603050405020304" pitchFamily="18" charset="0"/>
+                <a:cs typeface="Times New Roman" panose="02020603050405020304" pitchFamily="18" charset="0"/>
+              </a:rPr>
+              <a:t>?</a:t>
             </a:r>
             <a:endParaRPr lang="en-US" sz="2800" dirty="0">
               <a:latin typeface="Times New Roman" panose="02020603050405020304" pitchFamily="18" charset="0"/>
@@ -7314,319 +7141,10 @@
           </a:p>
         </p:txBody>
       </p:sp>
-      <p:sp>
-        <p:nvSpPr>
-          <p:cNvPr id="4" name="Hộp Văn bản 3"/>
-          <p:cNvSpPr txBox="1"/>
-          <p:nvPr/>
-        </p:nvSpPr>
-        <p:spPr>
-          <a:xfrm>
-            <a:off x="721217" y="2575775"/>
-            <a:ext cx="10779617" cy="2554545"/>
-          </a:xfrm>
-          <a:prstGeom prst="rect">
-            <a:avLst/>
-          </a:prstGeom>
-          <a:noFill/>
-        </p:spPr>
-        <p:txBody>
-          <a:bodyPr wrap="square" rtlCol="0">
-            <a:spAutoFit/>
-          </a:bodyPr>
-          <a:lstStyle/>
-          <a:p>
-            <a:pPr marL="342900" indent="-342900">
-              <a:buFont typeface="Arial" panose="020B0604020202020204" pitchFamily="34" charset="0"/>
-              <a:buChar char="•"/>
-            </a:pPr>
-            <a:r>
-              <a:rPr lang="en-US" sz="2000" dirty="0" err="1" smtClean="0">
-                <a:latin typeface="Times New Roman" panose="02020603050405020304" pitchFamily="18" charset="0"/>
-                <a:cs typeface="Times New Roman" panose="02020603050405020304" pitchFamily="18" charset="0"/>
-              </a:rPr>
-              <a:t>Kiểm</a:t>
-            </a:r>
-            <a:r>
-              <a:rPr lang="en-US" sz="2000" dirty="0" smtClean="0">
-                <a:latin typeface="Times New Roman" panose="02020603050405020304" pitchFamily="18" charset="0"/>
-                <a:cs typeface="Times New Roman" panose="02020603050405020304" pitchFamily="18" charset="0"/>
-              </a:rPr>
-              <a:t> </a:t>
-            </a:r>
-            <a:r>
-              <a:rPr lang="en-US" sz="2000" dirty="0" err="1" smtClean="0">
-                <a:latin typeface="Times New Roman" panose="02020603050405020304" pitchFamily="18" charset="0"/>
-                <a:cs typeface="Times New Roman" panose="02020603050405020304" pitchFamily="18" charset="0"/>
-              </a:rPr>
-              <a:t>tra</a:t>
-            </a:r>
-            <a:r>
-              <a:rPr lang="en-US" sz="2000" dirty="0" smtClean="0">
-                <a:latin typeface="Times New Roman" panose="02020603050405020304" pitchFamily="18" charset="0"/>
-                <a:cs typeface="Times New Roman" panose="02020603050405020304" pitchFamily="18" charset="0"/>
-              </a:rPr>
-              <a:t> </a:t>
-            </a:r>
-            <a:r>
-              <a:rPr lang="en-US" sz="2000" dirty="0" err="1" smtClean="0">
-                <a:latin typeface="Times New Roman" panose="02020603050405020304" pitchFamily="18" charset="0"/>
-                <a:cs typeface="Times New Roman" panose="02020603050405020304" pitchFamily="18" charset="0"/>
-              </a:rPr>
-              <a:t>sự</a:t>
-            </a:r>
-            <a:r>
-              <a:rPr lang="en-US" sz="2000" dirty="0" smtClean="0">
-                <a:latin typeface="Times New Roman" panose="02020603050405020304" pitchFamily="18" charset="0"/>
-                <a:cs typeface="Times New Roman" panose="02020603050405020304" pitchFamily="18" charset="0"/>
-              </a:rPr>
-              <a:t> </a:t>
-            </a:r>
-            <a:r>
-              <a:rPr lang="en-US" sz="2000" dirty="0" err="1" smtClean="0">
-                <a:latin typeface="Times New Roman" panose="02020603050405020304" pitchFamily="18" charset="0"/>
-                <a:cs typeface="Times New Roman" panose="02020603050405020304" pitchFamily="18" charset="0"/>
-              </a:rPr>
-              <a:t>điều</a:t>
-            </a:r>
-            <a:r>
-              <a:rPr lang="en-US" sz="2000" dirty="0" smtClean="0">
-                <a:latin typeface="Times New Roman" panose="02020603050405020304" pitchFamily="18" charset="0"/>
-                <a:cs typeface="Times New Roman" panose="02020603050405020304" pitchFamily="18" charset="0"/>
-              </a:rPr>
-              <a:t> </a:t>
-            </a:r>
-            <a:r>
-              <a:rPr lang="en-US" sz="2000" dirty="0" err="1" smtClean="0">
-                <a:latin typeface="Times New Roman" panose="02020603050405020304" pitchFamily="18" charset="0"/>
-                <a:cs typeface="Times New Roman" panose="02020603050405020304" pitchFamily="18" charset="0"/>
-              </a:rPr>
-              <a:t>hướng</a:t>
-            </a:r>
-            <a:r>
-              <a:rPr lang="en-US" sz="2000" dirty="0" smtClean="0">
-                <a:latin typeface="Times New Roman" panose="02020603050405020304" pitchFamily="18" charset="0"/>
-                <a:cs typeface="Times New Roman" panose="02020603050405020304" pitchFamily="18" charset="0"/>
-              </a:rPr>
-              <a:t> </a:t>
-            </a:r>
-            <a:r>
-              <a:rPr lang="en-US" sz="2000" dirty="0" err="1" smtClean="0">
-                <a:latin typeface="Times New Roman" panose="02020603050405020304" pitchFamily="18" charset="0"/>
-                <a:cs typeface="Times New Roman" panose="02020603050405020304" pitchFamily="18" charset="0"/>
-              </a:rPr>
-              <a:t>của</a:t>
-            </a:r>
-            <a:r>
-              <a:rPr lang="en-US" sz="2000" dirty="0">
-                <a:latin typeface="Times New Roman" panose="02020603050405020304" pitchFamily="18" charset="0"/>
-                <a:cs typeface="Times New Roman" panose="02020603050405020304" pitchFamily="18" charset="0"/>
-              </a:rPr>
-              <a:t> </a:t>
-            </a:r>
-            <a:r>
-              <a:rPr lang="en-US" sz="2000" dirty="0" err="1" smtClean="0">
-                <a:latin typeface="Times New Roman" panose="02020603050405020304" pitchFamily="18" charset="0"/>
-                <a:cs typeface="Times New Roman" panose="02020603050405020304" pitchFamily="18" charset="0"/>
-              </a:rPr>
-              <a:t>phần</a:t>
-            </a:r>
-            <a:r>
-              <a:rPr lang="en-US" sz="2000" dirty="0" smtClean="0">
-                <a:latin typeface="Times New Roman" panose="02020603050405020304" pitchFamily="18" charset="0"/>
-                <a:cs typeface="Times New Roman" panose="02020603050405020304" pitchFamily="18" charset="0"/>
-              </a:rPr>
-              <a:t> </a:t>
-            </a:r>
-            <a:r>
-              <a:rPr lang="en-US" sz="2000" dirty="0" err="1" smtClean="0">
-                <a:latin typeface="Times New Roman" panose="02020603050405020304" pitchFamily="18" charset="0"/>
-                <a:cs typeface="Times New Roman" panose="02020603050405020304" pitchFamily="18" charset="0"/>
-              </a:rPr>
-              <a:t>mềm</a:t>
-            </a:r>
-            <a:r>
-              <a:rPr lang="en-US" sz="2000" dirty="0" smtClean="0">
-                <a:latin typeface="Times New Roman" panose="02020603050405020304" pitchFamily="18" charset="0"/>
-                <a:cs typeface="Times New Roman" panose="02020603050405020304" pitchFamily="18" charset="0"/>
-              </a:rPr>
-              <a:t> </a:t>
-            </a:r>
-          </a:p>
-          <a:p>
-            <a:pPr marL="342900" indent="-342900">
-              <a:buFont typeface="Arial" panose="020B0604020202020204" pitchFamily="34" charset="0"/>
-              <a:buChar char="•"/>
-            </a:pPr>
-            <a:r>
-              <a:rPr lang="en-US" sz="2000" dirty="0" err="1" smtClean="0">
-                <a:latin typeface="Times New Roman" panose="02020603050405020304" pitchFamily="18" charset="0"/>
-                <a:cs typeface="Times New Roman" panose="02020603050405020304" pitchFamily="18" charset="0"/>
-              </a:rPr>
-              <a:t>Các</a:t>
-            </a:r>
-            <a:r>
-              <a:rPr lang="en-US" sz="2000" dirty="0" smtClean="0">
-                <a:latin typeface="Times New Roman" panose="02020603050405020304" pitchFamily="18" charset="0"/>
-                <a:cs typeface="Times New Roman" panose="02020603050405020304" pitchFamily="18" charset="0"/>
-              </a:rPr>
-              <a:t> </a:t>
-            </a:r>
-            <a:r>
-              <a:rPr lang="en-US" sz="2000" dirty="0" err="1" smtClean="0">
-                <a:latin typeface="Times New Roman" panose="02020603050405020304" pitchFamily="18" charset="0"/>
-                <a:cs typeface="Times New Roman" panose="02020603050405020304" pitchFamily="18" charset="0"/>
-              </a:rPr>
-              <a:t>cách</a:t>
-            </a:r>
-            <a:r>
-              <a:rPr lang="en-US" sz="2000" dirty="0" smtClean="0">
-                <a:latin typeface="Times New Roman" panose="02020603050405020304" pitchFamily="18" charset="0"/>
-                <a:cs typeface="Times New Roman" panose="02020603050405020304" pitchFamily="18" charset="0"/>
-              </a:rPr>
-              <a:t> </a:t>
-            </a:r>
-            <a:r>
-              <a:rPr lang="en-US" sz="2000" dirty="0" err="1" smtClean="0">
-                <a:latin typeface="Times New Roman" panose="02020603050405020304" pitchFamily="18" charset="0"/>
-                <a:cs typeface="Times New Roman" panose="02020603050405020304" pitchFamily="18" charset="0"/>
-              </a:rPr>
-              <a:t>kiểm</a:t>
-            </a:r>
-            <a:r>
-              <a:rPr lang="en-US" sz="2000" dirty="0" smtClean="0">
-                <a:latin typeface="Times New Roman" panose="02020603050405020304" pitchFamily="18" charset="0"/>
-                <a:cs typeface="Times New Roman" panose="02020603050405020304" pitchFamily="18" charset="0"/>
-              </a:rPr>
-              <a:t> </a:t>
-            </a:r>
-            <a:r>
-              <a:rPr lang="en-US" sz="2000" dirty="0" err="1" smtClean="0">
-                <a:latin typeface="Times New Roman" panose="02020603050405020304" pitchFamily="18" charset="0"/>
-                <a:cs typeface="Times New Roman" panose="02020603050405020304" pitchFamily="18" charset="0"/>
-              </a:rPr>
-              <a:t>tra</a:t>
-            </a:r>
-            <a:r>
-              <a:rPr lang="en-US" sz="2000" dirty="0" smtClean="0">
-                <a:latin typeface="Times New Roman" panose="02020603050405020304" pitchFamily="18" charset="0"/>
-                <a:cs typeface="Times New Roman" panose="02020603050405020304" pitchFamily="18" charset="0"/>
-              </a:rPr>
-              <a:t>:</a:t>
-            </a:r>
-          </a:p>
-          <a:p>
-            <a:pPr marL="800100" lvl="1" indent="-342900">
-              <a:buFont typeface="Arial" panose="020B0604020202020204" pitchFamily="34" charset="0"/>
-              <a:buChar char="•"/>
-            </a:pPr>
-            <a:r>
-              <a:rPr lang="en-US" sz="2000" dirty="0">
-                <a:latin typeface="Times New Roman" panose="02020603050405020304" pitchFamily="18" charset="0"/>
-                <a:cs typeface="Times New Roman" panose="02020603050405020304" pitchFamily="18" charset="0"/>
-              </a:rPr>
-              <a:t>For every window, identify all the legitimate calls to the window that the </a:t>
-            </a:r>
-            <a:r>
-              <a:rPr lang="en-US" sz="2000" dirty="0" smtClean="0">
-                <a:latin typeface="Times New Roman" panose="02020603050405020304" pitchFamily="18" charset="0"/>
-                <a:cs typeface="Times New Roman" panose="02020603050405020304" pitchFamily="18" charset="0"/>
-              </a:rPr>
-              <a:t>application should </a:t>
-            </a:r>
-            <a:r>
-              <a:rPr lang="en-US" sz="2000" dirty="0">
-                <a:latin typeface="Times New Roman" panose="02020603050405020304" pitchFamily="18" charset="0"/>
-                <a:cs typeface="Times New Roman" panose="02020603050405020304" pitchFamily="18" charset="0"/>
-              </a:rPr>
-              <a:t>allow and create test cases for each call</a:t>
-            </a:r>
-            <a:r>
-              <a:rPr lang="en-US" sz="2000" dirty="0" smtClean="0">
-                <a:latin typeface="Times New Roman" panose="02020603050405020304" pitchFamily="18" charset="0"/>
-                <a:cs typeface="Times New Roman" panose="02020603050405020304" pitchFamily="18" charset="0"/>
-              </a:rPr>
-              <a:t>.</a:t>
-            </a:r>
-          </a:p>
-          <a:p>
-            <a:pPr marL="800100" lvl="1" indent="-342900">
-              <a:buFont typeface="Arial" panose="020B0604020202020204" pitchFamily="34" charset="0"/>
-              <a:buChar char="•"/>
-            </a:pPr>
-            <a:r>
-              <a:rPr lang="en-US" sz="2000" dirty="0">
-                <a:latin typeface="Times New Roman" panose="02020603050405020304" pitchFamily="18" charset="0"/>
-                <a:cs typeface="Times New Roman" panose="02020603050405020304" pitchFamily="18" charset="0"/>
-              </a:rPr>
-              <a:t>Identify all the legitimate calls from the window to other features that the </a:t>
-            </a:r>
-            <a:r>
-              <a:rPr lang="en-US" sz="2000" dirty="0" smtClean="0">
-                <a:latin typeface="Times New Roman" panose="02020603050405020304" pitchFamily="18" charset="0"/>
-                <a:cs typeface="Times New Roman" panose="02020603050405020304" pitchFamily="18" charset="0"/>
-              </a:rPr>
-              <a:t>application should </a:t>
-            </a:r>
-            <a:r>
-              <a:rPr lang="en-US" sz="2000" dirty="0">
-                <a:latin typeface="Times New Roman" panose="02020603050405020304" pitchFamily="18" charset="0"/>
-                <a:cs typeface="Times New Roman" panose="02020603050405020304" pitchFamily="18" charset="0"/>
-              </a:rPr>
-              <a:t>allow and create test cases for each </a:t>
-            </a:r>
-            <a:r>
-              <a:rPr lang="en-US" sz="2000" dirty="0" smtClean="0">
-                <a:latin typeface="Times New Roman" panose="02020603050405020304" pitchFamily="18" charset="0"/>
-                <a:cs typeface="Times New Roman" panose="02020603050405020304" pitchFamily="18" charset="0"/>
-              </a:rPr>
-              <a:t>call.</a:t>
-            </a:r>
-          </a:p>
-          <a:p>
-            <a:pPr marL="800100" lvl="1" indent="-342900">
-              <a:buFont typeface="Arial" panose="020B0604020202020204" pitchFamily="34" charset="0"/>
-              <a:buChar char="•"/>
-            </a:pPr>
-            <a:r>
-              <a:rPr lang="en-US" sz="2000" dirty="0">
-                <a:latin typeface="Times New Roman" panose="02020603050405020304" pitchFamily="18" charset="0"/>
-                <a:cs typeface="Times New Roman" panose="02020603050405020304" pitchFamily="18" charset="0"/>
-              </a:rPr>
-              <a:t>Identify reversible calls, i.e. where closing a called window should return to </a:t>
-            </a:r>
-            <a:r>
-              <a:rPr lang="en-US" sz="2000" dirty="0" smtClean="0">
-                <a:latin typeface="Times New Roman" panose="02020603050405020304" pitchFamily="18" charset="0"/>
-                <a:cs typeface="Times New Roman" panose="02020603050405020304" pitchFamily="18" charset="0"/>
-              </a:rPr>
-              <a:t>the ‘calling</a:t>
-            </a:r>
-            <a:r>
-              <a:rPr lang="en-US" sz="2000" dirty="0">
-                <a:latin typeface="Times New Roman" panose="02020603050405020304" pitchFamily="18" charset="0"/>
-                <a:cs typeface="Times New Roman" panose="02020603050405020304" pitchFamily="18" charset="0"/>
-              </a:rPr>
-              <a:t>’ window and create a test case for </a:t>
-            </a:r>
-            <a:r>
-              <a:rPr lang="en-US" sz="2000" dirty="0" smtClean="0">
-                <a:latin typeface="Times New Roman" panose="02020603050405020304" pitchFamily="18" charset="0"/>
-                <a:cs typeface="Times New Roman" panose="02020603050405020304" pitchFamily="18" charset="0"/>
-              </a:rPr>
-              <a:t>each.</a:t>
-            </a:r>
-            <a:endParaRPr lang="fr-FR" sz="2000" dirty="0" smtClean="0">
-              <a:latin typeface="Times New Roman" panose="02020603050405020304" pitchFamily="18" charset="0"/>
-              <a:cs typeface="Times New Roman" panose="02020603050405020304" pitchFamily="18" charset="0"/>
-            </a:endParaRPr>
-          </a:p>
-        </p:txBody>
-      </p:sp>
     </p:spTree>
     <p:extLst>
       <p:ext uri="{BB962C8B-B14F-4D97-AF65-F5344CB8AC3E}">
-        <p14:creationId xmlns:p14="http://schemas.microsoft.com/office/powerpoint/2010/main" val="3420535502"/>
+        <p14:creationId xmlns:p14="http://schemas.microsoft.com/office/powerpoint/2010/main" val="330852248"/>
       </p:ext>
     </p:extLst>
   </p:cSld>
@@ -7680,14 +7198,14 @@
                 <a:latin typeface="Times New Roman" panose="02020603050405020304" pitchFamily="18" charset="0"/>
                 <a:cs typeface="Times New Roman" panose="02020603050405020304" pitchFamily="18" charset="0"/>
               </a:rPr>
-              <a:t>Test </a:t>
+              <a:t>Usability testing </a:t>
             </a:r>
             <a:r>
               <a:rPr lang="en-US" dirty="0" err="1" smtClean="0">
                 <a:latin typeface="Times New Roman" panose="02020603050405020304" pitchFamily="18" charset="0"/>
                 <a:cs typeface="Times New Roman" panose="02020603050405020304" pitchFamily="18" charset="0"/>
               </a:rPr>
-              <a:t>gui</a:t>
+              <a:t>là</a:t>
             </a:r>
             <a:r>
               <a:rPr lang="en-US" dirty="0" smtClean="0">
@@ -7701,35 +7219,7 @@
                 <a:latin typeface="Times New Roman" panose="02020603050405020304" pitchFamily="18" charset="0"/>
                 <a:cs typeface="Times New Roman" panose="02020603050405020304" pitchFamily="18" charset="0"/>
               </a:rPr>
-              <a:t>như</a:t>
-            </a:r>
-            <a:r>
-              <a:rPr lang="en-US" dirty="0" smtClean="0">
-                <a:latin typeface="Times New Roman" panose="02020603050405020304" pitchFamily="18" charset="0"/>
-                <a:cs typeface="Times New Roman" panose="02020603050405020304" pitchFamily="18" charset="0"/>
-              </a:rPr>
-              <a:t> </a:t>
-            </a:r>
-            <a:r>
-              <a:rPr lang="en-US" dirty="0" err="1" smtClean="0">
-                <a:latin typeface="Times New Roman" panose="02020603050405020304" pitchFamily="18" charset="0"/>
-                <a:cs typeface="Times New Roman" panose="02020603050405020304" pitchFamily="18" charset="0"/>
-              </a:rPr>
-              <a:t>thế</a:t>
-            </a:r>
-            <a:r>
-              <a:rPr lang="en-US" dirty="0" smtClean="0">
-                <a:latin typeface="Times New Roman" panose="02020603050405020304" pitchFamily="18" charset="0"/>
-                <a:cs typeface="Times New Roman" panose="02020603050405020304" pitchFamily="18" charset="0"/>
-              </a:rPr>
-              <a:t> </a:t>
-            </a:r>
-            <a:r>
-              <a:rPr lang="en-US" dirty="0" err="1" smtClean="0">
-                <a:latin typeface="Times New Roman" panose="02020603050405020304" pitchFamily="18" charset="0"/>
-                <a:cs typeface="Times New Roman" panose="02020603050405020304" pitchFamily="18" charset="0"/>
-              </a:rPr>
-              <a:t>nào</a:t>
+              <a:t>gì</a:t>
             </a:r>
             <a:r>
               <a:rPr lang="en-US" dirty="0" smtClean="0">
@@ -7747,14 +7237,14 @@
       </p:sp>
       <p:sp>
         <p:nvSpPr>
-          <p:cNvPr id="5" name="Hộp Văn bản 4"/>
+          <p:cNvPr id="4" name="Hộp Văn bản 3"/>
           <p:cNvSpPr txBox="1"/>
           <p:nvPr/>
         </p:nvSpPr>
         <p:spPr>
           <a:xfrm>
-            <a:off x="631065" y="1867437"/>
-            <a:ext cx="10959921" cy="523220"/>
+            <a:off x="913775" y="2354103"/>
+            <a:ext cx="10779617" cy="3416320"/>
           </a:xfrm>
           <a:prstGeom prst="rect">
             <a:avLst/>
@@ -7768,359 +7258,560 @@
           <a:lstStyle/>
           <a:p>
             <a:r>
-              <a:rPr lang="en-US" sz="2800" dirty="0" smtClean="0">
-                <a:latin typeface="Times New Roman" panose="02020603050405020304" pitchFamily="18" charset="0"/>
-                <a:cs typeface="Times New Roman" panose="02020603050405020304" pitchFamily="18" charset="0"/>
-              </a:rPr>
-              <a:t>Application testing</a:t>
-            </a:r>
-            <a:endParaRPr lang="en-US" sz="2800" dirty="0">
+              <a:rPr lang="fr-FR" sz="2400" dirty="0" smtClean="0">
+                <a:latin typeface="Times New Roman" panose="02020603050405020304" pitchFamily="18" charset="0"/>
+                <a:cs typeface="Times New Roman" panose="02020603050405020304" pitchFamily="18" charset="0"/>
+              </a:rPr>
+              <a:t>ISO 9126: </a:t>
+            </a:r>
+            <a:r>
+              <a:rPr lang="fr-FR" sz="2400" dirty="0" err="1" smtClean="0">
+                <a:latin typeface="Times New Roman" panose="02020603050405020304" pitchFamily="18" charset="0"/>
+                <a:cs typeface="Times New Roman" panose="02020603050405020304" pitchFamily="18" charset="0"/>
+              </a:rPr>
+              <a:t>Tiêu</a:t>
+            </a:r>
+            <a:r>
+              <a:rPr lang="fr-FR" sz="2400" dirty="0" smtClean="0">
+                <a:latin typeface="Times New Roman" panose="02020603050405020304" pitchFamily="18" charset="0"/>
+                <a:cs typeface="Times New Roman" panose="02020603050405020304" pitchFamily="18" charset="0"/>
+              </a:rPr>
+              <a:t> </a:t>
+            </a:r>
+            <a:r>
+              <a:rPr lang="fr-FR" sz="2400" dirty="0" err="1" smtClean="0">
+                <a:latin typeface="Times New Roman" panose="02020603050405020304" pitchFamily="18" charset="0"/>
+                <a:cs typeface="Times New Roman" panose="02020603050405020304" pitchFamily="18" charset="0"/>
+              </a:rPr>
+              <a:t>chuẩn</a:t>
+            </a:r>
+            <a:r>
+              <a:rPr lang="fr-FR" sz="2400" dirty="0" smtClean="0">
+                <a:latin typeface="Times New Roman" panose="02020603050405020304" pitchFamily="18" charset="0"/>
+                <a:cs typeface="Times New Roman" panose="02020603050405020304" pitchFamily="18" charset="0"/>
+              </a:rPr>
+              <a:t> </a:t>
+            </a:r>
+            <a:r>
+              <a:rPr lang="fr-FR" sz="2400" dirty="0" err="1" smtClean="0">
+                <a:latin typeface="Times New Roman" panose="02020603050405020304" pitchFamily="18" charset="0"/>
+                <a:cs typeface="Times New Roman" panose="02020603050405020304" pitchFamily="18" charset="0"/>
+              </a:rPr>
+              <a:t>quốc</a:t>
+            </a:r>
+            <a:r>
+              <a:rPr lang="fr-FR" sz="2400" dirty="0" smtClean="0">
+                <a:latin typeface="Times New Roman" panose="02020603050405020304" pitchFamily="18" charset="0"/>
+                <a:cs typeface="Times New Roman" panose="02020603050405020304" pitchFamily="18" charset="0"/>
+              </a:rPr>
+              <a:t> </a:t>
+            </a:r>
+            <a:r>
+              <a:rPr lang="fr-FR" sz="2400" dirty="0" err="1" smtClean="0">
+                <a:latin typeface="Times New Roman" panose="02020603050405020304" pitchFamily="18" charset="0"/>
+                <a:cs typeface="Times New Roman" panose="02020603050405020304" pitchFamily="18" charset="0"/>
+              </a:rPr>
+              <a:t>tế</a:t>
+            </a:r>
+            <a:r>
+              <a:rPr lang="fr-FR" sz="2400" dirty="0" smtClean="0">
+                <a:latin typeface="Times New Roman" panose="02020603050405020304" pitchFamily="18" charset="0"/>
+                <a:cs typeface="Times New Roman" panose="02020603050405020304" pitchFamily="18" charset="0"/>
+              </a:rPr>
+              <a:t> </a:t>
+            </a:r>
+            <a:r>
+              <a:rPr lang="fr-FR" sz="2400" dirty="0" err="1" smtClean="0">
+                <a:latin typeface="Times New Roman" panose="02020603050405020304" pitchFamily="18" charset="0"/>
+                <a:cs typeface="Times New Roman" panose="02020603050405020304" pitchFamily="18" charset="0"/>
+              </a:rPr>
+              <a:t>đánh</a:t>
+            </a:r>
+            <a:r>
+              <a:rPr lang="fr-FR" sz="2400" dirty="0" smtClean="0">
+                <a:latin typeface="Times New Roman" panose="02020603050405020304" pitchFamily="18" charset="0"/>
+                <a:cs typeface="Times New Roman" panose="02020603050405020304" pitchFamily="18" charset="0"/>
+              </a:rPr>
+              <a:t> </a:t>
+            </a:r>
+            <a:r>
+              <a:rPr lang="fr-FR" sz="2400" dirty="0" err="1" smtClean="0">
+                <a:latin typeface="Times New Roman" panose="02020603050405020304" pitchFamily="18" charset="0"/>
+                <a:cs typeface="Times New Roman" panose="02020603050405020304" pitchFamily="18" charset="0"/>
+              </a:rPr>
+              <a:t>giá</a:t>
+            </a:r>
+            <a:r>
+              <a:rPr lang="fr-FR" sz="2400" dirty="0" smtClean="0">
+                <a:latin typeface="Times New Roman" panose="02020603050405020304" pitchFamily="18" charset="0"/>
+                <a:cs typeface="Times New Roman" panose="02020603050405020304" pitchFamily="18" charset="0"/>
+              </a:rPr>
+              <a:t> </a:t>
+            </a:r>
+            <a:r>
+              <a:rPr lang="fr-FR" sz="2400" dirty="0" err="1" smtClean="0">
+                <a:latin typeface="Times New Roman" panose="02020603050405020304" pitchFamily="18" charset="0"/>
+                <a:cs typeface="Times New Roman" panose="02020603050405020304" pitchFamily="18" charset="0"/>
+              </a:rPr>
+              <a:t>chất</a:t>
+            </a:r>
+            <a:r>
+              <a:rPr lang="fr-FR" sz="2400" dirty="0" smtClean="0">
+                <a:latin typeface="Times New Roman" panose="02020603050405020304" pitchFamily="18" charset="0"/>
+                <a:cs typeface="Times New Roman" panose="02020603050405020304" pitchFamily="18" charset="0"/>
+              </a:rPr>
+              <a:t> </a:t>
+            </a:r>
+            <a:r>
+              <a:rPr lang="fr-FR" sz="2400" dirty="0" err="1" smtClean="0">
+                <a:latin typeface="Times New Roman" panose="02020603050405020304" pitchFamily="18" charset="0"/>
+                <a:cs typeface="Times New Roman" panose="02020603050405020304" pitchFamily="18" charset="0"/>
+              </a:rPr>
+              <a:t>lượng</a:t>
+            </a:r>
+            <a:r>
+              <a:rPr lang="fr-FR" sz="2400" dirty="0" smtClean="0">
+                <a:latin typeface="Times New Roman" panose="02020603050405020304" pitchFamily="18" charset="0"/>
+                <a:cs typeface="Times New Roman" panose="02020603050405020304" pitchFamily="18" charset="0"/>
+              </a:rPr>
+              <a:t> </a:t>
+            </a:r>
+            <a:r>
+              <a:rPr lang="fr-FR" sz="2400" dirty="0" err="1" smtClean="0">
+                <a:latin typeface="Times New Roman" panose="02020603050405020304" pitchFamily="18" charset="0"/>
+                <a:cs typeface="Times New Roman" panose="02020603050405020304" pitchFamily="18" charset="0"/>
+              </a:rPr>
+              <a:t>phần</a:t>
+            </a:r>
+            <a:r>
+              <a:rPr lang="fr-FR" sz="2400" dirty="0" smtClean="0">
+                <a:latin typeface="Times New Roman" panose="02020603050405020304" pitchFamily="18" charset="0"/>
+                <a:cs typeface="Times New Roman" panose="02020603050405020304" pitchFamily="18" charset="0"/>
+              </a:rPr>
+              <a:t> </a:t>
+            </a:r>
+            <a:r>
+              <a:rPr lang="fr-FR" sz="2400" dirty="0" err="1" smtClean="0">
+                <a:latin typeface="Times New Roman" panose="02020603050405020304" pitchFamily="18" charset="0"/>
+                <a:cs typeface="Times New Roman" panose="02020603050405020304" pitchFamily="18" charset="0"/>
+              </a:rPr>
+              <a:t>mềm</a:t>
+            </a:r>
+            <a:endParaRPr lang="fr-FR" sz="2400" dirty="0" smtClean="0">
               <a:latin typeface="Times New Roman" panose="02020603050405020304" pitchFamily="18" charset="0"/>
               <a:cs typeface="Times New Roman" panose="02020603050405020304" pitchFamily="18" charset="0"/>
             </a:endParaRPr>
           </a:p>
-        </p:txBody>
-      </p:sp>
-      <p:sp>
-        <p:nvSpPr>
-          <p:cNvPr id="4" name="Hộp Văn bản 3"/>
-          <p:cNvSpPr txBox="1"/>
-          <p:nvPr/>
-        </p:nvSpPr>
-        <p:spPr>
-          <a:xfrm>
-            <a:off x="721217" y="2575775"/>
-            <a:ext cx="10779617" cy="400110"/>
-          </a:xfrm>
-          <a:prstGeom prst="rect">
-            <a:avLst/>
-          </a:prstGeom>
-          <a:noFill/>
-        </p:spPr>
-        <p:txBody>
-          <a:bodyPr wrap="square" rtlCol="0">
-            <a:spAutoFit/>
-          </a:bodyPr>
-          <a:lstStyle/>
-          <a:p>
-            <a:endParaRPr lang="fr-FR" sz="2000" dirty="0" smtClean="0">
+          <a:p>
+            <a:endParaRPr lang="fr-FR" sz="2400" dirty="0">
               <a:latin typeface="Times New Roman" panose="02020603050405020304" pitchFamily="18" charset="0"/>
               <a:cs typeface="Times New Roman" panose="02020603050405020304" pitchFamily="18" charset="0"/>
             </a:endParaRPr>
           </a:p>
-        </p:txBody>
-      </p:sp>
-      <p:graphicFrame>
-        <p:nvGraphicFramePr>
-          <p:cNvPr id="3" name="Bảng 2"/>
-          <p:cNvGraphicFramePr>
-            <a:graphicFrameLocks noGrp="1"/>
-          </p:cNvGraphicFramePr>
-          <p:nvPr>
-            <p:extLst>
-              <p:ext uri="{D42A27DB-BD31-4B8C-83A1-F6EECF244321}">
-                <p14:modId xmlns:p14="http://schemas.microsoft.com/office/powerpoint/2010/main" val="1532201003"/>
-              </p:ext>
-            </p:extLst>
-          </p:nvPr>
-        </p:nvGraphicFramePr>
-        <p:xfrm>
-          <a:off x="721217" y="2701635"/>
-          <a:ext cx="10557008" cy="3449783"/>
-        </p:xfrm>
-        <a:graphic>
-          <a:graphicData uri="http://schemas.openxmlformats.org/drawingml/2006/table">
-            <a:tbl>
-              <a:tblPr firstRow="1" bandRow="1">
-                <a:tableStyleId>{21E4AEA4-8DFA-4A89-87EB-49C32662AFE0}</a:tableStyleId>
-              </a:tblPr>
-              <a:tblGrid>
-                <a:gridCol w="5278504"/>
-                <a:gridCol w="5278504"/>
-              </a:tblGrid>
-              <a:tr h="495980">
-                <a:tc>
-                  <a:txBody>
-                    <a:bodyPr/>
-                    <a:lstStyle/>
-                    <a:p>
-                      <a:pPr algn="ctr"/>
-                      <a:r>
-                        <a:rPr lang="en-US" sz="2000" dirty="0" smtClean="0">
-                          <a:solidFill>
-                            <a:sysClr val="windowText" lastClr="000000"/>
-                          </a:solidFill>
-                        </a:rPr>
-                        <a:t>Technique</a:t>
-                      </a:r>
-                      <a:endParaRPr lang="en-US" sz="2000" dirty="0">
-                        <a:solidFill>
-                          <a:sysClr val="windowText" lastClr="000000"/>
-                        </a:solidFill>
-                      </a:endParaRPr>
-                    </a:p>
-                  </a:txBody>
-                  <a:tcPr/>
-                </a:tc>
-                <a:tc>
-                  <a:txBody>
-                    <a:bodyPr/>
-                    <a:lstStyle/>
-                    <a:p>
-                      <a:pPr marL="0" marR="0" indent="0" algn="ctr" defTabSz="914400" rtl="0" eaLnBrk="1" fontAlgn="auto" latinLnBrk="0" hangingPunct="1">
-                        <a:lnSpc>
-                          <a:spcPct val="100000"/>
-                        </a:lnSpc>
-                        <a:spcBef>
-                          <a:spcPts val="0"/>
-                        </a:spcBef>
-                        <a:spcAft>
-                          <a:spcPts val="0"/>
-                        </a:spcAft>
-                        <a:buClrTx/>
-                        <a:buSzTx/>
-                        <a:buFontTx/>
-                        <a:buNone/>
-                        <a:tabLst/>
-                        <a:defRPr/>
-                      </a:pPr>
-                      <a:r>
-                        <a:rPr lang="en-US" sz="2000" dirty="0" smtClean="0">
-                          <a:solidFill>
-                            <a:sysClr val="windowText" lastClr="000000"/>
-                          </a:solidFill>
-                        </a:rPr>
-                        <a:t>Used</a:t>
-                      </a:r>
-                      <a:r>
-                        <a:rPr lang="en-US" sz="2000" baseline="0" dirty="0" smtClean="0">
-                          <a:solidFill>
-                            <a:sysClr val="windowText" lastClr="000000"/>
-                          </a:solidFill>
-                        </a:rPr>
-                        <a:t> to test</a:t>
-                      </a:r>
-                      <a:endParaRPr lang="en-US" sz="2000" dirty="0">
-                        <a:solidFill>
-                          <a:schemeClr val="tx1">
-                            <a:lumMod val="95000"/>
-                            <a:lumOff val="5000"/>
-                          </a:schemeClr>
-                        </a:solidFill>
-                      </a:endParaRPr>
-                    </a:p>
-                  </a:txBody>
-                  <a:tcPr/>
-                </a:tc>
-              </a:tr>
-              <a:tr h="860238">
-                <a:tc>
-                  <a:txBody>
-                    <a:bodyPr/>
-                    <a:lstStyle/>
-                    <a:p>
-                      <a:r>
-                        <a:rPr lang="en-US" sz="2000" b="0" i="0" u="none" strike="noStrike" kern="1200" baseline="0" dirty="0" smtClean="0">
-                          <a:solidFill>
-                            <a:schemeClr val="dk1"/>
-                          </a:solidFill>
-                          <a:latin typeface="+mn-lt"/>
-                          <a:ea typeface="+mn-ea"/>
-                          <a:cs typeface="+mn-cs"/>
-                        </a:rPr>
-                        <a:t>Equivalence Partitions and Boundary Value Analysis</a:t>
-                      </a:r>
-                      <a:endParaRPr lang="en-US" sz="2000" dirty="0"/>
-                    </a:p>
-                  </a:txBody>
-                  <a:tcPr/>
-                </a:tc>
-                <a:tc>
-                  <a:txBody>
-                    <a:bodyPr/>
-                    <a:lstStyle/>
-                    <a:p>
-                      <a:pPr marL="285750" indent="-285750">
-                        <a:buFont typeface="Arial" panose="020B0604020202020204" pitchFamily="34" charset="0"/>
-                        <a:buChar char="•"/>
-                      </a:pPr>
-                      <a:r>
-                        <a:rPr lang="en-US" sz="2000" b="0" i="0" u="none" strike="noStrike" kern="1200" baseline="0" dirty="0" smtClean="0">
-                          <a:solidFill>
-                            <a:schemeClr val="dk1"/>
-                          </a:solidFill>
-                          <a:latin typeface="+mn-lt"/>
-                          <a:ea typeface="+mn-ea"/>
-                          <a:cs typeface="+mn-cs"/>
-                        </a:rPr>
-                        <a:t>Input validation</a:t>
-                      </a:r>
-                    </a:p>
-                    <a:p>
-                      <a:pPr marL="285750" indent="-285750">
-                        <a:buFont typeface="Arial" panose="020B0604020202020204" pitchFamily="34" charset="0"/>
-                        <a:buChar char="•"/>
-                      </a:pPr>
-                      <a:r>
-                        <a:rPr lang="en-US" sz="2000" b="0" i="0" u="none" strike="noStrike" kern="1200" baseline="0" dirty="0" smtClean="0">
-                          <a:solidFill>
-                            <a:schemeClr val="dk1"/>
-                          </a:solidFill>
-                          <a:latin typeface="+mn-lt"/>
-                          <a:ea typeface="+mn-ea"/>
-                          <a:cs typeface="+mn-cs"/>
-                        </a:rPr>
-                        <a:t>Simple rule-based processing</a:t>
-                      </a:r>
-                      <a:endParaRPr lang="en-US" sz="2000" dirty="0"/>
-                    </a:p>
-                  </a:txBody>
-                  <a:tcPr/>
-                </a:tc>
-              </a:tr>
-              <a:tr h="495980">
-                <a:tc>
-                  <a:txBody>
-                    <a:bodyPr/>
-                    <a:lstStyle/>
-                    <a:p>
-                      <a:r>
-                        <a:rPr lang="en-US" sz="2000" b="0" i="0" u="none" strike="noStrike" kern="1200" baseline="0" dirty="0" smtClean="0">
-                          <a:solidFill>
-                            <a:schemeClr val="dk1"/>
-                          </a:solidFill>
-                          <a:latin typeface="+mn-lt"/>
-                          <a:ea typeface="+mn-ea"/>
-                          <a:cs typeface="+mn-cs"/>
-                        </a:rPr>
-                        <a:t>Decision Tables</a:t>
-                      </a:r>
-                      <a:endParaRPr lang="en-US" sz="2000" dirty="0"/>
-                    </a:p>
-                  </a:txBody>
-                  <a:tcPr/>
-                </a:tc>
-                <a:tc>
-                  <a:txBody>
-                    <a:bodyPr/>
-                    <a:lstStyle/>
-                    <a:p>
-                      <a:pPr marL="285750" indent="-285750">
-                        <a:buFont typeface="Arial" panose="020B0604020202020204" pitchFamily="34" charset="0"/>
-                        <a:buChar char="•"/>
-                      </a:pPr>
-                      <a:r>
-                        <a:rPr lang="en-US" sz="2000" b="0" i="0" u="none" strike="noStrike" kern="1200" baseline="0" dirty="0" smtClean="0">
-                          <a:solidFill>
-                            <a:schemeClr val="dk1"/>
-                          </a:solidFill>
-                          <a:latin typeface="+mn-lt"/>
-                          <a:ea typeface="+mn-ea"/>
-                          <a:cs typeface="+mn-cs"/>
-                        </a:rPr>
-                        <a:t>Complex logic or rule-based processing</a:t>
-                      </a:r>
-                      <a:endParaRPr lang="en-US" sz="2000" dirty="0"/>
-                    </a:p>
-                  </a:txBody>
-                  <a:tcPr/>
-                </a:tc>
-              </a:tr>
-              <a:tr h="1597585">
-                <a:tc>
-                  <a:txBody>
-                    <a:bodyPr/>
-                    <a:lstStyle/>
-                    <a:p>
-                      <a:r>
-                        <a:rPr lang="en-US" sz="2000" b="0" i="0" u="none" strike="noStrike" kern="1200" baseline="0" dirty="0" smtClean="0">
-                          <a:solidFill>
-                            <a:schemeClr val="dk1"/>
-                          </a:solidFill>
-                          <a:latin typeface="+mn-lt"/>
-                          <a:ea typeface="+mn-ea"/>
-                          <a:cs typeface="+mn-cs"/>
-                        </a:rPr>
-                        <a:t>State-transition testing</a:t>
-                      </a:r>
-                      <a:endParaRPr lang="en-US" sz="2000" dirty="0"/>
-                    </a:p>
-                  </a:txBody>
-                  <a:tcPr/>
-                </a:tc>
-                <a:tc>
-                  <a:txBody>
-                    <a:bodyPr/>
-                    <a:lstStyle/>
-                    <a:p>
-                      <a:pPr marL="285750" indent="-285750">
-                        <a:buFont typeface="Arial" panose="020B0604020202020204" pitchFamily="34" charset="0"/>
-                        <a:buChar char="•"/>
-                      </a:pPr>
-                      <a:r>
-                        <a:rPr lang="en-US" sz="2000" b="0" i="0" u="none" strike="noStrike" kern="1200" baseline="0" dirty="0" smtClean="0">
-                          <a:solidFill>
-                            <a:schemeClr val="dk1"/>
-                          </a:solidFill>
-                          <a:latin typeface="+mn-lt"/>
-                          <a:ea typeface="+mn-ea"/>
-                          <a:cs typeface="+mn-cs"/>
-                        </a:rPr>
-                        <a:t>Applications with modes or states where processing </a:t>
-                      </a:r>
-                      <a:r>
-                        <a:rPr lang="en-US" sz="2000" b="0" i="0" u="none" strike="noStrike" kern="1200" baseline="0" dirty="0" err="1" smtClean="0">
-                          <a:solidFill>
-                            <a:schemeClr val="dk1"/>
-                          </a:solidFill>
-                          <a:latin typeface="+mn-lt"/>
-                          <a:ea typeface="+mn-ea"/>
-                          <a:cs typeface="+mn-cs"/>
-                        </a:rPr>
-                        <a:t>behaviour</a:t>
-                      </a:r>
-                      <a:r>
-                        <a:rPr lang="en-US" sz="2000" b="0" i="0" u="none" strike="noStrike" kern="1200" baseline="0" dirty="0" smtClean="0">
-                          <a:solidFill>
-                            <a:schemeClr val="dk1"/>
-                          </a:solidFill>
-                          <a:latin typeface="+mn-lt"/>
-                          <a:ea typeface="+mn-ea"/>
-                          <a:cs typeface="+mn-cs"/>
-                        </a:rPr>
-                        <a:t> is affected</a:t>
-                      </a:r>
-                    </a:p>
-                    <a:p>
-                      <a:pPr marL="285750" indent="-285750">
-                        <a:buFont typeface="Arial" panose="020B0604020202020204" pitchFamily="34" charset="0"/>
-                        <a:buChar char="•"/>
-                      </a:pPr>
-                      <a:r>
-                        <a:rPr lang="en-US" sz="2000" b="0" i="0" u="none" strike="noStrike" kern="1200" baseline="0" dirty="0" smtClean="0">
-                          <a:solidFill>
-                            <a:schemeClr val="dk1"/>
-                          </a:solidFill>
-                          <a:latin typeface="+mn-lt"/>
-                          <a:ea typeface="+mn-ea"/>
-                          <a:cs typeface="+mn-cs"/>
-                        </a:rPr>
-                        <a:t>Windows where there are dependencies between objects in the window</a:t>
-                      </a:r>
-                      <a:endParaRPr lang="en-US" sz="2000" dirty="0"/>
-                    </a:p>
-                  </a:txBody>
-                  <a:tcPr/>
-                </a:tc>
-              </a:tr>
-            </a:tbl>
-          </a:graphicData>
-        </a:graphic>
-      </p:graphicFrame>
+          <a:p>
+            <a:r>
+              <a:rPr lang="fr-FR" sz="2400" dirty="0" smtClean="0">
+                <a:latin typeface="Times New Roman" panose="02020603050405020304" pitchFamily="18" charset="0"/>
+                <a:cs typeface="Times New Roman" panose="02020603050405020304" pitchFamily="18" charset="0"/>
+              </a:rPr>
+              <a:t>6 </a:t>
+            </a:r>
+            <a:r>
+              <a:rPr lang="fr-FR" sz="2400" dirty="0" err="1" smtClean="0">
+                <a:latin typeface="Times New Roman" panose="02020603050405020304" pitchFamily="18" charset="0"/>
+                <a:cs typeface="Times New Roman" panose="02020603050405020304" pitchFamily="18" charset="0"/>
+              </a:rPr>
+              <a:t>đặc</a:t>
+            </a:r>
+            <a:r>
+              <a:rPr lang="fr-FR" sz="2400" dirty="0" smtClean="0">
+                <a:latin typeface="Times New Roman" panose="02020603050405020304" pitchFamily="18" charset="0"/>
+                <a:cs typeface="Times New Roman" panose="02020603050405020304" pitchFamily="18" charset="0"/>
+              </a:rPr>
+              <a:t> </a:t>
+            </a:r>
+            <a:r>
+              <a:rPr lang="fr-FR" sz="2400" dirty="0" err="1" smtClean="0">
+                <a:latin typeface="Times New Roman" panose="02020603050405020304" pitchFamily="18" charset="0"/>
+                <a:cs typeface="Times New Roman" panose="02020603050405020304" pitchFamily="18" charset="0"/>
+              </a:rPr>
+              <a:t>tính</a:t>
+            </a:r>
+            <a:r>
+              <a:rPr lang="fr-FR" sz="2400" dirty="0" smtClean="0">
+                <a:latin typeface="Times New Roman" panose="02020603050405020304" pitchFamily="18" charset="0"/>
+                <a:cs typeface="Times New Roman" panose="02020603050405020304" pitchFamily="18" charset="0"/>
+              </a:rPr>
+              <a:t>:</a:t>
+            </a:r>
+          </a:p>
+          <a:p>
+            <a:pPr marL="342900" indent="-342900">
+              <a:buFont typeface="Arial" panose="020B0604020202020204" pitchFamily="34" charset="0"/>
+              <a:buChar char="•"/>
+            </a:pPr>
+            <a:r>
+              <a:rPr lang="en-US" sz="2400" dirty="0">
+                <a:latin typeface="Times New Roman" panose="02020603050405020304" pitchFamily="18" charset="0"/>
+                <a:cs typeface="Times New Roman" panose="02020603050405020304" pitchFamily="18" charset="0"/>
+              </a:rPr>
+              <a:t>Functionality – </a:t>
+            </a:r>
+            <a:r>
+              <a:rPr lang="en-US" sz="2400" dirty="0" err="1">
+                <a:latin typeface="Times New Roman" panose="02020603050405020304" pitchFamily="18" charset="0"/>
+                <a:cs typeface="Times New Roman" panose="02020603050405020304" pitchFamily="18" charset="0"/>
+              </a:rPr>
+              <a:t>đảm</a:t>
+            </a:r>
+            <a:r>
+              <a:rPr lang="en-US" sz="2400" dirty="0">
+                <a:latin typeface="Times New Roman" panose="02020603050405020304" pitchFamily="18" charset="0"/>
+                <a:cs typeface="Times New Roman" panose="02020603050405020304" pitchFamily="18" charset="0"/>
+              </a:rPr>
+              <a:t> </a:t>
+            </a:r>
+            <a:r>
+              <a:rPr lang="en-US" sz="2400" dirty="0" err="1">
+                <a:latin typeface="Times New Roman" panose="02020603050405020304" pitchFamily="18" charset="0"/>
+                <a:cs typeface="Times New Roman" panose="02020603050405020304" pitchFamily="18" charset="0"/>
+              </a:rPr>
+              <a:t>bảo</a:t>
+            </a:r>
+            <a:r>
+              <a:rPr lang="en-US" sz="2400" dirty="0">
+                <a:latin typeface="Times New Roman" panose="02020603050405020304" pitchFamily="18" charset="0"/>
+                <a:cs typeface="Times New Roman" panose="02020603050405020304" pitchFamily="18" charset="0"/>
+              </a:rPr>
+              <a:t> </a:t>
+            </a:r>
+            <a:r>
+              <a:rPr lang="en-US" sz="2400" dirty="0" err="1">
+                <a:latin typeface="Times New Roman" panose="02020603050405020304" pitchFamily="18" charset="0"/>
+                <a:cs typeface="Times New Roman" panose="02020603050405020304" pitchFamily="18" charset="0"/>
+              </a:rPr>
+              <a:t>yêu</a:t>
+            </a:r>
+            <a:r>
+              <a:rPr lang="en-US" sz="2400" dirty="0">
+                <a:latin typeface="Times New Roman" panose="02020603050405020304" pitchFamily="18" charset="0"/>
+                <a:cs typeface="Times New Roman" panose="02020603050405020304" pitchFamily="18" charset="0"/>
+              </a:rPr>
+              <a:t> </a:t>
+            </a:r>
+            <a:r>
+              <a:rPr lang="en-US" sz="2400" dirty="0" err="1">
+                <a:latin typeface="Times New Roman" panose="02020603050405020304" pitchFamily="18" charset="0"/>
+                <a:cs typeface="Times New Roman" panose="02020603050405020304" pitchFamily="18" charset="0"/>
+              </a:rPr>
+              <a:t>cầu</a:t>
+            </a:r>
+            <a:endParaRPr lang="en-US" sz="2400" dirty="0">
+              <a:latin typeface="Times New Roman" panose="02020603050405020304" pitchFamily="18" charset="0"/>
+              <a:cs typeface="Times New Roman" panose="02020603050405020304" pitchFamily="18" charset="0"/>
+            </a:endParaRPr>
+          </a:p>
+          <a:p>
+            <a:pPr marL="342900" indent="-342900">
+              <a:buFont typeface="Arial" panose="020B0604020202020204" pitchFamily="34" charset="0"/>
+              <a:buChar char="•"/>
+            </a:pPr>
+            <a:r>
+              <a:rPr lang="en-US" sz="2400" dirty="0" smtClean="0">
+                <a:latin typeface="Times New Roman" panose="02020603050405020304" pitchFamily="18" charset="0"/>
+                <a:cs typeface="Times New Roman" panose="02020603050405020304" pitchFamily="18" charset="0"/>
+              </a:rPr>
+              <a:t>Reliability </a:t>
+            </a:r>
+            <a:r>
+              <a:rPr lang="en-US" sz="2400" dirty="0">
+                <a:latin typeface="Times New Roman" panose="02020603050405020304" pitchFamily="18" charset="0"/>
+                <a:cs typeface="Times New Roman" panose="02020603050405020304" pitchFamily="18" charset="0"/>
+              </a:rPr>
+              <a:t>– </a:t>
+            </a:r>
+            <a:r>
+              <a:rPr lang="en-US" sz="2400" dirty="0" err="1">
+                <a:latin typeface="Times New Roman" panose="02020603050405020304" pitchFamily="18" charset="0"/>
+                <a:cs typeface="Times New Roman" panose="02020603050405020304" pitchFamily="18" charset="0"/>
+              </a:rPr>
+              <a:t>độ</a:t>
+            </a:r>
+            <a:r>
+              <a:rPr lang="en-US" sz="2400" dirty="0">
+                <a:latin typeface="Times New Roman" panose="02020603050405020304" pitchFamily="18" charset="0"/>
+                <a:cs typeface="Times New Roman" panose="02020603050405020304" pitchFamily="18" charset="0"/>
+              </a:rPr>
+              <a:t> </a:t>
+            </a:r>
+            <a:r>
+              <a:rPr lang="en-US" sz="2400" dirty="0" smtClean="0">
+                <a:latin typeface="Times New Roman" panose="02020603050405020304" pitchFamily="18" charset="0"/>
+                <a:cs typeface="Times New Roman" panose="02020603050405020304" pitchFamily="18" charset="0"/>
+              </a:rPr>
+              <a:t>tin </a:t>
+            </a:r>
+            <a:r>
+              <a:rPr lang="en-US" sz="2400" dirty="0" err="1" smtClean="0">
+                <a:latin typeface="Times New Roman" panose="02020603050405020304" pitchFamily="18" charset="0"/>
+                <a:cs typeface="Times New Roman" panose="02020603050405020304" pitchFamily="18" charset="0"/>
+              </a:rPr>
+              <a:t>cậy</a:t>
+            </a:r>
+            <a:endParaRPr lang="en-US" sz="2400" dirty="0">
+              <a:latin typeface="Times New Roman" panose="02020603050405020304" pitchFamily="18" charset="0"/>
+              <a:cs typeface="Times New Roman" panose="02020603050405020304" pitchFamily="18" charset="0"/>
+            </a:endParaRPr>
+          </a:p>
+          <a:p>
+            <a:pPr marL="342900" indent="-342900">
+              <a:buFont typeface="Arial" panose="020B0604020202020204" pitchFamily="34" charset="0"/>
+              <a:buChar char="•"/>
+            </a:pPr>
+            <a:r>
+              <a:rPr lang="en-US" sz="2400" dirty="0" smtClean="0">
+                <a:latin typeface="Times New Roman" panose="02020603050405020304" pitchFamily="18" charset="0"/>
+                <a:cs typeface="Times New Roman" panose="02020603050405020304" pitchFamily="18" charset="0"/>
+              </a:rPr>
+              <a:t>Usability </a:t>
+            </a:r>
+            <a:r>
+              <a:rPr lang="en-US" sz="2400" dirty="0">
+                <a:latin typeface="Times New Roman" panose="02020603050405020304" pitchFamily="18" charset="0"/>
+                <a:cs typeface="Times New Roman" panose="02020603050405020304" pitchFamily="18" charset="0"/>
+              </a:rPr>
+              <a:t>– </a:t>
+            </a:r>
+            <a:r>
+              <a:rPr lang="en-US" sz="2400" dirty="0" err="1">
+                <a:latin typeface="Times New Roman" panose="02020603050405020304" pitchFamily="18" charset="0"/>
+                <a:cs typeface="Times New Roman" panose="02020603050405020304" pitchFamily="18" charset="0"/>
+              </a:rPr>
+              <a:t>độ</a:t>
+            </a:r>
+            <a:r>
+              <a:rPr lang="en-US" sz="2400" dirty="0">
+                <a:latin typeface="Times New Roman" panose="02020603050405020304" pitchFamily="18" charset="0"/>
+                <a:cs typeface="Times New Roman" panose="02020603050405020304" pitchFamily="18" charset="0"/>
+              </a:rPr>
+              <a:t> </a:t>
+            </a:r>
+            <a:r>
+              <a:rPr lang="en-US" sz="2400" dirty="0" err="1">
+                <a:latin typeface="Times New Roman" panose="02020603050405020304" pitchFamily="18" charset="0"/>
+                <a:cs typeface="Times New Roman" panose="02020603050405020304" pitchFamily="18" charset="0"/>
+              </a:rPr>
+              <a:t>tiện</a:t>
+            </a:r>
+            <a:r>
+              <a:rPr lang="en-US" sz="2400" dirty="0">
+                <a:latin typeface="Times New Roman" panose="02020603050405020304" pitchFamily="18" charset="0"/>
+                <a:cs typeface="Times New Roman" panose="02020603050405020304" pitchFamily="18" charset="0"/>
+              </a:rPr>
+              <a:t> </a:t>
+            </a:r>
+            <a:r>
+              <a:rPr lang="en-US" sz="2400" dirty="0" err="1">
+                <a:latin typeface="Times New Roman" panose="02020603050405020304" pitchFamily="18" charset="0"/>
+                <a:cs typeface="Times New Roman" panose="02020603050405020304" pitchFamily="18" charset="0"/>
+              </a:rPr>
+              <a:t>dụng</a:t>
+            </a:r>
+            <a:endParaRPr lang="en-US" sz="2400" dirty="0">
+              <a:latin typeface="Times New Roman" panose="02020603050405020304" pitchFamily="18" charset="0"/>
+              <a:cs typeface="Times New Roman" panose="02020603050405020304" pitchFamily="18" charset="0"/>
+            </a:endParaRPr>
+          </a:p>
+          <a:p>
+            <a:pPr marL="342900" indent="-342900">
+              <a:buFont typeface="Arial" panose="020B0604020202020204" pitchFamily="34" charset="0"/>
+              <a:buChar char="•"/>
+            </a:pPr>
+            <a:r>
+              <a:rPr lang="en-US" sz="2400" dirty="0" smtClean="0">
+                <a:latin typeface="Times New Roman" panose="02020603050405020304" pitchFamily="18" charset="0"/>
+                <a:cs typeface="Times New Roman" panose="02020603050405020304" pitchFamily="18" charset="0"/>
+              </a:rPr>
+              <a:t>Efficiency </a:t>
+            </a:r>
+            <a:r>
+              <a:rPr lang="en-US" sz="2400" dirty="0">
+                <a:latin typeface="Times New Roman" panose="02020603050405020304" pitchFamily="18" charset="0"/>
+                <a:cs typeface="Times New Roman" panose="02020603050405020304" pitchFamily="18" charset="0"/>
+              </a:rPr>
+              <a:t>– </a:t>
+            </a:r>
+            <a:r>
+              <a:rPr lang="en-US" sz="2400" dirty="0" err="1">
+                <a:latin typeface="Times New Roman" panose="02020603050405020304" pitchFamily="18" charset="0"/>
+                <a:cs typeface="Times New Roman" panose="02020603050405020304" pitchFamily="18" charset="0"/>
+              </a:rPr>
+              <a:t>độ</a:t>
+            </a:r>
+            <a:r>
+              <a:rPr lang="en-US" sz="2400" dirty="0">
+                <a:latin typeface="Times New Roman" panose="02020603050405020304" pitchFamily="18" charset="0"/>
+                <a:cs typeface="Times New Roman" panose="02020603050405020304" pitchFamily="18" charset="0"/>
+              </a:rPr>
+              <a:t> </a:t>
+            </a:r>
+            <a:r>
+              <a:rPr lang="en-US" sz="2400" dirty="0" err="1">
+                <a:latin typeface="Times New Roman" panose="02020603050405020304" pitchFamily="18" charset="0"/>
+                <a:cs typeface="Times New Roman" panose="02020603050405020304" pitchFamily="18" charset="0"/>
+              </a:rPr>
+              <a:t>hiệu</a:t>
+            </a:r>
+            <a:r>
+              <a:rPr lang="en-US" sz="2400" dirty="0">
+                <a:latin typeface="Times New Roman" panose="02020603050405020304" pitchFamily="18" charset="0"/>
+                <a:cs typeface="Times New Roman" panose="02020603050405020304" pitchFamily="18" charset="0"/>
+              </a:rPr>
+              <a:t> </a:t>
+            </a:r>
+            <a:r>
+              <a:rPr lang="en-US" sz="2400" dirty="0" err="1">
+                <a:latin typeface="Times New Roman" panose="02020603050405020304" pitchFamily="18" charset="0"/>
+                <a:cs typeface="Times New Roman" panose="02020603050405020304" pitchFamily="18" charset="0"/>
+              </a:rPr>
+              <a:t>quả</a:t>
+            </a:r>
+            <a:endParaRPr lang="en-US" sz="2400" dirty="0">
+              <a:latin typeface="Times New Roman" panose="02020603050405020304" pitchFamily="18" charset="0"/>
+              <a:cs typeface="Times New Roman" panose="02020603050405020304" pitchFamily="18" charset="0"/>
+            </a:endParaRPr>
+          </a:p>
+          <a:p>
+            <a:pPr marL="342900" indent="-342900">
+              <a:buFont typeface="Arial" panose="020B0604020202020204" pitchFamily="34" charset="0"/>
+              <a:buChar char="•"/>
+            </a:pPr>
+            <a:r>
+              <a:rPr lang="en-US" sz="2400" dirty="0" smtClean="0">
+                <a:latin typeface="Times New Roman" panose="02020603050405020304" pitchFamily="18" charset="0"/>
+                <a:cs typeface="Times New Roman" panose="02020603050405020304" pitchFamily="18" charset="0"/>
+              </a:rPr>
+              <a:t>Maintainability </a:t>
+            </a:r>
+            <a:r>
+              <a:rPr lang="en-US" sz="2400" dirty="0">
+                <a:latin typeface="Times New Roman" panose="02020603050405020304" pitchFamily="18" charset="0"/>
+                <a:cs typeface="Times New Roman" panose="02020603050405020304" pitchFamily="18" charset="0"/>
+              </a:rPr>
+              <a:t>– </a:t>
+            </a:r>
+            <a:r>
+              <a:rPr lang="en-US" sz="2400" dirty="0" err="1">
+                <a:latin typeface="Times New Roman" panose="02020603050405020304" pitchFamily="18" charset="0"/>
+                <a:cs typeface="Times New Roman" panose="02020603050405020304" pitchFamily="18" charset="0"/>
+              </a:rPr>
+              <a:t>khả</a:t>
+            </a:r>
+            <a:r>
+              <a:rPr lang="en-US" sz="2400" dirty="0">
+                <a:latin typeface="Times New Roman" panose="02020603050405020304" pitchFamily="18" charset="0"/>
+                <a:cs typeface="Times New Roman" panose="02020603050405020304" pitchFamily="18" charset="0"/>
+              </a:rPr>
+              <a:t> </a:t>
+            </a:r>
+            <a:r>
+              <a:rPr lang="en-US" sz="2400" dirty="0" err="1">
+                <a:latin typeface="Times New Roman" panose="02020603050405020304" pitchFamily="18" charset="0"/>
+                <a:cs typeface="Times New Roman" panose="02020603050405020304" pitchFamily="18" charset="0"/>
+              </a:rPr>
+              <a:t>năng</a:t>
+            </a:r>
+            <a:r>
+              <a:rPr lang="en-US" sz="2400" dirty="0">
+                <a:latin typeface="Times New Roman" panose="02020603050405020304" pitchFamily="18" charset="0"/>
+                <a:cs typeface="Times New Roman" panose="02020603050405020304" pitchFamily="18" charset="0"/>
+              </a:rPr>
+              <a:t> </a:t>
+            </a:r>
+            <a:r>
+              <a:rPr lang="en-US" sz="2400" dirty="0" err="1">
+                <a:latin typeface="Times New Roman" panose="02020603050405020304" pitchFamily="18" charset="0"/>
+                <a:cs typeface="Times New Roman" panose="02020603050405020304" pitchFamily="18" charset="0"/>
+              </a:rPr>
+              <a:t>bảo</a:t>
+            </a:r>
+            <a:r>
+              <a:rPr lang="en-US" sz="2400" dirty="0">
+                <a:latin typeface="Times New Roman" panose="02020603050405020304" pitchFamily="18" charset="0"/>
+                <a:cs typeface="Times New Roman" panose="02020603050405020304" pitchFamily="18" charset="0"/>
+              </a:rPr>
+              <a:t> </a:t>
+            </a:r>
+            <a:r>
+              <a:rPr lang="en-US" sz="2400" dirty="0" err="1" smtClean="0">
+                <a:latin typeface="Times New Roman" panose="02020603050405020304" pitchFamily="18" charset="0"/>
+                <a:cs typeface="Times New Roman" panose="02020603050405020304" pitchFamily="18" charset="0"/>
+              </a:rPr>
+              <a:t>trì</a:t>
+            </a:r>
+            <a:endParaRPr lang="en-US" sz="2400" dirty="0">
+              <a:latin typeface="Times New Roman" panose="02020603050405020304" pitchFamily="18" charset="0"/>
+              <a:cs typeface="Times New Roman" panose="02020603050405020304" pitchFamily="18" charset="0"/>
+            </a:endParaRPr>
+          </a:p>
+          <a:p>
+            <a:pPr marL="342900" indent="-342900">
+              <a:buFont typeface="Arial" panose="020B0604020202020204" pitchFamily="34" charset="0"/>
+              <a:buChar char="•"/>
+            </a:pPr>
+            <a:r>
+              <a:rPr lang="vi-VN" sz="2400" dirty="0" err="1" smtClean="0">
+                <a:latin typeface="Times New Roman" panose="02020603050405020304" pitchFamily="18" charset="0"/>
+                <a:cs typeface="Times New Roman" panose="02020603050405020304" pitchFamily="18" charset="0"/>
+              </a:rPr>
+              <a:t>Portability</a:t>
+            </a:r>
+            <a:r>
+              <a:rPr lang="vi-VN" sz="2400" dirty="0" smtClean="0">
+                <a:latin typeface="Times New Roman" panose="02020603050405020304" pitchFamily="18" charset="0"/>
+                <a:cs typeface="Times New Roman" panose="02020603050405020304" pitchFamily="18" charset="0"/>
+              </a:rPr>
+              <a:t> </a:t>
+            </a:r>
+            <a:r>
+              <a:rPr lang="vi-VN" sz="2400" dirty="0">
+                <a:latin typeface="Times New Roman" panose="02020603050405020304" pitchFamily="18" charset="0"/>
+                <a:cs typeface="Times New Roman" panose="02020603050405020304" pitchFamily="18" charset="0"/>
+              </a:rPr>
+              <a:t>– </a:t>
+            </a:r>
+            <a:r>
+              <a:rPr lang="vi-VN" sz="2400" dirty="0" err="1">
+                <a:latin typeface="Times New Roman" panose="02020603050405020304" pitchFamily="18" charset="0"/>
+                <a:cs typeface="Times New Roman" panose="02020603050405020304" pitchFamily="18" charset="0"/>
+              </a:rPr>
+              <a:t>khả</a:t>
+            </a:r>
+            <a:r>
+              <a:rPr lang="vi-VN" sz="2400" dirty="0">
+                <a:latin typeface="Times New Roman" panose="02020603050405020304" pitchFamily="18" charset="0"/>
+                <a:cs typeface="Times New Roman" panose="02020603050405020304" pitchFamily="18" charset="0"/>
+              </a:rPr>
+              <a:t> năng tương </a:t>
+            </a:r>
+            <a:r>
+              <a:rPr lang="vi-VN" sz="2400" dirty="0" err="1">
+                <a:latin typeface="Times New Roman" panose="02020603050405020304" pitchFamily="18" charset="0"/>
+                <a:cs typeface="Times New Roman" panose="02020603050405020304" pitchFamily="18" charset="0"/>
+              </a:rPr>
+              <a:t>thích</a:t>
+            </a:r>
+            <a:endParaRPr lang="fr-FR" sz="2400" dirty="0" smtClean="0">
+              <a:latin typeface="Times New Roman" panose="02020603050405020304" pitchFamily="18" charset="0"/>
+              <a:cs typeface="Times New Roman" panose="02020603050405020304" pitchFamily="18" charset="0"/>
+            </a:endParaRPr>
+          </a:p>
+        </p:txBody>
+      </p:sp>
     </p:spTree>
     <p:extLst>
       <p:ext uri="{BB962C8B-B14F-4D97-AF65-F5344CB8AC3E}">
-        <p14:creationId xmlns:p14="http://schemas.microsoft.com/office/powerpoint/2010/main" val="1463830152"/>
+        <p14:creationId xmlns:p14="http://schemas.microsoft.com/office/powerpoint/2010/main" val="2795365637"/>
       </p:ext>
     </p:extLst>
   </p:cSld>
@@ -8174,14 +7865,14 @@
                 <a:latin typeface="Times New Roman" panose="02020603050405020304" pitchFamily="18" charset="0"/>
                 <a:cs typeface="Times New Roman" panose="02020603050405020304" pitchFamily="18" charset="0"/>
               </a:rPr>
-              <a:t>Test </a:t>
+              <a:t>Usability testing </a:t>
             </a:r>
             <a:r>
               <a:rPr lang="en-US" dirty="0" err="1" smtClean="0">
                 <a:latin typeface="Times New Roman" panose="02020603050405020304" pitchFamily="18" charset="0"/>
                 <a:cs typeface="Times New Roman" panose="02020603050405020304" pitchFamily="18" charset="0"/>
               </a:rPr>
-              <a:t>gui</a:t>
+              <a:t>là</a:t>
             </a:r>
             <a:r>
               <a:rPr lang="en-US" dirty="0" smtClean="0">
@@ -8195,35 +7886,7 @@
                 <a:latin typeface="Times New Roman" panose="02020603050405020304" pitchFamily="18" charset="0"/>
                 <a:cs typeface="Times New Roman" panose="02020603050405020304" pitchFamily="18" charset="0"/>
               </a:rPr>
-              <a:t>như</a:t>
-            </a:r>
-            <a:r>
-              <a:rPr lang="en-US" dirty="0" smtClean="0">
-                <a:latin typeface="Times New Roman" panose="02020603050405020304" pitchFamily="18" charset="0"/>
-                <a:cs typeface="Times New Roman" panose="02020603050405020304" pitchFamily="18" charset="0"/>
-              </a:rPr>
-              <a:t> </a:t>
-            </a:r>
-            <a:r>
-              <a:rPr lang="en-US" dirty="0" err="1" smtClean="0">
-                <a:latin typeface="Times New Roman" panose="02020603050405020304" pitchFamily="18" charset="0"/>
-                <a:cs typeface="Times New Roman" panose="02020603050405020304" pitchFamily="18" charset="0"/>
-              </a:rPr>
-              <a:t>thế</a:t>
-            </a:r>
-            <a:r>
-              <a:rPr lang="en-US" dirty="0" smtClean="0">
-                <a:latin typeface="Times New Roman" panose="02020603050405020304" pitchFamily="18" charset="0"/>
-                <a:cs typeface="Times New Roman" panose="02020603050405020304" pitchFamily="18" charset="0"/>
-              </a:rPr>
-              <a:t> </a:t>
-            </a:r>
-            <a:r>
-              <a:rPr lang="en-US" dirty="0" err="1" smtClean="0">
-                <a:latin typeface="Times New Roman" panose="02020603050405020304" pitchFamily="18" charset="0"/>
-                <a:cs typeface="Times New Roman" panose="02020603050405020304" pitchFamily="18" charset="0"/>
-              </a:rPr>
-              <a:t>nào</a:t>
+              <a:t>gì</a:t>
             </a:r>
             <a:r>
               <a:rPr lang="en-US" dirty="0" smtClean="0">
@@ -8241,14 +7904,14 @@
       </p:sp>
       <p:sp>
         <p:nvSpPr>
-          <p:cNvPr id="5" name="Hộp Văn bản 4"/>
+          <p:cNvPr id="4" name="Hộp Văn bản 3"/>
           <p:cNvSpPr txBox="1"/>
           <p:nvPr/>
         </p:nvSpPr>
         <p:spPr>
           <a:xfrm>
-            <a:off x="631065" y="1867437"/>
-            <a:ext cx="10959921" cy="523220"/>
+            <a:off x="721217" y="2575775"/>
+            <a:ext cx="10779617" cy="1938992"/>
           </a:xfrm>
           <a:prstGeom prst="rect">
             <a:avLst/>
@@ -8262,49 +7925,366 @@
           <a:lstStyle/>
           <a:p>
             <a:r>
-              <a:rPr lang="en-US" sz="2800" dirty="0">
-                <a:latin typeface="Times New Roman" panose="02020603050405020304" pitchFamily="18" charset="0"/>
-                <a:cs typeface="Times New Roman" panose="02020603050405020304" pitchFamily="18" charset="0"/>
-              </a:rPr>
-              <a:t>Desktop </a:t>
-            </a:r>
-            <a:r>
-              <a:rPr lang="en-US" sz="2800" dirty="0" smtClean="0">
-                <a:latin typeface="Times New Roman" panose="02020603050405020304" pitchFamily="18" charset="0"/>
-                <a:cs typeface="Times New Roman" panose="02020603050405020304" pitchFamily="18" charset="0"/>
-              </a:rPr>
-              <a:t>integration testing</a:t>
-            </a:r>
-            <a:endParaRPr lang="en-US" sz="2800" dirty="0">
+              <a:rPr lang="fr-FR" sz="2400" dirty="0" err="1" smtClean="0">
+                <a:latin typeface="Times New Roman" panose="02020603050405020304" pitchFamily="18" charset="0"/>
+                <a:cs typeface="Times New Roman" panose="02020603050405020304" pitchFamily="18" charset="0"/>
+              </a:rPr>
+              <a:t>Đánh</a:t>
+            </a:r>
+            <a:r>
+              <a:rPr lang="fr-FR" sz="2400" dirty="0" smtClean="0">
+                <a:latin typeface="Times New Roman" panose="02020603050405020304" pitchFamily="18" charset="0"/>
+                <a:cs typeface="Times New Roman" panose="02020603050405020304" pitchFamily="18" charset="0"/>
+              </a:rPr>
+              <a:t> </a:t>
+            </a:r>
+            <a:r>
+              <a:rPr lang="fr-FR" sz="2400" dirty="0" err="1" smtClean="0">
+                <a:latin typeface="Times New Roman" panose="02020603050405020304" pitchFamily="18" charset="0"/>
+                <a:cs typeface="Times New Roman" panose="02020603050405020304" pitchFamily="18" charset="0"/>
+              </a:rPr>
+              <a:t>giá</a:t>
+            </a:r>
+            <a:r>
+              <a:rPr lang="fr-FR" sz="2400" dirty="0" smtClean="0">
+                <a:latin typeface="Times New Roman" panose="02020603050405020304" pitchFamily="18" charset="0"/>
+                <a:cs typeface="Times New Roman" panose="02020603050405020304" pitchFamily="18" charset="0"/>
+              </a:rPr>
+              <a:t> </a:t>
+            </a:r>
+            <a:r>
+              <a:rPr lang="fr-FR" sz="2400" dirty="0" err="1" smtClean="0">
+                <a:latin typeface="Times New Roman" panose="02020603050405020304" pitchFamily="18" charset="0"/>
+                <a:cs typeface="Times New Roman" panose="02020603050405020304" pitchFamily="18" charset="0"/>
+              </a:rPr>
+              <a:t>mức</a:t>
+            </a:r>
+            <a:r>
+              <a:rPr lang="fr-FR" sz="2400" dirty="0" smtClean="0">
+                <a:latin typeface="Times New Roman" panose="02020603050405020304" pitchFamily="18" charset="0"/>
+                <a:cs typeface="Times New Roman" panose="02020603050405020304" pitchFamily="18" charset="0"/>
+              </a:rPr>
+              <a:t> </a:t>
+            </a:r>
+            <a:r>
+              <a:rPr lang="fr-FR" sz="2400" dirty="0" err="1" smtClean="0">
+                <a:latin typeface="Times New Roman" panose="02020603050405020304" pitchFamily="18" charset="0"/>
+                <a:cs typeface="Times New Roman" panose="02020603050405020304" pitchFamily="18" charset="0"/>
+              </a:rPr>
+              <a:t>độ</a:t>
+            </a:r>
+            <a:r>
+              <a:rPr lang="fr-FR" sz="2400" dirty="0" smtClean="0">
+                <a:latin typeface="Times New Roman" panose="02020603050405020304" pitchFamily="18" charset="0"/>
+                <a:cs typeface="Times New Roman" panose="02020603050405020304" pitchFamily="18" charset="0"/>
+              </a:rPr>
+              <a:t> </a:t>
+            </a:r>
+            <a:r>
+              <a:rPr lang="fr-FR" sz="2400" dirty="0" err="1" smtClean="0">
+                <a:latin typeface="Times New Roman" panose="02020603050405020304" pitchFamily="18" charset="0"/>
+                <a:cs typeface="Times New Roman" panose="02020603050405020304" pitchFamily="18" charset="0"/>
+              </a:rPr>
+              <a:t>tiện</a:t>
+            </a:r>
+            <a:r>
+              <a:rPr lang="fr-FR" sz="2400" dirty="0" smtClean="0">
+                <a:latin typeface="Times New Roman" panose="02020603050405020304" pitchFamily="18" charset="0"/>
+                <a:cs typeface="Times New Roman" panose="02020603050405020304" pitchFamily="18" charset="0"/>
+              </a:rPr>
+              <a:t> </a:t>
+            </a:r>
+            <a:r>
+              <a:rPr lang="fr-FR" sz="2400" dirty="0" err="1" smtClean="0">
+                <a:latin typeface="Times New Roman" panose="02020603050405020304" pitchFamily="18" charset="0"/>
+                <a:cs typeface="Times New Roman" panose="02020603050405020304" pitchFamily="18" charset="0"/>
+              </a:rPr>
+              <a:t>dụng</a:t>
+            </a:r>
+            <a:r>
+              <a:rPr lang="fr-FR" sz="2400" dirty="0" smtClean="0">
+                <a:latin typeface="Times New Roman" panose="02020603050405020304" pitchFamily="18" charset="0"/>
+                <a:cs typeface="Times New Roman" panose="02020603050405020304" pitchFamily="18" charset="0"/>
+              </a:rPr>
+              <a:t> qua </a:t>
+            </a:r>
+            <a:r>
+              <a:rPr lang="fr-FR" sz="2400" dirty="0" err="1" smtClean="0">
+                <a:latin typeface="Times New Roman" panose="02020603050405020304" pitchFamily="18" charset="0"/>
+                <a:cs typeface="Times New Roman" panose="02020603050405020304" pitchFamily="18" charset="0"/>
+              </a:rPr>
+              <a:t>các</a:t>
+            </a:r>
+            <a:r>
+              <a:rPr lang="fr-FR" sz="2400" dirty="0" smtClean="0">
+                <a:latin typeface="Times New Roman" panose="02020603050405020304" pitchFamily="18" charset="0"/>
+                <a:cs typeface="Times New Roman" panose="02020603050405020304" pitchFamily="18" charset="0"/>
+              </a:rPr>
+              <a:t> </a:t>
+            </a:r>
+            <a:r>
+              <a:rPr lang="fr-FR" sz="2400" dirty="0" err="1" smtClean="0">
+                <a:latin typeface="Times New Roman" panose="02020603050405020304" pitchFamily="18" charset="0"/>
+                <a:cs typeface="Times New Roman" panose="02020603050405020304" pitchFamily="18" charset="0"/>
+              </a:rPr>
+              <a:t>tiêu</a:t>
+            </a:r>
+            <a:r>
+              <a:rPr lang="fr-FR" sz="2400" dirty="0" smtClean="0">
+                <a:latin typeface="Times New Roman" panose="02020603050405020304" pitchFamily="18" charset="0"/>
+                <a:cs typeface="Times New Roman" panose="02020603050405020304" pitchFamily="18" charset="0"/>
+              </a:rPr>
+              <a:t> </a:t>
+            </a:r>
+            <a:r>
+              <a:rPr lang="fr-FR" sz="2400" dirty="0" err="1" smtClean="0">
+                <a:latin typeface="Times New Roman" panose="02020603050405020304" pitchFamily="18" charset="0"/>
+                <a:cs typeface="Times New Roman" panose="02020603050405020304" pitchFamily="18" charset="0"/>
+              </a:rPr>
+              <a:t>chí</a:t>
+            </a:r>
+            <a:r>
+              <a:rPr lang="fr-FR" sz="2400" dirty="0" smtClean="0">
+                <a:latin typeface="Times New Roman" panose="02020603050405020304" pitchFamily="18" charset="0"/>
+                <a:cs typeface="Times New Roman" panose="02020603050405020304" pitchFamily="18" charset="0"/>
+              </a:rPr>
+              <a:t>:</a:t>
+            </a:r>
+          </a:p>
+          <a:p>
+            <a:endParaRPr lang="fr-FR" sz="2400" dirty="0" smtClean="0">
               <a:latin typeface="Times New Roman" panose="02020603050405020304" pitchFamily="18" charset="0"/>
               <a:cs typeface="Times New Roman" panose="02020603050405020304" pitchFamily="18" charset="0"/>
             </a:endParaRPr>
           </a:p>
-        </p:txBody>
-      </p:sp>
-      <p:sp>
-        <p:nvSpPr>
-          <p:cNvPr id="4" name="Hộp Văn bản 3"/>
-          <p:cNvSpPr txBox="1"/>
-          <p:nvPr/>
-        </p:nvSpPr>
-        <p:spPr>
-          <a:xfrm>
-            <a:off x="721217" y="2575775"/>
-            <a:ext cx="10779617" cy="400110"/>
-          </a:xfrm>
-          <a:prstGeom prst="rect">
-            <a:avLst/>
-          </a:prstGeom>
-          <a:noFill/>
-        </p:spPr>
-        <p:txBody>
-          <a:bodyPr wrap="square" rtlCol="0">
-            <a:spAutoFit/>
-          </a:bodyPr>
-          <a:lstStyle/>
-          <a:p>
-            <a:endParaRPr lang="fr-FR" sz="2000" dirty="0" smtClean="0">
+          <a:p>
+            <a:pPr marL="342900" indent="-342900">
+              <a:buFont typeface="Arial" panose="020B0604020202020204" pitchFamily="34" charset="0"/>
+              <a:buChar char="•"/>
+            </a:pPr>
+            <a:r>
+              <a:rPr lang="en-US" sz="2400" dirty="0" err="1" smtClean="0">
+                <a:latin typeface="Times New Roman" panose="02020603050405020304" pitchFamily="18" charset="0"/>
+                <a:cs typeface="Times New Roman" panose="02020603050405020304" pitchFamily="18" charset="0"/>
+              </a:rPr>
+              <a:t>Khả</a:t>
+            </a:r>
+            <a:r>
+              <a:rPr lang="en-US" sz="2400" dirty="0" smtClean="0">
+                <a:latin typeface="Times New Roman" panose="02020603050405020304" pitchFamily="18" charset="0"/>
+                <a:cs typeface="Times New Roman" panose="02020603050405020304" pitchFamily="18" charset="0"/>
+              </a:rPr>
+              <a:t> </a:t>
+            </a:r>
+            <a:r>
+              <a:rPr lang="en-US" sz="2400" dirty="0" err="1" smtClean="0">
+                <a:latin typeface="Times New Roman" panose="02020603050405020304" pitchFamily="18" charset="0"/>
+                <a:cs typeface="Times New Roman" panose="02020603050405020304" pitchFamily="18" charset="0"/>
+              </a:rPr>
+              <a:t>năng</a:t>
+            </a:r>
+            <a:r>
+              <a:rPr lang="en-US" sz="2400" dirty="0" smtClean="0">
+                <a:latin typeface="Times New Roman" panose="02020603050405020304" pitchFamily="18" charset="0"/>
+                <a:cs typeface="Times New Roman" panose="02020603050405020304" pitchFamily="18" charset="0"/>
+              </a:rPr>
+              <a:t> </a:t>
+            </a:r>
+            <a:r>
+              <a:rPr lang="en-US" sz="2400" dirty="0" err="1" smtClean="0">
+                <a:latin typeface="Times New Roman" panose="02020603050405020304" pitchFamily="18" charset="0"/>
+                <a:cs typeface="Times New Roman" panose="02020603050405020304" pitchFamily="18" charset="0"/>
+              </a:rPr>
+              <a:t>hiểu</a:t>
+            </a:r>
+            <a:r>
+              <a:rPr lang="en-US" sz="2400" dirty="0">
+                <a:latin typeface="Times New Roman" panose="02020603050405020304" pitchFamily="18" charset="0"/>
+                <a:cs typeface="Times New Roman" panose="02020603050405020304" pitchFamily="18" charset="0"/>
+              </a:rPr>
+              <a:t> </a:t>
+            </a:r>
+            <a:r>
+              <a:rPr lang="en-US" sz="2400" dirty="0" err="1" smtClean="0">
+                <a:latin typeface="Times New Roman" panose="02020603050405020304" pitchFamily="18" charset="0"/>
+                <a:cs typeface="Times New Roman" panose="02020603050405020304" pitchFamily="18" charset="0"/>
+              </a:rPr>
+              <a:t>được</a:t>
+            </a:r>
+            <a:r>
+              <a:rPr lang="en-US" sz="2400" dirty="0" smtClean="0">
+                <a:latin typeface="Times New Roman" panose="02020603050405020304" pitchFamily="18" charset="0"/>
+                <a:cs typeface="Times New Roman" panose="02020603050405020304" pitchFamily="18" charset="0"/>
+              </a:rPr>
+              <a:t> – understandability</a:t>
+            </a:r>
+          </a:p>
+          <a:p>
+            <a:pPr marL="342900" indent="-342900">
+              <a:buFont typeface="Arial" panose="020B0604020202020204" pitchFamily="34" charset="0"/>
+              <a:buChar char="•"/>
+            </a:pPr>
+            <a:r>
+              <a:rPr lang="en-US" sz="2400" dirty="0" err="1" smtClean="0">
+                <a:latin typeface="Times New Roman" panose="02020603050405020304" pitchFamily="18" charset="0"/>
+                <a:cs typeface="Times New Roman" panose="02020603050405020304" pitchFamily="18" charset="0"/>
+              </a:rPr>
+              <a:t>Khả</a:t>
+            </a:r>
+            <a:r>
+              <a:rPr lang="en-US" sz="2400" dirty="0" smtClean="0">
+                <a:latin typeface="Times New Roman" panose="02020603050405020304" pitchFamily="18" charset="0"/>
+                <a:cs typeface="Times New Roman" panose="02020603050405020304" pitchFamily="18" charset="0"/>
+              </a:rPr>
+              <a:t> </a:t>
+            </a:r>
+            <a:r>
+              <a:rPr lang="en-US" sz="2400" dirty="0" err="1" smtClean="0">
+                <a:latin typeface="Times New Roman" panose="02020603050405020304" pitchFamily="18" charset="0"/>
+                <a:cs typeface="Times New Roman" panose="02020603050405020304" pitchFamily="18" charset="0"/>
+              </a:rPr>
+              <a:t>năng</a:t>
+            </a:r>
+            <a:r>
+              <a:rPr lang="en-US" sz="2400" dirty="0" smtClean="0">
+                <a:latin typeface="Times New Roman" panose="02020603050405020304" pitchFamily="18" charset="0"/>
+                <a:cs typeface="Times New Roman" panose="02020603050405020304" pitchFamily="18" charset="0"/>
+              </a:rPr>
+              <a:t> </a:t>
+            </a:r>
+            <a:r>
+              <a:rPr lang="en-US" sz="2400" dirty="0" err="1" smtClean="0">
+                <a:latin typeface="Times New Roman" panose="02020603050405020304" pitchFamily="18" charset="0"/>
+                <a:cs typeface="Times New Roman" panose="02020603050405020304" pitchFamily="18" charset="0"/>
+              </a:rPr>
+              <a:t>học</a:t>
+            </a:r>
+            <a:r>
+              <a:rPr lang="en-US" sz="2400" dirty="0" smtClean="0">
+                <a:latin typeface="Times New Roman" panose="02020603050405020304" pitchFamily="18" charset="0"/>
+                <a:cs typeface="Times New Roman" panose="02020603050405020304" pitchFamily="18" charset="0"/>
+              </a:rPr>
+              <a:t> </a:t>
+            </a:r>
+            <a:r>
+              <a:rPr lang="en-US" sz="2400" dirty="0" err="1" smtClean="0">
+                <a:latin typeface="Times New Roman" panose="02020603050405020304" pitchFamily="18" charset="0"/>
+                <a:cs typeface="Times New Roman" panose="02020603050405020304" pitchFamily="18" charset="0"/>
+              </a:rPr>
+              <a:t>cách</a:t>
+            </a:r>
+            <a:r>
+              <a:rPr lang="en-US" sz="2400" dirty="0" smtClean="0">
+                <a:latin typeface="Times New Roman" panose="02020603050405020304" pitchFamily="18" charset="0"/>
+                <a:cs typeface="Times New Roman" panose="02020603050405020304" pitchFamily="18" charset="0"/>
+              </a:rPr>
+              <a:t> </a:t>
+            </a:r>
+            <a:r>
+              <a:rPr lang="en-US" sz="2400" dirty="0" err="1" smtClean="0">
+                <a:latin typeface="Times New Roman" panose="02020603050405020304" pitchFamily="18" charset="0"/>
+                <a:cs typeface="Times New Roman" panose="02020603050405020304" pitchFamily="18" charset="0"/>
+              </a:rPr>
+              <a:t>sử</a:t>
+            </a:r>
+            <a:r>
+              <a:rPr lang="en-US" sz="2400" dirty="0" smtClean="0">
+                <a:latin typeface="Times New Roman" panose="02020603050405020304" pitchFamily="18" charset="0"/>
+                <a:cs typeface="Times New Roman" panose="02020603050405020304" pitchFamily="18" charset="0"/>
+              </a:rPr>
+              <a:t> </a:t>
+            </a:r>
+            <a:r>
+              <a:rPr lang="en-US" sz="2400" dirty="0" err="1" smtClean="0">
+                <a:latin typeface="Times New Roman" panose="02020603050405020304" pitchFamily="18" charset="0"/>
+                <a:cs typeface="Times New Roman" panose="02020603050405020304" pitchFamily="18" charset="0"/>
+              </a:rPr>
+              <a:t>dụng</a:t>
+            </a:r>
+            <a:r>
+              <a:rPr lang="en-US" sz="2400" dirty="0" smtClean="0">
+                <a:latin typeface="Times New Roman" panose="02020603050405020304" pitchFamily="18" charset="0"/>
+                <a:cs typeface="Times New Roman" panose="02020603050405020304" pitchFamily="18" charset="0"/>
+              </a:rPr>
+              <a:t> – learnability</a:t>
+            </a:r>
+          </a:p>
+          <a:p>
+            <a:pPr marL="342900" indent="-342900">
+              <a:buFont typeface="Arial" panose="020B0604020202020204" pitchFamily="34" charset="0"/>
+              <a:buChar char="•"/>
+            </a:pPr>
+            <a:r>
+              <a:rPr lang="en-US" sz="2400" dirty="0" err="1" smtClean="0">
+                <a:latin typeface="Times New Roman" panose="02020603050405020304" pitchFamily="18" charset="0"/>
+                <a:cs typeface="Times New Roman" panose="02020603050405020304" pitchFamily="18" charset="0"/>
+              </a:rPr>
+              <a:t>Khả</a:t>
+            </a:r>
+            <a:r>
+              <a:rPr lang="en-US" sz="2400" dirty="0" smtClean="0">
+                <a:latin typeface="Times New Roman" panose="02020603050405020304" pitchFamily="18" charset="0"/>
+                <a:cs typeface="Times New Roman" panose="02020603050405020304" pitchFamily="18" charset="0"/>
+              </a:rPr>
+              <a:t> </a:t>
+            </a:r>
+            <a:r>
+              <a:rPr lang="en-US" sz="2400" dirty="0" err="1" smtClean="0">
+                <a:latin typeface="Times New Roman" panose="02020603050405020304" pitchFamily="18" charset="0"/>
+                <a:cs typeface="Times New Roman" panose="02020603050405020304" pitchFamily="18" charset="0"/>
+              </a:rPr>
+              <a:t>năng</a:t>
+            </a:r>
+            <a:r>
+              <a:rPr lang="en-US" sz="2400" dirty="0" smtClean="0">
+                <a:latin typeface="Times New Roman" panose="02020603050405020304" pitchFamily="18" charset="0"/>
+                <a:cs typeface="Times New Roman" panose="02020603050405020304" pitchFamily="18" charset="0"/>
+              </a:rPr>
+              <a:t> </a:t>
+            </a:r>
+            <a:r>
+              <a:rPr lang="en-US" sz="2400" dirty="0" err="1" smtClean="0">
+                <a:latin typeface="Times New Roman" panose="02020603050405020304" pitchFamily="18" charset="0"/>
+                <a:cs typeface="Times New Roman" panose="02020603050405020304" pitchFamily="18" charset="0"/>
+              </a:rPr>
+              <a:t>thực</a:t>
+            </a:r>
+            <a:r>
+              <a:rPr lang="en-US" sz="2400" dirty="0" smtClean="0">
+                <a:latin typeface="Times New Roman" panose="02020603050405020304" pitchFamily="18" charset="0"/>
+                <a:cs typeface="Times New Roman" panose="02020603050405020304" pitchFamily="18" charset="0"/>
+              </a:rPr>
+              <a:t> </a:t>
+            </a:r>
+            <a:r>
+              <a:rPr lang="en-US" sz="2400" dirty="0" err="1" smtClean="0">
+                <a:latin typeface="Times New Roman" panose="02020603050405020304" pitchFamily="18" charset="0"/>
+                <a:cs typeface="Times New Roman" panose="02020603050405020304" pitchFamily="18" charset="0"/>
+              </a:rPr>
+              <a:t>hiện</a:t>
+            </a:r>
+            <a:r>
+              <a:rPr lang="en-US" sz="2400" dirty="0" smtClean="0">
+                <a:latin typeface="Times New Roman" panose="02020603050405020304" pitchFamily="18" charset="0"/>
+                <a:cs typeface="Times New Roman" panose="02020603050405020304" pitchFamily="18" charset="0"/>
+              </a:rPr>
+              <a:t> </a:t>
+            </a:r>
+            <a:r>
+              <a:rPr lang="en-US" sz="2400" dirty="0" err="1" smtClean="0">
+                <a:latin typeface="Times New Roman" panose="02020603050405020304" pitchFamily="18" charset="0"/>
+                <a:cs typeface="Times New Roman" panose="02020603050405020304" pitchFamily="18" charset="0"/>
+              </a:rPr>
+              <a:t>được</a:t>
+            </a:r>
+            <a:r>
+              <a:rPr lang="en-US" sz="2400" dirty="0" smtClean="0">
+                <a:latin typeface="Times New Roman" panose="02020603050405020304" pitchFamily="18" charset="0"/>
+                <a:cs typeface="Times New Roman" panose="02020603050405020304" pitchFamily="18" charset="0"/>
+              </a:rPr>
+              <a:t> – operability</a:t>
+            </a:r>
+            <a:endParaRPr lang="fr-FR" sz="2400" dirty="0" smtClean="0">
               <a:latin typeface="Times New Roman" panose="02020603050405020304" pitchFamily="18" charset="0"/>
               <a:cs typeface="Times New Roman" panose="02020603050405020304" pitchFamily="18" charset="0"/>
             </a:endParaRPr>
@@ -8314,7 +8294,7 @@
     </p:spTree>
     <p:extLst>
       <p:ext uri="{BB962C8B-B14F-4D97-AF65-F5344CB8AC3E}">
-        <p14:creationId xmlns:p14="http://schemas.microsoft.com/office/powerpoint/2010/main" val="274647824"/>
+        <p14:creationId xmlns:p14="http://schemas.microsoft.com/office/powerpoint/2010/main" val="1595641117"/>
       </p:ext>
     </p:extLst>
   </p:cSld>
@@ -8364,18 +8344,67 @@
           <a:lstStyle/>
           <a:p>
             <a:r>
+              <a:rPr lang="en-US" dirty="0" err="1" smtClean="0">
+                <a:latin typeface="Times New Roman" panose="02020603050405020304" pitchFamily="18" charset="0"/>
+                <a:cs typeface="Times New Roman" panose="02020603050405020304" pitchFamily="18" charset="0"/>
+              </a:rPr>
+              <a:t>Kiểm</a:t>
+            </a:r>
+            <a:r>
               <a:rPr lang="en-US" dirty="0" smtClean="0">
                 <a:latin typeface="Times New Roman" panose="02020603050405020304" pitchFamily="18" charset="0"/>
                 <a:cs typeface="Times New Roman" panose="02020603050405020304" pitchFamily="18" charset="0"/>
               </a:rPr>
-              <a:t>Test </a:t>
+              <a:t> </a:t>
             </a:r>
             <a:r>
               <a:rPr lang="en-US" dirty="0" err="1" smtClean="0">
                 <a:latin typeface="Times New Roman" panose="02020603050405020304" pitchFamily="18" charset="0"/>
                 <a:cs typeface="Times New Roman" panose="02020603050405020304" pitchFamily="18" charset="0"/>
               </a:rPr>
-              <a:t>gui</a:t>
+              <a:t>thử</a:t>
+            </a:r>
+            <a:r>
+              <a:rPr lang="en-US" dirty="0" smtClean="0">
+                <a:latin typeface="Times New Roman" panose="02020603050405020304" pitchFamily="18" charset="0"/>
+                <a:cs typeface="Times New Roman" panose="02020603050405020304" pitchFamily="18" charset="0"/>
+              </a:rPr>
+              <a:t> </a:t>
+            </a:r>
+            <a:r>
+              <a:rPr lang="en-US" dirty="0" err="1" smtClean="0">
+                <a:latin typeface="Times New Roman" panose="02020603050405020304" pitchFamily="18" charset="0"/>
+                <a:cs typeface="Times New Roman" panose="02020603050405020304" pitchFamily="18" charset="0"/>
+              </a:rPr>
+              <a:t>tính</a:t>
+            </a:r>
+            <a:r>
+              <a:rPr lang="en-US" dirty="0" smtClean="0">
+                <a:latin typeface="Times New Roman" panose="02020603050405020304" pitchFamily="18" charset="0"/>
+                <a:cs typeface="Times New Roman" panose="02020603050405020304" pitchFamily="18" charset="0"/>
+              </a:rPr>
+              <a:t> </a:t>
+            </a:r>
+            <a:r>
+              <a:rPr lang="en-US" dirty="0" err="1" smtClean="0">
+                <a:latin typeface="Times New Roman" panose="02020603050405020304" pitchFamily="18" charset="0"/>
+                <a:cs typeface="Times New Roman" panose="02020603050405020304" pitchFamily="18" charset="0"/>
+              </a:rPr>
+              <a:t>tiện</a:t>
+            </a:r>
+            <a:r>
+              <a:rPr lang="en-US" dirty="0" smtClean="0">
+                <a:latin typeface="Times New Roman" panose="02020603050405020304" pitchFamily="18" charset="0"/>
+                <a:cs typeface="Times New Roman" panose="02020603050405020304" pitchFamily="18" charset="0"/>
+              </a:rPr>
+              <a:t> </a:t>
+            </a:r>
+            <a:r>
+              <a:rPr lang="en-US" dirty="0" err="1" smtClean="0">
+                <a:latin typeface="Times New Roman" panose="02020603050405020304" pitchFamily="18" charset="0"/>
+                <a:cs typeface="Times New Roman" panose="02020603050405020304" pitchFamily="18" charset="0"/>
+              </a:rPr>
+              <a:t>dụng</a:t>
             </a:r>
             <a:r>
               <a:rPr lang="en-US" dirty="0" smtClean="0">
@@ -8435,14 +8464,14 @@
       </p:sp>
       <p:sp>
         <p:nvSpPr>
-          <p:cNvPr id="5" name="Hộp Văn bản 4"/>
+          <p:cNvPr id="4" name="Hộp Văn bản 3"/>
           <p:cNvSpPr txBox="1"/>
           <p:nvPr/>
         </p:nvSpPr>
         <p:spPr>
           <a:xfrm>
-            <a:off x="631065" y="1867437"/>
-            <a:ext cx="10959921" cy="523220"/>
+            <a:off x="721217" y="2575775"/>
+            <a:ext cx="10779617" cy="3416320"/>
           </a:xfrm>
           <a:prstGeom prst="rect">
             <a:avLst/>
@@ -8456,52 +8485,715 @@
           <a:lstStyle/>
           <a:p>
             <a:r>
-              <a:rPr lang="en-US" sz="2800" dirty="0" smtClean="0">
-                <a:latin typeface="Times New Roman" panose="02020603050405020304" pitchFamily="18" charset="0"/>
-                <a:cs typeface="Times New Roman" panose="02020603050405020304" pitchFamily="18" charset="0"/>
-              </a:rPr>
-              <a:t>Client/Server Communication testing</a:t>
-            </a:r>
-            <a:endParaRPr lang="en-US" sz="2800" dirty="0">
+              <a:rPr lang="fr-FR" sz="2400" dirty="0" err="1" smtClean="0">
+                <a:latin typeface="Times New Roman" panose="02020603050405020304" pitchFamily="18" charset="0"/>
+                <a:cs typeface="Times New Roman" panose="02020603050405020304" pitchFamily="18" charset="0"/>
+              </a:rPr>
+              <a:t>Quy</a:t>
+            </a:r>
+            <a:r>
+              <a:rPr lang="fr-FR" sz="2400" dirty="0" smtClean="0">
+                <a:latin typeface="Times New Roman" panose="02020603050405020304" pitchFamily="18" charset="0"/>
+                <a:cs typeface="Times New Roman" panose="02020603050405020304" pitchFamily="18" charset="0"/>
+              </a:rPr>
+              <a:t> </a:t>
+            </a:r>
+            <a:r>
+              <a:rPr lang="fr-FR" sz="2400" dirty="0" err="1" smtClean="0">
+                <a:latin typeface="Times New Roman" panose="02020603050405020304" pitchFamily="18" charset="0"/>
+                <a:cs typeface="Times New Roman" panose="02020603050405020304" pitchFamily="18" charset="0"/>
+              </a:rPr>
+              <a:t>trình</a:t>
+            </a:r>
+            <a:r>
+              <a:rPr lang="fr-FR" sz="2400" dirty="0" smtClean="0">
+                <a:latin typeface="Times New Roman" panose="02020603050405020304" pitchFamily="18" charset="0"/>
+                <a:cs typeface="Times New Roman" panose="02020603050405020304" pitchFamily="18" charset="0"/>
+              </a:rPr>
+              <a:t> </a:t>
+            </a:r>
+            <a:r>
+              <a:rPr lang="fr-FR" sz="2400" dirty="0" err="1" smtClean="0">
+                <a:latin typeface="Times New Roman" panose="02020603050405020304" pitchFamily="18" charset="0"/>
+                <a:cs typeface="Times New Roman" panose="02020603050405020304" pitchFamily="18" charset="0"/>
+              </a:rPr>
+              <a:t>kiểm</a:t>
+            </a:r>
+            <a:r>
+              <a:rPr lang="fr-FR" sz="2400" dirty="0" smtClean="0">
+                <a:latin typeface="Times New Roman" panose="02020603050405020304" pitchFamily="18" charset="0"/>
+                <a:cs typeface="Times New Roman" panose="02020603050405020304" pitchFamily="18" charset="0"/>
+              </a:rPr>
+              <a:t> </a:t>
+            </a:r>
+            <a:r>
+              <a:rPr lang="fr-FR" sz="2400" dirty="0" err="1" smtClean="0">
+                <a:latin typeface="Times New Roman" panose="02020603050405020304" pitchFamily="18" charset="0"/>
+                <a:cs typeface="Times New Roman" panose="02020603050405020304" pitchFamily="18" charset="0"/>
+              </a:rPr>
+              <a:t>thử</a:t>
+            </a:r>
+            <a:r>
+              <a:rPr lang="fr-FR" sz="2400" dirty="0" smtClean="0">
+                <a:latin typeface="Times New Roman" panose="02020603050405020304" pitchFamily="18" charset="0"/>
+                <a:cs typeface="Times New Roman" panose="02020603050405020304" pitchFamily="18" charset="0"/>
+              </a:rPr>
+              <a:t> </a:t>
+            </a:r>
+            <a:r>
+              <a:rPr lang="fr-FR" sz="2400" dirty="0" err="1" smtClean="0">
+                <a:latin typeface="Times New Roman" panose="02020603050405020304" pitchFamily="18" charset="0"/>
+                <a:cs typeface="Times New Roman" panose="02020603050405020304" pitchFamily="18" charset="0"/>
+              </a:rPr>
+              <a:t>giao</a:t>
+            </a:r>
+            <a:r>
+              <a:rPr lang="fr-FR" sz="2400" dirty="0" smtClean="0">
+                <a:latin typeface="Times New Roman" panose="02020603050405020304" pitchFamily="18" charset="0"/>
+                <a:cs typeface="Times New Roman" panose="02020603050405020304" pitchFamily="18" charset="0"/>
+              </a:rPr>
+              <a:t> </a:t>
+            </a:r>
+            <a:r>
+              <a:rPr lang="fr-FR" sz="2400" dirty="0" err="1" smtClean="0">
+                <a:latin typeface="Times New Roman" panose="02020603050405020304" pitchFamily="18" charset="0"/>
+                <a:cs typeface="Times New Roman" panose="02020603050405020304" pitchFamily="18" charset="0"/>
+              </a:rPr>
+              <a:t>diện</a:t>
+            </a:r>
+            <a:r>
+              <a:rPr lang="fr-FR" sz="2400" dirty="0" smtClean="0">
+                <a:latin typeface="Times New Roman" panose="02020603050405020304" pitchFamily="18" charset="0"/>
+                <a:cs typeface="Times New Roman" panose="02020603050405020304" pitchFamily="18" charset="0"/>
+              </a:rPr>
+              <a:t>:</a:t>
+            </a:r>
+            <a:endParaRPr lang="fr-FR" sz="2400" dirty="0" smtClean="0">
               <a:latin typeface="Times New Roman" panose="02020603050405020304" pitchFamily="18" charset="0"/>
               <a:cs typeface="Times New Roman" panose="02020603050405020304" pitchFamily="18" charset="0"/>
             </a:endParaRPr>
           </a:p>
-        </p:txBody>
-      </p:sp>
-      <p:sp>
-        <p:nvSpPr>
-          <p:cNvPr id="4" name="Hộp Văn bản 3"/>
-          <p:cNvSpPr txBox="1"/>
-          <p:nvPr/>
-        </p:nvSpPr>
-        <p:spPr>
-          <a:xfrm>
-            <a:off x="721217" y="2575775"/>
-            <a:ext cx="10779617" cy="400110"/>
-          </a:xfrm>
-          <a:prstGeom prst="rect">
-            <a:avLst/>
-          </a:prstGeom>
-          <a:noFill/>
-        </p:spPr>
-        <p:txBody>
-          <a:bodyPr wrap="square" rtlCol="0">
-            <a:spAutoFit/>
-          </a:bodyPr>
-          <a:lstStyle/>
-          <a:p>
-            <a:endParaRPr lang="fr-FR" sz="2000" dirty="0" smtClean="0">
+          <a:p>
+            <a:endParaRPr lang="fr-FR" sz="2400" dirty="0" smtClean="0">
               <a:latin typeface="Times New Roman" panose="02020603050405020304" pitchFamily="18" charset="0"/>
               <a:cs typeface="Times New Roman" panose="02020603050405020304" pitchFamily="18" charset="0"/>
             </a:endParaRPr>
           </a:p>
+          <a:p>
+            <a:pPr marL="342900" indent="-342900">
+              <a:buFont typeface="Arial" panose="020B0604020202020204" pitchFamily="34" charset="0"/>
+              <a:buChar char="•"/>
+            </a:pPr>
+            <a:r>
+              <a:rPr lang="en-US" sz="2400" dirty="0" err="1" smtClean="0">
+                <a:latin typeface="Times New Roman" panose="02020603050405020304" pitchFamily="18" charset="0"/>
+                <a:cs typeface="Times New Roman" panose="02020603050405020304" pitchFamily="18" charset="0"/>
+              </a:rPr>
+              <a:t>Lập</a:t>
+            </a:r>
+            <a:r>
+              <a:rPr lang="en-US" sz="2400" dirty="0" smtClean="0">
+                <a:latin typeface="Times New Roman" panose="02020603050405020304" pitchFamily="18" charset="0"/>
+                <a:cs typeface="Times New Roman" panose="02020603050405020304" pitchFamily="18" charset="0"/>
+              </a:rPr>
+              <a:t> Test Plan</a:t>
+            </a:r>
+            <a:endParaRPr lang="en-US" sz="2400" dirty="0" smtClean="0">
+              <a:latin typeface="Times New Roman" panose="02020603050405020304" pitchFamily="18" charset="0"/>
+              <a:cs typeface="Times New Roman" panose="02020603050405020304" pitchFamily="18" charset="0"/>
+            </a:endParaRPr>
+          </a:p>
+          <a:p>
+            <a:pPr marL="342900" indent="-342900">
+              <a:buFont typeface="Arial" panose="020B0604020202020204" pitchFamily="34" charset="0"/>
+              <a:buChar char="•"/>
+            </a:pPr>
+            <a:r>
+              <a:rPr lang="en-US" sz="2400" dirty="0" err="1" smtClean="0">
+                <a:latin typeface="Times New Roman" panose="02020603050405020304" pitchFamily="18" charset="0"/>
+                <a:cs typeface="Times New Roman" panose="02020603050405020304" pitchFamily="18" charset="0"/>
+              </a:rPr>
+              <a:t>Chọn</a:t>
+            </a:r>
+            <a:r>
+              <a:rPr lang="en-US" sz="2400" dirty="0" smtClean="0">
+                <a:latin typeface="Times New Roman" panose="02020603050405020304" pitchFamily="18" charset="0"/>
+                <a:cs typeface="Times New Roman" panose="02020603050405020304" pitchFamily="18" charset="0"/>
+              </a:rPr>
+              <a:t> </a:t>
+            </a:r>
+            <a:r>
+              <a:rPr lang="en-US" sz="2400" dirty="0" err="1" smtClean="0">
+                <a:latin typeface="Times New Roman" panose="02020603050405020304" pitchFamily="18" charset="0"/>
+                <a:cs typeface="Times New Roman" panose="02020603050405020304" pitchFamily="18" charset="0"/>
+              </a:rPr>
+              <a:t>chức</a:t>
+            </a:r>
+            <a:r>
+              <a:rPr lang="en-US" sz="2400" dirty="0" smtClean="0">
+                <a:latin typeface="Times New Roman" panose="02020603050405020304" pitchFamily="18" charset="0"/>
+                <a:cs typeface="Times New Roman" panose="02020603050405020304" pitchFamily="18" charset="0"/>
+              </a:rPr>
+              <a:t> </a:t>
+            </a:r>
+            <a:r>
+              <a:rPr lang="en-US" sz="2400" dirty="0" err="1" smtClean="0">
+                <a:latin typeface="Times New Roman" panose="02020603050405020304" pitchFamily="18" charset="0"/>
+                <a:cs typeface="Times New Roman" panose="02020603050405020304" pitchFamily="18" charset="0"/>
+              </a:rPr>
+              <a:t>năng</a:t>
+            </a:r>
+            <a:r>
+              <a:rPr lang="en-US" sz="2400" dirty="0" smtClean="0">
+                <a:latin typeface="Times New Roman" panose="02020603050405020304" pitchFamily="18" charset="0"/>
+                <a:cs typeface="Times New Roman" panose="02020603050405020304" pitchFamily="18" charset="0"/>
+              </a:rPr>
+              <a:t> </a:t>
+            </a:r>
+            <a:r>
+              <a:rPr lang="en-US" sz="2400" dirty="0" err="1" smtClean="0">
+                <a:latin typeface="Times New Roman" panose="02020603050405020304" pitchFamily="18" charset="0"/>
+                <a:cs typeface="Times New Roman" panose="02020603050405020304" pitchFamily="18" charset="0"/>
+              </a:rPr>
+              <a:t>kiểm</a:t>
+            </a:r>
+            <a:r>
+              <a:rPr lang="en-US" sz="2400" dirty="0" smtClean="0">
+                <a:latin typeface="Times New Roman" panose="02020603050405020304" pitchFamily="18" charset="0"/>
+                <a:cs typeface="Times New Roman" panose="02020603050405020304" pitchFamily="18" charset="0"/>
+              </a:rPr>
+              <a:t> </a:t>
+            </a:r>
+            <a:r>
+              <a:rPr lang="en-US" sz="2400" dirty="0" err="1" smtClean="0">
+                <a:latin typeface="Times New Roman" panose="02020603050405020304" pitchFamily="18" charset="0"/>
+                <a:cs typeface="Times New Roman" panose="02020603050405020304" pitchFamily="18" charset="0"/>
+              </a:rPr>
+              <a:t>thử</a:t>
+            </a:r>
+            <a:endParaRPr lang="en-US" sz="2400" dirty="0" smtClean="0">
+              <a:latin typeface="Times New Roman" panose="02020603050405020304" pitchFamily="18" charset="0"/>
+              <a:cs typeface="Times New Roman" panose="02020603050405020304" pitchFamily="18" charset="0"/>
+            </a:endParaRPr>
+          </a:p>
+          <a:p>
+            <a:pPr marL="342900" indent="-342900">
+              <a:buFont typeface="Arial" panose="020B0604020202020204" pitchFamily="34" charset="0"/>
+              <a:buChar char="•"/>
+            </a:pPr>
+            <a:r>
+              <a:rPr lang="en-US" sz="2400" dirty="0" err="1" smtClean="0">
+                <a:latin typeface="Times New Roman" panose="02020603050405020304" pitchFamily="18" charset="0"/>
+                <a:cs typeface="Times New Roman" panose="02020603050405020304" pitchFamily="18" charset="0"/>
+              </a:rPr>
+              <a:t>Chọn</a:t>
+            </a:r>
+            <a:r>
+              <a:rPr lang="en-US" sz="2400" dirty="0" smtClean="0">
+                <a:latin typeface="Times New Roman" panose="02020603050405020304" pitchFamily="18" charset="0"/>
+                <a:cs typeface="Times New Roman" panose="02020603050405020304" pitchFamily="18" charset="0"/>
+              </a:rPr>
+              <a:t> </a:t>
+            </a:r>
+            <a:r>
+              <a:rPr lang="en-US" sz="2400" dirty="0" err="1" smtClean="0">
+                <a:latin typeface="Times New Roman" panose="02020603050405020304" pitchFamily="18" charset="0"/>
+                <a:cs typeface="Times New Roman" panose="02020603050405020304" pitchFamily="18" charset="0"/>
+              </a:rPr>
+              <a:t>người</a:t>
+            </a:r>
+            <a:r>
+              <a:rPr lang="en-US" sz="2400" dirty="0" smtClean="0">
+                <a:latin typeface="Times New Roman" panose="02020603050405020304" pitchFamily="18" charset="0"/>
+                <a:cs typeface="Times New Roman" panose="02020603050405020304" pitchFamily="18" charset="0"/>
+              </a:rPr>
+              <a:t> </a:t>
+            </a:r>
+            <a:r>
+              <a:rPr lang="en-US" sz="2400" dirty="0" err="1" smtClean="0">
+                <a:latin typeface="Times New Roman" panose="02020603050405020304" pitchFamily="18" charset="0"/>
+                <a:cs typeface="Times New Roman" panose="02020603050405020304" pitchFamily="18" charset="0"/>
+              </a:rPr>
+              <a:t>dùng</a:t>
+            </a:r>
+            <a:r>
+              <a:rPr lang="en-US" sz="2400" dirty="0" smtClean="0">
+                <a:latin typeface="Times New Roman" panose="02020603050405020304" pitchFamily="18" charset="0"/>
+                <a:cs typeface="Times New Roman" panose="02020603050405020304" pitchFamily="18" charset="0"/>
+              </a:rPr>
+              <a:t> </a:t>
+            </a:r>
+            <a:r>
+              <a:rPr lang="en-US" sz="2400" dirty="0" err="1" smtClean="0">
+                <a:latin typeface="Times New Roman" panose="02020603050405020304" pitchFamily="18" charset="0"/>
+                <a:cs typeface="Times New Roman" panose="02020603050405020304" pitchFamily="18" charset="0"/>
+              </a:rPr>
+              <a:t>đại</a:t>
+            </a:r>
+            <a:r>
+              <a:rPr lang="en-US" sz="2400" dirty="0" smtClean="0">
+                <a:latin typeface="Times New Roman" panose="02020603050405020304" pitchFamily="18" charset="0"/>
+                <a:cs typeface="Times New Roman" panose="02020603050405020304" pitchFamily="18" charset="0"/>
+              </a:rPr>
+              <a:t> </a:t>
+            </a:r>
+            <a:r>
+              <a:rPr lang="en-US" sz="2400" dirty="0" err="1" smtClean="0">
+                <a:latin typeface="Times New Roman" panose="02020603050405020304" pitchFamily="18" charset="0"/>
+                <a:cs typeface="Times New Roman" panose="02020603050405020304" pitchFamily="18" charset="0"/>
+              </a:rPr>
+              <a:t>diện</a:t>
+            </a:r>
+            <a:endParaRPr lang="en-US" sz="2400" dirty="0" smtClean="0">
+              <a:latin typeface="Times New Roman" panose="02020603050405020304" pitchFamily="18" charset="0"/>
+              <a:cs typeface="Times New Roman" panose="02020603050405020304" pitchFamily="18" charset="0"/>
+            </a:endParaRPr>
+          </a:p>
+          <a:p>
+            <a:pPr marL="342900" indent="-342900">
+              <a:buFont typeface="Arial" panose="020B0604020202020204" pitchFamily="34" charset="0"/>
+              <a:buChar char="•"/>
+            </a:pPr>
+            <a:r>
+              <a:rPr lang="en-US" sz="2400" dirty="0" err="1" smtClean="0">
+                <a:latin typeface="Times New Roman" panose="02020603050405020304" pitchFamily="18" charset="0"/>
+                <a:cs typeface="Times New Roman" panose="02020603050405020304" pitchFamily="18" charset="0"/>
+              </a:rPr>
+              <a:t>Đưa</a:t>
+            </a:r>
+            <a:r>
+              <a:rPr lang="en-US" sz="2400" dirty="0" smtClean="0">
+                <a:latin typeface="Times New Roman" panose="02020603050405020304" pitchFamily="18" charset="0"/>
+                <a:cs typeface="Times New Roman" panose="02020603050405020304" pitchFamily="18" charset="0"/>
+              </a:rPr>
+              <a:t> </a:t>
+            </a:r>
+            <a:r>
+              <a:rPr lang="en-US" sz="2400" dirty="0" err="1" smtClean="0">
+                <a:latin typeface="Times New Roman" panose="02020603050405020304" pitchFamily="18" charset="0"/>
+                <a:cs typeface="Times New Roman" panose="02020603050405020304" pitchFamily="18" charset="0"/>
+              </a:rPr>
+              <a:t>ra</a:t>
+            </a:r>
+            <a:r>
+              <a:rPr lang="en-US" sz="2400" dirty="0" smtClean="0">
+                <a:latin typeface="Times New Roman" panose="02020603050405020304" pitchFamily="18" charset="0"/>
+                <a:cs typeface="Times New Roman" panose="02020603050405020304" pitchFamily="18" charset="0"/>
+              </a:rPr>
+              <a:t> </a:t>
+            </a:r>
+            <a:r>
+              <a:rPr lang="en-US" sz="2400" dirty="0" err="1" smtClean="0">
+                <a:latin typeface="Times New Roman" panose="02020603050405020304" pitchFamily="18" charset="0"/>
+                <a:cs typeface="Times New Roman" panose="02020603050405020304" pitchFamily="18" charset="0"/>
+              </a:rPr>
+              <a:t>độ</a:t>
+            </a:r>
+            <a:r>
+              <a:rPr lang="en-US" sz="2400" dirty="0" smtClean="0">
+                <a:latin typeface="Times New Roman" panose="02020603050405020304" pitchFamily="18" charset="0"/>
+                <a:cs typeface="Times New Roman" panose="02020603050405020304" pitchFamily="18" charset="0"/>
+              </a:rPr>
+              <a:t> </a:t>
+            </a:r>
+            <a:r>
+              <a:rPr lang="en-US" sz="2400" dirty="0" err="1" smtClean="0">
+                <a:latin typeface="Times New Roman" panose="02020603050405020304" pitchFamily="18" charset="0"/>
+                <a:cs typeface="Times New Roman" panose="02020603050405020304" pitchFamily="18" charset="0"/>
+              </a:rPr>
+              <a:t>đo</a:t>
+            </a:r>
+            <a:r>
+              <a:rPr lang="en-US" sz="2400" dirty="0" smtClean="0">
+                <a:latin typeface="Times New Roman" panose="02020603050405020304" pitchFamily="18" charset="0"/>
+                <a:cs typeface="Times New Roman" panose="02020603050405020304" pitchFamily="18" charset="0"/>
+              </a:rPr>
+              <a:t> </a:t>
+            </a:r>
+            <a:r>
+              <a:rPr lang="en-US" sz="2400" dirty="0" err="1" smtClean="0">
+                <a:latin typeface="Times New Roman" panose="02020603050405020304" pitchFamily="18" charset="0"/>
+                <a:cs typeface="Times New Roman" panose="02020603050405020304" pitchFamily="18" charset="0"/>
+              </a:rPr>
+              <a:t>và</a:t>
+            </a:r>
+            <a:r>
+              <a:rPr lang="en-US" sz="2400" dirty="0" smtClean="0">
+                <a:latin typeface="Times New Roman" panose="02020603050405020304" pitchFamily="18" charset="0"/>
+                <a:cs typeface="Times New Roman" panose="02020603050405020304" pitchFamily="18" charset="0"/>
+              </a:rPr>
+              <a:t> </a:t>
+            </a:r>
+            <a:r>
+              <a:rPr lang="en-US" sz="2400" dirty="0" err="1" smtClean="0">
+                <a:latin typeface="Times New Roman" panose="02020603050405020304" pitchFamily="18" charset="0"/>
+                <a:cs typeface="Times New Roman" panose="02020603050405020304" pitchFamily="18" charset="0"/>
+              </a:rPr>
+              <a:t>bảng</a:t>
+            </a:r>
+            <a:r>
+              <a:rPr lang="en-US" sz="2400" dirty="0" smtClean="0">
+                <a:latin typeface="Times New Roman" panose="02020603050405020304" pitchFamily="18" charset="0"/>
+                <a:cs typeface="Times New Roman" panose="02020603050405020304" pitchFamily="18" charset="0"/>
+              </a:rPr>
+              <a:t> </a:t>
+            </a:r>
+            <a:r>
+              <a:rPr lang="en-US" sz="2400" dirty="0" err="1" smtClean="0">
+                <a:latin typeface="Times New Roman" panose="02020603050405020304" pitchFamily="18" charset="0"/>
+                <a:cs typeface="Times New Roman" panose="02020603050405020304" pitchFamily="18" charset="0"/>
+              </a:rPr>
+              <a:t>đánh</a:t>
+            </a:r>
+            <a:r>
+              <a:rPr lang="en-US" sz="2400" dirty="0" smtClean="0">
+                <a:latin typeface="Times New Roman" panose="02020603050405020304" pitchFamily="18" charset="0"/>
+                <a:cs typeface="Times New Roman" panose="02020603050405020304" pitchFamily="18" charset="0"/>
+              </a:rPr>
+              <a:t> </a:t>
+            </a:r>
+            <a:r>
+              <a:rPr lang="en-US" sz="2400" dirty="0" err="1" smtClean="0">
+                <a:latin typeface="Times New Roman" panose="02020603050405020304" pitchFamily="18" charset="0"/>
+                <a:cs typeface="Times New Roman" panose="02020603050405020304" pitchFamily="18" charset="0"/>
+              </a:rPr>
+              <a:t>giá</a:t>
+            </a:r>
+            <a:endParaRPr lang="en-US" sz="2400" dirty="0" smtClean="0">
+              <a:latin typeface="Times New Roman" panose="02020603050405020304" pitchFamily="18" charset="0"/>
+              <a:cs typeface="Times New Roman" panose="02020603050405020304" pitchFamily="18" charset="0"/>
+            </a:endParaRPr>
+          </a:p>
+          <a:p>
+            <a:pPr marL="342900" indent="-342900">
+              <a:buFont typeface="Arial" panose="020B0604020202020204" pitchFamily="34" charset="0"/>
+              <a:buChar char="•"/>
+            </a:pPr>
+            <a:r>
+              <a:rPr lang="en-US" sz="2400" dirty="0" err="1" smtClean="0">
+                <a:latin typeface="Times New Roman" panose="02020603050405020304" pitchFamily="18" charset="0"/>
+                <a:cs typeface="Times New Roman" panose="02020603050405020304" pitchFamily="18" charset="0"/>
+              </a:rPr>
+              <a:t>Tổng</a:t>
+            </a:r>
+            <a:r>
+              <a:rPr lang="en-US" sz="2400" dirty="0" smtClean="0">
+                <a:latin typeface="Times New Roman" panose="02020603050405020304" pitchFamily="18" charset="0"/>
+                <a:cs typeface="Times New Roman" panose="02020603050405020304" pitchFamily="18" charset="0"/>
+              </a:rPr>
+              <a:t> </a:t>
+            </a:r>
+            <a:r>
+              <a:rPr lang="en-US" sz="2400" dirty="0" err="1" smtClean="0">
+                <a:latin typeface="Times New Roman" panose="02020603050405020304" pitchFamily="18" charset="0"/>
+                <a:cs typeface="Times New Roman" panose="02020603050405020304" pitchFamily="18" charset="0"/>
+              </a:rPr>
+              <a:t>hợp</a:t>
+            </a:r>
+            <a:r>
+              <a:rPr lang="en-US" sz="2400" dirty="0" smtClean="0">
+                <a:latin typeface="Times New Roman" panose="02020603050405020304" pitchFamily="18" charset="0"/>
+                <a:cs typeface="Times New Roman" panose="02020603050405020304" pitchFamily="18" charset="0"/>
+              </a:rPr>
+              <a:t> </a:t>
+            </a:r>
+            <a:r>
+              <a:rPr lang="en-US" sz="2400" dirty="0" err="1" smtClean="0">
+                <a:latin typeface="Times New Roman" panose="02020603050405020304" pitchFamily="18" charset="0"/>
+                <a:cs typeface="Times New Roman" panose="02020603050405020304" pitchFamily="18" charset="0"/>
+              </a:rPr>
+              <a:t>kết</a:t>
+            </a:r>
+            <a:r>
+              <a:rPr lang="en-US" sz="2400" dirty="0" smtClean="0">
+                <a:latin typeface="Times New Roman" panose="02020603050405020304" pitchFamily="18" charset="0"/>
+                <a:cs typeface="Times New Roman" panose="02020603050405020304" pitchFamily="18" charset="0"/>
+              </a:rPr>
+              <a:t> </a:t>
+            </a:r>
+            <a:r>
+              <a:rPr lang="en-US" sz="2400" dirty="0" err="1" smtClean="0">
+                <a:latin typeface="Times New Roman" panose="02020603050405020304" pitchFamily="18" charset="0"/>
+                <a:cs typeface="Times New Roman" panose="02020603050405020304" pitchFamily="18" charset="0"/>
+              </a:rPr>
+              <a:t>quả</a:t>
+            </a:r>
+            <a:r>
+              <a:rPr lang="en-US" sz="2400" dirty="0" smtClean="0">
+                <a:latin typeface="Times New Roman" panose="02020603050405020304" pitchFamily="18" charset="0"/>
+                <a:cs typeface="Times New Roman" panose="02020603050405020304" pitchFamily="18" charset="0"/>
+              </a:rPr>
+              <a:t> </a:t>
+            </a:r>
+            <a:r>
+              <a:rPr lang="en-US" sz="2400" dirty="0" err="1" smtClean="0">
+                <a:latin typeface="Times New Roman" panose="02020603050405020304" pitchFamily="18" charset="0"/>
+                <a:cs typeface="Times New Roman" panose="02020603050405020304" pitchFamily="18" charset="0"/>
+              </a:rPr>
+              <a:t>thực</a:t>
+            </a:r>
+            <a:r>
+              <a:rPr lang="en-US" sz="2400" dirty="0" smtClean="0">
+                <a:latin typeface="Times New Roman" panose="02020603050405020304" pitchFamily="18" charset="0"/>
+                <a:cs typeface="Times New Roman" panose="02020603050405020304" pitchFamily="18" charset="0"/>
+              </a:rPr>
+              <a:t> </a:t>
+            </a:r>
+            <a:r>
+              <a:rPr lang="en-US" sz="2400" dirty="0" err="1" smtClean="0">
+                <a:latin typeface="Times New Roman" panose="02020603050405020304" pitchFamily="18" charset="0"/>
+                <a:cs typeface="Times New Roman" panose="02020603050405020304" pitchFamily="18" charset="0"/>
+              </a:rPr>
+              <a:t>hiện</a:t>
+            </a:r>
+            <a:r>
+              <a:rPr lang="en-US" sz="2400" dirty="0" smtClean="0">
+                <a:latin typeface="Times New Roman" panose="02020603050405020304" pitchFamily="18" charset="0"/>
+                <a:cs typeface="Times New Roman" panose="02020603050405020304" pitchFamily="18" charset="0"/>
+              </a:rPr>
+              <a:t> </a:t>
+            </a:r>
+            <a:r>
+              <a:rPr lang="en-US" sz="2400" dirty="0" err="1" smtClean="0">
+                <a:latin typeface="Times New Roman" panose="02020603050405020304" pitchFamily="18" charset="0"/>
+                <a:cs typeface="Times New Roman" panose="02020603050405020304" pitchFamily="18" charset="0"/>
+              </a:rPr>
+              <a:t>và</a:t>
+            </a:r>
+            <a:r>
+              <a:rPr lang="en-US" sz="2400" dirty="0" smtClean="0">
+                <a:latin typeface="Times New Roman" panose="02020603050405020304" pitchFamily="18" charset="0"/>
+                <a:cs typeface="Times New Roman" panose="02020603050405020304" pitchFamily="18" charset="0"/>
+              </a:rPr>
+              <a:t> ý </a:t>
+            </a:r>
+            <a:r>
+              <a:rPr lang="en-US" sz="2400" dirty="0" err="1" smtClean="0">
+                <a:latin typeface="Times New Roman" panose="02020603050405020304" pitchFamily="18" charset="0"/>
+                <a:cs typeface="Times New Roman" panose="02020603050405020304" pitchFamily="18" charset="0"/>
+              </a:rPr>
+              <a:t>kiến</a:t>
+            </a:r>
+            <a:r>
+              <a:rPr lang="en-US" sz="2400" dirty="0" smtClean="0">
+                <a:latin typeface="Times New Roman" panose="02020603050405020304" pitchFamily="18" charset="0"/>
+                <a:cs typeface="Times New Roman" panose="02020603050405020304" pitchFamily="18" charset="0"/>
+              </a:rPr>
+              <a:t> </a:t>
+            </a:r>
+            <a:r>
+              <a:rPr lang="en-US" sz="2400" dirty="0" err="1" smtClean="0">
+                <a:latin typeface="Times New Roman" panose="02020603050405020304" pitchFamily="18" charset="0"/>
+                <a:cs typeface="Times New Roman" panose="02020603050405020304" pitchFamily="18" charset="0"/>
+              </a:rPr>
+              <a:t>người</a:t>
+            </a:r>
+            <a:r>
+              <a:rPr lang="en-US" sz="2400" dirty="0" smtClean="0">
+                <a:latin typeface="Times New Roman" panose="02020603050405020304" pitchFamily="18" charset="0"/>
+                <a:cs typeface="Times New Roman" panose="02020603050405020304" pitchFamily="18" charset="0"/>
+              </a:rPr>
+              <a:t> </a:t>
+            </a:r>
+            <a:r>
+              <a:rPr lang="en-US" sz="2400" dirty="0" err="1" smtClean="0">
+                <a:latin typeface="Times New Roman" panose="02020603050405020304" pitchFamily="18" charset="0"/>
+                <a:cs typeface="Times New Roman" panose="02020603050405020304" pitchFamily="18" charset="0"/>
+              </a:rPr>
+              <a:t>dùng</a:t>
+            </a:r>
+            <a:endParaRPr lang="en-US" sz="2400" dirty="0" smtClean="0">
+              <a:latin typeface="Times New Roman" panose="02020603050405020304" pitchFamily="18" charset="0"/>
+              <a:cs typeface="Times New Roman" panose="02020603050405020304" pitchFamily="18" charset="0"/>
+            </a:endParaRPr>
+          </a:p>
+          <a:p>
+            <a:pPr marL="342900" indent="-342900">
+              <a:buFont typeface="Arial" panose="020B0604020202020204" pitchFamily="34" charset="0"/>
+              <a:buChar char="•"/>
+            </a:pPr>
+            <a:r>
+              <a:rPr lang="en-US" sz="2400" dirty="0" err="1" smtClean="0">
+                <a:latin typeface="Times New Roman" panose="02020603050405020304" pitchFamily="18" charset="0"/>
+                <a:cs typeface="Times New Roman" panose="02020603050405020304" pitchFamily="18" charset="0"/>
+              </a:rPr>
+              <a:t>Phân</a:t>
+            </a:r>
+            <a:r>
+              <a:rPr lang="en-US" sz="2400" dirty="0" smtClean="0">
+                <a:latin typeface="Times New Roman" panose="02020603050405020304" pitchFamily="18" charset="0"/>
+                <a:cs typeface="Times New Roman" panose="02020603050405020304" pitchFamily="18" charset="0"/>
+              </a:rPr>
+              <a:t> </a:t>
+            </a:r>
+            <a:r>
+              <a:rPr lang="en-US" sz="2400" dirty="0" err="1" smtClean="0">
+                <a:latin typeface="Times New Roman" panose="02020603050405020304" pitchFamily="18" charset="0"/>
+                <a:cs typeface="Times New Roman" panose="02020603050405020304" pitchFamily="18" charset="0"/>
+              </a:rPr>
+              <a:t>tích</a:t>
+            </a:r>
+            <a:r>
+              <a:rPr lang="en-US" sz="2400" dirty="0" smtClean="0">
+                <a:latin typeface="Times New Roman" panose="02020603050405020304" pitchFamily="18" charset="0"/>
+                <a:cs typeface="Times New Roman" panose="02020603050405020304" pitchFamily="18" charset="0"/>
+              </a:rPr>
+              <a:t> </a:t>
+            </a:r>
+            <a:r>
+              <a:rPr lang="en-US" sz="2400" dirty="0" err="1" smtClean="0">
+                <a:latin typeface="Times New Roman" panose="02020603050405020304" pitchFamily="18" charset="0"/>
+                <a:cs typeface="Times New Roman" panose="02020603050405020304" pitchFamily="18" charset="0"/>
+              </a:rPr>
+              <a:t>kết</a:t>
+            </a:r>
+            <a:r>
+              <a:rPr lang="en-US" sz="2400" dirty="0" smtClean="0">
+                <a:latin typeface="Times New Roman" panose="02020603050405020304" pitchFamily="18" charset="0"/>
+                <a:cs typeface="Times New Roman" panose="02020603050405020304" pitchFamily="18" charset="0"/>
+              </a:rPr>
+              <a:t> </a:t>
+            </a:r>
+            <a:r>
+              <a:rPr lang="en-US" sz="2400" dirty="0" err="1" smtClean="0">
+                <a:latin typeface="Times New Roman" panose="02020603050405020304" pitchFamily="18" charset="0"/>
+                <a:cs typeface="Times New Roman" panose="02020603050405020304" pitchFamily="18" charset="0"/>
+              </a:rPr>
+              <a:t>quả</a:t>
+            </a:r>
+            <a:r>
+              <a:rPr lang="en-US" sz="2400" dirty="0" smtClean="0">
+                <a:latin typeface="Times New Roman" panose="02020603050405020304" pitchFamily="18" charset="0"/>
+                <a:cs typeface="Times New Roman" panose="02020603050405020304" pitchFamily="18" charset="0"/>
+              </a:rPr>
+              <a:t> </a:t>
+            </a:r>
+            <a:r>
+              <a:rPr lang="en-US" sz="2400" dirty="0" err="1" smtClean="0">
+                <a:latin typeface="Times New Roman" panose="02020603050405020304" pitchFamily="18" charset="0"/>
+                <a:cs typeface="Times New Roman" panose="02020603050405020304" pitchFamily="18" charset="0"/>
+              </a:rPr>
+              <a:t>và</a:t>
+            </a:r>
+            <a:r>
+              <a:rPr lang="en-US" sz="2400" dirty="0" smtClean="0">
+                <a:latin typeface="Times New Roman" panose="02020603050405020304" pitchFamily="18" charset="0"/>
+                <a:cs typeface="Times New Roman" panose="02020603050405020304" pitchFamily="18" charset="0"/>
+              </a:rPr>
+              <a:t> </a:t>
+            </a:r>
+            <a:r>
+              <a:rPr lang="en-US" sz="2400" dirty="0" err="1" smtClean="0">
+                <a:latin typeface="Times New Roman" panose="02020603050405020304" pitchFamily="18" charset="0"/>
+                <a:cs typeface="Times New Roman" panose="02020603050405020304" pitchFamily="18" charset="0"/>
+              </a:rPr>
+              <a:t>xác</a:t>
+            </a:r>
+            <a:r>
+              <a:rPr lang="en-US" sz="2400" dirty="0" smtClean="0">
+                <a:latin typeface="Times New Roman" panose="02020603050405020304" pitchFamily="18" charset="0"/>
+                <a:cs typeface="Times New Roman" panose="02020603050405020304" pitchFamily="18" charset="0"/>
+              </a:rPr>
+              <a:t> </a:t>
+            </a:r>
+            <a:r>
+              <a:rPr lang="en-US" sz="2400" dirty="0" err="1" smtClean="0">
+                <a:latin typeface="Times New Roman" panose="02020603050405020304" pitchFamily="18" charset="0"/>
+                <a:cs typeface="Times New Roman" panose="02020603050405020304" pitchFamily="18" charset="0"/>
+              </a:rPr>
+              <a:t>định</a:t>
+            </a:r>
+            <a:r>
+              <a:rPr lang="en-US" sz="2400" dirty="0" smtClean="0">
+                <a:latin typeface="Times New Roman" panose="02020603050405020304" pitchFamily="18" charset="0"/>
+                <a:cs typeface="Times New Roman" panose="02020603050405020304" pitchFamily="18" charset="0"/>
+              </a:rPr>
+              <a:t> </a:t>
+            </a:r>
+            <a:r>
+              <a:rPr lang="en-US" sz="2400" dirty="0" err="1" smtClean="0">
+                <a:latin typeface="Times New Roman" panose="02020603050405020304" pitchFamily="18" charset="0"/>
+                <a:cs typeface="Times New Roman" panose="02020603050405020304" pitchFamily="18" charset="0"/>
+              </a:rPr>
+              <a:t>vấn</a:t>
+            </a:r>
+            <a:r>
+              <a:rPr lang="en-US" sz="2400" dirty="0" smtClean="0">
+                <a:latin typeface="Times New Roman" panose="02020603050405020304" pitchFamily="18" charset="0"/>
+                <a:cs typeface="Times New Roman" panose="02020603050405020304" pitchFamily="18" charset="0"/>
+              </a:rPr>
+              <a:t> </a:t>
+            </a:r>
+            <a:r>
+              <a:rPr lang="en-US" sz="2400" dirty="0" err="1" smtClean="0">
+                <a:latin typeface="Times New Roman" panose="02020603050405020304" pitchFamily="18" charset="0"/>
+                <a:cs typeface="Times New Roman" panose="02020603050405020304" pitchFamily="18" charset="0"/>
+              </a:rPr>
+              <a:t>đề</a:t>
+            </a:r>
+            <a:endParaRPr lang="en-US" sz="2400" dirty="0" smtClean="0">
+              <a:latin typeface="Times New Roman" panose="02020603050405020304" pitchFamily="18" charset="0"/>
+              <a:cs typeface="Times New Roman" panose="02020603050405020304" pitchFamily="18" charset="0"/>
+            </a:endParaRPr>
+          </a:p>
+          <a:p>
+            <a:pPr marL="342900" indent="-342900">
+              <a:buFont typeface="Arial" panose="020B0604020202020204" pitchFamily="34" charset="0"/>
+              <a:buChar char="•"/>
+            </a:pPr>
+            <a:r>
+              <a:rPr lang="en-US" sz="2400" dirty="0" err="1" smtClean="0">
+                <a:latin typeface="Times New Roman" panose="02020603050405020304" pitchFamily="18" charset="0"/>
+                <a:cs typeface="Times New Roman" panose="02020603050405020304" pitchFamily="18" charset="0"/>
+              </a:rPr>
+              <a:t>Đưa</a:t>
+            </a:r>
+            <a:r>
+              <a:rPr lang="en-US" sz="2400" dirty="0" smtClean="0">
+                <a:latin typeface="Times New Roman" panose="02020603050405020304" pitchFamily="18" charset="0"/>
+                <a:cs typeface="Times New Roman" panose="02020603050405020304" pitchFamily="18" charset="0"/>
+              </a:rPr>
+              <a:t> </a:t>
+            </a:r>
+            <a:r>
+              <a:rPr lang="en-US" sz="2400" dirty="0" err="1" smtClean="0">
+                <a:latin typeface="Times New Roman" panose="02020603050405020304" pitchFamily="18" charset="0"/>
+                <a:cs typeface="Times New Roman" panose="02020603050405020304" pitchFamily="18" charset="0"/>
+              </a:rPr>
+              <a:t>ra</a:t>
+            </a:r>
+            <a:r>
+              <a:rPr lang="en-US" sz="2400" dirty="0" smtClean="0">
+                <a:latin typeface="Times New Roman" panose="02020603050405020304" pitchFamily="18" charset="0"/>
+                <a:cs typeface="Times New Roman" panose="02020603050405020304" pitchFamily="18" charset="0"/>
+              </a:rPr>
+              <a:t> </a:t>
+            </a:r>
+            <a:r>
+              <a:rPr lang="en-US" sz="2400" dirty="0" err="1" smtClean="0">
+                <a:latin typeface="Times New Roman" panose="02020603050405020304" pitchFamily="18" charset="0"/>
+                <a:cs typeface="Times New Roman" panose="02020603050405020304" pitchFamily="18" charset="0"/>
+              </a:rPr>
+              <a:t>góp</a:t>
+            </a:r>
+            <a:r>
+              <a:rPr lang="en-US" sz="2400" dirty="0" smtClean="0">
+                <a:latin typeface="Times New Roman" panose="02020603050405020304" pitchFamily="18" charset="0"/>
+                <a:cs typeface="Times New Roman" panose="02020603050405020304" pitchFamily="18" charset="0"/>
+              </a:rPr>
+              <a:t> ý</a:t>
+            </a:r>
+            <a:endParaRPr lang="fr-FR" sz="2400" dirty="0" smtClean="0">
+              <a:latin typeface="Times New Roman" panose="02020603050405020304" pitchFamily="18" charset="0"/>
+              <a:cs typeface="Times New Roman" panose="02020603050405020304" pitchFamily="18" charset="0"/>
+            </a:endParaRPr>
+          </a:p>
         </p:txBody>
       </p:sp>
     </p:spTree>
     <p:extLst>
       <p:ext uri="{BB962C8B-B14F-4D97-AF65-F5344CB8AC3E}">
-        <p14:creationId xmlns:p14="http://schemas.microsoft.com/office/powerpoint/2010/main" val="2336419721"/>
+        <p14:creationId xmlns:p14="http://schemas.microsoft.com/office/powerpoint/2010/main" val="3065391047"/>
       </p:ext>
     </p:extLst>
   </p:cSld>
@@ -8551,18 +9243,25 @@
           <a:lstStyle/>
           <a:p>
             <a:r>
+              <a:rPr lang="en-US" dirty="0" err="1" smtClean="0">
+                <a:latin typeface="Times New Roman" panose="02020603050405020304" pitchFamily="18" charset="0"/>
+                <a:cs typeface="Times New Roman" panose="02020603050405020304" pitchFamily="18" charset="0"/>
+              </a:rPr>
+              <a:t>Công</a:t>
+            </a:r>
+            <a:r>
               <a:rPr lang="en-US" dirty="0" smtClean="0">
                 <a:latin typeface="Times New Roman" panose="02020603050405020304" pitchFamily="18" charset="0"/>
                 <a:cs typeface="Times New Roman" panose="02020603050405020304" pitchFamily="18" charset="0"/>
               </a:rPr>
-              <a:t>Test </a:t>
+              <a:t> </a:t>
             </a:r>
             <a:r>
               <a:rPr lang="en-US" dirty="0" err="1" smtClean="0">
                 <a:latin typeface="Times New Roman" panose="02020603050405020304" pitchFamily="18" charset="0"/>
                 <a:cs typeface="Times New Roman" panose="02020603050405020304" pitchFamily="18" charset="0"/>
               </a:rPr>
-              <a:t>gui</a:t>
+              <a:t>cụ</a:t>
             </a:r>
             <a:r>
               <a:rPr lang="en-US" dirty="0" smtClean="0">
@@ -8576,7 +9275,7 @@
                 <a:latin typeface="Times New Roman" panose="02020603050405020304" pitchFamily="18" charset="0"/>
                 <a:cs typeface="Times New Roman" panose="02020603050405020304" pitchFamily="18" charset="0"/>
               </a:rPr>
-              <a:t>như</a:t>
+              <a:t>kiểm</a:t>
             </a:r>
             <a:r>
               <a:rPr lang="en-US" dirty="0" smtClean="0">
@@ -8590,7 +9289,7 @@
                 <a:latin typeface="Times New Roman" panose="02020603050405020304" pitchFamily="18" charset="0"/>
                 <a:cs typeface="Times New Roman" panose="02020603050405020304" pitchFamily="18" charset="0"/>
               </a:rPr>
-              <a:t>thế</a:t>
+              <a:t>thử</a:t>
             </a:r>
             <a:r>
               <a:rPr lang="en-US" dirty="0" smtClean="0">
@@ -8604,14 +9303,21 @@
                 <a:latin typeface="Times New Roman" panose="02020603050405020304" pitchFamily="18" charset="0"/>
                 <a:cs typeface="Times New Roman" panose="02020603050405020304" pitchFamily="18" charset="0"/>
               </a:rPr>
-              <a:t>nào</a:t>
+              <a:t>giao</a:t>
             </a:r>
             <a:r>
               <a:rPr lang="en-US" dirty="0" smtClean="0">
                 <a:latin typeface="Times New Roman" panose="02020603050405020304" pitchFamily="18" charset="0"/>
                 <a:cs typeface="Times New Roman" panose="02020603050405020304" pitchFamily="18" charset="0"/>
               </a:rPr>
-              <a:t> ?</a:t>
+              <a:t> </a:t>
+            </a:r>
+            <a:r>
+              <a:rPr lang="en-US" dirty="0" err="1" smtClean="0">
+                <a:latin typeface="Times New Roman" panose="02020603050405020304" pitchFamily="18" charset="0"/>
+                <a:cs typeface="Times New Roman" panose="02020603050405020304" pitchFamily="18" charset="0"/>
+              </a:rPr>
+              <a:t>diện</a:t>
             </a:r>
             <a:endParaRPr lang="en-US" dirty="0">
               <a:latin typeface="Times New Roman" panose="02020603050405020304" pitchFamily="18" charset="0"/>
@@ -8622,14 +9328,14 @@
       </p:sp>
       <p:sp>
         <p:nvSpPr>
-          <p:cNvPr id="5" name="Hộp Văn bản 4"/>
+          <p:cNvPr id="3" name="Hộp Văn bản 2"/>
           <p:cNvSpPr txBox="1"/>
           <p:nvPr/>
         </p:nvSpPr>
         <p:spPr>
           <a:xfrm>
-            <a:off x="631065" y="1867437"/>
-            <a:ext cx="10959921" cy="523220"/>
+            <a:off x="913775" y="2064327"/>
+            <a:ext cx="10059025" cy="646331"/>
           </a:xfrm>
           <a:prstGeom prst="rect">
             <a:avLst/>
@@ -8643,122 +9349,23 @@
           <a:lstStyle/>
           <a:p>
             <a:r>
-              <a:rPr lang="en-US" sz="2800" dirty="0" smtClean="0">
-                <a:latin typeface="Times New Roman" panose="02020603050405020304" pitchFamily="18" charset="0"/>
-                <a:cs typeface="Times New Roman" panose="02020603050405020304" pitchFamily="18" charset="0"/>
-              </a:rPr>
-              <a:t>Synchronization testing</a:t>
-            </a:r>
-            <a:endParaRPr lang="en-US" sz="2800" dirty="0">
-              <a:latin typeface="Times New Roman" panose="02020603050405020304" pitchFamily="18" charset="0"/>
-              <a:cs typeface="Times New Roman" panose="02020603050405020304" pitchFamily="18" charset="0"/>
-            </a:endParaRPr>
-          </a:p>
-        </p:txBody>
-      </p:sp>
-      <p:sp>
-        <p:nvSpPr>
-          <p:cNvPr id="4" name="Hộp Văn bản 3"/>
-          <p:cNvSpPr txBox="1"/>
-          <p:nvPr/>
-        </p:nvSpPr>
-        <p:spPr>
-          <a:xfrm>
-            <a:off x="721217" y="2575775"/>
-            <a:ext cx="10779617" cy="400110"/>
-          </a:xfrm>
-          <a:prstGeom prst="rect">
-            <a:avLst/>
-          </a:prstGeom>
-          <a:noFill/>
-        </p:spPr>
-        <p:txBody>
-          <a:bodyPr wrap="square" rtlCol="0">
-            <a:spAutoFit/>
-          </a:bodyPr>
-          <a:lstStyle/>
-          <a:p>
-            <a:endParaRPr lang="fr-FR" sz="2000" dirty="0" smtClean="0">
-              <a:latin typeface="Times New Roman" panose="02020603050405020304" pitchFamily="18" charset="0"/>
-              <a:cs typeface="Times New Roman" panose="02020603050405020304" pitchFamily="18" charset="0"/>
-            </a:endParaRPr>
-          </a:p>
-        </p:txBody>
-      </p:sp>
-      <p:sp>
-        <p:nvSpPr>
-          <p:cNvPr id="3" name="Hộp Văn bản 2"/>
-          <p:cNvSpPr txBox="1"/>
-          <p:nvPr/>
-        </p:nvSpPr>
-        <p:spPr>
-          <a:xfrm>
-            <a:off x="721217" y="2770909"/>
-            <a:ext cx="10223874" cy="1569660"/>
-          </a:xfrm>
-          <a:prstGeom prst="rect">
-            <a:avLst/>
-          </a:prstGeom>
-          <a:noFill/>
-        </p:spPr>
-        <p:txBody>
-          <a:bodyPr wrap="square" rtlCol="0">
-            <a:spAutoFit/>
-          </a:bodyPr>
-          <a:lstStyle/>
-          <a:p>
-            <a:pPr marL="342900" indent="-342900">
-              <a:buFont typeface="Arial" panose="020B0604020202020204" pitchFamily="34" charset="0"/>
-              <a:buChar char="•"/>
-            </a:pPr>
-            <a:r>
-              <a:rPr lang="en-US" sz="2400" dirty="0">
-                <a:latin typeface="Times New Roman" panose="02020603050405020304" pitchFamily="18" charset="0"/>
-                <a:cs typeface="Times New Roman" panose="02020603050405020304" pitchFamily="18" charset="0"/>
-              </a:rPr>
-              <a:t>Prepare one test case for every window object affected by a change or unsolicited </a:t>
-            </a:r>
-            <a:r>
-              <a:rPr lang="en-US" sz="2400" dirty="0" smtClean="0">
-                <a:latin typeface="Times New Roman" panose="02020603050405020304" pitchFamily="18" charset="0"/>
-                <a:cs typeface="Times New Roman" panose="02020603050405020304" pitchFamily="18" charset="0"/>
-              </a:rPr>
-              <a:t>event and </a:t>
-            </a:r>
-            <a:r>
-              <a:rPr lang="en-US" sz="2400" dirty="0">
-                <a:latin typeface="Times New Roman" panose="02020603050405020304" pitchFamily="18" charset="0"/>
-                <a:cs typeface="Times New Roman" panose="02020603050405020304" pitchFamily="18" charset="0"/>
-              </a:rPr>
-              <a:t>one test case for reciprocal situations.</a:t>
-            </a:r>
-          </a:p>
-          <a:p>
-            <a:pPr marL="342900" indent="-342900">
-              <a:buFont typeface="Arial" panose="020B0604020202020204" pitchFamily="34" charset="0"/>
-              <a:buChar char="•"/>
-            </a:pPr>
-            <a:r>
-              <a:rPr lang="en-US" sz="2400" dirty="0" smtClean="0">
-                <a:latin typeface="Times New Roman" panose="02020603050405020304" pitchFamily="18" charset="0"/>
-                <a:cs typeface="Times New Roman" panose="02020603050405020304" pitchFamily="18" charset="0"/>
-              </a:rPr>
-              <a:t>Prepare </a:t>
-            </a:r>
-            <a:r>
-              <a:rPr lang="en-US" sz="2400" dirty="0">
-                <a:latin typeface="Times New Roman" panose="02020603050405020304" pitchFamily="18" charset="0"/>
-                <a:cs typeface="Times New Roman" panose="02020603050405020304" pitchFamily="18" charset="0"/>
-              </a:rPr>
-              <a:t>one test case for every window object that must not be affected - but might be.</a:t>
-            </a:r>
+              <a:rPr lang="en-US" dirty="0" smtClean="0"/>
+              <a:t>Cc1</a:t>
+            </a:r>
+          </a:p>
+          <a:p>
+            <a:r>
+              <a:rPr lang="en-US" dirty="0" smtClean="0"/>
+              <a:t>Cc2 </a:t>
+            </a:r>
+            <a:endParaRPr lang="en-US" dirty="0"/>
           </a:p>
         </p:txBody>
       </p:sp>
     </p:spTree>
     <p:extLst>
       <p:ext uri="{BB962C8B-B14F-4D97-AF65-F5344CB8AC3E}">
-        <p14:creationId xmlns:p14="http://schemas.microsoft.com/office/powerpoint/2010/main" val="3858402293"/>
+        <p14:creationId xmlns:p14="http://schemas.microsoft.com/office/powerpoint/2010/main" val="2907477402"/>
       </p:ext>
     </p:extLst>
   </p:cSld>
@@ -8812,7 +9419,7 @@
                 <a:latin typeface="Times New Roman" panose="02020603050405020304" pitchFamily="18" charset="0"/>
                 <a:cs typeface="Times New Roman" panose="02020603050405020304" pitchFamily="18" charset="0"/>
               </a:rPr>
-              <a:t>Kiểm</a:t>
+              <a:t>Công</a:t>
             </a:r>
             <a:r>
               <a:rPr lang="en-US" dirty="0" smtClean="0">
@@ -8826,6 +9433,34 @@
                 <a:latin typeface="Times New Roman" panose="02020603050405020304" pitchFamily="18" charset="0"/>
                 <a:cs typeface="Times New Roman" panose="02020603050405020304" pitchFamily="18" charset="0"/>
               </a:rPr>
+              <a:t>cụ</a:t>
+            </a:r>
+            <a:r>
+              <a:rPr lang="en-US" dirty="0" smtClean="0">
+                <a:latin typeface="Times New Roman" panose="02020603050405020304" pitchFamily="18" charset="0"/>
+                <a:cs typeface="Times New Roman" panose="02020603050405020304" pitchFamily="18" charset="0"/>
+              </a:rPr>
+              <a:t> </a:t>
+            </a:r>
+            <a:r>
+              <a:rPr lang="en-US" dirty="0" err="1" smtClean="0">
+                <a:latin typeface="Times New Roman" panose="02020603050405020304" pitchFamily="18" charset="0"/>
+                <a:cs typeface="Times New Roman" panose="02020603050405020304" pitchFamily="18" charset="0"/>
+              </a:rPr>
+              <a:t>kiểm</a:t>
+            </a:r>
+            <a:r>
+              <a:rPr lang="en-US" dirty="0" smtClean="0">
+                <a:latin typeface="Times New Roman" panose="02020603050405020304" pitchFamily="18" charset="0"/>
+                <a:cs typeface="Times New Roman" panose="02020603050405020304" pitchFamily="18" charset="0"/>
+              </a:rPr>
+              <a:t> </a:t>
+            </a:r>
+            <a:r>
+              <a:rPr lang="en-US" dirty="0" err="1" smtClean="0">
+                <a:latin typeface="Times New Roman" panose="02020603050405020304" pitchFamily="18" charset="0"/>
+                <a:cs typeface="Times New Roman" panose="02020603050405020304" pitchFamily="18" charset="0"/>
+              </a:rPr>
               <a:t>thử</a:t>
             </a:r>
             <a:r>
@@ -8840,7 +9475,7 @@
                 <a:latin typeface="Times New Roman" panose="02020603050405020304" pitchFamily="18" charset="0"/>
                 <a:cs typeface="Times New Roman" panose="02020603050405020304" pitchFamily="18" charset="0"/>
               </a:rPr>
-              <a:t>giao</a:t>
+              <a:t>Tính</a:t>
             </a:r>
             <a:r>
               <a:rPr lang="en-US" dirty="0" smtClean="0">
@@ -8854,7 +9489,7 @@
                 <a:latin typeface="Times New Roman" panose="02020603050405020304" pitchFamily="18" charset="0"/>
                 <a:cs typeface="Times New Roman" panose="02020603050405020304" pitchFamily="18" charset="0"/>
               </a:rPr>
-              <a:t>diện</a:t>
+              <a:t>tiện</a:t>
             </a:r>
             <a:r>
               <a:rPr lang="en-US" dirty="0" smtClean="0">
@@ -8868,42 +9503,7 @@
                 <a:latin typeface="Times New Roman" panose="02020603050405020304" pitchFamily="18" charset="0"/>
                 <a:cs typeface="Times New Roman" panose="02020603050405020304" pitchFamily="18" charset="0"/>
               </a:rPr>
-              <a:t>như</a:t>
-            </a:r>
-            <a:r>
-              <a:rPr lang="en-US" dirty="0" smtClean="0">
-                <a:latin typeface="Times New Roman" panose="02020603050405020304" pitchFamily="18" charset="0"/>
-                <a:cs typeface="Times New Roman" panose="02020603050405020304" pitchFamily="18" charset="0"/>
-              </a:rPr>
-              <a:t> </a:t>
-            </a:r>
-            <a:r>
-              <a:rPr lang="en-US" dirty="0" err="1" smtClean="0">
-                <a:latin typeface="Times New Roman" panose="02020603050405020304" pitchFamily="18" charset="0"/>
-                <a:cs typeface="Times New Roman" panose="02020603050405020304" pitchFamily="18" charset="0"/>
-              </a:rPr>
-              <a:t>thế</a:t>
-            </a:r>
-            <a:r>
-              <a:rPr lang="en-US" dirty="0" smtClean="0">
-                <a:latin typeface="Times New Roman" panose="02020603050405020304" pitchFamily="18" charset="0"/>
-                <a:cs typeface="Times New Roman" panose="02020603050405020304" pitchFamily="18" charset="0"/>
-              </a:rPr>
-              <a:t> </a:t>
-            </a:r>
-            <a:r>
-              <a:rPr lang="en-US" dirty="0" err="1" smtClean="0">
-                <a:latin typeface="Times New Roman" panose="02020603050405020304" pitchFamily="18" charset="0"/>
-                <a:cs typeface="Times New Roman" panose="02020603050405020304" pitchFamily="18" charset="0"/>
-              </a:rPr>
-              <a:t>nào</a:t>
-            </a:r>
-            <a:r>
-              <a:rPr lang="en-US" dirty="0" smtClean="0">
-                <a:latin typeface="Times New Roman" panose="02020603050405020304" pitchFamily="18" charset="0"/>
-                <a:cs typeface="Times New Roman" panose="02020603050405020304" pitchFamily="18" charset="0"/>
-              </a:rPr>
-              <a:t> ?</a:t>
+              <a:t>dụng</a:t>
             </a:r>
             <a:endParaRPr lang="en-US" dirty="0">
               <a:latin typeface="Times New Roman" panose="02020603050405020304" pitchFamily="18" charset="0"/>
@@ -8914,14 +9514,14 @@
       </p:sp>
       <p:sp>
         <p:nvSpPr>
-          <p:cNvPr id="5" name="Hộp Văn bản 4"/>
+          <p:cNvPr id="3" name="Hộp Văn bản 2"/>
           <p:cNvSpPr txBox="1"/>
           <p:nvPr/>
         </p:nvSpPr>
         <p:spPr>
           <a:xfrm>
-            <a:off x="631065" y="1867437"/>
-            <a:ext cx="10959921" cy="523220"/>
+            <a:off x="913775" y="2064327"/>
+            <a:ext cx="10059025" cy="646331"/>
           </a:xfrm>
           <a:prstGeom prst="rect">
             <a:avLst/>
@@ -8935,390 +9535,23 @@
           <a:lstStyle/>
           <a:p>
             <a:r>
-              <a:rPr lang="en-US" sz="2800" dirty="0" smtClean="0">
-                <a:latin typeface="Times New Roman" panose="02020603050405020304" pitchFamily="18" charset="0"/>
-                <a:cs typeface="Times New Roman" panose="02020603050405020304" pitchFamily="18" charset="0"/>
-              </a:rPr>
-              <a:t>Non-functional testing</a:t>
-            </a:r>
-            <a:endParaRPr lang="en-US" sz="2800" dirty="0">
-              <a:latin typeface="Times New Roman" panose="02020603050405020304" pitchFamily="18" charset="0"/>
-              <a:cs typeface="Times New Roman" panose="02020603050405020304" pitchFamily="18" charset="0"/>
-            </a:endParaRPr>
-          </a:p>
-        </p:txBody>
-      </p:sp>
-      <p:sp>
-        <p:nvSpPr>
-          <p:cNvPr id="4" name="Hộp Văn bản 3"/>
-          <p:cNvSpPr txBox="1"/>
-          <p:nvPr/>
-        </p:nvSpPr>
-        <p:spPr>
-          <a:xfrm>
-            <a:off x="721217" y="2575775"/>
-            <a:ext cx="10779617" cy="400110"/>
-          </a:xfrm>
-          <a:prstGeom prst="rect">
-            <a:avLst/>
-          </a:prstGeom>
-          <a:noFill/>
-        </p:spPr>
-        <p:txBody>
-          <a:bodyPr wrap="square" rtlCol="0">
-            <a:spAutoFit/>
-          </a:bodyPr>
-          <a:lstStyle/>
-          <a:p>
-            <a:endParaRPr lang="fr-FR" sz="2000" dirty="0" smtClean="0">
-              <a:latin typeface="Times New Roman" panose="02020603050405020304" pitchFamily="18" charset="0"/>
-              <a:cs typeface="Times New Roman" panose="02020603050405020304" pitchFamily="18" charset="0"/>
-            </a:endParaRPr>
-          </a:p>
-        </p:txBody>
-      </p:sp>
-      <p:sp>
-        <p:nvSpPr>
-          <p:cNvPr id="3" name="Hộp Văn bản 2"/>
-          <p:cNvSpPr txBox="1"/>
-          <p:nvPr/>
-        </p:nvSpPr>
-        <p:spPr>
-          <a:xfrm>
-            <a:off x="721217" y="2770909"/>
-            <a:ext cx="10223874" cy="1200329"/>
-          </a:xfrm>
-          <a:prstGeom prst="rect">
-            <a:avLst/>
-          </a:prstGeom>
-          <a:noFill/>
-        </p:spPr>
-        <p:txBody>
-          <a:bodyPr wrap="square" rtlCol="0">
-            <a:spAutoFit/>
-          </a:bodyPr>
-          <a:lstStyle/>
-          <a:p>
-            <a:pPr marL="342900" indent="-342900">
-              <a:buFont typeface="Arial" panose="020B0604020202020204" pitchFamily="34" charset="0"/>
-              <a:buChar char="•"/>
-            </a:pPr>
-            <a:r>
-              <a:rPr lang="en-US" sz="2400" dirty="0" smtClean="0">
-                <a:latin typeface="Times New Roman" panose="02020603050405020304" pitchFamily="18" charset="0"/>
-                <a:cs typeface="Times New Roman" panose="02020603050405020304" pitchFamily="18" charset="0"/>
-              </a:rPr>
-              <a:t>Soak testing</a:t>
-            </a:r>
-          </a:p>
-          <a:p>
-            <a:pPr marL="342900" indent="-342900">
-              <a:buFont typeface="Arial" panose="020B0604020202020204" pitchFamily="34" charset="0"/>
-              <a:buChar char="•"/>
-            </a:pPr>
-            <a:r>
-              <a:rPr lang="en-US" sz="2400" dirty="0" smtClean="0">
-                <a:latin typeface="Times New Roman" panose="02020603050405020304" pitchFamily="18" charset="0"/>
-                <a:cs typeface="Times New Roman" panose="02020603050405020304" pitchFamily="18" charset="0"/>
-              </a:rPr>
-              <a:t>Compatibility testing</a:t>
-            </a:r>
-          </a:p>
-          <a:p>
-            <a:pPr marL="342900" indent="-342900">
-              <a:buFont typeface="Arial" panose="020B0604020202020204" pitchFamily="34" charset="0"/>
-              <a:buChar char="•"/>
-            </a:pPr>
-            <a:r>
-              <a:rPr lang="en-US" sz="2400" dirty="0" smtClean="0">
-                <a:latin typeface="Times New Roman" panose="02020603050405020304" pitchFamily="18" charset="0"/>
-                <a:cs typeface="Times New Roman" panose="02020603050405020304" pitchFamily="18" charset="0"/>
-              </a:rPr>
-              <a:t>Platform/ environment testing</a:t>
-            </a:r>
-            <a:endParaRPr lang="en-US" sz="2400" dirty="0">
-              <a:latin typeface="Times New Roman" panose="02020603050405020304" pitchFamily="18" charset="0"/>
-              <a:cs typeface="Times New Roman" panose="02020603050405020304" pitchFamily="18" charset="0"/>
-            </a:endParaRPr>
+              <a:rPr lang="en-US" dirty="0" smtClean="0"/>
+              <a:t>Cc1</a:t>
+            </a:r>
+          </a:p>
+          <a:p>
+            <a:r>
+              <a:rPr lang="en-US" dirty="0" smtClean="0"/>
+              <a:t>Cc2 </a:t>
+            </a:r>
+            <a:endParaRPr lang="en-US" dirty="0"/>
           </a:p>
         </p:txBody>
       </p:sp>
     </p:spTree>
     <p:extLst>
       <p:ext uri="{BB962C8B-B14F-4D97-AF65-F5344CB8AC3E}">
-        <p14:creationId xmlns:p14="http://schemas.microsoft.com/office/powerpoint/2010/main" val="588943320"/>
-      </p:ext>
-    </p:extLst>
-  </p:cSld>
-  <p:clrMapOvr>
-    <a:masterClrMapping/>
-  </p:clrMapOvr>
-  <p:timing>
-    <p:tnLst>
-      <p:par>
-        <p:cTn id="1" dur="indefinite" restart="never" nodeType="tmRoot"/>
-      </p:par>
-    </p:tnLst>
-  </p:timing>
-</p:sld>
-</file>
-
-<file path=ppt/slides/slide19.xml><?xml version="1.0" encoding="utf-8"?>
-<p:sld xmlns:a="http://schemas.openxmlformats.org/drawingml/2006/main" xmlns:r="http://schemas.openxmlformats.org/officeDocument/2006/relationships" xmlns:p="http://schemas.openxmlformats.org/presentationml/2006/main">
-  <p:cSld>
-    <p:spTree>
-      <p:nvGrpSpPr>
-        <p:cNvPr id="1" name=""/>
-        <p:cNvGrpSpPr/>
-        <p:nvPr/>
-      </p:nvGrpSpPr>
-      <p:grpSpPr>
-        <a:xfrm>
-          <a:off x="0" y="0"/>
-          <a:ext cx="0" cy="0"/>
-          <a:chOff x="0" y="0"/>
-          <a:chExt cx="0" cy="0"/>
-        </a:xfrm>
-      </p:grpSpPr>
-      <p:sp>
-        <p:nvSpPr>
-          <p:cNvPr id="2" name="Tiêu đề 1"/>
-          <p:cNvSpPr>
-            <a:spLocks noGrp="1"/>
-          </p:cNvSpPr>
-          <p:nvPr>
-            <p:ph type="title"/>
-          </p:nvPr>
-        </p:nvSpPr>
-        <p:spPr/>
-        <p:txBody>
-          <a:bodyPr/>
-          <a:lstStyle/>
-          <a:p>
-            <a:r>
-              <a:rPr lang="en-US" dirty="0" err="1" smtClean="0">
-                <a:latin typeface="Times New Roman" panose="02020603050405020304" pitchFamily="18" charset="0"/>
-                <a:cs typeface="Times New Roman" panose="02020603050405020304" pitchFamily="18" charset="0"/>
-              </a:rPr>
-              <a:t>Một</a:t>
-            </a:r>
-            <a:r>
-              <a:rPr lang="en-US" dirty="0" smtClean="0">
-                <a:latin typeface="Times New Roman" panose="02020603050405020304" pitchFamily="18" charset="0"/>
-                <a:cs typeface="Times New Roman" panose="02020603050405020304" pitchFamily="18" charset="0"/>
-              </a:rPr>
-              <a:t> </a:t>
-            </a:r>
-            <a:r>
-              <a:rPr lang="en-US" dirty="0" err="1" smtClean="0">
-                <a:latin typeface="Times New Roman" panose="02020603050405020304" pitchFamily="18" charset="0"/>
-                <a:cs typeface="Times New Roman" panose="02020603050405020304" pitchFamily="18" charset="0"/>
-              </a:rPr>
-              <a:t>số</a:t>
-            </a:r>
-            <a:r>
-              <a:rPr lang="en-US" dirty="0" smtClean="0">
-                <a:latin typeface="Times New Roman" panose="02020603050405020304" pitchFamily="18" charset="0"/>
-                <a:cs typeface="Times New Roman" panose="02020603050405020304" pitchFamily="18" charset="0"/>
-              </a:rPr>
-              <a:t> </a:t>
-            </a:r>
-            <a:r>
-              <a:rPr lang="en-US" dirty="0" err="1" smtClean="0">
-                <a:latin typeface="Times New Roman" panose="02020603050405020304" pitchFamily="18" charset="0"/>
-                <a:cs typeface="Times New Roman" panose="02020603050405020304" pitchFamily="18" charset="0"/>
-              </a:rPr>
-              <a:t>công</a:t>
-            </a:r>
-            <a:r>
-              <a:rPr lang="en-US" dirty="0" smtClean="0">
-                <a:latin typeface="Times New Roman" panose="02020603050405020304" pitchFamily="18" charset="0"/>
-                <a:cs typeface="Times New Roman" panose="02020603050405020304" pitchFamily="18" charset="0"/>
-              </a:rPr>
-              <a:t> </a:t>
-            </a:r>
-            <a:r>
-              <a:rPr lang="en-US" dirty="0" err="1" smtClean="0">
-                <a:latin typeface="Times New Roman" panose="02020603050405020304" pitchFamily="18" charset="0"/>
-                <a:cs typeface="Times New Roman" panose="02020603050405020304" pitchFamily="18" charset="0"/>
-              </a:rPr>
-              <a:t>cụ</a:t>
-            </a:r>
-            <a:r>
-              <a:rPr lang="en-US" dirty="0" smtClean="0">
-                <a:latin typeface="Times New Roman" panose="02020603050405020304" pitchFamily="18" charset="0"/>
-                <a:cs typeface="Times New Roman" panose="02020603050405020304" pitchFamily="18" charset="0"/>
-              </a:rPr>
-              <a:t> </a:t>
-            </a:r>
-            <a:r>
-              <a:rPr lang="en-US" dirty="0" err="1" smtClean="0">
-                <a:latin typeface="Times New Roman" panose="02020603050405020304" pitchFamily="18" charset="0"/>
-                <a:cs typeface="Times New Roman" panose="02020603050405020304" pitchFamily="18" charset="0"/>
-              </a:rPr>
-              <a:t>kiểm</a:t>
-            </a:r>
-            <a:r>
-              <a:rPr lang="en-US" dirty="0" smtClean="0">
-                <a:latin typeface="Times New Roman" panose="02020603050405020304" pitchFamily="18" charset="0"/>
-                <a:cs typeface="Times New Roman" panose="02020603050405020304" pitchFamily="18" charset="0"/>
-              </a:rPr>
-              <a:t> </a:t>
-            </a:r>
-            <a:r>
-              <a:rPr lang="en-US" dirty="0" err="1" smtClean="0">
-                <a:latin typeface="Times New Roman" panose="02020603050405020304" pitchFamily="18" charset="0"/>
-                <a:cs typeface="Times New Roman" panose="02020603050405020304" pitchFamily="18" charset="0"/>
-              </a:rPr>
-              <a:t>thử</a:t>
-            </a:r>
-            <a:r>
-              <a:rPr lang="en-US" dirty="0" smtClean="0">
-                <a:latin typeface="Times New Roman" panose="02020603050405020304" pitchFamily="18" charset="0"/>
-                <a:cs typeface="Times New Roman" panose="02020603050405020304" pitchFamily="18" charset="0"/>
-              </a:rPr>
-              <a:t> </a:t>
-            </a:r>
-            <a:r>
-              <a:rPr lang="en-US" dirty="0" err="1" smtClean="0">
-                <a:latin typeface="Times New Roman" panose="02020603050405020304" pitchFamily="18" charset="0"/>
-                <a:cs typeface="Times New Roman" panose="02020603050405020304" pitchFamily="18" charset="0"/>
-              </a:rPr>
-              <a:t>giao</a:t>
-            </a:r>
-            <a:r>
-              <a:rPr lang="en-US" dirty="0" smtClean="0">
-                <a:latin typeface="Times New Roman" panose="02020603050405020304" pitchFamily="18" charset="0"/>
-                <a:cs typeface="Times New Roman" panose="02020603050405020304" pitchFamily="18" charset="0"/>
-              </a:rPr>
-              <a:t> </a:t>
-            </a:r>
-            <a:r>
-              <a:rPr lang="en-US" dirty="0" err="1" smtClean="0">
-                <a:latin typeface="Times New Roman" panose="02020603050405020304" pitchFamily="18" charset="0"/>
-                <a:cs typeface="Times New Roman" panose="02020603050405020304" pitchFamily="18" charset="0"/>
-              </a:rPr>
-              <a:t>diện</a:t>
-            </a:r>
-            <a:endParaRPr lang="en-US" dirty="0">
-              <a:latin typeface="Times New Roman" panose="02020603050405020304" pitchFamily="18" charset="0"/>
-              <a:cs typeface="Times New Roman" panose="02020603050405020304" pitchFamily="18" charset="0"/>
-            </a:endParaRPr>
-          </a:p>
-        </p:txBody>
-      </p:sp>
-      <p:sp>
-        <p:nvSpPr>
-          <p:cNvPr id="5" name="Hộp Văn bản 4"/>
-          <p:cNvSpPr txBox="1"/>
-          <p:nvPr/>
-        </p:nvSpPr>
-        <p:spPr>
-          <a:xfrm>
-            <a:off x="721217" y="2644468"/>
-            <a:ext cx="10959921" cy="1815882"/>
-          </a:xfrm>
-          <a:prstGeom prst="rect">
-            <a:avLst/>
-          </a:prstGeom>
-          <a:noFill/>
-        </p:spPr>
-        <p:txBody>
-          <a:bodyPr wrap="square" rtlCol="0">
-            <a:spAutoFit/>
-          </a:bodyPr>
-          <a:lstStyle/>
-          <a:p>
-            <a:pPr marL="457200" indent="-457200">
-              <a:buFont typeface="Arial" panose="020B0604020202020204" pitchFamily="34" charset="0"/>
-              <a:buChar char="•"/>
-            </a:pPr>
-            <a:r>
-              <a:rPr lang="en-US" sz="2800" dirty="0" smtClean="0">
-                <a:latin typeface="Times New Roman" panose="02020603050405020304" pitchFamily="18" charset="0"/>
-                <a:cs typeface="Times New Roman" panose="02020603050405020304" pitchFamily="18" charset="0"/>
-              </a:rPr>
-              <a:t>GUI checklist</a:t>
-            </a:r>
-          </a:p>
-          <a:p>
-            <a:pPr marL="457200" indent="-457200">
-              <a:buFont typeface="Arial" panose="020B0604020202020204" pitchFamily="34" charset="0"/>
-              <a:buChar char="•"/>
-            </a:pPr>
-            <a:r>
-              <a:rPr lang="en-US" sz="2800" dirty="0" smtClean="0">
-                <a:latin typeface="Times New Roman" panose="02020603050405020304" pitchFamily="18" charset="0"/>
-                <a:cs typeface="Times New Roman" panose="02020603050405020304" pitchFamily="18" charset="0"/>
-              </a:rPr>
-              <a:t>Cross browser tools testing</a:t>
-            </a:r>
-          </a:p>
-          <a:p>
-            <a:pPr marL="457200" indent="-457200">
-              <a:buFont typeface="Arial" panose="020B0604020202020204" pitchFamily="34" charset="0"/>
-              <a:buChar char="•"/>
-            </a:pPr>
-            <a:r>
-              <a:rPr lang="en-US" sz="2800" dirty="0" smtClean="0">
-                <a:latin typeface="Times New Roman" panose="02020603050405020304" pitchFamily="18" charset="0"/>
-                <a:cs typeface="Times New Roman" panose="02020603050405020304" pitchFamily="18" charset="0"/>
-              </a:rPr>
-              <a:t>Link checker</a:t>
-            </a:r>
-          </a:p>
-          <a:p>
-            <a:pPr marL="457200" indent="-457200">
-              <a:buFont typeface="Arial" panose="020B0604020202020204" pitchFamily="34" charset="0"/>
-              <a:buChar char="•"/>
-            </a:pPr>
-            <a:r>
-              <a:rPr lang="en-US" sz="2800" dirty="0" smtClean="0">
-                <a:latin typeface="Times New Roman" panose="02020603050405020304" pitchFamily="18" charset="0"/>
-                <a:cs typeface="Times New Roman" panose="02020603050405020304" pitchFamily="18" charset="0"/>
-              </a:rPr>
-              <a:t>Color blindness simulator</a:t>
-            </a:r>
-            <a:endParaRPr lang="en-US" sz="2800" dirty="0">
-              <a:latin typeface="Times New Roman" panose="02020603050405020304" pitchFamily="18" charset="0"/>
-              <a:cs typeface="Times New Roman" panose="02020603050405020304" pitchFamily="18" charset="0"/>
-            </a:endParaRPr>
-          </a:p>
-        </p:txBody>
-      </p:sp>
-      <p:sp>
-        <p:nvSpPr>
-          <p:cNvPr id="4" name="Hộp Văn bản 3"/>
-          <p:cNvSpPr txBox="1"/>
-          <p:nvPr/>
-        </p:nvSpPr>
-        <p:spPr>
-          <a:xfrm>
-            <a:off x="721217" y="2575775"/>
-            <a:ext cx="10779617" cy="400110"/>
-          </a:xfrm>
-          <a:prstGeom prst="rect">
-            <a:avLst/>
-          </a:prstGeom>
-          <a:noFill/>
-        </p:spPr>
-        <p:txBody>
-          <a:bodyPr wrap="square" rtlCol="0">
-            <a:spAutoFit/>
-          </a:bodyPr>
-          <a:lstStyle/>
-          <a:p>
-            <a:endParaRPr lang="fr-FR" sz="2000" dirty="0" smtClean="0">
-              <a:latin typeface="Times New Roman" panose="02020603050405020304" pitchFamily="18" charset="0"/>
-              <a:cs typeface="Times New Roman" panose="02020603050405020304" pitchFamily="18" charset="0"/>
-            </a:endParaRPr>
-          </a:p>
-        </p:txBody>
-      </p:sp>
-    </p:spTree>
-    <p:extLst>
-      <p:ext uri="{BB962C8B-B14F-4D97-AF65-F5344CB8AC3E}">
-        <p14:creationId xmlns:p14="http://schemas.microsoft.com/office/powerpoint/2010/main" val="4047337695"/>
+        <p14:creationId xmlns:p14="http://schemas.microsoft.com/office/powerpoint/2010/main" val="1632243529"/>
       </p:ext>
     </p:extLst>
   </p:cSld>
@@ -9372,35 +9605,14 @@
                 <a:latin typeface="Times New Roman" panose="02020603050405020304" pitchFamily="18" charset="0"/>
                 <a:cs typeface="Times New Roman" panose="02020603050405020304" pitchFamily="18" charset="0"/>
               </a:rPr>
-              <a:t>Nội</a:t>
+              <a:t>Nhóm</a:t>
             </a:r>
             <a:r>
               <a:rPr lang="en-US" dirty="0" smtClean="0">
                 <a:latin typeface="Times New Roman" panose="02020603050405020304" pitchFamily="18" charset="0"/>
                 <a:cs typeface="Times New Roman" panose="02020603050405020304" pitchFamily="18" charset="0"/>
               </a:rPr>
-              <a:t> dung </a:t>
-            </a:r>
-            <a:r>
-              <a:rPr lang="en-US" dirty="0" err="1" smtClean="0">
-                <a:latin typeface="Times New Roman" panose="02020603050405020304" pitchFamily="18" charset="0"/>
-                <a:cs typeface="Times New Roman" panose="02020603050405020304" pitchFamily="18" charset="0"/>
-              </a:rPr>
-              <a:t>trình</a:t>
-            </a:r>
-            <a:r>
-              <a:rPr lang="en-US" dirty="0" smtClean="0">
-                <a:latin typeface="Times New Roman" panose="02020603050405020304" pitchFamily="18" charset="0"/>
-                <a:cs typeface="Times New Roman" panose="02020603050405020304" pitchFamily="18" charset="0"/>
-              </a:rPr>
-              <a:t> </a:t>
-            </a:r>
-            <a:r>
-              <a:rPr lang="en-US" dirty="0" err="1" smtClean="0">
-                <a:latin typeface="Times New Roman" panose="02020603050405020304" pitchFamily="18" charset="0"/>
-                <a:cs typeface="Times New Roman" panose="02020603050405020304" pitchFamily="18" charset="0"/>
-              </a:rPr>
-              <a:t>bày</a:t>
+              <a:t> 20</a:t>
             </a:r>
             <a:endParaRPr lang="en-US" dirty="0">
               <a:latin typeface="Times New Roman" panose="02020603050405020304" pitchFamily="18" charset="0"/>
@@ -9431,62 +9643,102 @@
                 <a:latin typeface="Times New Roman" panose="02020603050405020304" pitchFamily="18" charset="0"/>
                 <a:cs typeface="Times New Roman" panose="02020603050405020304" pitchFamily="18" charset="0"/>
               </a:rPr>
-              <a:t>Gui</a:t>
+              <a:t>Dương</a:t>
             </a:r>
             <a:r>
               <a:rPr lang="en-US" dirty="0" smtClean="0">
                 <a:latin typeface="Times New Roman" panose="02020603050405020304" pitchFamily="18" charset="0"/>
                 <a:cs typeface="Times New Roman" panose="02020603050405020304" pitchFamily="18" charset="0"/>
               </a:rPr>
-              <a:t> testing</a:t>
-            </a:r>
-          </a:p>
-          <a:p>
-            <a:pPr lvl="1"/>
+              <a:t> </a:t>
+            </a:r>
+            <a:r>
+              <a:rPr lang="en-US" dirty="0" err="1" smtClean="0">
+                <a:latin typeface="Times New Roman" panose="02020603050405020304" pitchFamily="18" charset="0"/>
+                <a:cs typeface="Times New Roman" panose="02020603050405020304" pitchFamily="18" charset="0"/>
+              </a:rPr>
+              <a:t>hữu</a:t>
+            </a:r>
             <a:r>
               <a:rPr lang="en-US" dirty="0" smtClean="0">
                 <a:latin typeface="Times New Roman" panose="02020603050405020304" pitchFamily="18" charset="0"/>
                 <a:cs typeface="Times New Roman" panose="02020603050405020304" pitchFamily="18" charset="0"/>
               </a:rPr>
-              <a:t>GUI testing </a:t>
+              <a:t> </a:t>
             </a:r>
             <a:r>
               <a:rPr lang="en-US" dirty="0" err="1" smtClean="0">
                 <a:latin typeface="Times New Roman" panose="02020603050405020304" pitchFamily="18" charset="0"/>
                 <a:cs typeface="Times New Roman" panose="02020603050405020304" pitchFamily="18" charset="0"/>
               </a:rPr>
-              <a:t>là</a:t>
+              <a:t>khánh</a:t>
             </a:r>
             <a:r>
               <a:rPr lang="en-US" dirty="0" smtClean="0">
                 <a:latin typeface="Times New Roman" panose="02020603050405020304" pitchFamily="18" charset="0"/>
                 <a:cs typeface="Times New Roman" panose="02020603050405020304" pitchFamily="18" charset="0"/>
               </a:rPr>
-              <a:t> </a:t>
-            </a:r>
-            <a:r>
-              <a:rPr lang="en-US" dirty="0" err="1" smtClean="0">
-                <a:latin typeface="Times New Roman" panose="02020603050405020304" pitchFamily="18" charset="0"/>
-                <a:cs typeface="Times New Roman" panose="02020603050405020304" pitchFamily="18" charset="0"/>
-              </a:rPr>
-              <a:t>gì</a:t>
+              <a:t> – 1212170</a:t>
+            </a:r>
+          </a:p>
+          <a:p>
+            <a:r>
+              <a:rPr lang="en-US" dirty="0" err="1">
+                <a:latin typeface="Times New Roman" panose="02020603050405020304" pitchFamily="18" charset="0"/>
+                <a:cs typeface="Times New Roman" panose="02020603050405020304" pitchFamily="18" charset="0"/>
+              </a:rPr>
+              <a:t>Hoàng</a:t>
+            </a:r>
+            <a:r>
+              <a:rPr lang="en-US" dirty="0">
+                <a:latin typeface="Times New Roman" panose="02020603050405020304" pitchFamily="18" charset="0"/>
+                <a:cs typeface="Times New Roman" panose="02020603050405020304" pitchFamily="18" charset="0"/>
+              </a:rPr>
+              <a:t> </a:t>
+            </a:r>
+            <a:r>
+              <a:rPr lang="en-US" dirty="0" err="1">
+                <a:latin typeface="Times New Roman" panose="02020603050405020304" pitchFamily="18" charset="0"/>
+                <a:cs typeface="Times New Roman" panose="02020603050405020304" pitchFamily="18" charset="0"/>
+              </a:rPr>
+              <a:t>đăng</a:t>
+            </a:r>
+            <a:r>
+              <a:rPr lang="en-US" dirty="0">
+                <a:latin typeface="Times New Roman" panose="02020603050405020304" pitchFamily="18" charset="0"/>
+                <a:cs typeface="Times New Roman" panose="02020603050405020304" pitchFamily="18" charset="0"/>
+              </a:rPr>
+              <a:t> </a:t>
+            </a:r>
+            <a:r>
+              <a:rPr lang="en-US" dirty="0" err="1">
+                <a:latin typeface="Times New Roman" panose="02020603050405020304" pitchFamily="18" charset="0"/>
+                <a:cs typeface="Times New Roman" panose="02020603050405020304" pitchFamily="18" charset="0"/>
+              </a:rPr>
+              <a:t>khoa</a:t>
+            </a:r>
+            <a:r>
+              <a:rPr lang="en-US" dirty="0">
+                <a:latin typeface="Times New Roman" panose="02020603050405020304" pitchFamily="18" charset="0"/>
+                <a:cs typeface="Times New Roman" panose="02020603050405020304" pitchFamily="18" charset="0"/>
+              </a:rPr>
+              <a:t> – </a:t>
             </a:r>
             <a:r>
               <a:rPr lang="en-US" dirty="0" smtClean="0">
                 <a:latin typeface="Times New Roman" panose="02020603050405020304" pitchFamily="18" charset="0"/>
                 <a:cs typeface="Times New Roman" panose="02020603050405020304" pitchFamily="18" charset="0"/>
               </a:rPr>
-              <a:t> ?</a:t>
-            </a:r>
-          </a:p>
-          <a:p>
-            <a:pPr lvl="1"/>
-            <a:r>
-              <a:rPr lang="en-US" dirty="0" err="1" smtClean="0">
-                <a:latin typeface="Times New Roman" panose="02020603050405020304" pitchFamily="18" charset="0"/>
-                <a:cs typeface="Times New Roman" panose="02020603050405020304" pitchFamily="18" charset="0"/>
-              </a:rPr>
-              <a:t>Làm</a:t>
+              <a:t>1212179</a:t>
+            </a:r>
+          </a:p>
+          <a:p>
+            <a:r>
+              <a:rPr lang="en-US" dirty="0" err="1">
+                <a:latin typeface="Times New Roman" panose="02020603050405020304" pitchFamily="18" charset="0"/>
+                <a:cs typeface="Times New Roman" panose="02020603050405020304" pitchFamily="18" charset="0"/>
+              </a:rPr>
+              <a:t>Nguyễn</a:t>
             </a:r>
             <a:r>
               <a:rPr lang="en-US" dirty="0">
@@ -9496,88 +9748,32 @@
               <a:t> </a:t>
             </a:r>
             <a:r>
-              <a:rPr lang="en-US" dirty="0" err="1" smtClean="0">
-                <a:latin typeface="Times New Roman" panose="02020603050405020304" pitchFamily="18" charset="0"/>
-                <a:cs typeface="Times New Roman" panose="02020603050405020304" pitchFamily="18" charset="0"/>
-              </a:rPr>
-              <a:t>sao</a:t>
-            </a:r>
-            <a:r>
-              <a:rPr lang="en-US" dirty="0" smtClean="0">
-                <a:latin typeface="Times New Roman" panose="02020603050405020304" pitchFamily="18" charset="0"/>
-                <a:cs typeface="Times New Roman" panose="02020603050405020304" pitchFamily="18" charset="0"/>
-              </a:rPr>
-              <a:t> </a:t>
-            </a:r>
-            <a:r>
-              <a:rPr lang="en-US" dirty="0" err="1" smtClean="0">
-                <a:latin typeface="Times New Roman" panose="02020603050405020304" pitchFamily="18" charset="0"/>
-                <a:cs typeface="Times New Roman" panose="02020603050405020304" pitchFamily="18" charset="0"/>
-              </a:rPr>
-              <a:t>để</a:t>
-            </a:r>
-            <a:r>
-              <a:rPr lang="en-US" dirty="0" smtClean="0">
-                <a:latin typeface="Times New Roman" panose="02020603050405020304" pitchFamily="18" charset="0"/>
-                <a:cs typeface="Times New Roman" panose="02020603050405020304" pitchFamily="18" charset="0"/>
-              </a:rPr>
-              <a:t> </a:t>
-            </a:r>
-            <a:r>
-              <a:rPr lang="en-US" dirty="0" err="1" smtClean="0">
-                <a:latin typeface="Times New Roman" panose="02020603050405020304" pitchFamily="18" charset="0"/>
-                <a:cs typeface="Times New Roman" panose="02020603050405020304" pitchFamily="18" charset="0"/>
-              </a:rPr>
-              <a:t>kiểm</a:t>
-            </a:r>
-            <a:r>
-              <a:rPr lang="en-US" dirty="0" smtClean="0">
-                <a:latin typeface="Times New Roman" panose="02020603050405020304" pitchFamily="18" charset="0"/>
-                <a:cs typeface="Times New Roman" panose="02020603050405020304" pitchFamily="18" charset="0"/>
-              </a:rPr>
-              <a:t> </a:t>
-            </a:r>
-            <a:r>
-              <a:rPr lang="en-US" dirty="0" err="1" smtClean="0">
-                <a:latin typeface="Times New Roman" panose="02020603050405020304" pitchFamily="18" charset="0"/>
-                <a:cs typeface="Times New Roman" panose="02020603050405020304" pitchFamily="18" charset="0"/>
-              </a:rPr>
-              <a:t>thử</a:t>
-            </a:r>
-            <a:r>
-              <a:rPr lang="en-US" dirty="0" smtClean="0">
-                <a:latin typeface="Times New Roman" panose="02020603050405020304" pitchFamily="18" charset="0"/>
-                <a:cs typeface="Times New Roman" panose="02020603050405020304" pitchFamily="18" charset="0"/>
-              </a:rPr>
-              <a:t> </a:t>
-            </a:r>
-            <a:r>
-              <a:rPr lang="en-US" dirty="0" err="1" smtClean="0">
-                <a:latin typeface="Times New Roman" panose="02020603050405020304" pitchFamily="18" charset="0"/>
-                <a:cs typeface="Times New Roman" panose="02020603050405020304" pitchFamily="18" charset="0"/>
-              </a:rPr>
-              <a:t>giao</a:t>
-            </a:r>
-            <a:r>
-              <a:rPr lang="en-US" dirty="0" smtClean="0">
-                <a:latin typeface="Times New Roman" panose="02020603050405020304" pitchFamily="18" charset="0"/>
-                <a:cs typeface="Times New Roman" panose="02020603050405020304" pitchFamily="18" charset="0"/>
-              </a:rPr>
-              <a:t> </a:t>
-            </a:r>
-            <a:r>
-              <a:rPr lang="en-US" dirty="0" err="1" smtClean="0">
-                <a:latin typeface="Times New Roman" panose="02020603050405020304" pitchFamily="18" charset="0"/>
-                <a:cs typeface="Times New Roman" panose="02020603050405020304" pitchFamily="18" charset="0"/>
-              </a:rPr>
-              <a:t>diện</a:t>
-            </a:r>
-            <a:r>
-              <a:rPr lang="en-US" dirty="0" smtClean="0">
-                <a:latin typeface="Times New Roman" panose="02020603050405020304" pitchFamily="18" charset="0"/>
-                <a:cs typeface="Times New Roman" panose="02020603050405020304" pitchFamily="18" charset="0"/>
-              </a:rPr>
-              <a:t> ?</a:t>
+              <a:rPr lang="en-US" dirty="0" err="1">
+                <a:latin typeface="Times New Roman" panose="02020603050405020304" pitchFamily="18" charset="0"/>
+                <a:cs typeface="Times New Roman" panose="02020603050405020304" pitchFamily="18" charset="0"/>
+              </a:rPr>
+              <a:t>văn</a:t>
+            </a:r>
+            <a:r>
+              <a:rPr lang="en-US" dirty="0">
+                <a:latin typeface="Times New Roman" panose="02020603050405020304" pitchFamily="18" charset="0"/>
+                <a:cs typeface="Times New Roman" panose="02020603050405020304" pitchFamily="18" charset="0"/>
+              </a:rPr>
+              <a:t> </a:t>
+            </a:r>
+            <a:r>
+              <a:rPr lang="en-US" dirty="0" err="1">
+                <a:latin typeface="Times New Roman" panose="02020603050405020304" pitchFamily="18" charset="0"/>
+                <a:cs typeface="Times New Roman" panose="02020603050405020304" pitchFamily="18" charset="0"/>
+              </a:rPr>
+              <a:t>khoa</a:t>
+            </a:r>
+            <a:r>
+              <a:rPr lang="en-US" dirty="0">
+                <a:latin typeface="Times New Roman" panose="02020603050405020304" pitchFamily="18" charset="0"/>
+                <a:cs typeface="Times New Roman" panose="02020603050405020304" pitchFamily="18" charset="0"/>
+              </a:rPr>
+              <a:t> – 1212182</a:t>
             </a:r>
             <a:endParaRPr lang="en-US" dirty="0" smtClean="0">
               <a:latin typeface="Times New Roman" panose="02020603050405020304" pitchFamily="18" charset="0"/>
@@ -9585,416 +9781,43 @@
             </a:endParaRPr>
           </a:p>
           <a:p>
-            <a:pPr lvl="1"/>
             <a:r>
               <a:rPr lang="en-US" dirty="0" err="1" smtClean="0">
                 <a:latin typeface="Times New Roman" panose="02020603050405020304" pitchFamily="18" charset="0"/>
                 <a:cs typeface="Times New Roman" panose="02020603050405020304" pitchFamily="18" charset="0"/>
               </a:rPr>
-              <a:t>Một</a:t>
+              <a:t>Nguyễn</a:t>
             </a:r>
             <a:r>
               <a:rPr lang="en-US" dirty="0" smtClean="0">
                 <a:latin typeface="Times New Roman" panose="02020603050405020304" pitchFamily="18" charset="0"/>
                 <a:cs typeface="Times New Roman" panose="02020603050405020304" pitchFamily="18" charset="0"/>
               </a:rPr>
-              <a:t> </a:t>
+              <a:t> minh </a:t>
             </a:r>
             <a:r>
               <a:rPr lang="en-US" dirty="0" err="1" smtClean="0">
                 <a:latin typeface="Times New Roman" panose="02020603050405020304" pitchFamily="18" charset="0"/>
                 <a:cs typeface="Times New Roman" panose="02020603050405020304" pitchFamily="18" charset="0"/>
               </a:rPr>
-              <a:t>số</a:t>
+              <a:t>khôi</a:t>
             </a:r>
             <a:r>
               <a:rPr lang="en-US" dirty="0" smtClean="0">
                 <a:latin typeface="Times New Roman" panose="02020603050405020304" pitchFamily="18" charset="0"/>
                 <a:cs typeface="Times New Roman" panose="02020603050405020304" pitchFamily="18" charset="0"/>
               </a:rPr>
-              <a:t> </a:t>
-            </a:r>
-            <a:r>
-              <a:rPr lang="en-US" dirty="0" err="1" smtClean="0">
-                <a:latin typeface="Times New Roman" panose="02020603050405020304" pitchFamily="18" charset="0"/>
-                <a:cs typeface="Times New Roman" panose="02020603050405020304" pitchFamily="18" charset="0"/>
-              </a:rPr>
-              <a:t>công</a:t>
-            </a:r>
-            <a:r>
-              <a:rPr lang="en-US" dirty="0" smtClean="0">
-                <a:latin typeface="Times New Roman" panose="02020603050405020304" pitchFamily="18" charset="0"/>
-                <a:cs typeface="Times New Roman" panose="02020603050405020304" pitchFamily="18" charset="0"/>
-              </a:rPr>
-              <a:t> </a:t>
-            </a:r>
-            <a:r>
-              <a:rPr lang="en-US" dirty="0" err="1" smtClean="0">
-                <a:latin typeface="Times New Roman" panose="02020603050405020304" pitchFamily="18" charset="0"/>
-                <a:cs typeface="Times New Roman" panose="02020603050405020304" pitchFamily="18" charset="0"/>
-              </a:rPr>
-              <a:t>cụ</a:t>
-            </a:r>
-            <a:r>
-              <a:rPr lang="en-US" dirty="0" smtClean="0">
-                <a:latin typeface="Times New Roman" panose="02020603050405020304" pitchFamily="18" charset="0"/>
-                <a:cs typeface="Times New Roman" panose="02020603050405020304" pitchFamily="18" charset="0"/>
-              </a:rPr>
-              <a:t> </a:t>
-            </a:r>
-            <a:r>
-              <a:rPr lang="en-US" dirty="0" err="1" smtClean="0">
-                <a:latin typeface="Times New Roman" panose="02020603050405020304" pitchFamily="18" charset="0"/>
-                <a:cs typeface="Times New Roman" panose="02020603050405020304" pitchFamily="18" charset="0"/>
-              </a:rPr>
-              <a:t>kiểm</a:t>
-            </a:r>
-            <a:r>
-              <a:rPr lang="en-US" dirty="0" smtClean="0">
-                <a:latin typeface="Times New Roman" panose="02020603050405020304" pitchFamily="18" charset="0"/>
-                <a:cs typeface="Times New Roman" panose="02020603050405020304" pitchFamily="18" charset="0"/>
-              </a:rPr>
-              <a:t> </a:t>
-            </a:r>
-            <a:r>
-              <a:rPr lang="en-US" dirty="0" err="1" smtClean="0">
-                <a:latin typeface="Times New Roman" panose="02020603050405020304" pitchFamily="18" charset="0"/>
-                <a:cs typeface="Times New Roman" panose="02020603050405020304" pitchFamily="18" charset="0"/>
-              </a:rPr>
-              <a:t>thử</a:t>
-            </a:r>
-            <a:r>
-              <a:rPr lang="en-US" dirty="0" smtClean="0">
-                <a:latin typeface="Times New Roman" panose="02020603050405020304" pitchFamily="18" charset="0"/>
-                <a:cs typeface="Times New Roman" panose="02020603050405020304" pitchFamily="18" charset="0"/>
-              </a:rPr>
-              <a:t> </a:t>
-            </a:r>
-            <a:r>
-              <a:rPr lang="en-US" dirty="0" err="1" smtClean="0">
-                <a:latin typeface="Times New Roman" panose="02020603050405020304" pitchFamily="18" charset="0"/>
-                <a:cs typeface="Times New Roman" panose="02020603050405020304" pitchFamily="18" charset="0"/>
-              </a:rPr>
-              <a:t>giao</a:t>
-            </a:r>
-            <a:r>
-              <a:rPr lang="en-US" dirty="0" smtClean="0">
-                <a:latin typeface="Times New Roman" panose="02020603050405020304" pitchFamily="18" charset="0"/>
-                <a:cs typeface="Times New Roman" panose="02020603050405020304" pitchFamily="18" charset="0"/>
-              </a:rPr>
-              <a:t> </a:t>
-            </a:r>
-            <a:r>
-              <a:rPr lang="en-US" dirty="0" err="1" smtClean="0">
-                <a:latin typeface="Times New Roman" panose="02020603050405020304" pitchFamily="18" charset="0"/>
-                <a:cs typeface="Times New Roman" panose="02020603050405020304" pitchFamily="18" charset="0"/>
-              </a:rPr>
-              <a:t>diện</a:t>
-            </a:r>
+              <a:t> – 1212186</a:t>
+            </a:r>
+          </a:p>
+          <a:p>
             <a:endParaRPr lang="en-US" dirty="0" smtClean="0">
               <a:latin typeface="Times New Roman" panose="02020603050405020304" pitchFamily="18" charset="0"/>
               <a:cs typeface="Times New Roman" panose="02020603050405020304" pitchFamily="18" charset="0"/>
             </a:endParaRPr>
           </a:p>
           <a:p>
-            <a:r>
-              <a:rPr lang="en-US" dirty="0" smtClean="0">
-                <a:latin typeface="Times New Roman" panose="02020603050405020304" pitchFamily="18" charset="0"/>
-                <a:cs typeface="Times New Roman" panose="02020603050405020304" pitchFamily="18" charset="0"/>
-              </a:rPr>
-              <a:t>Usability testing </a:t>
-            </a:r>
-            <a:endParaRPr lang="en-US" dirty="0" smtClean="0">
-              <a:latin typeface="Times New Roman" panose="02020603050405020304" pitchFamily="18" charset="0"/>
-              <a:cs typeface="Times New Roman" panose="02020603050405020304" pitchFamily="18" charset="0"/>
-            </a:endParaRPr>
-          </a:p>
-          <a:p>
-            <a:pPr lvl="1"/>
-            <a:r>
-              <a:rPr lang="en-US" sz="1700" dirty="0">
-                <a:latin typeface="Times New Roman" panose="02020603050405020304" pitchFamily="18" charset="0"/>
-                <a:cs typeface="Times New Roman" panose="02020603050405020304" pitchFamily="18" charset="0"/>
-              </a:rPr>
-              <a:t>Usability testing </a:t>
-            </a:r>
-            <a:r>
-              <a:rPr lang="en-US" sz="1700" dirty="0" err="1">
-                <a:latin typeface="Times New Roman" panose="02020603050405020304" pitchFamily="18" charset="0"/>
-                <a:cs typeface="Times New Roman" panose="02020603050405020304" pitchFamily="18" charset="0"/>
-              </a:rPr>
-              <a:t>là</a:t>
-            </a:r>
-            <a:r>
-              <a:rPr lang="en-US" sz="1700" dirty="0">
-                <a:latin typeface="Times New Roman" panose="02020603050405020304" pitchFamily="18" charset="0"/>
-                <a:cs typeface="Times New Roman" panose="02020603050405020304" pitchFamily="18" charset="0"/>
-              </a:rPr>
-              <a:t> </a:t>
-            </a:r>
-            <a:r>
-              <a:rPr lang="en-US" sz="1700" dirty="0" err="1">
-                <a:latin typeface="Times New Roman" panose="02020603050405020304" pitchFamily="18" charset="0"/>
-                <a:cs typeface="Times New Roman" panose="02020603050405020304" pitchFamily="18" charset="0"/>
-              </a:rPr>
-              <a:t>gì</a:t>
-            </a:r>
-            <a:r>
-              <a:rPr lang="en-US" sz="1700" dirty="0">
-                <a:latin typeface="Times New Roman" panose="02020603050405020304" pitchFamily="18" charset="0"/>
-                <a:cs typeface="Times New Roman" panose="02020603050405020304" pitchFamily="18" charset="0"/>
-              </a:rPr>
-              <a:t> ?</a:t>
-            </a:r>
-          </a:p>
-          <a:p>
-            <a:pPr lvl="1"/>
-            <a:r>
-              <a:rPr lang="en-US" sz="1700" dirty="0" err="1">
-                <a:latin typeface="Times New Roman" panose="02020603050405020304" pitchFamily="18" charset="0"/>
-                <a:cs typeface="Times New Roman" panose="02020603050405020304" pitchFamily="18" charset="0"/>
-              </a:rPr>
-              <a:t>Kiểm</a:t>
-            </a:r>
-            <a:r>
-              <a:rPr lang="en-US" sz="1700" dirty="0">
-                <a:latin typeface="Times New Roman" panose="02020603050405020304" pitchFamily="18" charset="0"/>
-                <a:cs typeface="Times New Roman" panose="02020603050405020304" pitchFamily="18" charset="0"/>
-              </a:rPr>
-              <a:t> </a:t>
-            </a:r>
-            <a:r>
-              <a:rPr lang="en-US" sz="1700" dirty="0" err="1">
-                <a:latin typeface="Times New Roman" panose="02020603050405020304" pitchFamily="18" charset="0"/>
-                <a:cs typeface="Times New Roman" panose="02020603050405020304" pitchFamily="18" charset="0"/>
-              </a:rPr>
-              <a:t>thử</a:t>
-            </a:r>
-            <a:r>
-              <a:rPr lang="en-US" sz="1700" dirty="0">
-                <a:latin typeface="Times New Roman" panose="02020603050405020304" pitchFamily="18" charset="0"/>
-                <a:cs typeface="Times New Roman" panose="02020603050405020304" pitchFamily="18" charset="0"/>
-              </a:rPr>
-              <a:t> </a:t>
-            </a:r>
-            <a:r>
-              <a:rPr lang="en-US" sz="1700" dirty="0" err="1">
-                <a:latin typeface="Times New Roman" panose="02020603050405020304" pitchFamily="18" charset="0"/>
-                <a:cs typeface="Times New Roman" panose="02020603050405020304" pitchFamily="18" charset="0"/>
-              </a:rPr>
-              <a:t>tính</a:t>
-            </a:r>
-            <a:r>
-              <a:rPr lang="en-US" sz="1700" dirty="0">
-                <a:latin typeface="Times New Roman" panose="02020603050405020304" pitchFamily="18" charset="0"/>
-                <a:cs typeface="Times New Roman" panose="02020603050405020304" pitchFamily="18" charset="0"/>
-              </a:rPr>
-              <a:t> </a:t>
-            </a:r>
-            <a:r>
-              <a:rPr lang="en-US" sz="1700" dirty="0" err="1">
-                <a:latin typeface="Times New Roman" panose="02020603050405020304" pitchFamily="18" charset="0"/>
-                <a:cs typeface="Times New Roman" panose="02020603050405020304" pitchFamily="18" charset="0"/>
-              </a:rPr>
-              <a:t>tiện</a:t>
-            </a:r>
-            <a:r>
-              <a:rPr lang="en-US" sz="1700" dirty="0">
-                <a:latin typeface="Times New Roman" panose="02020603050405020304" pitchFamily="18" charset="0"/>
-                <a:cs typeface="Times New Roman" panose="02020603050405020304" pitchFamily="18" charset="0"/>
-              </a:rPr>
-              <a:t> </a:t>
-            </a:r>
-            <a:r>
-              <a:rPr lang="en-US" sz="1700" dirty="0" err="1">
-                <a:latin typeface="Times New Roman" panose="02020603050405020304" pitchFamily="18" charset="0"/>
-                <a:cs typeface="Times New Roman" panose="02020603050405020304" pitchFamily="18" charset="0"/>
-              </a:rPr>
-              <a:t>dụng</a:t>
-            </a:r>
-            <a:r>
-              <a:rPr lang="en-US" sz="1700" dirty="0">
-                <a:latin typeface="Times New Roman" panose="02020603050405020304" pitchFamily="18" charset="0"/>
-                <a:cs typeface="Times New Roman" panose="02020603050405020304" pitchFamily="18" charset="0"/>
-              </a:rPr>
-              <a:t> </a:t>
-            </a:r>
-            <a:r>
-              <a:rPr lang="en-US" sz="1700" dirty="0" err="1">
-                <a:latin typeface="Times New Roman" panose="02020603050405020304" pitchFamily="18" charset="0"/>
-                <a:cs typeface="Times New Roman" panose="02020603050405020304" pitchFamily="18" charset="0"/>
-              </a:rPr>
-              <a:t>như</a:t>
-            </a:r>
-            <a:r>
-              <a:rPr lang="en-US" sz="1700" dirty="0">
-                <a:latin typeface="Times New Roman" panose="02020603050405020304" pitchFamily="18" charset="0"/>
-                <a:cs typeface="Times New Roman" panose="02020603050405020304" pitchFamily="18" charset="0"/>
-              </a:rPr>
-              <a:t> </a:t>
-            </a:r>
-            <a:r>
-              <a:rPr lang="en-US" sz="1700" dirty="0" err="1">
-                <a:latin typeface="Times New Roman" panose="02020603050405020304" pitchFamily="18" charset="0"/>
-                <a:cs typeface="Times New Roman" panose="02020603050405020304" pitchFamily="18" charset="0"/>
-              </a:rPr>
-              <a:t>thế</a:t>
-            </a:r>
-            <a:r>
-              <a:rPr lang="en-US" sz="1700" dirty="0">
-                <a:latin typeface="Times New Roman" panose="02020603050405020304" pitchFamily="18" charset="0"/>
-                <a:cs typeface="Times New Roman" panose="02020603050405020304" pitchFamily="18" charset="0"/>
-              </a:rPr>
-              <a:t> </a:t>
-            </a:r>
-            <a:r>
-              <a:rPr lang="en-US" sz="1700" dirty="0" err="1">
-                <a:latin typeface="Times New Roman" panose="02020603050405020304" pitchFamily="18" charset="0"/>
-                <a:cs typeface="Times New Roman" panose="02020603050405020304" pitchFamily="18" charset="0"/>
-              </a:rPr>
-              <a:t>nào</a:t>
-            </a:r>
-            <a:r>
-              <a:rPr lang="en-US" sz="1700" dirty="0">
-                <a:latin typeface="Times New Roman" panose="02020603050405020304" pitchFamily="18" charset="0"/>
-                <a:cs typeface="Times New Roman" panose="02020603050405020304" pitchFamily="18" charset="0"/>
-              </a:rPr>
-              <a:t> </a:t>
-            </a:r>
-            <a:r>
-              <a:rPr lang="en-US" sz="1700" dirty="0" smtClean="0">
-                <a:latin typeface="Times New Roman" panose="02020603050405020304" pitchFamily="18" charset="0"/>
-                <a:cs typeface="Times New Roman" panose="02020603050405020304" pitchFamily="18" charset="0"/>
-              </a:rPr>
-              <a:t>?	</a:t>
-            </a:r>
-            <a:endParaRPr lang="en-US" sz="1700" dirty="0">
-              <a:latin typeface="Times New Roman" panose="02020603050405020304" pitchFamily="18" charset="0"/>
-              <a:cs typeface="Times New Roman" panose="02020603050405020304" pitchFamily="18" charset="0"/>
-            </a:endParaRPr>
-          </a:p>
-          <a:p>
-            <a:pPr lvl="1"/>
-            <a:r>
-              <a:rPr lang="en-US" sz="1700" dirty="0" err="1">
-                <a:latin typeface="Times New Roman" panose="02020603050405020304" pitchFamily="18" charset="0"/>
-                <a:cs typeface="Times New Roman" panose="02020603050405020304" pitchFamily="18" charset="0"/>
-              </a:rPr>
-              <a:t>Một</a:t>
-            </a:r>
-            <a:r>
-              <a:rPr lang="en-US" sz="1700" dirty="0">
-                <a:latin typeface="Times New Roman" panose="02020603050405020304" pitchFamily="18" charset="0"/>
-                <a:cs typeface="Times New Roman" panose="02020603050405020304" pitchFamily="18" charset="0"/>
-              </a:rPr>
-              <a:t> </a:t>
-            </a:r>
-            <a:r>
-              <a:rPr lang="en-US" sz="1700" dirty="0" err="1">
-                <a:latin typeface="Times New Roman" panose="02020603050405020304" pitchFamily="18" charset="0"/>
-                <a:cs typeface="Times New Roman" panose="02020603050405020304" pitchFamily="18" charset="0"/>
-              </a:rPr>
-              <a:t>số</a:t>
-            </a:r>
-            <a:r>
-              <a:rPr lang="en-US" sz="1700" dirty="0">
-                <a:latin typeface="Times New Roman" panose="02020603050405020304" pitchFamily="18" charset="0"/>
-                <a:cs typeface="Times New Roman" panose="02020603050405020304" pitchFamily="18" charset="0"/>
-              </a:rPr>
-              <a:t> </a:t>
-            </a:r>
-            <a:r>
-              <a:rPr lang="en-US" sz="1700" dirty="0" err="1">
-                <a:latin typeface="Times New Roman" panose="02020603050405020304" pitchFamily="18" charset="0"/>
-                <a:cs typeface="Times New Roman" panose="02020603050405020304" pitchFamily="18" charset="0"/>
-              </a:rPr>
-              <a:t>công</a:t>
-            </a:r>
-            <a:r>
-              <a:rPr lang="en-US" sz="1700" dirty="0">
-                <a:latin typeface="Times New Roman" panose="02020603050405020304" pitchFamily="18" charset="0"/>
-                <a:cs typeface="Times New Roman" panose="02020603050405020304" pitchFamily="18" charset="0"/>
-              </a:rPr>
-              <a:t> </a:t>
-            </a:r>
-            <a:r>
-              <a:rPr lang="en-US" sz="1700" dirty="0" err="1">
-                <a:latin typeface="Times New Roman" panose="02020603050405020304" pitchFamily="18" charset="0"/>
-                <a:cs typeface="Times New Roman" panose="02020603050405020304" pitchFamily="18" charset="0"/>
-              </a:rPr>
-              <a:t>cụ</a:t>
-            </a:r>
-            <a:r>
-              <a:rPr lang="en-US" sz="1700" dirty="0">
-                <a:latin typeface="Times New Roman" panose="02020603050405020304" pitchFamily="18" charset="0"/>
-                <a:cs typeface="Times New Roman" panose="02020603050405020304" pitchFamily="18" charset="0"/>
-              </a:rPr>
-              <a:t> </a:t>
-            </a:r>
-            <a:r>
-              <a:rPr lang="en-US" sz="1700" dirty="0" err="1">
-                <a:latin typeface="Times New Roman" panose="02020603050405020304" pitchFamily="18" charset="0"/>
-                <a:cs typeface="Times New Roman" panose="02020603050405020304" pitchFamily="18" charset="0"/>
-              </a:rPr>
-              <a:t>kiểm</a:t>
-            </a:r>
-            <a:r>
-              <a:rPr lang="en-US" sz="1700" dirty="0">
-                <a:latin typeface="Times New Roman" panose="02020603050405020304" pitchFamily="18" charset="0"/>
-                <a:cs typeface="Times New Roman" panose="02020603050405020304" pitchFamily="18" charset="0"/>
-              </a:rPr>
-              <a:t> </a:t>
-            </a:r>
-            <a:r>
-              <a:rPr lang="en-US" sz="1700" dirty="0" err="1">
-                <a:latin typeface="Times New Roman" panose="02020603050405020304" pitchFamily="18" charset="0"/>
-                <a:cs typeface="Times New Roman" panose="02020603050405020304" pitchFamily="18" charset="0"/>
-              </a:rPr>
-              <a:t>thử</a:t>
-            </a:r>
-            <a:r>
-              <a:rPr lang="en-US" sz="1700" dirty="0">
-                <a:latin typeface="Times New Roman" panose="02020603050405020304" pitchFamily="18" charset="0"/>
-                <a:cs typeface="Times New Roman" panose="02020603050405020304" pitchFamily="18" charset="0"/>
-              </a:rPr>
-              <a:t> </a:t>
-            </a:r>
-            <a:r>
-              <a:rPr lang="en-US" sz="1700" dirty="0" err="1">
-                <a:latin typeface="Times New Roman" panose="02020603050405020304" pitchFamily="18" charset="0"/>
-                <a:cs typeface="Times New Roman" panose="02020603050405020304" pitchFamily="18" charset="0"/>
-              </a:rPr>
-              <a:t>tính</a:t>
-            </a:r>
-            <a:r>
-              <a:rPr lang="en-US" sz="1700" dirty="0">
-                <a:latin typeface="Times New Roman" panose="02020603050405020304" pitchFamily="18" charset="0"/>
-                <a:cs typeface="Times New Roman" panose="02020603050405020304" pitchFamily="18" charset="0"/>
-              </a:rPr>
-              <a:t> </a:t>
-            </a:r>
-            <a:r>
-              <a:rPr lang="en-US" sz="1700" dirty="0" err="1">
-                <a:latin typeface="Times New Roman" panose="02020603050405020304" pitchFamily="18" charset="0"/>
-                <a:cs typeface="Times New Roman" panose="02020603050405020304" pitchFamily="18" charset="0"/>
-              </a:rPr>
-              <a:t>tiện</a:t>
-            </a:r>
-            <a:r>
-              <a:rPr lang="en-US" sz="1700" dirty="0">
-                <a:latin typeface="Times New Roman" panose="02020603050405020304" pitchFamily="18" charset="0"/>
-                <a:cs typeface="Times New Roman" panose="02020603050405020304" pitchFamily="18" charset="0"/>
-              </a:rPr>
-              <a:t> </a:t>
-            </a:r>
-            <a:r>
-              <a:rPr lang="en-US" sz="1700" dirty="0" err="1">
-                <a:latin typeface="Times New Roman" panose="02020603050405020304" pitchFamily="18" charset="0"/>
-                <a:cs typeface="Times New Roman" panose="02020603050405020304" pitchFamily="18" charset="0"/>
-              </a:rPr>
-              <a:t>dụng</a:t>
-            </a:r>
-            <a:endParaRPr lang="en-US" sz="1700" dirty="0">
+            <a:endParaRPr lang="en-US" dirty="0">
               <a:latin typeface="Times New Roman" panose="02020603050405020304" pitchFamily="18" charset="0"/>
               <a:cs typeface="Times New Roman" panose="02020603050405020304" pitchFamily="18" charset="0"/>
             </a:endParaRPr>
@@ -10005,510 +9828,6 @@
     <p:extLst>
       <p:ext uri="{BB962C8B-B14F-4D97-AF65-F5344CB8AC3E}">
         <p14:creationId xmlns:p14="http://schemas.microsoft.com/office/powerpoint/2010/main" val="1770755792"/>
-      </p:ext>
-    </p:extLst>
-  </p:cSld>
-  <p:clrMapOvr>
-    <a:masterClrMapping/>
-  </p:clrMapOvr>
-  <p:timing>
-    <p:tnLst>
-      <p:par>
-        <p:cTn id="1" dur="indefinite" restart="never" nodeType="tmRoot"/>
-      </p:par>
-    </p:tnLst>
-  </p:timing>
-</p:sld>
-</file>
-
-<file path=ppt/slides/slide20.xml><?xml version="1.0" encoding="utf-8"?>
-<p:sld xmlns:a="http://schemas.openxmlformats.org/drawingml/2006/main" xmlns:r="http://schemas.openxmlformats.org/officeDocument/2006/relationships" xmlns:p="http://schemas.openxmlformats.org/presentationml/2006/main">
-  <p:cSld>
-    <p:spTree>
-      <p:nvGrpSpPr>
-        <p:cNvPr id="1" name=""/>
-        <p:cNvGrpSpPr/>
-        <p:nvPr/>
-      </p:nvGrpSpPr>
-      <p:grpSpPr>
-        <a:xfrm>
-          <a:off x="0" y="0"/>
-          <a:ext cx="0" cy="0"/>
-          <a:chOff x="0" y="0"/>
-          <a:chExt cx="0" cy="0"/>
-        </a:xfrm>
-      </p:grpSpPr>
-      <p:sp>
-        <p:nvSpPr>
-          <p:cNvPr id="2" name="Tiêu đề 1"/>
-          <p:cNvSpPr>
-            <a:spLocks noGrp="1"/>
-          </p:cNvSpPr>
-          <p:nvPr>
-            <p:ph type="title"/>
-          </p:nvPr>
-        </p:nvSpPr>
-        <p:spPr/>
-        <p:txBody>
-          <a:bodyPr/>
-          <a:lstStyle/>
-          <a:p>
-            <a:r>
-              <a:rPr lang="en-US" dirty="0" smtClean="0">
-                <a:latin typeface="Times New Roman" panose="02020603050405020304" pitchFamily="18" charset="0"/>
-                <a:cs typeface="Times New Roman" panose="02020603050405020304" pitchFamily="18" charset="0"/>
-              </a:rPr>
-              <a:t>Usability testing</a:t>
-            </a:r>
-            <a:endParaRPr lang="en-US" dirty="0">
-              <a:latin typeface="Times New Roman" panose="02020603050405020304" pitchFamily="18" charset="0"/>
-              <a:cs typeface="Times New Roman" panose="02020603050405020304" pitchFamily="18" charset="0"/>
-            </a:endParaRPr>
-          </a:p>
-        </p:txBody>
-      </p:sp>
-      <p:sp>
-        <p:nvSpPr>
-          <p:cNvPr id="4" name="Hộp Văn bản 3"/>
-          <p:cNvSpPr txBox="1"/>
-          <p:nvPr/>
-        </p:nvSpPr>
-        <p:spPr>
-          <a:xfrm>
-            <a:off x="913775" y="2358598"/>
-            <a:ext cx="10850880" cy="1384995"/>
-          </a:xfrm>
-          <a:prstGeom prst="rect">
-            <a:avLst/>
-          </a:prstGeom>
-          <a:noFill/>
-        </p:spPr>
-        <p:txBody>
-          <a:bodyPr wrap="square" rtlCol="0">
-            <a:spAutoFit/>
-          </a:bodyPr>
-          <a:lstStyle/>
-          <a:p>
-            <a:pPr marL="514350" indent="-514350">
-              <a:buFont typeface="+mj-lt"/>
-              <a:buAutoNum type="arabicPeriod"/>
-            </a:pPr>
-            <a:r>
-              <a:rPr lang="en-US" sz="2800" dirty="0" smtClean="0">
-                <a:latin typeface="Times New Roman" panose="02020603050405020304" pitchFamily="18" charset="0"/>
-                <a:cs typeface="Times New Roman" panose="02020603050405020304" pitchFamily="18" charset="0"/>
-              </a:rPr>
-              <a:t>Usability testing </a:t>
-            </a:r>
-            <a:r>
-              <a:rPr lang="en-US" sz="2800" dirty="0" err="1" smtClean="0">
-                <a:latin typeface="Times New Roman" panose="02020603050405020304" pitchFamily="18" charset="0"/>
-                <a:cs typeface="Times New Roman" panose="02020603050405020304" pitchFamily="18" charset="0"/>
-              </a:rPr>
-              <a:t>là</a:t>
-            </a:r>
-            <a:r>
-              <a:rPr lang="en-US" sz="2800" dirty="0" smtClean="0">
-                <a:latin typeface="Times New Roman" panose="02020603050405020304" pitchFamily="18" charset="0"/>
-                <a:cs typeface="Times New Roman" panose="02020603050405020304" pitchFamily="18" charset="0"/>
-              </a:rPr>
-              <a:t> </a:t>
-            </a:r>
-            <a:r>
-              <a:rPr lang="en-US" sz="2800" dirty="0" err="1" smtClean="0">
-                <a:latin typeface="Times New Roman" panose="02020603050405020304" pitchFamily="18" charset="0"/>
-                <a:cs typeface="Times New Roman" panose="02020603050405020304" pitchFamily="18" charset="0"/>
-              </a:rPr>
-              <a:t>gì</a:t>
-            </a:r>
-            <a:r>
-              <a:rPr lang="en-US" sz="2800" dirty="0" smtClean="0">
-                <a:latin typeface="Times New Roman" panose="02020603050405020304" pitchFamily="18" charset="0"/>
-                <a:cs typeface="Times New Roman" panose="02020603050405020304" pitchFamily="18" charset="0"/>
-              </a:rPr>
-              <a:t> ?</a:t>
-            </a:r>
-          </a:p>
-          <a:p>
-            <a:pPr marL="514350" indent="-514350">
-              <a:buFont typeface="+mj-lt"/>
-              <a:buAutoNum type="arabicPeriod"/>
-            </a:pPr>
-            <a:r>
-              <a:rPr lang="en-US" sz="2800" dirty="0" err="1" smtClean="0">
-                <a:latin typeface="Times New Roman" panose="02020603050405020304" pitchFamily="18" charset="0"/>
-                <a:cs typeface="Times New Roman" panose="02020603050405020304" pitchFamily="18" charset="0"/>
-              </a:rPr>
-              <a:t>Kiểm</a:t>
-            </a:r>
-            <a:r>
-              <a:rPr lang="en-US" sz="2800" dirty="0" smtClean="0">
-                <a:latin typeface="Times New Roman" panose="02020603050405020304" pitchFamily="18" charset="0"/>
-                <a:cs typeface="Times New Roman" panose="02020603050405020304" pitchFamily="18" charset="0"/>
-              </a:rPr>
-              <a:t> </a:t>
-            </a:r>
-            <a:r>
-              <a:rPr lang="en-US" sz="2800" dirty="0" err="1" smtClean="0">
-                <a:latin typeface="Times New Roman" panose="02020603050405020304" pitchFamily="18" charset="0"/>
-                <a:cs typeface="Times New Roman" panose="02020603050405020304" pitchFamily="18" charset="0"/>
-              </a:rPr>
-              <a:t>thử</a:t>
-            </a:r>
-            <a:r>
-              <a:rPr lang="en-US" sz="2800" dirty="0" smtClean="0">
-                <a:latin typeface="Times New Roman" panose="02020603050405020304" pitchFamily="18" charset="0"/>
-                <a:cs typeface="Times New Roman" panose="02020603050405020304" pitchFamily="18" charset="0"/>
-              </a:rPr>
-              <a:t> </a:t>
-            </a:r>
-            <a:r>
-              <a:rPr lang="en-US" sz="2800" dirty="0" err="1" smtClean="0">
-                <a:latin typeface="Times New Roman" panose="02020603050405020304" pitchFamily="18" charset="0"/>
-                <a:cs typeface="Times New Roman" panose="02020603050405020304" pitchFamily="18" charset="0"/>
-              </a:rPr>
-              <a:t>tính</a:t>
-            </a:r>
-            <a:r>
-              <a:rPr lang="en-US" sz="2800" dirty="0" smtClean="0">
-                <a:latin typeface="Times New Roman" panose="02020603050405020304" pitchFamily="18" charset="0"/>
-                <a:cs typeface="Times New Roman" panose="02020603050405020304" pitchFamily="18" charset="0"/>
-              </a:rPr>
-              <a:t> </a:t>
-            </a:r>
-            <a:r>
-              <a:rPr lang="en-US" sz="2800" dirty="0" err="1" smtClean="0">
-                <a:latin typeface="Times New Roman" panose="02020603050405020304" pitchFamily="18" charset="0"/>
-                <a:cs typeface="Times New Roman" panose="02020603050405020304" pitchFamily="18" charset="0"/>
-              </a:rPr>
-              <a:t>tiện</a:t>
-            </a:r>
-            <a:r>
-              <a:rPr lang="en-US" sz="2800" dirty="0" smtClean="0">
-                <a:latin typeface="Times New Roman" panose="02020603050405020304" pitchFamily="18" charset="0"/>
-                <a:cs typeface="Times New Roman" panose="02020603050405020304" pitchFamily="18" charset="0"/>
-              </a:rPr>
-              <a:t> </a:t>
-            </a:r>
-            <a:r>
-              <a:rPr lang="en-US" sz="2800" dirty="0" err="1" smtClean="0">
-                <a:latin typeface="Times New Roman" panose="02020603050405020304" pitchFamily="18" charset="0"/>
-                <a:cs typeface="Times New Roman" panose="02020603050405020304" pitchFamily="18" charset="0"/>
-              </a:rPr>
-              <a:t>dụng</a:t>
-            </a:r>
-            <a:r>
-              <a:rPr lang="en-US" sz="2800" dirty="0" smtClean="0">
-                <a:latin typeface="Times New Roman" panose="02020603050405020304" pitchFamily="18" charset="0"/>
-                <a:cs typeface="Times New Roman" panose="02020603050405020304" pitchFamily="18" charset="0"/>
-              </a:rPr>
-              <a:t> </a:t>
-            </a:r>
-            <a:r>
-              <a:rPr lang="en-US" sz="2800" dirty="0" err="1" smtClean="0">
-                <a:latin typeface="Times New Roman" panose="02020603050405020304" pitchFamily="18" charset="0"/>
-                <a:cs typeface="Times New Roman" panose="02020603050405020304" pitchFamily="18" charset="0"/>
-              </a:rPr>
-              <a:t>như</a:t>
-            </a:r>
-            <a:r>
-              <a:rPr lang="en-US" sz="2800" dirty="0" smtClean="0">
-                <a:latin typeface="Times New Roman" panose="02020603050405020304" pitchFamily="18" charset="0"/>
-                <a:cs typeface="Times New Roman" panose="02020603050405020304" pitchFamily="18" charset="0"/>
-              </a:rPr>
-              <a:t> </a:t>
-            </a:r>
-            <a:r>
-              <a:rPr lang="en-US" sz="2800" dirty="0" err="1" smtClean="0">
-                <a:latin typeface="Times New Roman" panose="02020603050405020304" pitchFamily="18" charset="0"/>
-                <a:cs typeface="Times New Roman" panose="02020603050405020304" pitchFamily="18" charset="0"/>
-              </a:rPr>
-              <a:t>thế</a:t>
-            </a:r>
-            <a:r>
-              <a:rPr lang="en-US" sz="2800" dirty="0" smtClean="0">
-                <a:latin typeface="Times New Roman" panose="02020603050405020304" pitchFamily="18" charset="0"/>
-                <a:cs typeface="Times New Roman" panose="02020603050405020304" pitchFamily="18" charset="0"/>
-              </a:rPr>
-              <a:t> </a:t>
-            </a:r>
-            <a:r>
-              <a:rPr lang="en-US" sz="2800" dirty="0" err="1" smtClean="0">
-                <a:latin typeface="Times New Roman" panose="02020603050405020304" pitchFamily="18" charset="0"/>
-                <a:cs typeface="Times New Roman" panose="02020603050405020304" pitchFamily="18" charset="0"/>
-              </a:rPr>
-              <a:t>nào</a:t>
-            </a:r>
-            <a:r>
-              <a:rPr lang="en-US" sz="2800" dirty="0" smtClean="0">
-                <a:latin typeface="Times New Roman" panose="02020603050405020304" pitchFamily="18" charset="0"/>
-                <a:cs typeface="Times New Roman" panose="02020603050405020304" pitchFamily="18" charset="0"/>
-              </a:rPr>
-              <a:t> ?</a:t>
-            </a:r>
-            <a:endParaRPr lang="en-US" sz="2800" dirty="0">
-              <a:latin typeface="Times New Roman" panose="02020603050405020304" pitchFamily="18" charset="0"/>
-              <a:cs typeface="Times New Roman" panose="02020603050405020304" pitchFamily="18" charset="0"/>
-            </a:endParaRPr>
-          </a:p>
-          <a:p>
-            <a:pPr marL="514350" indent="-514350">
-              <a:buFont typeface="+mj-lt"/>
-              <a:buAutoNum type="arabicPeriod"/>
-            </a:pPr>
-            <a:r>
-              <a:rPr lang="en-US" sz="2800" dirty="0" err="1" smtClean="0">
-                <a:latin typeface="Times New Roman" panose="02020603050405020304" pitchFamily="18" charset="0"/>
-                <a:cs typeface="Times New Roman" panose="02020603050405020304" pitchFamily="18" charset="0"/>
-              </a:rPr>
-              <a:t>Một</a:t>
-            </a:r>
-            <a:r>
-              <a:rPr lang="en-US" sz="2800" dirty="0" smtClean="0">
-                <a:latin typeface="Times New Roman" panose="02020603050405020304" pitchFamily="18" charset="0"/>
-                <a:cs typeface="Times New Roman" panose="02020603050405020304" pitchFamily="18" charset="0"/>
-              </a:rPr>
-              <a:t> </a:t>
-            </a:r>
-            <a:r>
-              <a:rPr lang="en-US" sz="2800" dirty="0" err="1" smtClean="0">
-                <a:latin typeface="Times New Roman" panose="02020603050405020304" pitchFamily="18" charset="0"/>
-                <a:cs typeface="Times New Roman" panose="02020603050405020304" pitchFamily="18" charset="0"/>
-              </a:rPr>
-              <a:t>số</a:t>
-            </a:r>
-            <a:r>
-              <a:rPr lang="en-US" sz="2800" dirty="0" smtClean="0">
-                <a:latin typeface="Times New Roman" panose="02020603050405020304" pitchFamily="18" charset="0"/>
-                <a:cs typeface="Times New Roman" panose="02020603050405020304" pitchFamily="18" charset="0"/>
-              </a:rPr>
-              <a:t> </a:t>
-            </a:r>
-            <a:r>
-              <a:rPr lang="en-US" sz="2800" dirty="0" err="1" smtClean="0">
-                <a:latin typeface="Times New Roman" panose="02020603050405020304" pitchFamily="18" charset="0"/>
-                <a:cs typeface="Times New Roman" panose="02020603050405020304" pitchFamily="18" charset="0"/>
-              </a:rPr>
-              <a:t>công</a:t>
-            </a:r>
-            <a:r>
-              <a:rPr lang="en-US" sz="2800" dirty="0" smtClean="0">
-                <a:latin typeface="Times New Roman" panose="02020603050405020304" pitchFamily="18" charset="0"/>
-                <a:cs typeface="Times New Roman" panose="02020603050405020304" pitchFamily="18" charset="0"/>
-              </a:rPr>
-              <a:t> </a:t>
-            </a:r>
-            <a:r>
-              <a:rPr lang="en-US" sz="2800" dirty="0" err="1" smtClean="0">
-                <a:latin typeface="Times New Roman" panose="02020603050405020304" pitchFamily="18" charset="0"/>
-                <a:cs typeface="Times New Roman" panose="02020603050405020304" pitchFamily="18" charset="0"/>
-              </a:rPr>
-              <a:t>cụ</a:t>
-            </a:r>
-            <a:r>
-              <a:rPr lang="en-US" sz="2800" dirty="0" smtClean="0">
-                <a:latin typeface="Times New Roman" panose="02020603050405020304" pitchFamily="18" charset="0"/>
-                <a:cs typeface="Times New Roman" panose="02020603050405020304" pitchFamily="18" charset="0"/>
-              </a:rPr>
-              <a:t> </a:t>
-            </a:r>
-            <a:r>
-              <a:rPr lang="en-US" sz="2800" dirty="0" err="1" smtClean="0">
-                <a:latin typeface="Times New Roman" panose="02020603050405020304" pitchFamily="18" charset="0"/>
-                <a:cs typeface="Times New Roman" panose="02020603050405020304" pitchFamily="18" charset="0"/>
-              </a:rPr>
-              <a:t>kiểm</a:t>
-            </a:r>
-            <a:r>
-              <a:rPr lang="en-US" sz="2800" dirty="0" smtClean="0">
-                <a:latin typeface="Times New Roman" panose="02020603050405020304" pitchFamily="18" charset="0"/>
-                <a:cs typeface="Times New Roman" panose="02020603050405020304" pitchFamily="18" charset="0"/>
-              </a:rPr>
-              <a:t> </a:t>
-            </a:r>
-            <a:r>
-              <a:rPr lang="en-US" sz="2800" dirty="0" err="1" smtClean="0">
-                <a:latin typeface="Times New Roman" panose="02020603050405020304" pitchFamily="18" charset="0"/>
-                <a:cs typeface="Times New Roman" panose="02020603050405020304" pitchFamily="18" charset="0"/>
-              </a:rPr>
-              <a:t>thử</a:t>
-            </a:r>
-            <a:r>
-              <a:rPr lang="en-US" sz="2800" dirty="0" smtClean="0">
-                <a:latin typeface="Times New Roman" panose="02020603050405020304" pitchFamily="18" charset="0"/>
-                <a:cs typeface="Times New Roman" panose="02020603050405020304" pitchFamily="18" charset="0"/>
-              </a:rPr>
-              <a:t> </a:t>
-            </a:r>
-            <a:r>
-              <a:rPr lang="en-US" sz="2800" dirty="0" err="1" smtClean="0">
-                <a:latin typeface="Times New Roman" panose="02020603050405020304" pitchFamily="18" charset="0"/>
-                <a:cs typeface="Times New Roman" panose="02020603050405020304" pitchFamily="18" charset="0"/>
-              </a:rPr>
-              <a:t>tính</a:t>
-            </a:r>
-            <a:r>
-              <a:rPr lang="en-US" sz="2800" dirty="0" smtClean="0">
-                <a:latin typeface="Times New Roman" panose="02020603050405020304" pitchFamily="18" charset="0"/>
-                <a:cs typeface="Times New Roman" panose="02020603050405020304" pitchFamily="18" charset="0"/>
-              </a:rPr>
-              <a:t> </a:t>
-            </a:r>
-            <a:r>
-              <a:rPr lang="en-US" sz="2800" dirty="0" err="1" smtClean="0">
-                <a:latin typeface="Times New Roman" panose="02020603050405020304" pitchFamily="18" charset="0"/>
-                <a:cs typeface="Times New Roman" panose="02020603050405020304" pitchFamily="18" charset="0"/>
-              </a:rPr>
-              <a:t>tiện</a:t>
-            </a:r>
-            <a:r>
-              <a:rPr lang="en-US" sz="2800" dirty="0" smtClean="0">
-                <a:latin typeface="Times New Roman" panose="02020603050405020304" pitchFamily="18" charset="0"/>
-                <a:cs typeface="Times New Roman" panose="02020603050405020304" pitchFamily="18" charset="0"/>
-              </a:rPr>
-              <a:t> </a:t>
-            </a:r>
-            <a:r>
-              <a:rPr lang="en-US" sz="2800" dirty="0" err="1" smtClean="0">
-                <a:latin typeface="Times New Roman" panose="02020603050405020304" pitchFamily="18" charset="0"/>
-                <a:cs typeface="Times New Roman" panose="02020603050405020304" pitchFamily="18" charset="0"/>
-              </a:rPr>
-              <a:t>dụng</a:t>
-            </a:r>
-            <a:endParaRPr lang="en-US" sz="2800" dirty="0">
-              <a:latin typeface="Times New Roman" panose="02020603050405020304" pitchFamily="18" charset="0"/>
-              <a:cs typeface="Times New Roman" panose="02020603050405020304" pitchFamily="18" charset="0"/>
-            </a:endParaRPr>
-          </a:p>
-        </p:txBody>
-      </p:sp>
-    </p:spTree>
-    <p:extLst>
-      <p:ext uri="{BB962C8B-B14F-4D97-AF65-F5344CB8AC3E}">
-        <p14:creationId xmlns:p14="http://schemas.microsoft.com/office/powerpoint/2010/main" val="330852248"/>
-      </p:ext>
-    </p:extLst>
-  </p:cSld>
-  <p:clrMapOvr>
-    <a:masterClrMapping/>
-  </p:clrMapOvr>
-  <p:timing>
-    <p:tnLst>
-      <p:par>
-        <p:cTn id="1" dur="indefinite" restart="never" nodeType="tmRoot"/>
-      </p:par>
-    </p:tnLst>
-  </p:timing>
-</p:sld>
-</file>
-
-<file path=ppt/slides/slide21.xml><?xml version="1.0" encoding="utf-8"?>
-<p:sld xmlns:a="http://schemas.openxmlformats.org/drawingml/2006/main" xmlns:r="http://schemas.openxmlformats.org/officeDocument/2006/relationships" xmlns:p="http://schemas.openxmlformats.org/presentationml/2006/main">
-  <p:cSld>
-    <p:spTree>
-      <p:nvGrpSpPr>
-        <p:cNvPr id="1" name=""/>
-        <p:cNvGrpSpPr/>
-        <p:nvPr/>
-      </p:nvGrpSpPr>
-      <p:grpSpPr>
-        <a:xfrm>
-          <a:off x="0" y="0"/>
-          <a:ext cx="0" cy="0"/>
-          <a:chOff x="0" y="0"/>
-          <a:chExt cx="0" cy="0"/>
-        </a:xfrm>
-      </p:grpSpPr>
-      <p:sp>
-        <p:nvSpPr>
-          <p:cNvPr id="2" name="Tiêu đề 1"/>
-          <p:cNvSpPr>
-            <a:spLocks noGrp="1"/>
-          </p:cNvSpPr>
-          <p:nvPr>
-            <p:ph type="title"/>
-          </p:nvPr>
-        </p:nvSpPr>
-        <p:spPr/>
-        <p:txBody>
-          <a:bodyPr/>
-          <a:lstStyle/>
-          <a:p>
-            <a:r>
-              <a:rPr lang="en-US" dirty="0" smtClean="0">
-                <a:latin typeface="Times New Roman" panose="02020603050405020304" pitchFamily="18" charset="0"/>
-                <a:cs typeface="Times New Roman" panose="02020603050405020304" pitchFamily="18" charset="0"/>
-              </a:rPr>
-              <a:t>Usability testing </a:t>
-            </a:r>
-            <a:r>
-              <a:rPr lang="en-US" dirty="0" err="1" smtClean="0">
-                <a:latin typeface="Times New Roman" panose="02020603050405020304" pitchFamily="18" charset="0"/>
-                <a:cs typeface="Times New Roman" panose="02020603050405020304" pitchFamily="18" charset="0"/>
-              </a:rPr>
-              <a:t>là</a:t>
-            </a:r>
-            <a:r>
-              <a:rPr lang="en-US" dirty="0" smtClean="0">
-                <a:latin typeface="Times New Roman" panose="02020603050405020304" pitchFamily="18" charset="0"/>
-                <a:cs typeface="Times New Roman" panose="02020603050405020304" pitchFamily="18" charset="0"/>
-              </a:rPr>
-              <a:t> </a:t>
-            </a:r>
-            <a:r>
-              <a:rPr lang="en-US" dirty="0" err="1" smtClean="0">
-                <a:latin typeface="Times New Roman" panose="02020603050405020304" pitchFamily="18" charset="0"/>
-                <a:cs typeface="Times New Roman" panose="02020603050405020304" pitchFamily="18" charset="0"/>
-              </a:rPr>
-              <a:t>gì</a:t>
-            </a:r>
-            <a:r>
-              <a:rPr lang="en-US" dirty="0" smtClean="0">
-                <a:latin typeface="Times New Roman" panose="02020603050405020304" pitchFamily="18" charset="0"/>
-                <a:cs typeface="Times New Roman" panose="02020603050405020304" pitchFamily="18" charset="0"/>
-              </a:rPr>
-              <a:t> ?</a:t>
-            </a:r>
-            <a:endParaRPr lang="en-US" dirty="0">
-              <a:latin typeface="Times New Roman" panose="02020603050405020304" pitchFamily="18" charset="0"/>
-              <a:cs typeface="Times New Roman" panose="02020603050405020304" pitchFamily="18" charset="0"/>
-            </a:endParaRPr>
-          </a:p>
-        </p:txBody>
-      </p:sp>
-      <p:sp>
-        <p:nvSpPr>
-          <p:cNvPr id="4" name="Hộp Văn bản 3"/>
-          <p:cNvSpPr txBox="1"/>
-          <p:nvPr/>
-        </p:nvSpPr>
-        <p:spPr>
-          <a:xfrm>
-            <a:off x="721217" y="2575775"/>
-            <a:ext cx="10779617" cy="400110"/>
-          </a:xfrm>
-          <a:prstGeom prst="rect">
-            <a:avLst/>
-          </a:prstGeom>
-          <a:noFill/>
-        </p:spPr>
-        <p:txBody>
-          <a:bodyPr wrap="square" rtlCol="0">
-            <a:spAutoFit/>
-          </a:bodyPr>
-          <a:lstStyle/>
-          <a:p>
-            <a:endParaRPr lang="fr-FR" sz="2000" dirty="0" smtClean="0">
-              <a:latin typeface="Times New Roman" panose="02020603050405020304" pitchFamily="18" charset="0"/>
-              <a:cs typeface="Times New Roman" panose="02020603050405020304" pitchFamily="18" charset="0"/>
-            </a:endParaRPr>
-          </a:p>
-        </p:txBody>
-      </p:sp>
-    </p:spTree>
-    <p:extLst>
-      <p:ext uri="{BB962C8B-B14F-4D97-AF65-F5344CB8AC3E}">
-        <p14:creationId xmlns:p14="http://schemas.microsoft.com/office/powerpoint/2010/main" val="2795365637"/>
       </p:ext>
     </p:extLst>
   </p:cSld>
@@ -10562,6 +9881,624 @@
                 <a:latin typeface="Times New Roman" panose="02020603050405020304" pitchFamily="18" charset="0"/>
                 <a:cs typeface="Times New Roman" panose="02020603050405020304" pitchFamily="18" charset="0"/>
               </a:rPr>
+              <a:t>Nội</a:t>
+            </a:r>
+            <a:r>
+              <a:rPr lang="en-US" dirty="0" smtClean="0">
+                <a:latin typeface="Times New Roman" panose="02020603050405020304" pitchFamily="18" charset="0"/>
+                <a:cs typeface="Times New Roman" panose="02020603050405020304" pitchFamily="18" charset="0"/>
+              </a:rPr>
+              <a:t> dung </a:t>
+            </a:r>
+            <a:r>
+              <a:rPr lang="en-US" dirty="0" err="1" smtClean="0">
+                <a:latin typeface="Times New Roman" panose="02020603050405020304" pitchFamily="18" charset="0"/>
+                <a:cs typeface="Times New Roman" panose="02020603050405020304" pitchFamily="18" charset="0"/>
+              </a:rPr>
+              <a:t>trình</a:t>
+            </a:r>
+            <a:r>
+              <a:rPr lang="en-US" dirty="0" smtClean="0">
+                <a:latin typeface="Times New Roman" panose="02020603050405020304" pitchFamily="18" charset="0"/>
+                <a:cs typeface="Times New Roman" panose="02020603050405020304" pitchFamily="18" charset="0"/>
+              </a:rPr>
+              <a:t> </a:t>
+            </a:r>
+            <a:r>
+              <a:rPr lang="en-US" dirty="0" err="1" smtClean="0">
+                <a:latin typeface="Times New Roman" panose="02020603050405020304" pitchFamily="18" charset="0"/>
+                <a:cs typeface="Times New Roman" panose="02020603050405020304" pitchFamily="18" charset="0"/>
+              </a:rPr>
+              <a:t>bày</a:t>
+            </a:r>
+            <a:endParaRPr lang="en-US" dirty="0">
+              <a:latin typeface="Times New Roman" panose="02020603050405020304" pitchFamily="18" charset="0"/>
+              <a:cs typeface="Times New Roman" panose="02020603050405020304" pitchFamily="18" charset="0"/>
+            </a:endParaRPr>
+          </a:p>
+        </p:txBody>
+      </p:sp>
+      <p:sp>
+        <p:nvSpPr>
+          <p:cNvPr id="3" name="Chỗ dành sẵn cho Nội dung 2"/>
+          <p:cNvSpPr>
+            <a:spLocks noGrp="1"/>
+          </p:cNvSpPr>
+          <p:nvPr>
+            <p:ph sz="quarter" idx="13"/>
+          </p:nvPr>
+        </p:nvSpPr>
+        <p:spPr/>
+        <p:txBody>
+          <a:bodyPr>
+            <a:normAutofit/>
+          </a:bodyPr>
+          <a:lstStyle/>
+          <a:p>
+            <a:r>
+              <a:rPr lang="en-US" dirty="0" err="1" smtClean="0">
+                <a:latin typeface="Times New Roman" panose="02020603050405020304" pitchFamily="18" charset="0"/>
+                <a:cs typeface="Times New Roman" panose="02020603050405020304" pitchFamily="18" charset="0"/>
+              </a:rPr>
+              <a:t>Gui</a:t>
+            </a:r>
+            <a:r>
+              <a:rPr lang="en-US" dirty="0" smtClean="0">
+                <a:latin typeface="Times New Roman" panose="02020603050405020304" pitchFamily="18" charset="0"/>
+                <a:cs typeface="Times New Roman" panose="02020603050405020304" pitchFamily="18" charset="0"/>
+              </a:rPr>
+              <a:t> testing</a:t>
+            </a:r>
+          </a:p>
+          <a:p>
+            <a:pPr lvl="1"/>
+            <a:r>
+              <a:rPr lang="en-US" dirty="0" smtClean="0">
+                <a:latin typeface="Times New Roman" panose="02020603050405020304" pitchFamily="18" charset="0"/>
+                <a:cs typeface="Times New Roman" panose="02020603050405020304" pitchFamily="18" charset="0"/>
+              </a:rPr>
+              <a:t>GUI testing </a:t>
+            </a:r>
+            <a:r>
+              <a:rPr lang="en-US" dirty="0" err="1" smtClean="0">
+                <a:latin typeface="Times New Roman" panose="02020603050405020304" pitchFamily="18" charset="0"/>
+                <a:cs typeface="Times New Roman" panose="02020603050405020304" pitchFamily="18" charset="0"/>
+              </a:rPr>
+              <a:t>là</a:t>
+            </a:r>
+            <a:r>
+              <a:rPr lang="en-US" dirty="0" smtClean="0">
+                <a:latin typeface="Times New Roman" panose="02020603050405020304" pitchFamily="18" charset="0"/>
+                <a:cs typeface="Times New Roman" panose="02020603050405020304" pitchFamily="18" charset="0"/>
+              </a:rPr>
+              <a:t> </a:t>
+            </a:r>
+            <a:r>
+              <a:rPr lang="en-US" dirty="0" err="1" smtClean="0">
+                <a:latin typeface="Times New Roman" panose="02020603050405020304" pitchFamily="18" charset="0"/>
+                <a:cs typeface="Times New Roman" panose="02020603050405020304" pitchFamily="18" charset="0"/>
+              </a:rPr>
+              <a:t>gì</a:t>
+            </a:r>
+            <a:r>
+              <a:rPr lang="en-US" dirty="0" smtClean="0">
+                <a:latin typeface="Times New Roman" panose="02020603050405020304" pitchFamily="18" charset="0"/>
+                <a:cs typeface="Times New Roman" panose="02020603050405020304" pitchFamily="18" charset="0"/>
+              </a:rPr>
+              <a:t> ?</a:t>
+            </a:r>
+          </a:p>
+          <a:p>
+            <a:pPr lvl="1"/>
+            <a:r>
+              <a:rPr lang="en-US" dirty="0" err="1" smtClean="0">
+                <a:latin typeface="Times New Roman" panose="02020603050405020304" pitchFamily="18" charset="0"/>
+                <a:cs typeface="Times New Roman" panose="02020603050405020304" pitchFamily="18" charset="0"/>
+              </a:rPr>
+              <a:t>Làm</a:t>
+            </a:r>
+            <a:r>
+              <a:rPr lang="en-US" dirty="0">
+                <a:latin typeface="Times New Roman" panose="02020603050405020304" pitchFamily="18" charset="0"/>
+                <a:cs typeface="Times New Roman" panose="02020603050405020304" pitchFamily="18" charset="0"/>
+              </a:rPr>
+              <a:t> </a:t>
+            </a:r>
+            <a:r>
+              <a:rPr lang="en-US" dirty="0" err="1" smtClean="0">
+                <a:latin typeface="Times New Roman" panose="02020603050405020304" pitchFamily="18" charset="0"/>
+                <a:cs typeface="Times New Roman" panose="02020603050405020304" pitchFamily="18" charset="0"/>
+              </a:rPr>
+              <a:t>sao</a:t>
+            </a:r>
+            <a:r>
+              <a:rPr lang="en-US" dirty="0" smtClean="0">
+                <a:latin typeface="Times New Roman" panose="02020603050405020304" pitchFamily="18" charset="0"/>
+                <a:cs typeface="Times New Roman" panose="02020603050405020304" pitchFamily="18" charset="0"/>
+              </a:rPr>
+              <a:t> </a:t>
+            </a:r>
+            <a:r>
+              <a:rPr lang="en-US" dirty="0" err="1" smtClean="0">
+                <a:latin typeface="Times New Roman" panose="02020603050405020304" pitchFamily="18" charset="0"/>
+                <a:cs typeface="Times New Roman" panose="02020603050405020304" pitchFamily="18" charset="0"/>
+              </a:rPr>
+              <a:t>để</a:t>
+            </a:r>
+            <a:r>
+              <a:rPr lang="en-US" dirty="0" smtClean="0">
+                <a:latin typeface="Times New Roman" panose="02020603050405020304" pitchFamily="18" charset="0"/>
+                <a:cs typeface="Times New Roman" panose="02020603050405020304" pitchFamily="18" charset="0"/>
+              </a:rPr>
+              <a:t> </a:t>
+            </a:r>
+            <a:r>
+              <a:rPr lang="en-US" dirty="0" err="1" smtClean="0">
+                <a:latin typeface="Times New Roman" panose="02020603050405020304" pitchFamily="18" charset="0"/>
+                <a:cs typeface="Times New Roman" panose="02020603050405020304" pitchFamily="18" charset="0"/>
+              </a:rPr>
+              <a:t>kiểm</a:t>
+            </a:r>
+            <a:r>
+              <a:rPr lang="en-US" dirty="0" smtClean="0">
+                <a:latin typeface="Times New Roman" panose="02020603050405020304" pitchFamily="18" charset="0"/>
+                <a:cs typeface="Times New Roman" panose="02020603050405020304" pitchFamily="18" charset="0"/>
+              </a:rPr>
+              <a:t> </a:t>
+            </a:r>
+            <a:r>
+              <a:rPr lang="en-US" dirty="0" err="1" smtClean="0">
+                <a:latin typeface="Times New Roman" panose="02020603050405020304" pitchFamily="18" charset="0"/>
+                <a:cs typeface="Times New Roman" panose="02020603050405020304" pitchFamily="18" charset="0"/>
+              </a:rPr>
+              <a:t>thử</a:t>
+            </a:r>
+            <a:r>
+              <a:rPr lang="en-US" dirty="0" smtClean="0">
+                <a:latin typeface="Times New Roman" panose="02020603050405020304" pitchFamily="18" charset="0"/>
+                <a:cs typeface="Times New Roman" panose="02020603050405020304" pitchFamily="18" charset="0"/>
+              </a:rPr>
+              <a:t> </a:t>
+            </a:r>
+            <a:r>
+              <a:rPr lang="en-US" dirty="0" err="1" smtClean="0">
+                <a:latin typeface="Times New Roman" panose="02020603050405020304" pitchFamily="18" charset="0"/>
+                <a:cs typeface="Times New Roman" panose="02020603050405020304" pitchFamily="18" charset="0"/>
+              </a:rPr>
+              <a:t>giao</a:t>
+            </a:r>
+            <a:r>
+              <a:rPr lang="en-US" dirty="0" smtClean="0">
+                <a:latin typeface="Times New Roman" panose="02020603050405020304" pitchFamily="18" charset="0"/>
+                <a:cs typeface="Times New Roman" panose="02020603050405020304" pitchFamily="18" charset="0"/>
+              </a:rPr>
+              <a:t> </a:t>
+            </a:r>
+            <a:r>
+              <a:rPr lang="en-US" dirty="0" err="1" smtClean="0">
+                <a:latin typeface="Times New Roman" panose="02020603050405020304" pitchFamily="18" charset="0"/>
+                <a:cs typeface="Times New Roman" panose="02020603050405020304" pitchFamily="18" charset="0"/>
+              </a:rPr>
+              <a:t>diện</a:t>
+            </a:r>
+            <a:r>
+              <a:rPr lang="en-US" dirty="0" smtClean="0">
+                <a:latin typeface="Times New Roman" panose="02020603050405020304" pitchFamily="18" charset="0"/>
+                <a:cs typeface="Times New Roman" panose="02020603050405020304" pitchFamily="18" charset="0"/>
+              </a:rPr>
+              <a:t> </a:t>
+            </a:r>
+            <a:r>
+              <a:rPr lang="en-US" dirty="0" smtClean="0">
+                <a:latin typeface="Times New Roman" panose="02020603050405020304" pitchFamily="18" charset="0"/>
+                <a:cs typeface="Times New Roman" panose="02020603050405020304" pitchFamily="18" charset="0"/>
+              </a:rPr>
+              <a:t>?</a:t>
+            </a:r>
+            <a:endParaRPr lang="en-US" dirty="0" smtClean="0">
+              <a:latin typeface="Times New Roman" panose="02020603050405020304" pitchFamily="18" charset="0"/>
+              <a:cs typeface="Times New Roman" panose="02020603050405020304" pitchFamily="18" charset="0"/>
+            </a:endParaRPr>
+          </a:p>
+          <a:p>
+            <a:r>
+              <a:rPr lang="en-US" dirty="0" smtClean="0">
+                <a:latin typeface="Times New Roman" panose="02020603050405020304" pitchFamily="18" charset="0"/>
+                <a:cs typeface="Times New Roman" panose="02020603050405020304" pitchFamily="18" charset="0"/>
+              </a:rPr>
+              <a:t>Usability testing </a:t>
+            </a:r>
+          </a:p>
+          <a:p>
+            <a:pPr lvl="1"/>
+            <a:r>
+              <a:rPr lang="en-US" dirty="0">
+                <a:latin typeface="Times New Roman" panose="02020603050405020304" pitchFamily="18" charset="0"/>
+                <a:cs typeface="Times New Roman" panose="02020603050405020304" pitchFamily="18" charset="0"/>
+              </a:rPr>
+              <a:t>Usability testing </a:t>
+            </a:r>
+            <a:r>
+              <a:rPr lang="en-US" dirty="0" err="1">
+                <a:latin typeface="Times New Roman" panose="02020603050405020304" pitchFamily="18" charset="0"/>
+                <a:cs typeface="Times New Roman" panose="02020603050405020304" pitchFamily="18" charset="0"/>
+              </a:rPr>
+              <a:t>là</a:t>
+            </a:r>
+            <a:r>
+              <a:rPr lang="en-US" dirty="0">
+                <a:latin typeface="Times New Roman" panose="02020603050405020304" pitchFamily="18" charset="0"/>
+                <a:cs typeface="Times New Roman" panose="02020603050405020304" pitchFamily="18" charset="0"/>
+              </a:rPr>
+              <a:t> </a:t>
+            </a:r>
+            <a:r>
+              <a:rPr lang="en-US" dirty="0" err="1">
+                <a:latin typeface="Times New Roman" panose="02020603050405020304" pitchFamily="18" charset="0"/>
+                <a:cs typeface="Times New Roman" panose="02020603050405020304" pitchFamily="18" charset="0"/>
+              </a:rPr>
+              <a:t>gì</a:t>
+            </a:r>
+            <a:r>
+              <a:rPr lang="en-US" dirty="0">
+                <a:latin typeface="Times New Roman" panose="02020603050405020304" pitchFamily="18" charset="0"/>
+                <a:cs typeface="Times New Roman" panose="02020603050405020304" pitchFamily="18" charset="0"/>
+              </a:rPr>
+              <a:t> ?</a:t>
+            </a:r>
+          </a:p>
+          <a:p>
+            <a:pPr lvl="1"/>
+            <a:r>
+              <a:rPr lang="en-US" dirty="0" err="1">
+                <a:latin typeface="Times New Roman" panose="02020603050405020304" pitchFamily="18" charset="0"/>
+                <a:cs typeface="Times New Roman" panose="02020603050405020304" pitchFamily="18" charset="0"/>
+              </a:rPr>
+              <a:t>Kiểm</a:t>
+            </a:r>
+            <a:r>
+              <a:rPr lang="en-US" dirty="0">
+                <a:latin typeface="Times New Roman" panose="02020603050405020304" pitchFamily="18" charset="0"/>
+                <a:cs typeface="Times New Roman" panose="02020603050405020304" pitchFamily="18" charset="0"/>
+              </a:rPr>
+              <a:t> </a:t>
+            </a:r>
+            <a:r>
+              <a:rPr lang="en-US" dirty="0" err="1">
+                <a:latin typeface="Times New Roman" panose="02020603050405020304" pitchFamily="18" charset="0"/>
+                <a:cs typeface="Times New Roman" panose="02020603050405020304" pitchFamily="18" charset="0"/>
+              </a:rPr>
+              <a:t>thử</a:t>
+            </a:r>
+            <a:r>
+              <a:rPr lang="en-US" dirty="0">
+                <a:latin typeface="Times New Roman" panose="02020603050405020304" pitchFamily="18" charset="0"/>
+                <a:cs typeface="Times New Roman" panose="02020603050405020304" pitchFamily="18" charset="0"/>
+              </a:rPr>
+              <a:t> </a:t>
+            </a:r>
+            <a:r>
+              <a:rPr lang="en-US" dirty="0" err="1">
+                <a:latin typeface="Times New Roman" panose="02020603050405020304" pitchFamily="18" charset="0"/>
+                <a:cs typeface="Times New Roman" panose="02020603050405020304" pitchFamily="18" charset="0"/>
+              </a:rPr>
+              <a:t>tính</a:t>
+            </a:r>
+            <a:r>
+              <a:rPr lang="en-US" dirty="0">
+                <a:latin typeface="Times New Roman" panose="02020603050405020304" pitchFamily="18" charset="0"/>
+                <a:cs typeface="Times New Roman" panose="02020603050405020304" pitchFamily="18" charset="0"/>
+              </a:rPr>
+              <a:t> </a:t>
+            </a:r>
+            <a:r>
+              <a:rPr lang="en-US" dirty="0" err="1">
+                <a:latin typeface="Times New Roman" panose="02020603050405020304" pitchFamily="18" charset="0"/>
+                <a:cs typeface="Times New Roman" panose="02020603050405020304" pitchFamily="18" charset="0"/>
+              </a:rPr>
+              <a:t>tiện</a:t>
+            </a:r>
+            <a:r>
+              <a:rPr lang="en-US" dirty="0">
+                <a:latin typeface="Times New Roman" panose="02020603050405020304" pitchFamily="18" charset="0"/>
+                <a:cs typeface="Times New Roman" panose="02020603050405020304" pitchFamily="18" charset="0"/>
+              </a:rPr>
+              <a:t> </a:t>
+            </a:r>
+            <a:r>
+              <a:rPr lang="en-US" dirty="0" err="1">
+                <a:latin typeface="Times New Roman" panose="02020603050405020304" pitchFamily="18" charset="0"/>
+                <a:cs typeface="Times New Roman" panose="02020603050405020304" pitchFamily="18" charset="0"/>
+              </a:rPr>
+              <a:t>dụng</a:t>
+            </a:r>
+            <a:r>
+              <a:rPr lang="en-US" dirty="0">
+                <a:latin typeface="Times New Roman" panose="02020603050405020304" pitchFamily="18" charset="0"/>
+                <a:cs typeface="Times New Roman" panose="02020603050405020304" pitchFamily="18" charset="0"/>
+              </a:rPr>
+              <a:t> </a:t>
+            </a:r>
+            <a:r>
+              <a:rPr lang="en-US" dirty="0" err="1">
+                <a:latin typeface="Times New Roman" panose="02020603050405020304" pitchFamily="18" charset="0"/>
+                <a:cs typeface="Times New Roman" panose="02020603050405020304" pitchFamily="18" charset="0"/>
+              </a:rPr>
+              <a:t>như</a:t>
+            </a:r>
+            <a:r>
+              <a:rPr lang="en-US" dirty="0">
+                <a:latin typeface="Times New Roman" panose="02020603050405020304" pitchFamily="18" charset="0"/>
+                <a:cs typeface="Times New Roman" panose="02020603050405020304" pitchFamily="18" charset="0"/>
+              </a:rPr>
+              <a:t> </a:t>
+            </a:r>
+            <a:r>
+              <a:rPr lang="en-US" dirty="0" err="1">
+                <a:latin typeface="Times New Roman" panose="02020603050405020304" pitchFamily="18" charset="0"/>
+                <a:cs typeface="Times New Roman" panose="02020603050405020304" pitchFamily="18" charset="0"/>
+              </a:rPr>
+              <a:t>thế</a:t>
+            </a:r>
+            <a:r>
+              <a:rPr lang="en-US" dirty="0">
+                <a:latin typeface="Times New Roman" panose="02020603050405020304" pitchFamily="18" charset="0"/>
+                <a:cs typeface="Times New Roman" panose="02020603050405020304" pitchFamily="18" charset="0"/>
+              </a:rPr>
+              <a:t> </a:t>
+            </a:r>
+            <a:r>
+              <a:rPr lang="en-US" dirty="0" err="1">
+                <a:latin typeface="Times New Roman" panose="02020603050405020304" pitchFamily="18" charset="0"/>
+                <a:cs typeface="Times New Roman" panose="02020603050405020304" pitchFamily="18" charset="0"/>
+              </a:rPr>
+              <a:t>nào</a:t>
+            </a:r>
+            <a:r>
+              <a:rPr lang="en-US" dirty="0">
+                <a:latin typeface="Times New Roman" panose="02020603050405020304" pitchFamily="18" charset="0"/>
+                <a:cs typeface="Times New Roman" panose="02020603050405020304" pitchFamily="18" charset="0"/>
+              </a:rPr>
+              <a:t> </a:t>
+            </a:r>
+            <a:r>
+              <a:rPr lang="en-US" dirty="0" smtClean="0">
+                <a:latin typeface="Times New Roman" panose="02020603050405020304" pitchFamily="18" charset="0"/>
+                <a:cs typeface="Times New Roman" panose="02020603050405020304" pitchFamily="18" charset="0"/>
+              </a:rPr>
+              <a:t>?	</a:t>
+            </a:r>
+            <a:endParaRPr lang="en-US" dirty="0">
+              <a:latin typeface="Times New Roman" panose="02020603050405020304" pitchFamily="18" charset="0"/>
+              <a:cs typeface="Times New Roman" panose="02020603050405020304" pitchFamily="18" charset="0"/>
+            </a:endParaRPr>
+          </a:p>
+          <a:p>
+            <a:r>
+              <a:rPr lang="en-US" dirty="0" err="1">
+                <a:latin typeface="Times New Roman" panose="02020603050405020304" pitchFamily="18" charset="0"/>
+                <a:cs typeface="Times New Roman" panose="02020603050405020304" pitchFamily="18" charset="0"/>
+              </a:rPr>
+              <a:t>Một</a:t>
+            </a:r>
+            <a:r>
+              <a:rPr lang="en-US" dirty="0">
+                <a:latin typeface="Times New Roman" panose="02020603050405020304" pitchFamily="18" charset="0"/>
+                <a:cs typeface="Times New Roman" panose="02020603050405020304" pitchFamily="18" charset="0"/>
+              </a:rPr>
+              <a:t> </a:t>
+            </a:r>
+            <a:r>
+              <a:rPr lang="en-US" dirty="0" err="1">
+                <a:latin typeface="Times New Roman" panose="02020603050405020304" pitchFamily="18" charset="0"/>
+                <a:cs typeface="Times New Roman" panose="02020603050405020304" pitchFamily="18" charset="0"/>
+              </a:rPr>
+              <a:t>số</a:t>
+            </a:r>
+            <a:r>
+              <a:rPr lang="en-US" dirty="0">
+                <a:latin typeface="Times New Roman" panose="02020603050405020304" pitchFamily="18" charset="0"/>
+                <a:cs typeface="Times New Roman" panose="02020603050405020304" pitchFamily="18" charset="0"/>
+              </a:rPr>
+              <a:t> </a:t>
+            </a:r>
+            <a:r>
+              <a:rPr lang="en-US" dirty="0" err="1">
+                <a:latin typeface="Times New Roman" panose="02020603050405020304" pitchFamily="18" charset="0"/>
+                <a:cs typeface="Times New Roman" panose="02020603050405020304" pitchFamily="18" charset="0"/>
+              </a:rPr>
+              <a:t>công</a:t>
+            </a:r>
+            <a:r>
+              <a:rPr lang="en-US" dirty="0">
+                <a:latin typeface="Times New Roman" panose="02020603050405020304" pitchFamily="18" charset="0"/>
+                <a:cs typeface="Times New Roman" panose="02020603050405020304" pitchFamily="18" charset="0"/>
+              </a:rPr>
+              <a:t> </a:t>
+            </a:r>
+            <a:r>
+              <a:rPr lang="en-US" dirty="0" err="1">
+                <a:latin typeface="Times New Roman" panose="02020603050405020304" pitchFamily="18" charset="0"/>
+                <a:cs typeface="Times New Roman" panose="02020603050405020304" pitchFamily="18" charset="0"/>
+              </a:rPr>
+              <a:t>cụ</a:t>
+            </a:r>
+            <a:r>
+              <a:rPr lang="en-US" dirty="0">
+                <a:latin typeface="Times New Roman" panose="02020603050405020304" pitchFamily="18" charset="0"/>
+                <a:cs typeface="Times New Roman" panose="02020603050405020304" pitchFamily="18" charset="0"/>
+              </a:rPr>
+              <a:t> </a:t>
+            </a:r>
+            <a:r>
+              <a:rPr lang="en-US" dirty="0" err="1">
+                <a:latin typeface="Times New Roman" panose="02020603050405020304" pitchFamily="18" charset="0"/>
+                <a:cs typeface="Times New Roman" panose="02020603050405020304" pitchFamily="18" charset="0"/>
+              </a:rPr>
+              <a:t>kiểm</a:t>
+            </a:r>
+            <a:r>
+              <a:rPr lang="en-US" dirty="0">
+                <a:latin typeface="Times New Roman" panose="02020603050405020304" pitchFamily="18" charset="0"/>
+                <a:cs typeface="Times New Roman" panose="02020603050405020304" pitchFamily="18" charset="0"/>
+              </a:rPr>
+              <a:t> </a:t>
+            </a:r>
+            <a:r>
+              <a:rPr lang="en-US" dirty="0" err="1" smtClean="0">
+                <a:latin typeface="Times New Roman" panose="02020603050405020304" pitchFamily="18" charset="0"/>
+                <a:cs typeface="Times New Roman" panose="02020603050405020304" pitchFamily="18" charset="0"/>
+              </a:rPr>
+              <a:t>thử</a:t>
+            </a:r>
+            <a:r>
+              <a:rPr lang="en-US" dirty="0" smtClean="0">
+                <a:latin typeface="Times New Roman" panose="02020603050405020304" pitchFamily="18" charset="0"/>
+                <a:cs typeface="Times New Roman" panose="02020603050405020304" pitchFamily="18" charset="0"/>
+              </a:rPr>
+              <a:t> </a:t>
+            </a:r>
+            <a:r>
+              <a:rPr lang="en-US" dirty="0" err="1" smtClean="0">
+                <a:latin typeface="Times New Roman" panose="02020603050405020304" pitchFamily="18" charset="0"/>
+                <a:cs typeface="Times New Roman" panose="02020603050405020304" pitchFamily="18" charset="0"/>
+              </a:rPr>
+              <a:t>giao</a:t>
+            </a:r>
+            <a:r>
+              <a:rPr lang="en-US" dirty="0" smtClean="0">
+                <a:latin typeface="Times New Roman" panose="02020603050405020304" pitchFamily="18" charset="0"/>
+                <a:cs typeface="Times New Roman" panose="02020603050405020304" pitchFamily="18" charset="0"/>
+              </a:rPr>
+              <a:t> </a:t>
+            </a:r>
+            <a:r>
+              <a:rPr lang="en-US" dirty="0" err="1" smtClean="0">
+                <a:latin typeface="Times New Roman" panose="02020603050405020304" pitchFamily="18" charset="0"/>
+                <a:cs typeface="Times New Roman" panose="02020603050405020304" pitchFamily="18" charset="0"/>
+              </a:rPr>
+              <a:t>diện</a:t>
+            </a:r>
+            <a:r>
+              <a:rPr lang="en-US" dirty="0" smtClean="0">
+                <a:latin typeface="Times New Roman" panose="02020603050405020304" pitchFamily="18" charset="0"/>
+                <a:cs typeface="Times New Roman" panose="02020603050405020304" pitchFamily="18" charset="0"/>
+              </a:rPr>
+              <a:t> </a:t>
+            </a:r>
+            <a:r>
+              <a:rPr lang="en-US" dirty="0" err="1" smtClean="0">
+                <a:latin typeface="Times New Roman" panose="02020603050405020304" pitchFamily="18" charset="0"/>
+                <a:cs typeface="Times New Roman" panose="02020603050405020304" pitchFamily="18" charset="0"/>
+              </a:rPr>
+              <a:t>và</a:t>
+            </a:r>
+            <a:r>
+              <a:rPr lang="en-US" dirty="0" smtClean="0">
+                <a:latin typeface="Times New Roman" panose="02020603050405020304" pitchFamily="18" charset="0"/>
+                <a:cs typeface="Times New Roman" panose="02020603050405020304" pitchFamily="18" charset="0"/>
+              </a:rPr>
+              <a:t> </a:t>
+            </a:r>
+            <a:r>
+              <a:rPr lang="en-US" dirty="0" err="1">
+                <a:latin typeface="Times New Roman" panose="02020603050405020304" pitchFamily="18" charset="0"/>
+                <a:cs typeface="Times New Roman" panose="02020603050405020304" pitchFamily="18" charset="0"/>
+              </a:rPr>
+              <a:t>tính</a:t>
+            </a:r>
+            <a:r>
+              <a:rPr lang="en-US" dirty="0">
+                <a:latin typeface="Times New Roman" panose="02020603050405020304" pitchFamily="18" charset="0"/>
+                <a:cs typeface="Times New Roman" panose="02020603050405020304" pitchFamily="18" charset="0"/>
+              </a:rPr>
+              <a:t> </a:t>
+            </a:r>
+            <a:r>
+              <a:rPr lang="en-US" dirty="0" err="1">
+                <a:latin typeface="Times New Roman" panose="02020603050405020304" pitchFamily="18" charset="0"/>
+                <a:cs typeface="Times New Roman" panose="02020603050405020304" pitchFamily="18" charset="0"/>
+              </a:rPr>
+              <a:t>tiện</a:t>
+            </a:r>
+            <a:r>
+              <a:rPr lang="en-US" dirty="0">
+                <a:latin typeface="Times New Roman" panose="02020603050405020304" pitchFamily="18" charset="0"/>
+                <a:cs typeface="Times New Roman" panose="02020603050405020304" pitchFamily="18" charset="0"/>
+              </a:rPr>
+              <a:t> </a:t>
+            </a:r>
+            <a:r>
+              <a:rPr lang="en-US" dirty="0" err="1">
+                <a:latin typeface="Times New Roman" panose="02020603050405020304" pitchFamily="18" charset="0"/>
+                <a:cs typeface="Times New Roman" panose="02020603050405020304" pitchFamily="18" charset="0"/>
+              </a:rPr>
+              <a:t>dụng</a:t>
+            </a:r>
+            <a:endParaRPr lang="en-US" dirty="0">
+              <a:latin typeface="Times New Roman" panose="02020603050405020304" pitchFamily="18" charset="0"/>
+              <a:cs typeface="Times New Roman" panose="02020603050405020304" pitchFamily="18" charset="0"/>
+            </a:endParaRPr>
+          </a:p>
+        </p:txBody>
+      </p:sp>
+    </p:spTree>
+    <p:extLst>
+      <p:ext uri="{BB962C8B-B14F-4D97-AF65-F5344CB8AC3E}">
+        <p14:creationId xmlns:p14="http://schemas.microsoft.com/office/powerpoint/2010/main" val="1710126085"/>
+      </p:ext>
+    </p:extLst>
+  </p:cSld>
+  <p:clrMapOvr>
+    <a:masterClrMapping/>
+  </p:clrMapOvr>
+  <p:timing>
+    <p:tnLst>
+      <p:par>
+        <p:cTn id="1" dur="indefinite" restart="never" nodeType="tmRoot"/>
+      </p:par>
+    </p:tnLst>
+  </p:timing>
+</p:sld>
+</file>
+
+<file path=ppt/slides/slide4.xml><?xml version="1.0" encoding="utf-8"?>
+<p:sld xmlns:a="http://schemas.openxmlformats.org/drawingml/2006/main" xmlns:r="http://schemas.openxmlformats.org/officeDocument/2006/relationships" xmlns:p="http://schemas.openxmlformats.org/presentationml/2006/main">
+  <p:cSld>
+    <p:spTree>
+      <p:nvGrpSpPr>
+        <p:cNvPr id="1" name=""/>
+        <p:cNvGrpSpPr/>
+        <p:nvPr/>
+      </p:nvGrpSpPr>
+      <p:grpSpPr>
+        <a:xfrm>
+          <a:off x="0" y="0"/>
+          <a:ext cx="0" cy="0"/>
+          <a:chOff x="0" y="0"/>
+          <a:chExt cx="0" cy="0"/>
+        </a:xfrm>
+      </p:grpSpPr>
+      <p:sp>
+        <p:nvSpPr>
+          <p:cNvPr id="2" name="Tiêu đề 1"/>
+          <p:cNvSpPr>
+            <a:spLocks noGrp="1"/>
+          </p:cNvSpPr>
+          <p:nvPr>
+            <p:ph type="title"/>
+          </p:nvPr>
+        </p:nvSpPr>
+        <p:spPr/>
+        <p:txBody>
+          <a:bodyPr/>
+          <a:lstStyle/>
+          <a:p>
+            <a:r>
+              <a:rPr lang="en-US" dirty="0" err="1" smtClean="0">
+                <a:latin typeface="Times New Roman" panose="02020603050405020304" pitchFamily="18" charset="0"/>
+                <a:cs typeface="Times New Roman" panose="02020603050405020304" pitchFamily="18" charset="0"/>
+              </a:rPr>
               <a:t>Gui</a:t>
             </a:r>
             <a:r>
@@ -10805,7 +10742,7 @@
 </p:sld>
 </file>
 
-<file path=ppt/slides/slide4.xml><?xml version="1.0" encoding="utf-8"?>
+<file path=ppt/slides/slide5.xml><?xml version="1.0" encoding="utf-8"?>
 <p:sld xmlns:a="http://schemas.openxmlformats.org/drawingml/2006/main" xmlns:r="http://schemas.openxmlformats.org/officeDocument/2006/relationships" xmlns:p="http://schemas.openxmlformats.org/presentationml/2006/main">
   <p:cSld>
     <p:spTree>
@@ -11032,850 +10969,6 @@
 </p:sld>
 </file>
 
-<file path=ppt/slides/slide5.xml><?xml version="1.0" encoding="utf-8"?>
-<p:sld xmlns:a="http://schemas.openxmlformats.org/drawingml/2006/main" xmlns:r="http://schemas.openxmlformats.org/officeDocument/2006/relationships" xmlns:p="http://schemas.openxmlformats.org/presentationml/2006/main">
-  <p:cSld>
-    <p:spTree>
-      <p:nvGrpSpPr>
-        <p:cNvPr id="1" name=""/>
-        <p:cNvGrpSpPr/>
-        <p:nvPr/>
-      </p:nvGrpSpPr>
-      <p:grpSpPr>
-        <a:xfrm>
-          <a:off x="0" y="0"/>
-          <a:ext cx="0" cy="0"/>
-          <a:chOff x="0" y="0"/>
-          <a:chExt cx="0" cy="0"/>
-        </a:xfrm>
-      </p:grpSpPr>
-      <p:sp>
-        <p:nvSpPr>
-          <p:cNvPr id="2" name="Tiêu đề 1"/>
-          <p:cNvSpPr>
-            <a:spLocks noGrp="1"/>
-          </p:cNvSpPr>
-          <p:nvPr>
-            <p:ph type="title"/>
-          </p:nvPr>
-        </p:nvSpPr>
-        <p:spPr/>
-        <p:txBody>
-          <a:bodyPr/>
-          <a:lstStyle/>
-          <a:p>
-            <a:r>
-              <a:rPr lang="en-US" dirty="0" err="1" smtClean="0">
-                <a:latin typeface="Times New Roman" panose="02020603050405020304" pitchFamily="18" charset="0"/>
-                <a:cs typeface="Times New Roman" panose="02020603050405020304" pitchFamily="18" charset="0"/>
-              </a:rPr>
-              <a:t>Gui</a:t>
-            </a:r>
-            <a:r>
-              <a:rPr lang="en-US" dirty="0" smtClean="0">
-                <a:latin typeface="Times New Roman" panose="02020603050405020304" pitchFamily="18" charset="0"/>
-                <a:cs typeface="Times New Roman" panose="02020603050405020304" pitchFamily="18" charset="0"/>
-              </a:rPr>
-              <a:t> testing ?</a:t>
-            </a:r>
-            <a:endParaRPr lang="en-US" dirty="0">
-              <a:latin typeface="Times New Roman" panose="02020603050405020304" pitchFamily="18" charset="0"/>
-              <a:cs typeface="Times New Roman" panose="02020603050405020304" pitchFamily="18" charset="0"/>
-            </a:endParaRPr>
-          </a:p>
-        </p:txBody>
-      </p:sp>
-      <p:sp>
-        <p:nvSpPr>
-          <p:cNvPr id="5" name="Hộp Văn bản 4"/>
-          <p:cNvSpPr txBox="1"/>
-          <p:nvPr/>
-        </p:nvSpPr>
-        <p:spPr>
-          <a:xfrm>
-            <a:off x="682580" y="2214694"/>
-            <a:ext cx="10895527" cy="2369880"/>
-          </a:xfrm>
-          <a:prstGeom prst="rect">
-            <a:avLst/>
-          </a:prstGeom>
-          <a:noFill/>
-        </p:spPr>
-        <p:txBody>
-          <a:bodyPr wrap="square" rtlCol="0">
-            <a:spAutoFit/>
-          </a:bodyPr>
-          <a:lstStyle/>
-          <a:p>
-            <a:r>
-              <a:rPr lang="en-US" sz="2800" dirty="0" smtClean="0">
-                <a:latin typeface="Times New Roman" panose="02020603050405020304" pitchFamily="18" charset="0"/>
-                <a:cs typeface="Times New Roman" panose="02020603050405020304" pitchFamily="18" charset="0"/>
-              </a:rPr>
-              <a:t>GUI Testing </a:t>
-            </a:r>
-            <a:r>
-              <a:rPr lang="en-US" sz="2800" dirty="0" err="1" smtClean="0">
-                <a:latin typeface="Times New Roman" panose="02020603050405020304" pitchFamily="18" charset="0"/>
-                <a:cs typeface="Times New Roman" panose="02020603050405020304" pitchFamily="18" charset="0"/>
-              </a:rPr>
-              <a:t>là</a:t>
-            </a:r>
-            <a:r>
-              <a:rPr lang="en-US" sz="2800" dirty="0" smtClean="0">
-                <a:latin typeface="Times New Roman" panose="02020603050405020304" pitchFamily="18" charset="0"/>
-                <a:cs typeface="Times New Roman" panose="02020603050405020304" pitchFamily="18" charset="0"/>
-              </a:rPr>
-              <a:t> </a:t>
-            </a:r>
-            <a:r>
-              <a:rPr lang="en-US" sz="2800" dirty="0" err="1" smtClean="0">
-                <a:latin typeface="Times New Roman" panose="02020603050405020304" pitchFamily="18" charset="0"/>
-                <a:cs typeface="Times New Roman" panose="02020603050405020304" pitchFamily="18" charset="0"/>
-              </a:rPr>
-              <a:t>gì</a:t>
-            </a:r>
-            <a:r>
-              <a:rPr lang="en-US" sz="2800" dirty="0" smtClean="0">
-                <a:latin typeface="Times New Roman" panose="02020603050405020304" pitchFamily="18" charset="0"/>
-                <a:cs typeface="Times New Roman" panose="02020603050405020304" pitchFamily="18" charset="0"/>
-              </a:rPr>
-              <a:t> ?</a:t>
-            </a:r>
-          </a:p>
-          <a:p>
-            <a:pPr marL="457200" indent="-457200">
-              <a:buFont typeface="Arial" panose="020B0604020202020204" pitchFamily="34" charset="0"/>
-              <a:buChar char="•"/>
-            </a:pPr>
-            <a:endParaRPr lang="en-US" sz="2000" dirty="0" smtClean="0">
-              <a:latin typeface="Times New Roman" panose="02020603050405020304" pitchFamily="18" charset="0"/>
-              <a:cs typeface="Times New Roman" panose="02020603050405020304" pitchFamily="18" charset="0"/>
-            </a:endParaRPr>
-          </a:p>
-          <a:p>
-            <a:pPr marL="457200" indent="-457200">
-              <a:buFont typeface="Arial" panose="020B0604020202020204" pitchFamily="34" charset="0"/>
-              <a:buChar char="•"/>
-            </a:pPr>
-            <a:r>
-              <a:rPr lang="en-US" sz="2000" dirty="0" err="1" smtClean="0">
-                <a:latin typeface="Times New Roman" panose="02020603050405020304" pitchFamily="18" charset="0"/>
-                <a:cs typeface="Times New Roman" panose="02020603050405020304" pitchFamily="18" charset="0"/>
-              </a:rPr>
-              <a:t>Kiểm</a:t>
-            </a:r>
-            <a:r>
-              <a:rPr lang="en-US" sz="2000" dirty="0" smtClean="0">
-                <a:latin typeface="Times New Roman" panose="02020603050405020304" pitchFamily="18" charset="0"/>
-                <a:cs typeface="Times New Roman" panose="02020603050405020304" pitchFamily="18" charset="0"/>
-              </a:rPr>
-              <a:t> </a:t>
-            </a:r>
-            <a:r>
-              <a:rPr lang="en-US" sz="2000" dirty="0" err="1">
-                <a:latin typeface="Times New Roman" panose="02020603050405020304" pitchFamily="18" charset="0"/>
-                <a:cs typeface="Times New Roman" panose="02020603050405020304" pitchFamily="18" charset="0"/>
-              </a:rPr>
-              <a:t>tra</a:t>
-            </a:r>
-            <a:r>
-              <a:rPr lang="en-US" sz="2000" dirty="0">
-                <a:latin typeface="Times New Roman" panose="02020603050405020304" pitchFamily="18" charset="0"/>
-                <a:cs typeface="Times New Roman" panose="02020603050405020304" pitchFamily="18" charset="0"/>
-              </a:rPr>
-              <a:t> </a:t>
-            </a:r>
-            <a:r>
-              <a:rPr lang="en-US" sz="2000" dirty="0" err="1">
-                <a:latin typeface="Times New Roman" panose="02020603050405020304" pitchFamily="18" charset="0"/>
-                <a:cs typeface="Times New Roman" panose="02020603050405020304" pitchFamily="18" charset="0"/>
-              </a:rPr>
-              <a:t>rằng</a:t>
-            </a:r>
-            <a:r>
-              <a:rPr lang="en-US" sz="2000" dirty="0">
-                <a:latin typeface="Times New Roman" panose="02020603050405020304" pitchFamily="18" charset="0"/>
-                <a:cs typeface="Times New Roman" panose="02020603050405020304" pitchFamily="18" charset="0"/>
-              </a:rPr>
-              <a:t> </a:t>
-            </a:r>
-            <a:r>
-              <a:rPr lang="en-US" sz="2000" dirty="0" err="1">
-                <a:latin typeface="Times New Roman" panose="02020603050405020304" pitchFamily="18" charset="0"/>
-                <a:cs typeface="Times New Roman" panose="02020603050405020304" pitchFamily="18" charset="0"/>
-              </a:rPr>
-              <a:t>ứng</a:t>
-            </a:r>
-            <a:r>
-              <a:rPr lang="en-US" sz="2000" dirty="0">
-                <a:latin typeface="Times New Roman" panose="02020603050405020304" pitchFamily="18" charset="0"/>
-                <a:cs typeface="Times New Roman" panose="02020603050405020304" pitchFamily="18" charset="0"/>
-              </a:rPr>
-              <a:t> </a:t>
-            </a:r>
-            <a:r>
-              <a:rPr lang="en-US" sz="2000" dirty="0" err="1">
-                <a:latin typeface="Times New Roman" panose="02020603050405020304" pitchFamily="18" charset="0"/>
-                <a:cs typeface="Times New Roman" panose="02020603050405020304" pitchFamily="18" charset="0"/>
-              </a:rPr>
-              <a:t>dụng</a:t>
-            </a:r>
-            <a:r>
-              <a:rPr lang="en-US" sz="2000" dirty="0">
-                <a:latin typeface="Times New Roman" panose="02020603050405020304" pitchFamily="18" charset="0"/>
-                <a:cs typeface="Times New Roman" panose="02020603050405020304" pitchFamily="18" charset="0"/>
-              </a:rPr>
-              <a:t> </a:t>
-            </a:r>
-            <a:r>
-              <a:rPr lang="en-US" sz="2000" dirty="0" err="1">
-                <a:latin typeface="Times New Roman" panose="02020603050405020304" pitchFamily="18" charset="0"/>
-                <a:cs typeface="Times New Roman" panose="02020603050405020304" pitchFamily="18" charset="0"/>
-              </a:rPr>
-              <a:t>và</a:t>
-            </a:r>
-            <a:r>
-              <a:rPr lang="en-US" sz="2000" dirty="0">
-                <a:latin typeface="Times New Roman" panose="02020603050405020304" pitchFamily="18" charset="0"/>
-                <a:cs typeface="Times New Roman" panose="02020603050405020304" pitchFamily="18" charset="0"/>
-              </a:rPr>
-              <a:t> </a:t>
-            </a:r>
-            <a:r>
-              <a:rPr lang="en-US" sz="2000" dirty="0" err="1">
-                <a:latin typeface="Times New Roman" panose="02020603050405020304" pitchFamily="18" charset="0"/>
-                <a:cs typeface="Times New Roman" panose="02020603050405020304" pitchFamily="18" charset="0"/>
-              </a:rPr>
-              <a:t>người</a:t>
-            </a:r>
-            <a:r>
-              <a:rPr lang="en-US" sz="2000" dirty="0">
-                <a:latin typeface="Times New Roman" panose="02020603050405020304" pitchFamily="18" charset="0"/>
-                <a:cs typeface="Times New Roman" panose="02020603050405020304" pitchFamily="18" charset="0"/>
-              </a:rPr>
-              <a:t> </a:t>
-            </a:r>
-            <a:r>
-              <a:rPr lang="en-US" sz="2000" dirty="0" err="1">
-                <a:latin typeface="Times New Roman" panose="02020603050405020304" pitchFamily="18" charset="0"/>
-                <a:cs typeface="Times New Roman" panose="02020603050405020304" pitchFamily="18" charset="0"/>
-              </a:rPr>
-              <a:t>dùng</a:t>
-            </a:r>
-            <a:r>
-              <a:rPr lang="en-US" sz="2000" dirty="0">
-                <a:latin typeface="Times New Roman" panose="02020603050405020304" pitchFamily="18" charset="0"/>
-                <a:cs typeface="Times New Roman" panose="02020603050405020304" pitchFamily="18" charset="0"/>
-              </a:rPr>
-              <a:t> </a:t>
-            </a:r>
-            <a:r>
-              <a:rPr lang="en-US" sz="2000" dirty="0" err="1">
-                <a:latin typeface="Times New Roman" panose="02020603050405020304" pitchFamily="18" charset="0"/>
-                <a:cs typeface="Times New Roman" panose="02020603050405020304" pitchFamily="18" charset="0"/>
-              </a:rPr>
-              <a:t>tương</a:t>
-            </a:r>
-            <a:r>
-              <a:rPr lang="en-US" sz="2000" dirty="0">
-                <a:latin typeface="Times New Roman" panose="02020603050405020304" pitchFamily="18" charset="0"/>
-                <a:cs typeface="Times New Roman" panose="02020603050405020304" pitchFamily="18" charset="0"/>
-              </a:rPr>
-              <a:t> </a:t>
-            </a:r>
-            <a:r>
-              <a:rPr lang="en-US" sz="2000" dirty="0" err="1">
-                <a:latin typeface="Times New Roman" panose="02020603050405020304" pitchFamily="18" charset="0"/>
-                <a:cs typeface="Times New Roman" panose="02020603050405020304" pitchFamily="18" charset="0"/>
-              </a:rPr>
-              <a:t>tác</a:t>
-            </a:r>
-            <a:r>
-              <a:rPr lang="en-US" sz="2000" dirty="0">
-                <a:latin typeface="Times New Roman" panose="02020603050405020304" pitchFamily="18" charset="0"/>
-                <a:cs typeface="Times New Roman" panose="02020603050405020304" pitchFamily="18" charset="0"/>
-              </a:rPr>
-              <a:t> </a:t>
-            </a:r>
-            <a:r>
-              <a:rPr lang="en-US" sz="2000" dirty="0" err="1">
-                <a:latin typeface="Times New Roman" panose="02020603050405020304" pitchFamily="18" charset="0"/>
-                <a:cs typeface="Times New Roman" panose="02020603050405020304" pitchFamily="18" charset="0"/>
-              </a:rPr>
-              <a:t>như</a:t>
-            </a:r>
-            <a:r>
-              <a:rPr lang="en-US" sz="2000" dirty="0">
-                <a:latin typeface="Times New Roman" panose="02020603050405020304" pitchFamily="18" charset="0"/>
-                <a:cs typeface="Times New Roman" panose="02020603050405020304" pitchFamily="18" charset="0"/>
-              </a:rPr>
-              <a:t> </a:t>
-            </a:r>
-            <a:r>
-              <a:rPr lang="en-US" sz="2000" dirty="0" err="1">
-                <a:latin typeface="Times New Roman" panose="02020603050405020304" pitchFamily="18" charset="0"/>
-                <a:cs typeface="Times New Roman" panose="02020603050405020304" pitchFamily="18" charset="0"/>
-              </a:rPr>
-              <a:t>thế</a:t>
-            </a:r>
-            <a:r>
-              <a:rPr lang="en-US" sz="2000" dirty="0">
-                <a:latin typeface="Times New Roman" panose="02020603050405020304" pitchFamily="18" charset="0"/>
-                <a:cs typeface="Times New Roman" panose="02020603050405020304" pitchFamily="18" charset="0"/>
-              </a:rPr>
-              <a:t> </a:t>
-            </a:r>
-            <a:r>
-              <a:rPr lang="en-US" sz="2000" dirty="0" err="1">
-                <a:latin typeface="Times New Roman" panose="02020603050405020304" pitchFamily="18" charset="0"/>
-                <a:cs typeface="Times New Roman" panose="02020603050405020304" pitchFamily="18" charset="0"/>
-              </a:rPr>
-              <a:t>nào</a:t>
-            </a:r>
-            <a:r>
-              <a:rPr lang="en-US" sz="2000" dirty="0">
-                <a:latin typeface="Times New Roman" panose="02020603050405020304" pitchFamily="18" charset="0"/>
-                <a:cs typeface="Times New Roman" panose="02020603050405020304" pitchFamily="18" charset="0"/>
-              </a:rPr>
-              <a:t> </a:t>
-            </a:r>
-            <a:r>
-              <a:rPr lang="en-US" sz="2000" dirty="0" smtClean="0">
-                <a:latin typeface="Times New Roman" panose="02020603050405020304" pitchFamily="18" charset="0"/>
-                <a:cs typeface="Times New Roman" panose="02020603050405020304" pitchFamily="18" charset="0"/>
-              </a:rPr>
-              <a:t>?</a:t>
-            </a:r>
-          </a:p>
-          <a:p>
-            <a:pPr marL="457200" indent="-457200">
-              <a:buFont typeface="Arial" panose="020B0604020202020204" pitchFamily="34" charset="0"/>
-              <a:buChar char="•"/>
-            </a:pPr>
-            <a:endParaRPr lang="en-US" sz="2000" dirty="0" smtClean="0">
-              <a:latin typeface="Times New Roman" panose="02020603050405020304" pitchFamily="18" charset="0"/>
-              <a:cs typeface="Times New Roman" panose="02020603050405020304" pitchFamily="18" charset="0"/>
-            </a:endParaRPr>
-          </a:p>
-          <a:p>
-            <a:pPr marL="457200" indent="-457200">
-              <a:buFont typeface="Arial" panose="020B0604020202020204" pitchFamily="34" charset="0"/>
-              <a:buChar char="•"/>
-            </a:pPr>
-            <a:r>
-              <a:rPr lang="en-US" sz="2000" dirty="0" err="1" smtClean="0">
-                <a:latin typeface="Times New Roman" panose="02020603050405020304" pitchFamily="18" charset="0"/>
-                <a:cs typeface="Times New Roman" panose="02020603050405020304" pitchFamily="18" charset="0"/>
-              </a:rPr>
-              <a:t>Bao</a:t>
-            </a:r>
-            <a:r>
-              <a:rPr lang="en-US" sz="2000" dirty="0" smtClean="0">
-                <a:latin typeface="Times New Roman" panose="02020603050405020304" pitchFamily="18" charset="0"/>
-                <a:cs typeface="Times New Roman" panose="02020603050405020304" pitchFamily="18" charset="0"/>
-              </a:rPr>
-              <a:t> </a:t>
-            </a:r>
-            <a:r>
-              <a:rPr lang="en-US" sz="2000" dirty="0" err="1">
-                <a:latin typeface="Times New Roman" panose="02020603050405020304" pitchFamily="18" charset="0"/>
-                <a:cs typeface="Times New Roman" panose="02020603050405020304" pitchFamily="18" charset="0"/>
-              </a:rPr>
-              <a:t>gồm</a:t>
-            </a:r>
-            <a:r>
-              <a:rPr lang="en-US" sz="2000" dirty="0">
-                <a:latin typeface="Times New Roman" panose="02020603050405020304" pitchFamily="18" charset="0"/>
-                <a:cs typeface="Times New Roman" panose="02020603050405020304" pitchFamily="18" charset="0"/>
-              </a:rPr>
-              <a:t> </a:t>
-            </a:r>
-            <a:r>
-              <a:rPr lang="en-US" sz="2000" dirty="0" err="1">
-                <a:latin typeface="Times New Roman" panose="02020603050405020304" pitchFamily="18" charset="0"/>
-                <a:cs typeface="Times New Roman" panose="02020603050405020304" pitchFamily="18" charset="0"/>
-              </a:rPr>
-              <a:t>việc</a:t>
-            </a:r>
-            <a:r>
-              <a:rPr lang="en-US" sz="2000" dirty="0">
-                <a:latin typeface="Times New Roman" panose="02020603050405020304" pitchFamily="18" charset="0"/>
-                <a:cs typeface="Times New Roman" panose="02020603050405020304" pitchFamily="18" charset="0"/>
-              </a:rPr>
-              <a:t> </a:t>
-            </a:r>
-            <a:r>
-              <a:rPr lang="en-US" sz="2000" dirty="0" err="1" smtClean="0">
-                <a:latin typeface="Times New Roman" panose="02020603050405020304" pitchFamily="18" charset="0"/>
-                <a:cs typeface="Times New Roman" panose="02020603050405020304" pitchFamily="18" charset="0"/>
-              </a:rPr>
-              <a:t>kiểm</a:t>
-            </a:r>
-            <a:r>
-              <a:rPr lang="en-US" sz="2000" dirty="0" smtClean="0">
-                <a:latin typeface="Times New Roman" panose="02020603050405020304" pitchFamily="18" charset="0"/>
-                <a:cs typeface="Times New Roman" panose="02020603050405020304" pitchFamily="18" charset="0"/>
-              </a:rPr>
-              <a:t> </a:t>
-            </a:r>
-            <a:r>
-              <a:rPr lang="en-US" sz="2000" dirty="0" err="1" smtClean="0">
-                <a:latin typeface="Times New Roman" panose="02020603050405020304" pitchFamily="18" charset="0"/>
-                <a:cs typeface="Times New Roman" panose="02020603050405020304" pitchFamily="18" charset="0"/>
-              </a:rPr>
-              <a:t>tra</a:t>
-            </a:r>
-            <a:r>
-              <a:rPr lang="en-US" sz="2000" dirty="0" smtClean="0">
-                <a:latin typeface="Times New Roman" panose="02020603050405020304" pitchFamily="18" charset="0"/>
-                <a:cs typeface="Times New Roman" panose="02020603050405020304" pitchFamily="18" charset="0"/>
-              </a:rPr>
-              <a:t> </a:t>
-            </a:r>
-            <a:r>
-              <a:rPr lang="en-US" sz="2000" dirty="0" err="1" smtClean="0">
-                <a:latin typeface="Times New Roman" panose="02020603050405020304" pitchFamily="18" charset="0"/>
-                <a:cs typeface="Times New Roman" panose="02020603050405020304" pitchFamily="18" charset="0"/>
-              </a:rPr>
-              <a:t>ứng</a:t>
-            </a:r>
-            <a:r>
-              <a:rPr lang="en-US" sz="2000" dirty="0" smtClean="0">
-                <a:latin typeface="Times New Roman" panose="02020603050405020304" pitchFamily="18" charset="0"/>
-                <a:cs typeface="Times New Roman" panose="02020603050405020304" pitchFamily="18" charset="0"/>
-              </a:rPr>
-              <a:t> </a:t>
-            </a:r>
-            <a:r>
-              <a:rPr lang="en-US" sz="2000" dirty="0" err="1">
-                <a:latin typeface="Times New Roman" panose="02020603050405020304" pitchFamily="18" charset="0"/>
-                <a:cs typeface="Times New Roman" panose="02020603050405020304" pitchFamily="18" charset="0"/>
-              </a:rPr>
-              <a:t>dụng</a:t>
-            </a:r>
-            <a:r>
-              <a:rPr lang="en-US" sz="2000" dirty="0">
-                <a:latin typeface="Times New Roman" panose="02020603050405020304" pitchFamily="18" charset="0"/>
-                <a:cs typeface="Times New Roman" panose="02020603050405020304" pitchFamily="18" charset="0"/>
-              </a:rPr>
-              <a:t> </a:t>
-            </a:r>
-            <a:r>
-              <a:rPr lang="en-US" sz="2000" dirty="0" err="1">
-                <a:latin typeface="Times New Roman" panose="02020603050405020304" pitchFamily="18" charset="0"/>
-                <a:cs typeface="Times New Roman" panose="02020603050405020304" pitchFamily="18" charset="0"/>
-              </a:rPr>
-              <a:t>xử</a:t>
-            </a:r>
-            <a:r>
-              <a:rPr lang="en-US" sz="2000" dirty="0">
-                <a:latin typeface="Times New Roman" panose="02020603050405020304" pitchFamily="18" charset="0"/>
-                <a:cs typeface="Times New Roman" panose="02020603050405020304" pitchFamily="18" charset="0"/>
-              </a:rPr>
-              <a:t> </a:t>
-            </a:r>
-            <a:r>
-              <a:rPr lang="en-US" sz="2000" dirty="0" err="1">
-                <a:latin typeface="Times New Roman" panose="02020603050405020304" pitchFamily="18" charset="0"/>
-                <a:cs typeface="Times New Roman" panose="02020603050405020304" pitchFamily="18" charset="0"/>
-              </a:rPr>
-              <a:t>lý</a:t>
-            </a:r>
-            <a:r>
-              <a:rPr lang="en-US" sz="2000" dirty="0">
-                <a:latin typeface="Times New Roman" panose="02020603050405020304" pitchFamily="18" charset="0"/>
-                <a:cs typeface="Times New Roman" panose="02020603050405020304" pitchFamily="18" charset="0"/>
-              </a:rPr>
-              <a:t> </a:t>
-            </a:r>
-            <a:r>
-              <a:rPr lang="en-US" sz="2000" dirty="0" err="1">
-                <a:latin typeface="Times New Roman" panose="02020603050405020304" pitchFamily="18" charset="0"/>
-                <a:cs typeface="Times New Roman" panose="02020603050405020304" pitchFamily="18" charset="0"/>
-              </a:rPr>
-              <a:t>thông</a:t>
-            </a:r>
-            <a:r>
-              <a:rPr lang="en-US" sz="2000" dirty="0">
-                <a:latin typeface="Times New Roman" panose="02020603050405020304" pitchFamily="18" charset="0"/>
-                <a:cs typeface="Times New Roman" panose="02020603050405020304" pitchFamily="18" charset="0"/>
-              </a:rPr>
-              <a:t> tin </a:t>
-            </a:r>
-            <a:r>
-              <a:rPr lang="en-US" sz="2000" dirty="0" err="1">
-                <a:latin typeface="Times New Roman" panose="02020603050405020304" pitchFamily="18" charset="0"/>
-                <a:cs typeface="Times New Roman" panose="02020603050405020304" pitchFamily="18" charset="0"/>
-              </a:rPr>
-              <a:t>đầu</a:t>
-            </a:r>
-            <a:r>
-              <a:rPr lang="en-US" sz="2000" dirty="0">
-                <a:latin typeface="Times New Roman" panose="02020603050405020304" pitchFamily="18" charset="0"/>
-                <a:cs typeface="Times New Roman" panose="02020603050405020304" pitchFamily="18" charset="0"/>
-              </a:rPr>
-              <a:t> </a:t>
-            </a:r>
-            <a:r>
-              <a:rPr lang="en-US" sz="2000" dirty="0" err="1">
-                <a:latin typeface="Times New Roman" panose="02020603050405020304" pitchFamily="18" charset="0"/>
-                <a:cs typeface="Times New Roman" panose="02020603050405020304" pitchFamily="18" charset="0"/>
-              </a:rPr>
-              <a:t>vào</a:t>
-            </a:r>
-            <a:r>
-              <a:rPr lang="en-US" sz="2000" dirty="0">
-                <a:latin typeface="Times New Roman" panose="02020603050405020304" pitchFamily="18" charset="0"/>
-                <a:cs typeface="Times New Roman" panose="02020603050405020304" pitchFamily="18" charset="0"/>
-              </a:rPr>
-              <a:t> </a:t>
-            </a:r>
-            <a:r>
-              <a:rPr lang="en-US" sz="2000" dirty="0" err="1">
-                <a:latin typeface="Times New Roman" panose="02020603050405020304" pitchFamily="18" charset="0"/>
-                <a:cs typeface="Times New Roman" panose="02020603050405020304" pitchFamily="18" charset="0"/>
-              </a:rPr>
-              <a:t>từ</a:t>
-            </a:r>
-            <a:r>
-              <a:rPr lang="en-US" sz="2000" dirty="0">
-                <a:latin typeface="Times New Roman" panose="02020603050405020304" pitchFamily="18" charset="0"/>
-                <a:cs typeface="Times New Roman" panose="02020603050405020304" pitchFamily="18" charset="0"/>
-              </a:rPr>
-              <a:t> </a:t>
-            </a:r>
-            <a:r>
-              <a:rPr lang="en-US" sz="2000" dirty="0" err="1">
-                <a:latin typeface="Times New Roman" panose="02020603050405020304" pitchFamily="18" charset="0"/>
-                <a:cs typeface="Times New Roman" panose="02020603050405020304" pitchFamily="18" charset="0"/>
-              </a:rPr>
-              <a:t>chuột</a:t>
-            </a:r>
-            <a:r>
-              <a:rPr lang="en-US" sz="2000" dirty="0">
-                <a:latin typeface="Times New Roman" panose="02020603050405020304" pitchFamily="18" charset="0"/>
-                <a:cs typeface="Times New Roman" panose="02020603050405020304" pitchFamily="18" charset="0"/>
-              </a:rPr>
-              <a:t> </a:t>
-            </a:r>
-            <a:r>
-              <a:rPr lang="en-US" sz="2000" dirty="0" err="1">
-                <a:latin typeface="Times New Roman" panose="02020603050405020304" pitchFamily="18" charset="0"/>
-                <a:cs typeface="Times New Roman" panose="02020603050405020304" pitchFamily="18" charset="0"/>
-              </a:rPr>
-              <a:t>và</a:t>
-            </a:r>
-            <a:r>
-              <a:rPr lang="en-US" sz="2000" dirty="0">
-                <a:latin typeface="Times New Roman" panose="02020603050405020304" pitchFamily="18" charset="0"/>
-                <a:cs typeface="Times New Roman" panose="02020603050405020304" pitchFamily="18" charset="0"/>
-              </a:rPr>
-              <a:t> </a:t>
-            </a:r>
-            <a:r>
-              <a:rPr lang="en-US" sz="2000" dirty="0" err="1">
-                <a:latin typeface="Times New Roman" panose="02020603050405020304" pitchFamily="18" charset="0"/>
-                <a:cs typeface="Times New Roman" panose="02020603050405020304" pitchFamily="18" charset="0"/>
-              </a:rPr>
-              <a:t>bàn</a:t>
-            </a:r>
-            <a:r>
-              <a:rPr lang="en-US" sz="2000" dirty="0">
-                <a:latin typeface="Times New Roman" panose="02020603050405020304" pitchFamily="18" charset="0"/>
-                <a:cs typeface="Times New Roman" panose="02020603050405020304" pitchFamily="18" charset="0"/>
-              </a:rPr>
-              <a:t> </a:t>
-            </a:r>
-            <a:r>
-              <a:rPr lang="en-US" sz="2000" dirty="0" err="1" smtClean="0">
-                <a:latin typeface="Times New Roman" panose="02020603050405020304" pitchFamily="18" charset="0"/>
-                <a:cs typeface="Times New Roman" panose="02020603050405020304" pitchFamily="18" charset="0"/>
-              </a:rPr>
-              <a:t>phím</a:t>
-            </a:r>
-            <a:r>
-              <a:rPr lang="en-US" sz="2000" dirty="0" smtClean="0">
-                <a:latin typeface="Times New Roman" panose="02020603050405020304" pitchFamily="18" charset="0"/>
-                <a:cs typeface="Times New Roman" panose="02020603050405020304" pitchFamily="18" charset="0"/>
-              </a:rPr>
-              <a:t> </a:t>
-            </a:r>
-            <a:r>
-              <a:rPr lang="en-US" sz="2000" dirty="0" err="1" smtClean="0">
-                <a:latin typeface="Times New Roman" panose="02020603050405020304" pitchFamily="18" charset="0"/>
-                <a:cs typeface="Times New Roman" panose="02020603050405020304" pitchFamily="18" charset="0"/>
-              </a:rPr>
-              <a:t>như</a:t>
-            </a:r>
-            <a:r>
-              <a:rPr lang="en-US" sz="2000" dirty="0" smtClean="0">
-                <a:latin typeface="Times New Roman" panose="02020603050405020304" pitchFamily="18" charset="0"/>
-                <a:cs typeface="Times New Roman" panose="02020603050405020304" pitchFamily="18" charset="0"/>
-              </a:rPr>
-              <a:t> </a:t>
-            </a:r>
-            <a:r>
-              <a:rPr lang="en-US" sz="2000" dirty="0" err="1" smtClean="0">
-                <a:latin typeface="Times New Roman" panose="02020603050405020304" pitchFamily="18" charset="0"/>
-                <a:cs typeface="Times New Roman" panose="02020603050405020304" pitchFamily="18" charset="0"/>
-              </a:rPr>
-              <a:t>thế</a:t>
-            </a:r>
-            <a:r>
-              <a:rPr lang="en-US" sz="2000" dirty="0" smtClean="0">
-                <a:latin typeface="Times New Roman" panose="02020603050405020304" pitchFamily="18" charset="0"/>
-                <a:cs typeface="Times New Roman" panose="02020603050405020304" pitchFamily="18" charset="0"/>
-              </a:rPr>
-              <a:t> </a:t>
-            </a:r>
-            <a:r>
-              <a:rPr lang="en-US" sz="2000" dirty="0" err="1" smtClean="0">
-                <a:latin typeface="Times New Roman" panose="02020603050405020304" pitchFamily="18" charset="0"/>
-                <a:cs typeface="Times New Roman" panose="02020603050405020304" pitchFamily="18" charset="0"/>
-              </a:rPr>
-              <a:t>nào</a:t>
-            </a:r>
-            <a:r>
-              <a:rPr lang="en-US" sz="2000" dirty="0" smtClean="0">
-                <a:latin typeface="Times New Roman" panose="02020603050405020304" pitchFamily="18" charset="0"/>
-                <a:cs typeface="Times New Roman" panose="02020603050405020304" pitchFamily="18" charset="0"/>
-              </a:rPr>
-              <a:t> </a:t>
-            </a:r>
-            <a:r>
-              <a:rPr lang="en-US" sz="2000" dirty="0" err="1">
-                <a:latin typeface="Times New Roman" panose="02020603050405020304" pitchFamily="18" charset="0"/>
-                <a:cs typeface="Times New Roman" panose="02020603050405020304" pitchFamily="18" charset="0"/>
-              </a:rPr>
-              <a:t>và</a:t>
-            </a:r>
-            <a:r>
-              <a:rPr lang="en-US" sz="2000" dirty="0">
-                <a:latin typeface="Times New Roman" panose="02020603050405020304" pitchFamily="18" charset="0"/>
-                <a:cs typeface="Times New Roman" panose="02020603050405020304" pitchFamily="18" charset="0"/>
-              </a:rPr>
-              <a:t> </a:t>
-            </a:r>
-            <a:r>
-              <a:rPr lang="en-US" sz="2000" dirty="0" err="1" smtClean="0">
-                <a:latin typeface="Times New Roman" panose="02020603050405020304" pitchFamily="18" charset="0"/>
-                <a:cs typeface="Times New Roman" panose="02020603050405020304" pitchFamily="18" charset="0"/>
-              </a:rPr>
-              <a:t>ứng</a:t>
-            </a:r>
-            <a:r>
-              <a:rPr lang="en-US" sz="2000" dirty="0" smtClean="0">
-                <a:latin typeface="Times New Roman" panose="02020603050405020304" pitchFamily="18" charset="0"/>
-                <a:cs typeface="Times New Roman" panose="02020603050405020304" pitchFamily="18" charset="0"/>
-              </a:rPr>
-              <a:t> </a:t>
-            </a:r>
-            <a:r>
-              <a:rPr lang="en-US" sz="2000" dirty="0" err="1" smtClean="0">
-                <a:latin typeface="Times New Roman" panose="02020603050405020304" pitchFamily="18" charset="0"/>
-                <a:cs typeface="Times New Roman" panose="02020603050405020304" pitchFamily="18" charset="0"/>
-              </a:rPr>
-              <a:t>dụng</a:t>
-            </a:r>
-            <a:r>
-              <a:rPr lang="en-US" sz="2000" dirty="0" smtClean="0">
-                <a:latin typeface="Times New Roman" panose="02020603050405020304" pitchFamily="18" charset="0"/>
-                <a:cs typeface="Times New Roman" panose="02020603050405020304" pitchFamily="18" charset="0"/>
-              </a:rPr>
-              <a:t> </a:t>
-            </a:r>
-            <a:r>
-              <a:rPr lang="en-US" sz="2000" dirty="0" err="1">
-                <a:latin typeface="Times New Roman" panose="02020603050405020304" pitchFamily="18" charset="0"/>
-                <a:cs typeface="Times New Roman" panose="02020603050405020304" pitchFamily="18" charset="0"/>
-              </a:rPr>
-              <a:t>hiển</a:t>
-            </a:r>
-            <a:r>
-              <a:rPr lang="en-US" sz="2000" dirty="0">
-                <a:latin typeface="Times New Roman" panose="02020603050405020304" pitchFamily="18" charset="0"/>
-                <a:cs typeface="Times New Roman" panose="02020603050405020304" pitchFamily="18" charset="0"/>
-              </a:rPr>
-              <a:t> </a:t>
-            </a:r>
-            <a:r>
-              <a:rPr lang="en-US" sz="2000" dirty="0" err="1">
-                <a:latin typeface="Times New Roman" panose="02020603050405020304" pitchFamily="18" charset="0"/>
-                <a:cs typeface="Times New Roman" panose="02020603050405020304" pitchFamily="18" charset="0"/>
-              </a:rPr>
-              <a:t>thị</a:t>
-            </a:r>
-            <a:r>
-              <a:rPr lang="en-US" sz="2000" dirty="0">
-                <a:latin typeface="Times New Roman" panose="02020603050405020304" pitchFamily="18" charset="0"/>
-                <a:cs typeface="Times New Roman" panose="02020603050405020304" pitchFamily="18" charset="0"/>
-              </a:rPr>
-              <a:t> </a:t>
-            </a:r>
-            <a:r>
-              <a:rPr lang="en-US" sz="2000" dirty="0" err="1">
-                <a:latin typeface="Times New Roman" panose="02020603050405020304" pitchFamily="18" charset="0"/>
-                <a:cs typeface="Times New Roman" panose="02020603050405020304" pitchFamily="18" charset="0"/>
-              </a:rPr>
-              <a:t>các</a:t>
-            </a:r>
-            <a:r>
-              <a:rPr lang="en-US" sz="2000" dirty="0">
-                <a:latin typeface="Times New Roman" panose="02020603050405020304" pitchFamily="18" charset="0"/>
-                <a:cs typeface="Times New Roman" panose="02020603050405020304" pitchFamily="18" charset="0"/>
-              </a:rPr>
-              <a:t> </a:t>
-            </a:r>
-            <a:r>
-              <a:rPr lang="en-US" sz="2000" dirty="0" err="1">
-                <a:latin typeface="Times New Roman" panose="02020603050405020304" pitchFamily="18" charset="0"/>
-                <a:cs typeface="Times New Roman" panose="02020603050405020304" pitchFamily="18" charset="0"/>
-              </a:rPr>
-              <a:t>đoạn</a:t>
-            </a:r>
-            <a:r>
-              <a:rPr lang="en-US" sz="2000" dirty="0">
-                <a:latin typeface="Times New Roman" panose="02020603050405020304" pitchFamily="18" charset="0"/>
-                <a:cs typeface="Times New Roman" panose="02020603050405020304" pitchFamily="18" charset="0"/>
-              </a:rPr>
-              <a:t> text, </a:t>
-            </a:r>
-            <a:r>
-              <a:rPr lang="en-US" sz="2000" dirty="0" err="1">
-                <a:latin typeface="Times New Roman" panose="02020603050405020304" pitchFamily="18" charset="0"/>
-                <a:cs typeface="Times New Roman" panose="02020603050405020304" pitchFamily="18" charset="0"/>
-              </a:rPr>
-              <a:t>hình</a:t>
-            </a:r>
-            <a:r>
-              <a:rPr lang="en-US" sz="2000" dirty="0">
-                <a:latin typeface="Times New Roman" panose="02020603050405020304" pitchFamily="18" charset="0"/>
-                <a:cs typeface="Times New Roman" panose="02020603050405020304" pitchFamily="18" charset="0"/>
-              </a:rPr>
-              <a:t> </a:t>
-            </a:r>
-            <a:r>
-              <a:rPr lang="en-US" sz="2000" dirty="0" err="1">
-                <a:latin typeface="Times New Roman" panose="02020603050405020304" pitchFamily="18" charset="0"/>
-                <a:cs typeface="Times New Roman" panose="02020603050405020304" pitchFamily="18" charset="0"/>
-              </a:rPr>
-              <a:t>ảnh</a:t>
-            </a:r>
-            <a:r>
-              <a:rPr lang="en-US" sz="2000" dirty="0">
-                <a:latin typeface="Times New Roman" panose="02020603050405020304" pitchFamily="18" charset="0"/>
-                <a:cs typeface="Times New Roman" panose="02020603050405020304" pitchFamily="18" charset="0"/>
-              </a:rPr>
-              <a:t>, menu, buttons, </a:t>
-            </a:r>
-            <a:r>
-              <a:rPr lang="en-US" sz="2000" dirty="0" err="1">
-                <a:latin typeface="Times New Roman" panose="02020603050405020304" pitchFamily="18" charset="0"/>
-                <a:cs typeface="Times New Roman" panose="02020603050405020304" pitchFamily="18" charset="0"/>
-              </a:rPr>
-              <a:t>các</a:t>
-            </a:r>
-            <a:r>
-              <a:rPr lang="en-US" sz="2000" dirty="0">
-                <a:latin typeface="Times New Roman" panose="02020603050405020304" pitchFamily="18" charset="0"/>
-                <a:cs typeface="Times New Roman" panose="02020603050405020304" pitchFamily="18" charset="0"/>
-              </a:rPr>
-              <a:t> </a:t>
-            </a:r>
-            <a:r>
-              <a:rPr lang="en-US" sz="2000" dirty="0" err="1">
-                <a:latin typeface="Times New Roman" panose="02020603050405020304" pitchFamily="18" charset="0"/>
-                <a:cs typeface="Times New Roman" panose="02020603050405020304" pitchFamily="18" charset="0"/>
-              </a:rPr>
-              <a:t>hộp</a:t>
-            </a:r>
-            <a:r>
-              <a:rPr lang="en-US" sz="2000" dirty="0">
-                <a:latin typeface="Times New Roman" panose="02020603050405020304" pitchFamily="18" charset="0"/>
-                <a:cs typeface="Times New Roman" panose="02020603050405020304" pitchFamily="18" charset="0"/>
-              </a:rPr>
-              <a:t> </a:t>
-            </a:r>
-            <a:r>
-              <a:rPr lang="en-US" sz="2000" dirty="0" err="1">
-                <a:latin typeface="Times New Roman" panose="02020603050405020304" pitchFamily="18" charset="0"/>
-                <a:cs typeface="Times New Roman" panose="02020603050405020304" pitchFamily="18" charset="0"/>
-              </a:rPr>
-              <a:t>thoại</a:t>
-            </a:r>
-            <a:r>
-              <a:rPr lang="en-US" sz="2000" dirty="0">
-                <a:latin typeface="Times New Roman" panose="02020603050405020304" pitchFamily="18" charset="0"/>
-                <a:cs typeface="Times New Roman" panose="02020603050405020304" pitchFamily="18" charset="0"/>
-              </a:rPr>
-              <a:t>, icon, toolbar</a:t>
-            </a:r>
-            <a:r>
-              <a:rPr lang="en-US" sz="2000" dirty="0" smtClean="0">
-                <a:latin typeface="Times New Roman" panose="02020603050405020304" pitchFamily="18" charset="0"/>
-                <a:cs typeface="Times New Roman" panose="02020603050405020304" pitchFamily="18" charset="0"/>
-              </a:rPr>
-              <a:t>… </a:t>
-            </a:r>
-            <a:r>
-              <a:rPr lang="en-US" sz="2000" dirty="0" err="1" smtClean="0">
-                <a:latin typeface="Times New Roman" panose="02020603050405020304" pitchFamily="18" charset="0"/>
-                <a:cs typeface="Times New Roman" panose="02020603050405020304" pitchFamily="18" charset="0"/>
-              </a:rPr>
-              <a:t>ra</a:t>
-            </a:r>
-            <a:r>
-              <a:rPr lang="en-US" sz="2000" dirty="0" smtClean="0">
-                <a:latin typeface="Times New Roman" panose="02020603050405020304" pitchFamily="18" charset="0"/>
-                <a:cs typeface="Times New Roman" panose="02020603050405020304" pitchFamily="18" charset="0"/>
-              </a:rPr>
-              <a:t> </a:t>
-            </a:r>
-            <a:r>
-              <a:rPr lang="en-US" sz="2000" dirty="0" err="1" smtClean="0">
-                <a:latin typeface="Times New Roman" panose="02020603050405020304" pitchFamily="18" charset="0"/>
-                <a:cs typeface="Times New Roman" panose="02020603050405020304" pitchFamily="18" charset="0"/>
-              </a:rPr>
-              <a:t>sao</a:t>
-            </a:r>
-            <a:endParaRPr lang="en-US" sz="2000" dirty="0" smtClean="0">
-              <a:latin typeface="Times New Roman" panose="02020603050405020304" pitchFamily="18" charset="0"/>
-              <a:cs typeface="Times New Roman" panose="02020603050405020304" pitchFamily="18" charset="0"/>
-            </a:endParaRPr>
-          </a:p>
-          <a:p>
-            <a:pPr marL="457200" indent="-457200">
-              <a:buFont typeface="Arial" panose="020B0604020202020204" pitchFamily="34" charset="0"/>
-              <a:buChar char="•"/>
-            </a:pPr>
-            <a:endParaRPr lang="en-US" sz="2000" dirty="0">
-              <a:latin typeface="Times New Roman" panose="02020603050405020304" pitchFamily="18" charset="0"/>
-              <a:cs typeface="Times New Roman" panose="02020603050405020304" pitchFamily="18" charset="0"/>
-            </a:endParaRPr>
-          </a:p>
-        </p:txBody>
-      </p:sp>
-    </p:spTree>
-    <p:extLst>
-      <p:ext uri="{BB962C8B-B14F-4D97-AF65-F5344CB8AC3E}">
-        <p14:creationId xmlns:p14="http://schemas.microsoft.com/office/powerpoint/2010/main" val="1682205188"/>
-      </p:ext>
-    </p:extLst>
-  </p:cSld>
-  <p:clrMapOvr>
-    <a:masterClrMapping/>
-  </p:clrMapOvr>
-  <p:timing>
-    <p:tnLst>
-      <p:par>
-        <p:cTn id="1" dur="indefinite" restart="never" nodeType="tmRoot"/>
-      </p:par>
-    </p:tnLst>
-  </p:timing>
-</p:sld>
-</file>
-
 <file path=ppt/slides/slide6.xml><?xml version="1.0" encoding="utf-8"?>
 <p:sld xmlns:a="http://schemas.openxmlformats.org/drawingml/2006/main" xmlns:r="http://schemas.openxmlformats.org/officeDocument/2006/relationships" xmlns:p="http://schemas.openxmlformats.org/presentationml/2006/main">
   <p:cSld>
@@ -11984,21 +11077,7 @@
                 <a:latin typeface="Times New Roman" panose="02020603050405020304" pitchFamily="18" charset="0"/>
                 <a:cs typeface="Times New Roman" panose="02020603050405020304" pitchFamily="18" charset="0"/>
               </a:rPr>
-              <a:t> ? (</a:t>
-            </a:r>
-            <a:r>
-              <a:rPr lang="en-US" sz="2800" dirty="0" err="1" smtClean="0">
-                <a:latin typeface="Times New Roman" panose="02020603050405020304" pitchFamily="18" charset="0"/>
-                <a:cs typeface="Times New Roman" panose="02020603050405020304" pitchFamily="18" charset="0"/>
-              </a:rPr>
-              <a:t>tt</a:t>
-            </a:r>
-            <a:r>
-              <a:rPr lang="en-US" sz="2800" dirty="0" smtClean="0">
-                <a:latin typeface="Times New Roman" panose="02020603050405020304" pitchFamily="18" charset="0"/>
-                <a:cs typeface="Times New Roman" panose="02020603050405020304" pitchFamily="18" charset="0"/>
-              </a:rPr>
-              <a:t>)</a:t>
+              <a:t> ?</a:t>
             </a:r>
           </a:p>
           <a:p>
@@ -12017,16 +11096,194 @@
               <a:buChar char="•"/>
             </a:pPr>
             <a:r>
+              <a:rPr lang="en-US" sz="2000" dirty="0" err="1" smtClean="0">
+                <a:latin typeface="Times New Roman" panose="02020603050405020304" pitchFamily="18" charset="0"/>
+                <a:cs typeface="Times New Roman" panose="02020603050405020304" pitchFamily="18" charset="0"/>
+              </a:rPr>
+              <a:t>Kiểm</a:t>
+            </a:r>
+            <a:r>
+              <a:rPr lang="en-US" sz="2000" dirty="0" smtClean="0">
+                <a:latin typeface="Times New Roman" panose="02020603050405020304" pitchFamily="18" charset="0"/>
+                <a:cs typeface="Times New Roman" panose="02020603050405020304" pitchFamily="18" charset="0"/>
+              </a:rPr>
+              <a:t> </a:t>
+            </a:r>
+            <a:r>
+              <a:rPr lang="en-US" sz="2000" dirty="0" err="1">
+                <a:latin typeface="Times New Roman" panose="02020603050405020304" pitchFamily="18" charset="0"/>
+                <a:cs typeface="Times New Roman" panose="02020603050405020304" pitchFamily="18" charset="0"/>
+              </a:rPr>
+              <a:t>tra</a:t>
+            </a:r>
+            <a:r>
               <a:rPr lang="en-US" sz="2000" dirty="0">
                 <a:latin typeface="Times New Roman" panose="02020603050405020304" pitchFamily="18" charset="0"/>
                 <a:cs typeface="Times New Roman" panose="02020603050405020304" pitchFamily="18" charset="0"/>
               </a:rPr>
-              <a:t>To check whether all the functionalities are working properly or not. It is simply we can say Look And Feel.</a:t>
-            </a:r>
-            <a:endParaRPr lang="en-US" sz="2000" dirty="0" smtClean="0">
-              <a:latin typeface="Times New Roman" panose="02020603050405020304" pitchFamily="18" charset="0"/>
-              <a:cs typeface="Times New Roman" panose="02020603050405020304" pitchFamily="18" charset="0"/>
-            </a:endParaRPr>
+              <a:t> </a:t>
+            </a:r>
+            <a:r>
+              <a:rPr lang="en-US" sz="2000" dirty="0" err="1">
+                <a:latin typeface="Times New Roman" panose="02020603050405020304" pitchFamily="18" charset="0"/>
+                <a:cs typeface="Times New Roman" panose="02020603050405020304" pitchFamily="18" charset="0"/>
+              </a:rPr>
+              <a:t>rằng</a:t>
+            </a:r>
+            <a:r>
+              <a:rPr lang="en-US" sz="2000" dirty="0">
+                <a:latin typeface="Times New Roman" panose="02020603050405020304" pitchFamily="18" charset="0"/>
+                <a:cs typeface="Times New Roman" panose="02020603050405020304" pitchFamily="18" charset="0"/>
+              </a:rPr>
+              <a:t> </a:t>
+            </a:r>
+            <a:r>
+              <a:rPr lang="en-US" sz="2000" dirty="0" err="1">
+                <a:latin typeface="Times New Roman" panose="02020603050405020304" pitchFamily="18" charset="0"/>
+                <a:cs typeface="Times New Roman" panose="02020603050405020304" pitchFamily="18" charset="0"/>
+              </a:rPr>
+              <a:t>ứng</a:t>
+            </a:r>
+            <a:r>
+              <a:rPr lang="en-US" sz="2000" dirty="0">
+                <a:latin typeface="Times New Roman" panose="02020603050405020304" pitchFamily="18" charset="0"/>
+                <a:cs typeface="Times New Roman" panose="02020603050405020304" pitchFamily="18" charset="0"/>
+              </a:rPr>
+              <a:t> </a:t>
+            </a:r>
+            <a:r>
+              <a:rPr lang="en-US" sz="2000" dirty="0" err="1">
+                <a:latin typeface="Times New Roman" panose="02020603050405020304" pitchFamily="18" charset="0"/>
+                <a:cs typeface="Times New Roman" panose="02020603050405020304" pitchFamily="18" charset="0"/>
+              </a:rPr>
+              <a:t>dụng</a:t>
+            </a:r>
+            <a:r>
+              <a:rPr lang="en-US" sz="2000" dirty="0">
+                <a:latin typeface="Times New Roman" panose="02020603050405020304" pitchFamily="18" charset="0"/>
+                <a:cs typeface="Times New Roman" panose="02020603050405020304" pitchFamily="18" charset="0"/>
+              </a:rPr>
+              <a:t> </a:t>
+            </a:r>
+            <a:r>
+              <a:rPr lang="en-US" sz="2000" dirty="0" err="1">
+                <a:latin typeface="Times New Roman" panose="02020603050405020304" pitchFamily="18" charset="0"/>
+                <a:cs typeface="Times New Roman" panose="02020603050405020304" pitchFamily="18" charset="0"/>
+              </a:rPr>
+              <a:t>và</a:t>
+            </a:r>
+            <a:r>
+              <a:rPr lang="en-US" sz="2000" dirty="0">
+                <a:latin typeface="Times New Roman" panose="02020603050405020304" pitchFamily="18" charset="0"/>
+                <a:cs typeface="Times New Roman" panose="02020603050405020304" pitchFamily="18" charset="0"/>
+              </a:rPr>
+              <a:t> </a:t>
+            </a:r>
+            <a:r>
+              <a:rPr lang="en-US" sz="2000" dirty="0" err="1">
+                <a:latin typeface="Times New Roman" panose="02020603050405020304" pitchFamily="18" charset="0"/>
+                <a:cs typeface="Times New Roman" panose="02020603050405020304" pitchFamily="18" charset="0"/>
+              </a:rPr>
+              <a:t>người</a:t>
+            </a:r>
+            <a:r>
+              <a:rPr lang="en-US" sz="2000" dirty="0">
+                <a:latin typeface="Times New Roman" panose="02020603050405020304" pitchFamily="18" charset="0"/>
+                <a:cs typeface="Times New Roman" panose="02020603050405020304" pitchFamily="18" charset="0"/>
+              </a:rPr>
+              <a:t> </a:t>
+            </a:r>
+            <a:r>
+              <a:rPr lang="en-US" sz="2000" dirty="0" err="1">
+                <a:latin typeface="Times New Roman" panose="02020603050405020304" pitchFamily="18" charset="0"/>
+                <a:cs typeface="Times New Roman" panose="02020603050405020304" pitchFamily="18" charset="0"/>
+              </a:rPr>
+              <a:t>dùng</a:t>
+            </a:r>
+            <a:r>
+              <a:rPr lang="en-US" sz="2000" dirty="0">
+                <a:latin typeface="Times New Roman" panose="02020603050405020304" pitchFamily="18" charset="0"/>
+                <a:cs typeface="Times New Roman" panose="02020603050405020304" pitchFamily="18" charset="0"/>
+              </a:rPr>
+              <a:t> </a:t>
+            </a:r>
+            <a:r>
+              <a:rPr lang="en-US" sz="2000" dirty="0" err="1">
+                <a:latin typeface="Times New Roman" panose="02020603050405020304" pitchFamily="18" charset="0"/>
+                <a:cs typeface="Times New Roman" panose="02020603050405020304" pitchFamily="18" charset="0"/>
+              </a:rPr>
+              <a:t>tương</a:t>
+            </a:r>
+            <a:r>
+              <a:rPr lang="en-US" sz="2000" dirty="0">
+                <a:latin typeface="Times New Roman" panose="02020603050405020304" pitchFamily="18" charset="0"/>
+                <a:cs typeface="Times New Roman" panose="02020603050405020304" pitchFamily="18" charset="0"/>
+              </a:rPr>
+              <a:t> </a:t>
+            </a:r>
+            <a:r>
+              <a:rPr lang="en-US" sz="2000" dirty="0" err="1">
+                <a:latin typeface="Times New Roman" panose="02020603050405020304" pitchFamily="18" charset="0"/>
+                <a:cs typeface="Times New Roman" panose="02020603050405020304" pitchFamily="18" charset="0"/>
+              </a:rPr>
+              <a:t>tác</a:t>
+            </a:r>
+            <a:r>
+              <a:rPr lang="en-US" sz="2000" dirty="0">
+                <a:latin typeface="Times New Roman" panose="02020603050405020304" pitchFamily="18" charset="0"/>
+                <a:cs typeface="Times New Roman" panose="02020603050405020304" pitchFamily="18" charset="0"/>
+              </a:rPr>
+              <a:t> </a:t>
+            </a:r>
+            <a:r>
+              <a:rPr lang="en-US" sz="2000" dirty="0" err="1">
+                <a:latin typeface="Times New Roman" panose="02020603050405020304" pitchFamily="18" charset="0"/>
+                <a:cs typeface="Times New Roman" panose="02020603050405020304" pitchFamily="18" charset="0"/>
+              </a:rPr>
+              <a:t>như</a:t>
+            </a:r>
+            <a:r>
+              <a:rPr lang="en-US" sz="2000" dirty="0">
+                <a:latin typeface="Times New Roman" panose="02020603050405020304" pitchFamily="18" charset="0"/>
+                <a:cs typeface="Times New Roman" panose="02020603050405020304" pitchFamily="18" charset="0"/>
+              </a:rPr>
+              <a:t> </a:t>
+            </a:r>
+            <a:r>
+              <a:rPr lang="en-US" sz="2000" dirty="0" err="1">
+                <a:latin typeface="Times New Roman" panose="02020603050405020304" pitchFamily="18" charset="0"/>
+                <a:cs typeface="Times New Roman" panose="02020603050405020304" pitchFamily="18" charset="0"/>
+              </a:rPr>
+              <a:t>thế</a:t>
+            </a:r>
+            <a:r>
+              <a:rPr lang="en-US" sz="2000" dirty="0">
+                <a:latin typeface="Times New Roman" panose="02020603050405020304" pitchFamily="18" charset="0"/>
+                <a:cs typeface="Times New Roman" panose="02020603050405020304" pitchFamily="18" charset="0"/>
+              </a:rPr>
+              <a:t> </a:t>
+            </a:r>
+            <a:r>
+              <a:rPr lang="en-US" sz="2000" dirty="0" err="1">
+                <a:latin typeface="Times New Roman" panose="02020603050405020304" pitchFamily="18" charset="0"/>
+                <a:cs typeface="Times New Roman" panose="02020603050405020304" pitchFamily="18" charset="0"/>
+              </a:rPr>
+              <a:t>nào</a:t>
+            </a:r>
+            <a:r>
+              <a:rPr lang="en-US" sz="2000" dirty="0">
+                <a:latin typeface="Times New Roman" panose="02020603050405020304" pitchFamily="18" charset="0"/>
+                <a:cs typeface="Times New Roman" panose="02020603050405020304" pitchFamily="18" charset="0"/>
+              </a:rPr>
+              <a:t> </a:t>
+            </a:r>
+            <a:r>
+              <a:rPr lang="en-US" sz="2000" dirty="0" smtClean="0">
+                <a:latin typeface="Times New Roman" panose="02020603050405020304" pitchFamily="18" charset="0"/>
+                <a:cs typeface="Times New Roman" panose="02020603050405020304" pitchFamily="18" charset="0"/>
+              </a:rPr>
+              <a:t>?</a:t>
+            </a:r>
           </a:p>
           <a:p>
             <a:pPr marL="457200" indent="-457200">
@@ -12044,19 +11301,502 @@
               <a:buChar char="•"/>
             </a:pPr>
             <a:r>
+              <a:rPr lang="en-US" sz="2000" dirty="0" err="1" smtClean="0">
+                <a:latin typeface="Times New Roman" panose="02020603050405020304" pitchFamily="18" charset="0"/>
+                <a:cs typeface="Times New Roman" panose="02020603050405020304" pitchFamily="18" charset="0"/>
+              </a:rPr>
+              <a:t>Bao</a:t>
+            </a:r>
+            <a:r>
+              <a:rPr lang="en-US" sz="2000" dirty="0" smtClean="0">
+                <a:latin typeface="Times New Roman" panose="02020603050405020304" pitchFamily="18" charset="0"/>
+                <a:cs typeface="Times New Roman" panose="02020603050405020304" pitchFamily="18" charset="0"/>
+              </a:rPr>
+              <a:t> </a:t>
+            </a:r>
+            <a:r>
+              <a:rPr lang="en-US" sz="2000" dirty="0" err="1">
+                <a:latin typeface="Times New Roman" panose="02020603050405020304" pitchFamily="18" charset="0"/>
+                <a:cs typeface="Times New Roman" panose="02020603050405020304" pitchFamily="18" charset="0"/>
+              </a:rPr>
+              <a:t>gồm</a:t>
+            </a:r>
+            <a:r>
               <a:rPr lang="en-US" sz="2000" dirty="0">
                 <a:latin typeface="Times New Roman" panose="02020603050405020304" pitchFamily="18" charset="0"/>
                 <a:cs typeface="Times New Roman" panose="02020603050405020304" pitchFamily="18" charset="0"/>
               </a:rPr>
-              <a:t>This test actually tells us the reactions of various GUI components against the input provided and if it is working properly or not.</a:t>
-            </a:r>
+              <a:t> </a:t>
+            </a:r>
+            <a:r>
+              <a:rPr lang="en-US" sz="2000" dirty="0" err="1">
+                <a:latin typeface="Times New Roman" panose="02020603050405020304" pitchFamily="18" charset="0"/>
+                <a:cs typeface="Times New Roman" panose="02020603050405020304" pitchFamily="18" charset="0"/>
+              </a:rPr>
+              <a:t>việc</a:t>
+            </a:r>
+            <a:r>
+              <a:rPr lang="en-US" sz="2000" dirty="0">
+                <a:latin typeface="Times New Roman" panose="02020603050405020304" pitchFamily="18" charset="0"/>
+                <a:cs typeface="Times New Roman" panose="02020603050405020304" pitchFamily="18" charset="0"/>
+              </a:rPr>
+              <a:t> </a:t>
+            </a:r>
+            <a:r>
+              <a:rPr lang="en-US" sz="2000" dirty="0" err="1" smtClean="0">
+                <a:latin typeface="Times New Roman" panose="02020603050405020304" pitchFamily="18" charset="0"/>
+                <a:cs typeface="Times New Roman" panose="02020603050405020304" pitchFamily="18" charset="0"/>
+              </a:rPr>
+              <a:t>kiểm</a:t>
+            </a:r>
+            <a:r>
+              <a:rPr lang="en-US" sz="2000" dirty="0" smtClean="0">
+                <a:latin typeface="Times New Roman" panose="02020603050405020304" pitchFamily="18" charset="0"/>
+                <a:cs typeface="Times New Roman" panose="02020603050405020304" pitchFamily="18" charset="0"/>
+              </a:rPr>
+              <a:t> </a:t>
+            </a:r>
+            <a:r>
+              <a:rPr lang="en-US" sz="2000" dirty="0" err="1" smtClean="0">
+                <a:latin typeface="Times New Roman" panose="02020603050405020304" pitchFamily="18" charset="0"/>
+                <a:cs typeface="Times New Roman" panose="02020603050405020304" pitchFamily="18" charset="0"/>
+              </a:rPr>
+              <a:t>tra</a:t>
+            </a:r>
+            <a:r>
+              <a:rPr lang="en-US" sz="2000" dirty="0" smtClean="0">
+                <a:latin typeface="Times New Roman" panose="02020603050405020304" pitchFamily="18" charset="0"/>
+                <a:cs typeface="Times New Roman" panose="02020603050405020304" pitchFamily="18" charset="0"/>
+              </a:rPr>
+              <a:t> </a:t>
+            </a:r>
+            <a:r>
+              <a:rPr lang="en-US" sz="2000" dirty="0" err="1" smtClean="0">
+                <a:latin typeface="Times New Roman" panose="02020603050405020304" pitchFamily="18" charset="0"/>
+                <a:cs typeface="Times New Roman" panose="02020603050405020304" pitchFamily="18" charset="0"/>
+              </a:rPr>
+              <a:t>ứng</a:t>
+            </a:r>
+            <a:r>
+              <a:rPr lang="en-US" sz="2000" dirty="0" smtClean="0">
+                <a:latin typeface="Times New Roman" panose="02020603050405020304" pitchFamily="18" charset="0"/>
+                <a:cs typeface="Times New Roman" panose="02020603050405020304" pitchFamily="18" charset="0"/>
+              </a:rPr>
+              <a:t> </a:t>
+            </a:r>
+            <a:r>
+              <a:rPr lang="en-US" sz="2000" dirty="0" err="1">
+                <a:latin typeface="Times New Roman" panose="02020603050405020304" pitchFamily="18" charset="0"/>
+                <a:cs typeface="Times New Roman" panose="02020603050405020304" pitchFamily="18" charset="0"/>
+              </a:rPr>
+              <a:t>dụng</a:t>
+            </a:r>
+            <a:r>
+              <a:rPr lang="en-US" sz="2000" dirty="0">
+                <a:latin typeface="Times New Roman" panose="02020603050405020304" pitchFamily="18" charset="0"/>
+                <a:cs typeface="Times New Roman" panose="02020603050405020304" pitchFamily="18" charset="0"/>
+              </a:rPr>
+              <a:t> </a:t>
+            </a:r>
+            <a:r>
+              <a:rPr lang="en-US" sz="2000" dirty="0" err="1">
+                <a:latin typeface="Times New Roman" panose="02020603050405020304" pitchFamily="18" charset="0"/>
+                <a:cs typeface="Times New Roman" panose="02020603050405020304" pitchFamily="18" charset="0"/>
+              </a:rPr>
+              <a:t>xử</a:t>
+            </a:r>
+            <a:r>
+              <a:rPr lang="en-US" sz="2000" dirty="0">
+                <a:latin typeface="Times New Roman" panose="02020603050405020304" pitchFamily="18" charset="0"/>
+                <a:cs typeface="Times New Roman" panose="02020603050405020304" pitchFamily="18" charset="0"/>
+              </a:rPr>
+              <a:t> </a:t>
+            </a:r>
+            <a:r>
+              <a:rPr lang="en-US" sz="2000" dirty="0" err="1">
+                <a:latin typeface="Times New Roman" panose="02020603050405020304" pitchFamily="18" charset="0"/>
+                <a:cs typeface="Times New Roman" panose="02020603050405020304" pitchFamily="18" charset="0"/>
+              </a:rPr>
+              <a:t>lý</a:t>
+            </a:r>
+            <a:r>
+              <a:rPr lang="en-US" sz="2000" dirty="0">
+                <a:latin typeface="Times New Roman" panose="02020603050405020304" pitchFamily="18" charset="0"/>
+                <a:cs typeface="Times New Roman" panose="02020603050405020304" pitchFamily="18" charset="0"/>
+              </a:rPr>
+              <a:t> </a:t>
+            </a:r>
+            <a:r>
+              <a:rPr lang="en-US" sz="2000" dirty="0" err="1">
+                <a:latin typeface="Times New Roman" panose="02020603050405020304" pitchFamily="18" charset="0"/>
+                <a:cs typeface="Times New Roman" panose="02020603050405020304" pitchFamily="18" charset="0"/>
+              </a:rPr>
+              <a:t>thông</a:t>
+            </a:r>
+            <a:r>
+              <a:rPr lang="en-US" sz="2000" dirty="0">
+                <a:latin typeface="Times New Roman" panose="02020603050405020304" pitchFamily="18" charset="0"/>
+                <a:cs typeface="Times New Roman" panose="02020603050405020304" pitchFamily="18" charset="0"/>
+              </a:rPr>
+              <a:t> tin </a:t>
+            </a:r>
+            <a:r>
+              <a:rPr lang="en-US" sz="2000" dirty="0" err="1">
+                <a:latin typeface="Times New Roman" panose="02020603050405020304" pitchFamily="18" charset="0"/>
+                <a:cs typeface="Times New Roman" panose="02020603050405020304" pitchFamily="18" charset="0"/>
+              </a:rPr>
+              <a:t>đầu</a:t>
+            </a:r>
+            <a:r>
+              <a:rPr lang="en-US" sz="2000" dirty="0">
+                <a:latin typeface="Times New Roman" panose="02020603050405020304" pitchFamily="18" charset="0"/>
+                <a:cs typeface="Times New Roman" panose="02020603050405020304" pitchFamily="18" charset="0"/>
+              </a:rPr>
+              <a:t> </a:t>
+            </a:r>
+            <a:r>
+              <a:rPr lang="en-US" sz="2000" dirty="0" err="1">
+                <a:latin typeface="Times New Roman" panose="02020603050405020304" pitchFamily="18" charset="0"/>
+                <a:cs typeface="Times New Roman" panose="02020603050405020304" pitchFamily="18" charset="0"/>
+              </a:rPr>
+              <a:t>vào</a:t>
+            </a:r>
+            <a:r>
+              <a:rPr lang="en-US" sz="2000" dirty="0">
+                <a:latin typeface="Times New Roman" panose="02020603050405020304" pitchFamily="18" charset="0"/>
+                <a:cs typeface="Times New Roman" panose="02020603050405020304" pitchFamily="18" charset="0"/>
+              </a:rPr>
+              <a:t> </a:t>
+            </a:r>
+            <a:r>
+              <a:rPr lang="en-US" sz="2000" dirty="0" err="1">
+                <a:latin typeface="Times New Roman" panose="02020603050405020304" pitchFamily="18" charset="0"/>
+                <a:cs typeface="Times New Roman" panose="02020603050405020304" pitchFamily="18" charset="0"/>
+              </a:rPr>
+              <a:t>từ</a:t>
+            </a:r>
+            <a:r>
+              <a:rPr lang="en-US" sz="2000" dirty="0">
+                <a:latin typeface="Times New Roman" panose="02020603050405020304" pitchFamily="18" charset="0"/>
+                <a:cs typeface="Times New Roman" panose="02020603050405020304" pitchFamily="18" charset="0"/>
+              </a:rPr>
+              <a:t> </a:t>
+            </a:r>
+            <a:r>
+              <a:rPr lang="en-US" sz="2000" dirty="0" err="1">
+                <a:latin typeface="Times New Roman" panose="02020603050405020304" pitchFamily="18" charset="0"/>
+                <a:cs typeface="Times New Roman" panose="02020603050405020304" pitchFamily="18" charset="0"/>
+              </a:rPr>
+              <a:t>chuột</a:t>
+            </a:r>
+            <a:r>
+              <a:rPr lang="en-US" sz="2000" dirty="0">
+                <a:latin typeface="Times New Roman" panose="02020603050405020304" pitchFamily="18" charset="0"/>
+                <a:cs typeface="Times New Roman" panose="02020603050405020304" pitchFamily="18" charset="0"/>
+              </a:rPr>
+              <a:t> </a:t>
+            </a:r>
+            <a:r>
+              <a:rPr lang="en-US" sz="2000" dirty="0" err="1">
+                <a:latin typeface="Times New Roman" panose="02020603050405020304" pitchFamily="18" charset="0"/>
+                <a:cs typeface="Times New Roman" panose="02020603050405020304" pitchFamily="18" charset="0"/>
+              </a:rPr>
+              <a:t>và</a:t>
+            </a:r>
+            <a:r>
+              <a:rPr lang="en-US" sz="2000" dirty="0">
+                <a:latin typeface="Times New Roman" panose="02020603050405020304" pitchFamily="18" charset="0"/>
+                <a:cs typeface="Times New Roman" panose="02020603050405020304" pitchFamily="18" charset="0"/>
+              </a:rPr>
+              <a:t> </a:t>
+            </a:r>
+            <a:r>
+              <a:rPr lang="en-US" sz="2000" dirty="0" err="1">
+                <a:latin typeface="Times New Roman" panose="02020603050405020304" pitchFamily="18" charset="0"/>
+                <a:cs typeface="Times New Roman" panose="02020603050405020304" pitchFamily="18" charset="0"/>
+              </a:rPr>
+              <a:t>bàn</a:t>
+            </a:r>
+            <a:r>
+              <a:rPr lang="en-US" sz="2000" dirty="0">
+                <a:latin typeface="Times New Roman" panose="02020603050405020304" pitchFamily="18" charset="0"/>
+                <a:cs typeface="Times New Roman" panose="02020603050405020304" pitchFamily="18" charset="0"/>
+              </a:rPr>
+              <a:t> </a:t>
+            </a:r>
+            <a:r>
+              <a:rPr lang="en-US" sz="2000" dirty="0" err="1" smtClean="0">
+                <a:latin typeface="Times New Roman" panose="02020603050405020304" pitchFamily="18" charset="0"/>
+                <a:cs typeface="Times New Roman" panose="02020603050405020304" pitchFamily="18" charset="0"/>
+              </a:rPr>
+              <a:t>phím</a:t>
+            </a:r>
+            <a:r>
+              <a:rPr lang="en-US" sz="2000" dirty="0" smtClean="0">
+                <a:latin typeface="Times New Roman" panose="02020603050405020304" pitchFamily="18" charset="0"/>
+                <a:cs typeface="Times New Roman" panose="02020603050405020304" pitchFamily="18" charset="0"/>
+              </a:rPr>
+              <a:t> </a:t>
+            </a:r>
+            <a:r>
+              <a:rPr lang="en-US" sz="2000" dirty="0" err="1" smtClean="0">
+                <a:latin typeface="Times New Roman" panose="02020603050405020304" pitchFamily="18" charset="0"/>
+                <a:cs typeface="Times New Roman" panose="02020603050405020304" pitchFamily="18" charset="0"/>
+              </a:rPr>
+              <a:t>như</a:t>
+            </a:r>
+            <a:r>
+              <a:rPr lang="en-US" sz="2000" dirty="0" smtClean="0">
+                <a:latin typeface="Times New Roman" panose="02020603050405020304" pitchFamily="18" charset="0"/>
+                <a:cs typeface="Times New Roman" panose="02020603050405020304" pitchFamily="18" charset="0"/>
+              </a:rPr>
+              <a:t> </a:t>
+            </a:r>
+            <a:r>
+              <a:rPr lang="en-US" sz="2000" dirty="0" err="1" smtClean="0">
+                <a:latin typeface="Times New Roman" panose="02020603050405020304" pitchFamily="18" charset="0"/>
+                <a:cs typeface="Times New Roman" panose="02020603050405020304" pitchFamily="18" charset="0"/>
+              </a:rPr>
+              <a:t>thế</a:t>
+            </a:r>
+            <a:r>
+              <a:rPr lang="en-US" sz="2000" dirty="0" smtClean="0">
+                <a:latin typeface="Times New Roman" panose="02020603050405020304" pitchFamily="18" charset="0"/>
+                <a:cs typeface="Times New Roman" panose="02020603050405020304" pitchFamily="18" charset="0"/>
+              </a:rPr>
+              <a:t> </a:t>
+            </a:r>
+            <a:r>
+              <a:rPr lang="en-US" sz="2000" dirty="0" err="1" smtClean="0">
+                <a:latin typeface="Times New Roman" panose="02020603050405020304" pitchFamily="18" charset="0"/>
+                <a:cs typeface="Times New Roman" panose="02020603050405020304" pitchFamily="18" charset="0"/>
+              </a:rPr>
+              <a:t>nào</a:t>
+            </a:r>
+            <a:r>
+              <a:rPr lang="en-US" sz="2000" dirty="0" smtClean="0">
+                <a:latin typeface="Times New Roman" panose="02020603050405020304" pitchFamily="18" charset="0"/>
+                <a:cs typeface="Times New Roman" panose="02020603050405020304" pitchFamily="18" charset="0"/>
+              </a:rPr>
+              <a:t> </a:t>
+            </a:r>
+            <a:r>
+              <a:rPr lang="en-US" sz="2000" dirty="0" err="1">
+                <a:latin typeface="Times New Roman" panose="02020603050405020304" pitchFamily="18" charset="0"/>
+                <a:cs typeface="Times New Roman" panose="02020603050405020304" pitchFamily="18" charset="0"/>
+              </a:rPr>
+              <a:t>và</a:t>
+            </a:r>
+            <a:r>
+              <a:rPr lang="en-US" sz="2000" dirty="0">
+                <a:latin typeface="Times New Roman" panose="02020603050405020304" pitchFamily="18" charset="0"/>
+                <a:cs typeface="Times New Roman" panose="02020603050405020304" pitchFamily="18" charset="0"/>
+              </a:rPr>
+              <a:t> </a:t>
+            </a:r>
+            <a:r>
+              <a:rPr lang="en-US" sz="2000" dirty="0" err="1" smtClean="0">
+                <a:latin typeface="Times New Roman" panose="02020603050405020304" pitchFamily="18" charset="0"/>
+                <a:cs typeface="Times New Roman" panose="02020603050405020304" pitchFamily="18" charset="0"/>
+              </a:rPr>
+              <a:t>ứng</a:t>
+            </a:r>
+            <a:r>
+              <a:rPr lang="en-US" sz="2000" dirty="0" smtClean="0">
+                <a:latin typeface="Times New Roman" panose="02020603050405020304" pitchFamily="18" charset="0"/>
+                <a:cs typeface="Times New Roman" panose="02020603050405020304" pitchFamily="18" charset="0"/>
+              </a:rPr>
+              <a:t> </a:t>
+            </a:r>
+            <a:r>
+              <a:rPr lang="en-US" sz="2000" dirty="0" err="1" smtClean="0">
+                <a:latin typeface="Times New Roman" panose="02020603050405020304" pitchFamily="18" charset="0"/>
+                <a:cs typeface="Times New Roman" panose="02020603050405020304" pitchFamily="18" charset="0"/>
+              </a:rPr>
+              <a:t>dụng</a:t>
+            </a:r>
+            <a:r>
+              <a:rPr lang="en-US" sz="2000" dirty="0" smtClean="0">
+                <a:latin typeface="Times New Roman" panose="02020603050405020304" pitchFamily="18" charset="0"/>
+                <a:cs typeface="Times New Roman" panose="02020603050405020304" pitchFamily="18" charset="0"/>
+              </a:rPr>
+              <a:t> </a:t>
+            </a:r>
+            <a:r>
+              <a:rPr lang="en-US" sz="2000" dirty="0" err="1">
+                <a:latin typeface="Times New Roman" panose="02020603050405020304" pitchFamily="18" charset="0"/>
+                <a:cs typeface="Times New Roman" panose="02020603050405020304" pitchFamily="18" charset="0"/>
+              </a:rPr>
+              <a:t>hiển</a:t>
+            </a:r>
+            <a:r>
+              <a:rPr lang="en-US" sz="2000" dirty="0">
+                <a:latin typeface="Times New Roman" panose="02020603050405020304" pitchFamily="18" charset="0"/>
+                <a:cs typeface="Times New Roman" panose="02020603050405020304" pitchFamily="18" charset="0"/>
+              </a:rPr>
+              <a:t> </a:t>
+            </a:r>
+            <a:r>
+              <a:rPr lang="en-US" sz="2000" dirty="0" err="1">
+                <a:latin typeface="Times New Roman" panose="02020603050405020304" pitchFamily="18" charset="0"/>
+                <a:cs typeface="Times New Roman" panose="02020603050405020304" pitchFamily="18" charset="0"/>
+              </a:rPr>
+              <a:t>thị</a:t>
+            </a:r>
+            <a:r>
+              <a:rPr lang="en-US" sz="2000" dirty="0">
+                <a:latin typeface="Times New Roman" panose="02020603050405020304" pitchFamily="18" charset="0"/>
+                <a:cs typeface="Times New Roman" panose="02020603050405020304" pitchFamily="18" charset="0"/>
+              </a:rPr>
+              <a:t> </a:t>
+            </a:r>
+            <a:r>
+              <a:rPr lang="en-US" sz="2000" dirty="0" err="1">
+                <a:latin typeface="Times New Roman" panose="02020603050405020304" pitchFamily="18" charset="0"/>
+                <a:cs typeface="Times New Roman" panose="02020603050405020304" pitchFamily="18" charset="0"/>
+              </a:rPr>
+              <a:t>các</a:t>
+            </a:r>
+            <a:r>
+              <a:rPr lang="en-US" sz="2000" dirty="0">
+                <a:latin typeface="Times New Roman" panose="02020603050405020304" pitchFamily="18" charset="0"/>
+                <a:cs typeface="Times New Roman" panose="02020603050405020304" pitchFamily="18" charset="0"/>
+              </a:rPr>
+              <a:t> </a:t>
+            </a:r>
+            <a:r>
+              <a:rPr lang="en-US" sz="2000" dirty="0" err="1">
+                <a:latin typeface="Times New Roman" panose="02020603050405020304" pitchFamily="18" charset="0"/>
+                <a:cs typeface="Times New Roman" panose="02020603050405020304" pitchFamily="18" charset="0"/>
+              </a:rPr>
+              <a:t>đoạn</a:t>
+            </a:r>
+            <a:r>
+              <a:rPr lang="en-US" sz="2000" dirty="0">
+                <a:latin typeface="Times New Roman" panose="02020603050405020304" pitchFamily="18" charset="0"/>
+                <a:cs typeface="Times New Roman" panose="02020603050405020304" pitchFamily="18" charset="0"/>
+              </a:rPr>
+              <a:t> text, </a:t>
+            </a:r>
+            <a:r>
+              <a:rPr lang="en-US" sz="2000" dirty="0" err="1">
+                <a:latin typeface="Times New Roman" panose="02020603050405020304" pitchFamily="18" charset="0"/>
+                <a:cs typeface="Times New Roman" panose="02020603050405020304" pitchFamily="18" charset="0"/>
+              </a:rPr>
+              <a:t>hình</a:t>
+            </a:r>
+            <a:r>
+              <a:rPr lang="en-US" sz="2000" dirty="0">
+                <a:latin typeface="Times New Roman" panose="02020603050405020304" pitchFamily="18" charset="0"/>
+                <a:cs typeface="Times New Roman" panose="02020603050405020304" pitchFamily="18" charset="0"/>
+              </a:rPr>
+              <a:t> </a:t>
+            </a:r>
+            <a:r>
+              <a:rPr lang="en-US" sz="2000" dirty="0" err="1">
+                <a:latin typeface="Times New Roman" panose="02020603050405020304" pitchFamily="18" charset="0"/>
+                <a:cs typeface="Times New Roman" panose="02020603050405020304" pitchFamily="18" charset="0"/>
+              </a:rPr>
+              <a:t>ảnh</a:t>
+            </a:r>
+            <a:r>
+              <a:rPr lang="en-US" sz="2000" dirty="0">
+                <a:latin typeface="Times New Roman" panose="02020603050405020304" pitchFamily="18" charset="0"/>
+                <a:cs typeface="Times New Roman" panose="02020603050405020304" pitchFamily="18" charset="0"/>
+              </a:rPr>
+              <a:t>, menu, buttons, </a:t>
+            </a:r>
+            <a:r>
+              <a:rPr lang="en-US" sz="2000" dirty="0" err="1">
+                <a:latin typeface="Times New Roman" panose="02020603050405020304" pitchFamily="18" charset="0"/>
+                <a:cs typeface="Times New Roman" panose="02020603050405020304" pitchFamily="18" charset="0"/>
+              </a:rPr>
+              <a:t>các</a:t>
+            </a:r>
+            <a:r>
+              <a:rPr lang="en-US" sz="2000" dirty="0">
+                <a:latin typeface="Times New Roman" panose="02020603050405020304" pitchFamily="18" charset="0"/>
+                <a:cs typeface="Times New Roman" panose="02020603050405020304" pitchFamily="18" charset="0"/>
+              </a:rPr>
+              <a:t> </a:t>
+            </a:r>
+            <a:r>
+              <a:rPr lang="en-US" sz="2000" dirty="0" err="1">
+                <a:latin typeface="Times New Roman" panose="02020603050405020304" pitchFamily="18" charset="0"/>
+                <a:cs typeface="Times New Roman" panose="02020603050405020304" pitchFamily="18" charset="0"/>
+              </a:rPr>
+              <a:t>hộp</a:t>
+            </a:r>
+            <a:r>
+              <a:rPr lang="en-US" sz="2000" dirty="0">
+                <a:latin typeface="Times New Roman" panose="02020603050405020304" pitchFamily="18" charset="0"/>
+                <a:cs typeface="Times New Roman" panose="02020603050405020304" pitchFamily="18" charset="0"/>
+              </a:rPr>
+              <a:t> </a:t>
+            </a:r>
+            <a:r>
+              <a:rPr lang="en-US" sz="2000" dirty="0" err="1">
+                <a:latin typeface="Times New Roman" panose="02020603050405020304" pitchFamily="18" charset="0"/>
+                <a:cs typeface="Times New Roman" panose="02020603050405020304" pitchFamily="18" charset="0"/>
+              </a:rPr>
+              <a:t>thoại</a:t>
+            </a:r>
+            <a:r>
+              <a:rPr lang="en-US" sz="2000" dirty="0">
+                <a:latin typeface="Times New Roman" panose="02020603050405020304" pitchFamily="18" charset="0"/>
+                <a:cs typeface="Times New Roman" panose="02020603050405020304" pitchFamily="18" charset="0"/>
+              </a:rPr>
+              <a:t>, icon, toolbar</a:t>
+            </a:r>
+            <a:r>
+              <a:rPr lang="en-US" sz="2000" dirty="0" smtClean="0">
+                <a:latin typeface="Times New Roman" panose="02020603050405020304" pitchFamily="18" charset="0"/>
+                <a:cs typeface="Times New Roman" panose="02020603050405020304" pitchFamily="18" charset="0"/>
+              </a:rPr>
+              <a:t>… </a:t>
+            </a:r>
+            <a:r>
+              <a:rPr lang="en-US" sz="2000" dirty="0" err="1" smtClean="0">
+                <a:latin typeface="Times New Roman" panose="02020603050405020304" pitchFamily="18" charset="0"/>
+                <a:cs typeface="Times New Roman" panose="02020603050405020304" pitchFamily="18" charset="0"/>
+              </a:rPr>
+              <a:t>ra</a:t>
+            </a:r>
+            <a:r>
+              <a:rPr lang="en-US" sz="2000" dirty="0" smtClean="0">
+                <a:latin typeface="Times New Roman" panose="02020603050405020304" pitchFamily="18" charset="0"/>
+                <a:cs typeface="Times New Roman" panose="02020603050405020304" pitchFamily="18" charset="0"/>
+              </a:rPr>
+              <a:t> </a:t>
+            </a:r>
+            <a:r>
+              <a:rPr lang="en-US" sz="2000" dirty="0" err="1" smtClean="0">
+                <a:latin typeface="Times New Roman" panose="02020603050405020304" pitchFamily="18" charset="0"/>
+                <a:cs typeface="Times New Roman" panose="02020603050405020304" pitchFamily="18" charset="0"/>
+              </a:rPr>
+              <a:t>sao</a:t>
+            </a:r>
+            <a:endParaRPr lang="en-US" sz="2000" dirty="0" smtClean="0">
+              <a:latin typeface="Times New Roman" panose="02020603050405020304" pitchFamily="18" charset="0"/>
+              <a:cs typeface="Times New Roman" panose="02020603050405020304" pitchFamily="18" charset="0"/>
+            </a:endParaRPr>
+          </a:p>
+          <a:p>
+            <a:pPr marL="457200" indent="-457200">
+              <a:buFont typeface="Arial" panose="020B0604020202020204" pitchFamily="34" charset="0"/>
+              <a:buChar char="•"/>
+            </a:pPr>
+            <a:endParaRPr lang="en-US" sz="2000" dirty="0">
+              <a:latin typeface="Times New Roman" panose="02020603050405020304" pitchFamily="18" charset="0"/>
+              <a:cs typeface="Times New Roman" panose="02020603050405020304" pitchFamily="18" charset="0"/>
+            </a:endParaRPr>
           </a:p>
         </p:txBody>
       </p:sp>
     </p:spTree>
     <p:extLst>
       <p:ext uri="{BB962C8B-B14F-4D97-AF65-F5344CB8AC3E}">
-        <p14:creationId xmlns:p14="http://schemas.microsoft.com/office/powerpoint/2010/main" val="2641918328"/>
+        <p14:creationId xmlns:p14="http://schemas.microsoft.com/office/powerpoint/2010/main" val="1682205188"/>
       </p:ext>
     </p:extLst>
   </p:cSld>
@@ -12135,6 +11875,203 @@
         <p:spPr>
           <a:xfrm>
             <a:off x="682580" y="2214694"/>
+            <a:ext cx="10895527" cy="2369880"/>
+          </a:xfrm>
+          <a:prstGeom prst="rect">
+            <a:avLst/>
+          </a:prstGeom>
+          <a:noFill/>
+        </p:spPr>
+        <p:txBody>
+          <a:bodyPr wrap="square" rtlCol="0">
+            <a:spAutoFit/>
+          </a:bodyPr>
+          <a:lstStyle/>
+          <a:p>
+            <a:r>
+              <a:rPr lang="en-US" sz="2800" dirty="0" smtClean="0">
+                <a:latin typeface="Times New Roman" panose="02020603050405020304" pitchFamily="18" charset="0"/>
+                <a:cs typeface="Times New Roman" panose="02020603050405020304" pitchFamily="18" charset="0"/>
+              </a:rPr>
+              <a:t>GUI Testing </a:t>
+            </a:r>
+            <a:r>
+              <a:rPr lang="en-US" sz="2800" dirty="0" err="1" smtClean="0">
+                <a:latin typeface="Times New Roman" panose="02020603050405020304" pitchFamily="18" charset="0"/>
+                <a:cs typeface="Times New Roman" panose="02020603050405020304" pitchFamily="18" charset="0"/>
+              </a:rPr>
+              <a:t>là</a:t>
+            </a:r>
+            <a:r>
+              <a:rPr lang="en-US" sz="2800" dirty="0" smtClean="0">
+                <a:latin typeface="Times New Roman" panose="02020603050405020304" pitchFamily="18" charset="0"/>
+                <a:cs typeface="Times New Roman" panose="02020603050405020304" pitchFamily="18" charset="0"/>
+              </a:rPr>
+              <a:t> </a:t>
+            </a:r>
+            <a:r>
+              <a:rPr lang="en-US" sz="2800" dirty="0" err="1" smtClean="0">
+                <a:latin typeface="Times New Roman" panose="02020603050405020304" pitchFamily="18" charset="0"/>
+                <a:cs typeface="Times New Roman" panose="02020603050405020304" pitchFamily="18" charset="0"/>
+              </a:rPr>
+              <a:t>gì</a:t>
+            </a:r>
+            <a:r>
+              <a:rPr lang="en-US" sz="2800" dirty="0" smtClean="0">
+                <a:latin typeface="Times New Roman" panose="02020603050405020304" pitchFamily="18" charset="0"/>
+                <a:cs typeface="Times New Roman" panose="02020603050405020304" pitchFamily="18" charset="0"/>
+              </a:rPr>
+              <a:t> ? (</a:t>
+            </a:r>
+            <a:r>
+              <a:rPr lang="en-US" sz="2800" dirty="0" err="1" smtClean="0">
+                <a:latin typeface="Times New Roman" panose="02020603050405020304" pitchFamily="18" charset="0"/>
+                <a:cs typeface="Times New Roman" panose="02020603050405020304" pitchFamily="18" charset="0"/>
+              </a:rPr>
+              <a:t>tt</a:t>
+            </a:r>
+            <a:r>
+              <a:rPr lang="en-US" sz="2800" dirty="0" smtClean="0">
+                <a:latin typeface="Times New Roman" panose="02020603050405020304" pitchFamily="18" charset="0"/>
+                <a:cs typeface="Times New Roman" panose="02020603050405020304" pitchFamily="18" charset="0"/>
+              </a:rPr>
+              <a:t>)</a:t>
+            </a:r>
+          </a:p>
+          <a:p>
+            <a:pPr marL="457200" indent="-457200">
+              <a:buFont typeface="Arial" panose="020B0604020202020204" pitchFamily="34" charset="0"/>
+              <a:buChar char="•"/>
+            </a:pPr>
+            <a:endParaRPr lang="en-US" sz="2000" dirty="0" smtClean="0">
+              <a:latin typeface="Times New Roman" panose="02020603050405020304" pitchFamily="18" charset="0"/>
+              <a:cs typeface="Times New Roman" panose="02020603050405020304" pitchFamily="18" charset="0"/>
+            </a:endParaRPr>
+          </a:p>
+          <a:p>
+            <a:pPr marL="457200" indent="-457200">
+              <a:buFont typeface="Arial" panose="020B0604020202020204" pitchFamily="34" charset="0"/>
+              <a:buChar char="•"/>
+            </a:pPr>
+            <a:r>
+              <a:rPr lang="en-US" sz="2000" dirty="0">
+                <a:latin typeface="Times New Roman" panose="02020603050405020304" pitchFamily="18" charset="0"/>
+                <a:cs typeface="Times New Roman" panose="02020603050405020304" pitchFamily="18" charset="0"/>
+              </a:rPr>
+              <a:t>To check whether all the functionalities are working properly or not. It is simply we can say Look And Feel.</a:t>
+            </a:r>
+            <a:endParaRPr lang="en-US" sz="2000" dirty="0" smtClean="0">
+              <a:latin typeface="Times New Roman" panose="02020603050405020304" pitchFamily="18" charset="0"/>
+              <a:cs typeface="Times New Roman" panose="02020603050405020304" pitchFamily="18" charset="0"/>
+            </a:endParaRPr>
+          </a:p>
+          <a:p>
+            <a:pPr marL="457200" indent="-457200">
+              <a:buFont typeface="Arial" panose="020B0604020202020204" pitchFamily="34" charset="0"/>
+              <a:buChar char="•"/>
+            </a:pPr>
+            <a:endParaRPr lang="en-US" sz="2000" dirty="0" smtClean="0">
+              <a:latin typeface="Times New Roman" panose="02020603050405020304" pitchFamily="18" charset="0"/>
+              <a:cs typeface="Times New Roman" panose="02020603050405020304" pitchFamily="18" charset="0"/>
+            </a:endParaRPr>
+          </a:p>
+          <a:p>
+            <a:pPr marL="457200" indent="-457200">
+              <a:buFont typeface="Arial" panose="020B0604020202020204" pitchFamily="34" charset="0"/>
+              <a:buChar char="•"/>
+            </a:pPr>
+            <a:r>
+              <a:rPr lang="en-US" sz="2000" dirty="0">
+                <a:latin typeface="Times New Roman" panose="02020603050405020304" pitchFamily="18" charset="0"/>
+                <a:cs typeface="Times New Roman" panose="02020603050405020304" pitchFamily="18" charset="0"/>
+              </a:rPr>
+              <a:t>This test actually tells us the reactions of various GUI components against the input provided and if it is working properly or not.</a:t>
+            </a:r>
+          </a:p>
+        </p:txBody>
+      </p:sp>
+    </p:spTree>
+    <p:extLst>
+      <p:ext uri="{BB962C8B-B14F-4D97-AF65-F5344CB8AC3E}">
+        <p14:creationId xmlns:p14="http://schemas.microsoft.com/office/powerpoint/2010/main" val="2641918328"/>
+      </p:ext>
+    </p:extLst>
+  </p:cSld>
+  <p:clrMapOvr>
+    <a:masterClrMapping/>
+  </p:clrMapOvr>
+  <p:timing>
+    <p:tnLst>
+      <p:par>
+        <p:cTn id="1" dur="indefinite" restart="never" nodeType="tmRoot"/>
+      </p:par>
+    </p:tnLst>
+  </p:timing>
+</p:sld>
+</file>
+
+<file path=ppt/slides/slide8.xml><?xml version="1.0" encoding="utf-8"?>
+<p:sld xmlns:a="http://schemas.openxmlformats.org/drawingml/2006/main" xmlns:r="http://schemas.openxmlformats.org/officeDocument/2006/relationships" xmlns:p="http://schemas.openxmlformats.org/presentationml/2006/main">
+  <p:cSld>
+    <p:spTree>
+      <p:nvGrpSpPr>
+        <p:cNvPr id="1" name=""/>
+        <p:cNvGrpSpPr/>
+        <p:nvPr/>
+      </p:nvGrpSpPr>
+      <p:grpSpPr>
+        <a:xfrm>
+          <a:off x="0" y="0"/>
+          <a:ext cx="0" cy="0"/>
+          <a:chOff x="0" y="0"/>
+          <a:chExt cx="0" cy="0"/>
+        </a:xfrm>
+      </p:grpSpPr>
+      <p:sp>
+        <p:nvSpPr>
+          <p:cNvPr id="2" name="Tiêu đề 1"/>
+          <p:cNvSpPr>
+            <a:spLocks noGrp="1"/>
+          </p:cNvSpPr>
+          <p:nvPr>
+            <p:ph type="title"/>
+          </p:nvPr>
+        </p:nvSpPr>
+        <p:spPr/>
+        <p:txBody>
+          <a:bodyPr/>
+          <a:lstStyle/>
+          <a:p>
+            <a:r>
+              <a:rPr lang="en-US" dirty="0" err="1" smtClean="0">
+                <a:latin typeface="Times New Roman" panose="02020603050405020304" pitchFamily="18" charset="0"/>
+                <a:cs typeface="Times New Roman" panose="02020603050405020304" pitchFamily="18" charset="0"/>
+              </a:rPr>
+              <a:t>Gui</a:t>
+            </a:r>
+            <a:r>
+              <a:rPr lang="en-US" dirty="0" smtClean="0">
+                <a:latin typeface="Times New Roman" panose="02020603050405020304" pitchFamily="18" charset="0"/>
+                <a:cs typeface="Times New Roman" panose="02020603050405020304" pitchFamily="18" charset="0"/>
+              </a:rPr>
+              <a:t> testing ?</a:t>
+            </a:r>
+            <a:endParaRPr lang="en-US" dirty="0">
+              <a:latin typeface="Times New Roman" panose="02020603050405020304" pitchFamily="18" charset="0"/>
+              <a:cs typeface="Times New Roman" panose="02020603050405020304" pitchFamily="18" charset="0"/>
+            </a:endParaRPr>
+          </a:p>
+        </p:txBody>
+      </p:sp>
+      <p:sp>
+        <p:nvSpPr>
+          <p:cNvPr id="5" name="Hộp Văn bản 4"/>
+          <p:cNvSpPr txBox="1"/>
+          <p:nvPr/>
+        </p:nvSpPr>
+        <p:spPr>
+          <a:xfrm>
+            <a:off x="682580" y="2214694"/>
             <a:ext cx="10895527" cy="3600986"/>
           </a:xfrm>
           <a:prstGeom prst="rect">
@@ -12315,7 +12252,7 @@
 </p:sld>
 </file>
 
-<file path=ppt/slides/slide8.xml><?xml version="1.0" encoding="utf-8"?>
+<file path=ppt/slides/slide9.xml><?xml version="1.0" encoding="utf-8"?>
 <p:sld xmlns:a="http://schemas.openxmlformats.org/drawingml/2006/main" xmlns:r="http://schemas.openxmlformats.org/officeDocument/2006/relationships" xmlns:p="http://schemas.openxmlformats.org/presentationml/2006/main">
   <p:cSld>
     <p:spTree>
@@ -12549,256 +12486,6 @@
     <p:extLst>
       <p:ext uri="{BB962C8B-B14F-4D97-AF65-F5344CB8AC3E}">
         <p14:creationId xmlns:p14="http://schemas.microsoft.com/office/powerpoint/2010/main" val="979347416"/>
-      </p:ext>
-    </p:extLst>
-  </p:cSld>
-  <p:clrMapOvr>
-    <a:masterClrMapping/>
-  </p:clrMapOvr>
-  <p:timing>
-    <p:tnLst>
-      <p:par>
-        <p:cTn id="1" dur="indefinite" restart="never" nodeType="tmRoot"/>
-      </p:par>
-    </p:tnLst>
-  </p:timing>
-</p:sld>
-</file>
-
-<file path=ppt/slides/slide9.xml><?xml version="1.0" encoding="utf-8"?>
-<p:sld xmlns:a="http://schemas.openxmlformats.org/drawingml/2006/main" xmlns:r="http://schemas.openxmlformats.org/officeDocument/2006/relationships" xmlns:p="http://schemas.openxmlformats.org/presentationml/2006/main">
-  <p:cSld>
-    <p:spTree>
-      <p:nvGrpSpPr>
-        <p:cNvPr id="1" name=""/>
-        <p:cNvGrpSpPr/>
-        <p:nvPr/>
-      </p:nvGrpSpPr>
-      <p:grpSpPr>
-        <a:xfrm>
-          <a:off x="0" y="0"/>
-          <a:ext cx="0" cy="0"/>
-          <a:chOff x="0" y="0"/>
-          <a:chExt cx="0" cy="0"/>
-        </a:xfrm>
-      </p:grpSpPr>
-      <p:sp>
-        <p:nvSpPr>
-          <p:cNvPr id="2" name="Tiêu đề 1"/>
-          <p:cNvSpPr>
-            <a:spLocks noGrp="1"/>
-          </p:cNvSpPr>
-          <p:nvPr>
-            <p:ph type="title"/>
-          </p:nvPr>
-        </p:nvSpPr>
-        <p:spPr/>
-        <p:txBody>
-          <a:bodyPr/>
-          <a:lstStyle/>
-          <a:p>
-            <a:r>
-              <a:rPr lang="en-US" dirty="0" err="1" smtClean="0">
-                <a:latin typeface="Times New Roman" panose="02020603050405020304" pitchFamily="18" charset="0"/>
-                <a:cs typeface="Times New Roman" panose="02020603050405020304" pitchFamily="18" charset="0"/>
-              </a:rPr>
-              <a:t>Gui</a:t>
-            </a:r>
-            <a:r>
-              <a:rPr lang="en-US" dirty="0" smtClean="0">
-                <a:latin typeface="Times New Roman" panose="02020603050405020304" pitchFamily="18" charset="0"/>
-                <a:cs typeface="Times New Roman" panose="02020603050405020304" pitchFamily="18" charset="0"/>
-              </a:rPr>
-              <a:t> testing ?</a:t>
-            </a:r>
-            <a:endParaRPr lang="en-US" dirty="0">
-              <a:latin typeface="Times New Roman" panose="02020603050405020304" pitchFamily="18" charset="0"/>
-              <a:cs typeface="Times New Roman" panose="02020603050405020304" pitchFamily="18" charset="0"/>
-            </a:endParaRPr>
-          </a:p>
-        </p:txBody>
-      </p:sp>
-      <p:sp>
-        <p:nvSpPr>
-          <p:cNvPr id="5" name="Hộp Văn bản 4"/>
-          <p:cNvSpPr txBox="1"/>
-          <p:nvPr/>
-        </p:nvSpPr>
-        <p:spPr>
-          <a:xfrm>
-            <a:off x="682580" y="2214694"/>
-            <a:ext cx="10895527" cy="1446550"/>
-          </a:xfrm>
-          <a:prstGeom prst="rect">
-            <a:avLst/>
-          </a:prstGeom>
-          <a:noFill/>
-        </p:spPr>
-        <p:txBody>
-          <a:bodyPr wrap="square" rtlCol="0">
-            <a:spAutoFit/>
-          </a:bodyPr>
-          <a:lstStyle/>
-          <a:p>
-            <a:r>
-              <a:rPr lang="en-US" sz="2800" dirty="0" smtClean="0">
-                <a:latin typeface="Times New Roman" panose="02020603050405020304" pitchFamily="18" charset="0"/>
-                <a:cs typeface="Times New Roman" panose="02020603050405020304" pitchFamily="18" charset="0"/>
-              </a:rPr>
-              <a:t>GUI Testing examples:</a:t>
-            </a:r>
-          </a:p>
-          <a:p>
-            <a:pPr marL="457200" indent="-457200">
-              <a:buFont typeface="Arial" panose="020B0604020202020204" pitchFamily="34" charset="0"/>
-              <a:buChar char="•"/>
-            </a:pPr>
-            <a:endParaRPr lang="en-US" sz="2000" dirty="0" smtClean="0">
-              <a:latin typeface="Times New Roman" panose="02020603050405020304" pitchFamily="18" charset="0"/>
-              <a:cs typeface="Times New Roman" panose="02020603050405020304" pitchFamily="18" charset="0"/>
-            </a:endParaRPr>
-          </a:p>
-          <a:p>
-            <a:r>
-              <a:rPr lang="en-US" sz="2000" dirty="0" smtClean="0">
-                <a:latin typeface="Times New Roman" panose="02020603050405020304" pitchFamily="18" charset="0"/>
-                <a:cs typeface="Times New Roman" panose="02020603050405020304" pitchFamily="18" charset="0"/>
-              </a:rPr>
-              <a:t>Example 2:</a:t>
-            </a:r>
-            <a:endParaRPr lang="en-US" sz="2000" dirty="0">
-              <a:latin typeface="Times New Roman" panose="02020603050405020304" pitchFamily="18" charset="0"/>
-              <a:cs typeface="Times New Roman" panose="02020603050405020304" pitchFamily="18" charset="0"/>
-            </a:endParaRPr>
-          </a:p>
-          <a:p>
-            <a:pPr lvl="0"/>
-            <a:r>
-              <a:rPr lang="en-US" sz="2000" dirty="0" smtClean="0">
-                <a:latin typeface="Times New Roman" panose="02020603050405020304" pitchFamily="18" charset="0"/>
-                <a:cs typeface="Times New Roman" panose="02020603050405020304" pitchFamily="18" charset="0"/>
-              </a:rPr>
-              <a:t>	</a:t>
-            </a:r>
-            <a:endParaRPr lang="en-US" sz="2000" dirty="0">
-              <a:latin typeface="Times New Roman" panose="02020603050405020304" pitchFamily="18" charset="0"/>
-              <a:cs typeface="Times New Roman" panose="02020603050405020304" pitchFamily="18" charset="0"/>
-            </a:endParaRPr>
-          </a:p>
-        </p:txBody>
-      </p:sp>
-      <p:sp>
-        <p:nvSpPr>
-          <p:cNvPr id="6" name="Mũi tên Phải 5"/>
-          <p:cNvSpPr/>
-          <p:nvPr/>
-        </p:nvSpPr>
-        <p:spPr>
-          <a:xfrm>
-            <a:off x="6194739" y="3661244"/>
-            <a:ext cx="1390919" cy="588784"/>
-          </a:xfrm>
-          <a:prstGeom prst="rightArrow">
-            <a:avLst/>
-          </a:prstGeom>
-          <a:solidFill>
-            <a:srgbClr val="FF0000"/>
-          </a:solidFill>
-          <a:ln>
-            <a:solidFill>
-              <a:srgbClr val="FF0000"/>
-            </a:solidFill>
-          </a:ln>
-        </p:spPr>
-        <p:style>
-          <a:lnRef idx="2">
-            <a:schemeClr val="accent1">
-              <a:shade val="50000"/>
-            </a:schemeClr>
-          </a:lnRef>
-          <a:fillRef idx="1">
-            <a:schemeClr val="accent1"/>
-          </a:fillRef>
-          <a:effectRef idx="0">
-            <a:schemeClr val="accent1"/>
-          </a:effectRef>
-          <a:fontRef idx="minor">
-            <a:schemeClr val="lt1"/>
-          </a:fontRef>
-        </p:style>
-        <p:txBody>
-          <a:bodyPr rtlCol="0" anchor="ctr"/>
-          <a:lstStyle/>
-          <a:p>
-            <a:pPr algn="ctr"/>
-            <a:endParaRPr lang="en-US"/>
-          </a:p>
-        </p:txBody>
-      </p:sp>
-      <p:pic>
-        <p:nvPicPr>
-          <p:cNvPr id="7" name="Ảnh 6"/>
-          <p:cNvPicPr>
-            <a:picLocks noChangeAspect="1"/>
-          </p:cNvPicPr>
-          <p:nvPr/>
-        </p:nvPicPr>
-        <p:blipFill>
-          <a:blip r:embed="rId2">
-            <a:extLst>
-              <a:ext uri="{28A0092B-C50C-407E-A947-70E740481C1C}">
-                <a14:useLocalDpi xmlns:a14="http://schemas.microsoft.com/office/drawing/2010/main" val="0"/>
-              </a:ext>
-            </a:extLst>
-          </a:blip>
-          <a:stretch>
-            <a:fillRect/>
-          </a:stretch>
-        </p:blipFill>
-        <p:spPr>
-          <a:xfrm>
-            <a:off x="2278914" y="2648184"/>
-            <a:ext cx="3625654" cy="2464729"/>
-          </a:xfrm>
-          <a:prstGeom prst="rect">
-            <a:avLst/>
-          </a:prstGeom>
-        </p:spPr>
-      </p:pic>
-      <p:pic>
-        <p:nvPicPr>
-          <p:cNvPr id="8" name="Ảnh 7"/>
-          <p:cNvPicPr>
-            <a:picLocks noChangeAspect="1"/>
-          </p:cNvPicPr>
-          <p:nvPr/>
-        </p:nvPicPr>
-        <p:blipFill>
-          <a:blip r:embed="rId3">
-            <a:extLst>
-              <a:ext uri="{28A0092B-C50C-407E-A947-70E740481C1C}">
-                <a14:useLocalDpi xmlns:a14="http://schemas.microsoft.com/office/drawing/2010/main" val="0"/>
-              </a:ext>
-            </a:extLst>
-          </a:blip>
-          <a:stretch>
-            <a:fillRect/>
-          </a:stretch>
-        </p:blipFill>
-        <p:spPr>
-          <a:xfrm>
-            <a:off x="8076745" y="2648183"/>
-            <a:ext cx="3177235" cy="2609237"/>
-          </a:xfrm>
-          <a:prstGeom prst="rect">
-            <a:avLst/>
-          </a:prstGeom>
-        </p:spPr>
-      </p:pic>
-    </p:spTree>
-    <p:extLst>
-      <p:ext uri="{BB962C8B-B14F-4D97-AF65-F5344CB8AC3E}">
-        <p14:creationId xmlns:p14="http://schemas.microsoft.com/office/powerpoint/2010/main" val="1720466913"/>
       </p:ext>
     </p:extLst>
   </p:cSld>
